--- a/part2.pptx
+++ b/part2.pptx
@@ -30,11 +30,22 @@
     <p:sldId id="279" r:id="rId24"/>
     <p:sldId id="280" r:id="rId25"/>
     <p:sldId id="281" r:id="rId26"/>
-    <p:sldId id="282" r:id="rId27"/>
-    <p:sldId id="283" r:id="rId28"/>
-    <p:sldId id="285" r:id="rId29"/>
-    <p:sldId id="284" r:id="rId30"/>
-    <p:sldId id="286" r:id="rId31"/>
+    <p:sldId id="287" r:id="rId27"/>
+    <p:sldId id="282" r:id="rId28"/>
+    <p:sldId id="283" r:id="rId29"/>
+    <p:sldId id="285" r:id="rId30"/>
+    <p:sldId id="284" r:id="rId31"/>
+    <p:sldId id="286" r:id="rId32"/>
+    <p:sldId id="292" r:id="rId33"/>
+    <p:sldId id="293" r:id="rId34"/>
+    <p:sldId id="295" r:id="rId35"/>
+    <p:sldId id="296" r:id="rId36"/>
+    <p:sldId id="297" r:id="rId37"/>
+    <p:sldId id="288" r:id="rId38"/>
+    <p:sldId id="289" r:id="rId39"/>
+    <p:sldId id="290" r:id="rId40"/>
+    <p:sldId id="291" r:id="rId41"/>
+    <p:sldId id="294" r:id="rId42"/>
   </p:sldIdLst>
   <p:sldSz cx="12192000" cy="6858000"/>
   <p:notesSz cx="6858000" cy="9144000"/>
@@ -133,6 +144,11 @@
       </a:defRPr>
     </a:lvl9pPr>
   </p:defaultTextStyle>
+  <p:extLst>
+    <p:ext uri="{EFAFB233-063F-42B5-8137-9DF3F51BA10A}">
+      <p15:sldGuideLst xmlns:p15="http://schemas.microsoft.com/office/powerpoint/2012/main"/>
+    </p:ext>
+  </p:extLst>
 </p:presentation>
 </file>
 
@@ -285,7 +301,7 @@
           <a:p>
             <a:fld id="{36AE7899-ECE2-4872-B3A3-64A04E20D20C}" type="datetimeFigureOut">
               <a:rPr lang="en-IE" smtClean="0"/>
-              <a:t>30/09/2019</a:t>
+              <a:t>02/10/2019</a:t>
             </a:fld>
             <a:endParaRPr lang="en-IE"/>
           </a:p>
@@ -485,7 +501,7 @@
           <a:p>
             <a:fld id="{36AE7899-ECE2-4872-B3A3-64A04E20D20C}" type="datetimeFigureOut">
               <a:rPr lang="en-IE" smtClean="0"/>
-              <a:t>30/09/2019</a:t>
+              <a:t>02/10/2019</a:t>
             </a:fld>
             <a:endParaRPr lang="en-IE"/>
           </a:p>
@@ -695,7 +711,7 @@
           <a:p>
             <a:fld id="{36AE7899-ECE2-4872-B3A3-64A04E20D20C}" type="datetimeFigureOut">
               <a:rPr lang="en-IE" smtClean="0"/>
-              <a:t>30/09/2019</a:t>
+              <a:t>02/10/2019</a:t>
             </a:fld>
             <a:endParaRPr lang="en-IE"/>
           </a:p>
@@ -895,7 +911,7 @@
           <a:p>
             <a:fld id="{36AE7899-ECE2-4872-B3A3-64A04E20D20C}" type="datetimeFigureOut">
               <a:rPr lang="en-IE" smtClean="0"/>
-              <a:t>30/09/2019</a:t>
+              <a:t>02/10/2019</a:t>
             </a:fld>
             <a:endParaRPr lang="en-IE"/>
           </a:p>
@@ -1171,7 +1187,7 @@
           <a:p>
             <a:fld id="{36AE7899-ECE2-4872-B3A3-64A04E20D20C}" type="datetimeFigureOut">
               <a:rPr lang="en-IE" smtClean="0"/>
-              <a:t>30/09/2019</a:t>
+              <a:t>02/10/2019</a:t>
             </a:fld>
             <a:endParaRPr lang="en-IE"/>
           </a:p>
@@ -1439,7 +1455,7 @@
           <a:p>
             <a:fld id="{36AE7899-ECE2-4872-B3A3-64A04E20D20C}" type="datetimeFigureOut">
               <a:rPr lang="en-IE" smtClean="0"/>
-              <a:t>30/09/2019</a:t>
+              <a:t>02/10/2019</a:t>
             </a:fld>
             <a:endParaRPr lang="en-IE"/>
           </a:p>
@@ -1854,7 +1870,7 @@
           <a:p>
             <a:fld id="{36AE7899-ECE2-4872-B3A3-64A04E20D20C}" type="datetimeFigureOut">
               <a:rPr lang="en-IE" smtClean="0"/>
-              <a:t>30/09/2019</a:t>
+              <a:t>02/10/2019</a:t>
             </a:fld>
             <a:endParaRPr lang="en-IE"/>
           </a:p>
@@ -1996,7 +2012,7 @@
           <a:p>
             <a:fld id="{36AE7899-ECE2-4872-B3A3-64A04E20D20C}" type="datetimeFigureOut">
               <a:rPr lang="en-IE" smtClean="0"/>
-              <a:t>30/09/2019</a:t>
+              <a:t>02/10/2019</a:t>
             </a:fld>
             <a:endParaRPr lang="en-IE"/>
           </a:p>
@@ -2109,7 +2125,7 @@
           <a:p>
             <a:fld id="{36AE7899-ECE2-4872-B3A3-64A04E20D20C}" type="datetimeFigureOut">
               <a:rPr lang="en-IE" smtClean="0"/>
-              <a:t>30/09/2019</a:t>
+              <a:t>02/10/2019</a:t>
             </a:fld>
             <a:endParaRPr lang="en-IE"/>
           </a:p>
@@ -2422,7 +2438,7 @@
           <a:p>
             <a:fld id="{36AE7899-ECE2-4872-B3A3-64A04E20D20C}" type="datetimeFigureOut">
               <a:rPr lang="en-IE" smtClean="0"/>
-              <a:t>30/09/2019</a:t>
+              <a:t>02/10/2019</a:t>
             </a:fld>
             <a:endParaRPr lang="en-IE"/>
           </a:p>
@@ -2711,7 +2727,7 @@
           <a:p>
             <a:fld id="{36AE7899-ECE2-4872-B3A3-64A04E20D20C}" type="datetimeFigureOut">
               <a:rPr lang="en-IE" smtClean="0"/>
-              <a:t>30/09/2019</a:t>
+              <a:t>02/10/2019</a:t>
             </a:fld>
             <a:endParaRPr lang="en-IE"/>
           </a:p>
@@ -2954,7 +2970,7 @@
           <a:p>
             <a:fld id="{36AE7899-ECE2-4872-B3A3-64A04E20D20C}" type="datetimeFigureOut">
               <a:rPr lang="en-IE" smtClean="0"/>
-              <a:t>30/09/2019</a:t>
+              <a:t>02/10/2019</a:t>
             </a:fld>
             <a:endParaRPr lang="en-IE"/>
           </a:p>
@@ -3448,7 +3464,7 @@
         <p:spPr>
           <a:xfrm>
             <a:off x="1261503" y="6488668"/>
-            <a:ext cx="9668994" cy="369332"/>
+            <a:ext cx="9952725" cy="369332"/>
           </a:xfrm>
           <a:prstGeom prst="rect">
             <a:avLst/>
@@ -3462,34 +3478,19 @@
           <a:lstStyle/>
           <a:p>
             <a:r>
-              <a:rPr lang="en-IE" dirty="0">
-                <a:solidFill>
-                  <a:srgbClr val="FF0000"/>
-                </a:solidFill>
-              </a:rPr>
+              <a:rPr lang="en-IE" dirty="0"/>
               <a:t>This presentation (along with the sample code) lives on </a:t>
             </a:r>
             <a:r>
-              <a:rPr lang="en-IE" dirty="0" err="1">
-                <a:solidFill>
-                  <a:srgbClr val="FF0000"/>
-                </a:solidFill>
-              </a:rPr>
+              <a:rPr lang="en-IE" dirty="0" err="1"/>
               <a:t>github</a:t>
             </a:r>
             <a:r>
-              <a:rPr lang="en-IE" dirty="0">
-                <a:solidFill>
-                  <a:srgbClr val="FF0000"/>
-                </a:solidFill>
-              </a:rPr>
+              <a:rPr lang="en-IE" dirty="0"/>
               <a:t>: </a:t>
             </a:r>
             <a:r>
               <a:rPr lang="en-IE" dirty="0">
-                <a:solidFill>
-                  <a:srgbClr val="FF0000"/>
-                </a:solidFill>
                 <a:hlinkClick r:id="rId2">
                   <a:extLst>
                     <a:ext uri="{A12FA001-AC4F-418D-AE19-62706E023703}">
@@ -3501,11 +3502,7 @@
               <a:t>https://github.com/quarck/vhdl_intro</a:t>
             </a:r>
             <a:r>
-              <a:rPr lang="en-IE" dirty="0">
-                <a:solidFill>
-                  <a:srgbClr val="FF0000"/>
-                </a:solidFill>
-              </a:rPr>
+              <a:rPr lang="en-IE" dirty="0"/>
               <a:t> </a:t>
             </a:r>
           </a:p>
@@ -7944,7 +7941,7 @@
                 <a:latin typeface="Courier New" panose="02070309020205020404" pitchFamily="49" charset="0"/>
                 <a:cs typeface="Courier New" panose="02070309020205020404" pitchFamily="49" charset="0"/>
               </a:rPr>
-              <a:t> (</a:t>
+              <a:t> </a:t>
             </a:r>
             <a:r>
               <a:rPr lang="en-IE" sz="3200" dirty="0" err="1">
@@ -7958,7 +7955,7 @@
                 <a:latin typeface="Courier New" panose="02070309020205020404" pitchFamily="49" charset="0"/>
                 <a:cs typeface="Courier New" panose="02070309020205020404" pitchFamily="49" charset="0"/>
               </a:rPr>
-              <a:t>, x);</a:t>
+              <a:t>, x;</a:t>
             </a:r>
           </a:p>
           <a:p>
@@ -8048,7 +8045,7 @@
           <a:p>
             <a:r>
               <a:rPr lang="en-IE" dirty="0"/>
-              <a:t>VHDL: process, signals vs variables</a:t>
+              <a:t>VHDL: process, wait statement:</a:t>
             </a:r>
           </a:p>
         </p:txBody>
@@ -8069,33 +8066,285 @@
             <p:ph idx="1"/>
           </p:nvPr>
         </p:nvSpPr>
-        <p:spPr>
-          <a:xfrm>
-            <a:off x="838200" y="1391478"/>
-            <a:ext cx="10515600" cy="5101397"/>
-          </a:xfrm>
-        </p:spPr>
+        <p:spPr/>
         <p:txBody>
           <a:bodyPr>
-            <a:normAutofit/>
+            <a:normAutofit fontScale="92500" lnSpcReduction="20000"/>
           </a:bodyPr>
           <a:lstStyle/>
           <a:p>
             <a:r>
               <a:rPr lang="en-IE" sz="3200" dirty="0"/>
-              <a:t>Both “signals” and “variables” can be used inside the process statement</a:t>
-            </a:r>
+              <a:t>Formal syntax: </a:t>
+            </a:r>
+          </a:p>
+          <a:p>
+            <a:pPr marL="0" indent="0">
+              <a:buNone/>
+            </a:pPr>
+            <a:r>
+              <a:rPr lang="en-IE" sz="3200" dirty="0">
+                <a:latin typeface="Courier New" panose="02070309020205020404" pitchFamily="49" charset="0"/>
+                <a:cs typeface="Courier New" panose="02070309020205020404" pitchFamily="49" charset="0"/>
+              </a:rPr>
+              <a:t>	[label:] </a:t>
+            </a:r>
+            <a:r>
+              <a:rPr lang="en-IE" sz="3200" b="1" dirty="0">
+                <a:latin typeface="Courier New" panose="02070309020205020404" pitchFamily="49" charset="0"/>
+                <a:cs typeface="Courier New" panose="02070309020205020404" pitchFamily="49" charset="0"/>
+              </a:rPr>
+              <a:t>wait</a:t>
+            </a:r>
+            <a:r>
+              <a:rPr lang="en-IE" sz="3200" dirty="0">
+                <a:latin typeface="Courier New" panose="02070309020205020404" pitchFamily="49" charset="0"/>
+                <a:cs typeface="Courier New" panose="02070309020205020404" pitchFamily="49" charset="0"/>
+              </a:rPr>
+              <a:t> [on &lt;signal&gt; {, ...}]</a:t>
+            </a:r>
+          </a:p>
+          <a:p>
+            <a:pPr marL="0" indent="0">
+              <a:buNone/>
+            </a:pPr>
+            <a:r>
+              <a:rPr lang="en-IE" sz="3200" dirty="0">
+                <a:latin typeface="Courier New" panose="02070309020205020404" pitchFamily="49" charset="0"/>
+                <a:cs typeface="Courier New" panose="02070309020205020404" pitchFamily="49" charset="0"/>
+              </a:rPr>
+              <a:t>	[</a:t>
+            </a:r>
+            <a:r>
+              <a:rPr lang="en-IE" sz="3200" b="1" dirty="0">
+                <a:latin typeface="Courier New" panose="02070309020205020404" pitchFamily="49" charset="0"/>
+                <a:cs typeface="Courier New" panose="02070309020205020404" pitchFamily="49" charset="0"/>
+              </a:rPr>
+              <a:t>until</a:t>
+            </a:r>
+            <a:r>
+              <a:rPr lang="en-IE" sz="3200" dirty="0">
+                <a:latin typeface="Courier New" panose="02070309020205020404" pitchFamily="49" charset="0"/>
+                <a:cs typeface="Courier New" panose="02070309020205020404" pitchFamily="49" charset="0"/>
+              </a:rPr>
+              <a:t> &lt;</a:t>
+            </a:r>
+            <a:r>
+              <a:rPr lang="en-IE" sz="3200" dirty="0" err="1">
+                <a:latin typeface="Courier New" panose="02070309020205020404" pitchFamily="49" charset="0"/>
+                <a:cs typeface="Courier New" panose="02070309020205020404" pitchFamily="49" charset="0"/>
+              </a:rPr>
+              <a:t>boolean_expresion</a:t>
+            </a:r>
+            <a:r>
+              <a:rPr lang="en-IE" sz="3200" dirty="0">
+                <a:latin typeface="Courier New" panose="02070309020205020404" pitchFamily="49" charset="0"/>
+                <a:cs typeface="Courier New" panose="02070309020205020404" pitchFamily="49" charset="0"/>
+              </a:rPr>
+              <a:t>&gt;]</a:t>
+            </a:r>
+          </a:p>
+          <a:p>
+            <a:pPr marL="0" indent="0">
+              <a:buNone/>
+            </a:pPr>
+            <a:r>
+              <a:rPr lang="en-IE" sz="3200" dirty="0">
+                <a:latin typeface="Courier New" panose="02070309020205020404" pitchFamily="49" charset="0"/>
+                <a:cs typeface="Courier New" panose="02070309020205020404" pitchFamily="49" charset="0"/>
+              </a:rPr>
+              <a:t>	[</a:t>
+            </a:r>
+            <a:r>
+              <a:rPr lang="en-IE" sz="3200" b="1" dirty="0">
+                <a:latin typeface="Courier New" panose="02070309020205020404" pitchFamily="49" charset="0"/>
+                <a:cs typeface="Courier New" panose="02070309020205020404" pitchFamily="49" charset="0"/>
+              </a:rPr>
+              <a:t>for</a:t>
+            </a:r>
+            <a:r>
+              <a:rPr lang="en-IE" sz="3200" dirty="0">
+                <a:latin typeface="Courier New" panose="02070309020205020404" pitchFamily="49" charset="0"/>
+                <a:cs typeface="Courier New" panose="02070309020205020404" pitchFamily="49" charset="0"/>
+              </a:rPr>
+              <a:t> &lt;</a:t>
+            </a:r>
+            <a:r>
+              <a:rPr lang="en-IE" sz="3200" dirty="0" err="1">
+                <a:latin typeface="Courier New" panose="02070309020205020404" pitchFamily="49" charset="0"/>
+                <a:cs typeface="Courier New" panose="02070309020205020404" pitchFamily="49" charset="0"/>
+              </a:rPr>
+              <a:t>time_expresion</a:t>
+            </a:r>
+            <a:r>
+              <a:rPr lang="en-IE" sz="3200" dirty="0">
+                <a:latin typeface="Courier New" panose="02070309020205020404" pitchFamily="49" charset="0"/>
+                <a:cs typeface="Courier New" panose="02070309020205020404" pitchFamily="49" charset="0"/>
+              </a:rPr>
+              <a:t>&gt;];</a:t>
+            </a:r>
+            <a:endParaRPr lang="en-IE" sz="3200" dirty="0"/>
           </a:p>
           <a:p>
             <a:r>
               <a:rPr lang="en-IE" sz="3200" dirty="0"/>
-              <a:t>Variable assignment has an immediate effect </a:t>
-            </a:r>
-          </a:p>
-          <a:p>
-            <a:r>
-              <a:rPr lang="en-IE" sz="3200" dirty="0"/>
-              <a:t>Signal assignment only “applies” when process is suspended</a:t>
+              <a:t>Examples:</a:t>
+            </a:r>
+          </a:p>
+          <a:p>
+            <a:pPr marL="0" indent="0">
+              <a:buNone/>
+            </a:pPr>
+            <a:r>
+              <a:rPr lang="en-IE" sz="3200" dirty="0">
+                <a:latin typeface="Courier New" panose="02070309020205020404" pitchFamily="49" charset="0"/>
+                <a:cs typeface="Courier New" panose="02070309020205020404" pitchFamily="49" charset="0"/>
+              </a:rPr>
+              <a:t>	</a:t>
+            </a:r>
+            <a:r>
+              <a:rPr lang="en-IE" sz="3200" b="1" dirty="0">
+                <a:latin typeface="Courier New" panose="02070309020205020404" pitchFamily="49" charset="0"/>
+                <a:cs typeface="Courier New" panose="02070309020205020404" pitchFamily="49" charset="0"/>
+              </a:rPr>
+              <a:t>wait on</a:t>
+            </a:r>
+            <a:r>
+              <a:rPr lang="en-IE" sz="3200" dirty="0">
+                <a:latin typeface="Courier New" panose="02070309020205020404" pitchFamily="49" charset="0"/>
+                <a:cs typeface="Courier New" panose="02070309020205020404" pitchFamily="49" charset="0"/>
+              </a:rPr>
+              <a:t> </a:t>
+            </a:r>
+            <a:r>
+              <a:rPr lang="en-IE" sz="3200" dirty="0" err="1">
+                <a:latin typeface="Courier New" panose="02070309020205020404" pitchFamily="49" charset="0"/>
+                <a:cs typeface="Courier New" panose="02070309020205020404" pitchFamily="49" charset="0"/>
+              </a:rPr>
+              <a:t>clk</a:t>
+            </a:r>
+            <a:r>
+              <a:rPr lang="en-IE" sz="3200" dirty="0">
+                <a:latin typeface="Courier New" panose="02070309020205020404" pitchFamily="49" charset="0"/>
+                <a:cs typeface="Courier New" panose="02070309020205020404" pitchFamily="49" charset="0"/>
+              </a:rPr>
+              <a:t>, x;</a:t>
+            </a:r>
+          </a:p>
+          <a:p>
+            <a:pPr marL="0" indent="0">
+              <a:buNone/>
+            </a:pPr>
+            <a:r>
+              <a:rPr lang="en-IE" sz="3200" dirty="0">
+                <a:latin typeface="Courier New" panose="02070309020205020404" pitchFamily="49" charset="0"/>
+                <a:cs typeface="Courier New" panose="02070309020205020404" pitchFamily="49" charset="0"/>
+              </a:rPr>
+              <a:t>	</a:t>
+            </a:r>
+            <a:r>
+              <a:rPr lang="en-IE" sz="3200" b="1" dirty="0">
+                <a:latin typeface="Courier New" panose="02070309020205020404" pitchFamily="49" charset="0"/>
+                <a:cs typeface="Courier New" panose="02070309020205020404" pitchFamily="49" charset="0"/>
+              </a:rPr>
+              <a:t>wait</a:t>
+            </a:r>
+            <a:r>
+              <a:rPr lang="en-IE" sz="3200" dirty="0">
+                <a:latin typeface="Courier New" panose="02070309020205020404" pitchFamily="49" charset="0"/>
+                <a:cs typeface="Courier New" panose="02070309020205020404" pitchFamily="49" charset="0"/>
+              </a:rPr>
+              <a:t> </a:t>
+            </a:r>
+            <a:r>
+              <a:rPr lang="en-IE" sz="3200" b="1" dirty="0">
+                <a:latin typeface="Courier New" panose="02070309020205020404" pitchFamily="49" charset="0"/>
+                <a:cs typeface="Courier New" panose="02070309020205020404" pitchFamily="49" charset="0"/>
+              </a:rPr>
+              <a:t>for</a:t>
+            </a:r>
+            <a:r>
+              <a:rPr lang="en-IE" sz="3200" dirty="0">
+                <a:latin typeface="Courier New" panose="02070309020205020404" pitchFamily="49" charset="0"/>
+                <a:cs typeface="Courier New" panose="02070309020205020404" pitchFamily="49" charset="0"/>
+              </a:rPr>
+              <a:t> 10 ns;</a:t>
+            </a:r>
+          </a:p>
+          <a:p>
+            <a:pPr marL="0" indent="0">
+              <a:buNone/>
+            </a:pPr>
+            <a:r>
+              <a:rPr lang="en-IE" sz="3200" dirty="0">
+                <a:latin typeface="Courier New" panose="02070309020205020404" pitchFamily="49" charset="0"/>
+                <a:cs typeface="Courier New" panose="02070309020205020404" pitchFamily="49" charset="0"/>
+              </a:rPr>
+              <a:t>	</a:t>
+            </a:r>
+            <a:r>
+              <a:rPr lang="en-IE" sz="3200" b="1" dirty="0">
+                <a:latin typeface="Courier New" panose="02070309020205020404" pitchFamily="49" charset="0"/>
+                <a:cs typeface="Courier New" panose="02070309020205020404" pitchFamily="49" charset="0"/>
+              </a:rPr>
+              <a:t>wait until</a:t>
+            </a:r>
+            <a:r>
+              <a:rPr lang="en-IE" sz="3200" dirty="0">
+                <a:latin typeface="Courier New" panose="02070309020205020404" pitchFamily="49" charset="0"/>
+                <a:cs typeface="Courier New" panose="02070309020205020404" pitchFamily="49" charset="0"/>
+              </a:rPr>
+              <a:t> </a:t>
+            </a:r>
+            <a:r>
+              <a:rPr lang="en-IE" sz="3200" dirty="0" err="1">
+                <a:latin typeface="Courier New" panose="02070309020205020404" pitchFamily="49" charset="0"/>
+                <a:cs typeface="Courier New" panose="02070309020205020404" pitchFamily="49" charset="0"/>
+              </a:rPr>
+              <a:t>clk</a:t>
+            </a:r>
+            <a:r>
+              <a:rPr lang="en-IE" sz="3200" dirty="0">
+                <a:latin typeface="Courier New" panose="02070309020205020404" pitchFamily="49" charset="0"/>
+                <a:cs typeface="Courier New" panose="02070309020205020404" pitchFamily="49" charset="0"/>
+              </a:rPr>
+              <a:t> = ‘1’; </a:t>
+            </a:r>
+          </a:p>
+          <a:p>
+            <a:pPr marL="0" indent="0">
+              <a:buNone/>
+            </a:pPr>
+            <a:r>
+              <a:rPr lang="en-IE" sz="3200" dirty="0">
+                <a:latin typeface="Courier New" panose="02070309020205020404" pitchFamily="49" charset="0"/>
+                <a:cs typeface="Courier New" panose="02070309020205020404" pitchFamily="49" charset="0"/>
+              </a:rPr>
+              <a:t>	</a:t>
+            </a:r>
+            <a:r>
+              <a:rPr lang="en-IE" sz="3200" b="1" dirty="0">
+                <a:latin typeface="Courier New" panose="02070309020205020404" pitchFamily="49" charset="0"/>
+                <a:cs typeface="Courier New" panose="02070309020205020404" pitchFamily="49" charset="0"/>
+              </a:rPr>
+              <a:t>wait</a:t>
+            </a:r>
+            <a:r>
+              <a:rPr lang="en-IE" sz="3200" dirty="0">
+                <a:latin typeface="Courier New" panose="02070309020205020404" pitchFamily="49" charset="0"/>
+                <a:cs typeface="Courier New" panose="02070309020205020404" pitchFamily="49" charset="0"/>
+              </a:rPr>
+              <a:t>;	</a:t>
+            </a:r>
+            <a:r>
+              <a:rPr lang="en-IE" sz="3200" dirty="0">
+                <a:solidFill>
+                  <a:srgbClr val="00B050"/>
+                </a:solidFill>
+                <a:latin typeface="Courier New" panose="02070309020205020404" pitchFamily="49" charset="0"/>
+                <a:cs typeface="Courier New" panose="02070309020205020404" pitchFamily="49" charset="0"/>
+              </a:rPr>
+              <a:t>-- “terminates” the process</a:t>
             </a:r>
           </a:p>
         </p:txBody>
@@ -8103,7 +8352,7 @@
     </p:spTree>
     <p:extLst>
       <p:ext uri="{BB962C8B-B14F-4D97-AF65-F5344CB8AC3E}">
-        <p14:creationId xmlns:p14="http://schemas.microsoft.com/office/powerpoint/2010/main" val="2235073655"/>
+        <p14:creationId xmlns:p14="http://schemas.microsoft.com/office/powerpoint/2010/main" val="3115971297"/>
       </p:ext>
     </p:extLst>
   </p:cSld>
@@ -8153,7 +8402,7 @@
           <a:p>
             <a:r>
               <a:rPr lang="en-IE" dirty="0"/>
-              <a:t>VHDL: process, signals vs variables, example:</a:t>
+              <a:t>VHDL: process, signals vs variables</a:t>
             </a:r>
           </a:p>
         </p:txBody>
@@ -8182,421 +8431,25 @@
         </p:spPr>
         <p:txBody>
           <a:bodyPr>
-            <a:normAutofit fontScale="70000" lnSpcReduction="20000"/>
+            <a:normAutofit/>
           </a:bodyPr>
           <a:lstStyle/>
           <a:p>
-            <a:pPr marL="0" indent="0">
-              <a:buNone/>
-            </a:pPr>
-            <a:r>
-              <a:rPr lang="en-IE" sz="3200" b="1" dirty="0">
-                <a:latin typeface="Courier New" panose="02070309020205020404" pitchFamily="49" charset="0"/>
-                <a:cs typeface="Courier New" panose="02070309020205020404" pitchFamily="49" charset="0"/>
-              </a:rPr>
-              <a:t>process </a:t>
-            </a:r>
-            <a:r>
-              <a:rPr lang="en-IE" sz="3200" dirty="0">
-                <a:latin typeface="Courier New" panose="02070309020205020404" pitchFamily="49" charset="0"/>
-                <a:cs typeface="Courier New" panose="02070309020205020404" pitchFamily="49" charset="0"/>
-              </a:rPr>
-              <a:t>(</a:t>
-            </a:r>
-            <a:r>
-              <a:rPr lang="en-IE" sz="3200" dirty="0" err="1">
-                <a:latin typeface="Courier New" panose="02070309020205020404" pitchFamily="49" charset="0"/>
-                <a:cs typeface="Courier New" panose="02070309020205020404" pitchFamily="49" charset="0"/>
-              </a:rPr>
-              <a:t>clk</a:t>
-            </a:r>
-            <a:r>
-              <a:rPr lang="en-IE" sz="3200" dirty="0">
-                <a:latin typeface="Courier New" panose="02070309020205020404" pitchFamily="49" charset="0"/>
-                <a:cs typeface="Courier New" panose="02070309020205020404" pitchFamily="49" charset="0"/>
-              </a:rPr>
-              <a:t>, x, y, z)</a:t>
-            </a:r>
-          </a:p>
-          <a:p>
-            <a:pPr marL="0" indent="0">
-              <a:buNone/>
-            </a:pPr>
-            <a:r>
-              <a:rPr lang="en-IE" sz="3200" dirty="0">
-                <a:latin typeface="Courier New" panose="02070309020205020404" pitchFamily="49" charset="0"/>
-                <a:cs typeface="Courier New" panose="02070309020205020404" pitchFamily="49" charset="0"/>
-              </a:rPr>
-              <a:t>	variable a : </a:t>
-            </a:r>
-            <a:r>
-              <a:rPr lang="en-IE" sz="3200" dirty="0" err="1">
-                <a:latin typeface="Courier New" panose="02070309020205020404" pitchFamily="49" charset="0"/>
-                <a:cs typeface="Courier New" panose="02070309020205020404" pitchFamily="49" charset="0"/>
-              </a:rPr>
-              <a:t>std_logic</a:t>
-            </a:r>
-            <a:r>
-              <a:rPr lang="en-IE" sz="3200" dirty="0">
-                <a:latin typeface="Courier New" panose="02070309020205020404" pitchFamily="49" charset="0"/>
-                <a:cs typeface="Courier New" panose="02070309020205020404" pitchFamily="49" charset="0"/>
-              </a:rPr>
-              <a:t> = ‘0’;</a:t>
-            </a:r>
-          </a:p>
-          <a:p>
-            <a:pPr marL="0" indent="0">
-              <a:buNone/>
-            </a:pPr>
-            <a:r>
-              <a:rPr lang="en-IE" sz="3200" dirty="0">
-                <a:latin typeface="Courier New" panose="02070309020205020404" pitchFamily="49" charset="0"/>
-                <a:cs typeface="Courier New" panose="02070309020205020404" pitchFamily="49" charset="0"/>
-              </a:rPr>
-              <a:t>	signal b : </a:t>
-            </a:r>
-            <a:r>
-              <a:rPr lang="en-IE" sz="3200" dirty="0" err="1">
-                <a:latin typeface="Courier New" panose="02070309020205020404" pitchFamily="49" charset="0"/>
-                <a:cs typeface="Courier New" panose="02070309020205020404" pitchFamily="49" charset="0"/>
-              </a:rPr>
-              <a:t>std_logic</a:t>
-            </a:r>
-            <a:r>
-              <a:rPr lang="en-IE" sz="3200" dirty="0">
-                <a:latin typeface="Courier New" panose="02070309020205020404" pitchFamily="49" charset="0"/>
-                <a:cs typeface="Courier New" panose="02070309020205020404" pitchFamily="49" charset="0"/>
-              </a:rPr>
-              <a:t> = ‘1’;</a:t>
-            </a:r>
-          </a:p>
-          <a:p>
-            <a:pPr marL="0" indent="0">
-              <a:buNone/>
-            </a:pPr>
-            <a:r>
-              <a:rPr lang="en-IE" sz="3200" b="1" dirty="0">
-                <a:latin typeface="Courier New" panose="02070309020205020404" pitchFamily="49" charset="0"/>
-                <a:cs typeface="Courier New" panose="02070309020205020404" pitchFamily="49" charset="0"/>
-              </a:rPr>
-              <a:t>begin</a:t>
-            </a:r>
-            <a:r>
-              <a:rPr lang="en-IE" sz="3200" dirty="0">
-                <a:latin typeface="Courier New" panose="02070309020205020404" pitchFamily="49" charset="0"/>
-                <a:cs typeface="Courier New" panose="02070309020205020404" pitchFamily="49" charset="0"/>
-              </a:rPr>
-              <a:t> </a:t>
-            </a:r>
-          </a:p>
-          <a:p>
-            <a:pPr marL="0" indent="0">
-              <a:buNone/>
-            </a:pPr>
-            <a:r>
-              <a:rPr lang="en-IE" sz="3200" dirty="0">
-                <a:latin typeface="Courier New" panose="02070309020205020404" pitchFamily="49" charset="0"/>
-                <a:cs typeface="Courier New" panose="02070309020205020404" pitchFamily="49" charset="0"/>
-              </a:rPr>
-              <a:t>	</a:t>
-            </a:r>
-            <a:r>
-              <a:rPr lang="en-IE" sz="3200" b="1" dirty="0">
-                <a:latin typeface="Courier New" panose="02070309020205020404" pitchFamily="49" charset="0"/>
-                <a:cs typeface="Courier New" panose="02070309020205020404" pitchFamily="49" charset="0"/>
-              </a:rPr>
-              <a:t>if</a:t>
-            </a:r>
-            <a:r>
-              <a:rPr lang="en-IE" sz="3200" dirty="0">
-                <a:latin typeface="Courier New" panose="02070309020205020404" pitchFamily="49" charset="0"/>
-                <a:cs typeface="Courier New" panose="02070309020205020404" pitchFamily="49" charset="0"/>
-              </a:rPr>
-              <a:t> </a:t>
-            </a:r>
-            <a:r>
-              <a:rPr lang="en-IE" sz="3200" dirty="0" err="1">
-                <a:latin typeface="Courier New" panose="02070309020205020404" pitchFamily="49" charset="0"/>
-                <a:cs typeface="Courier New" panose="02070309020205020404" pitchFamily="49" charset="0"/>
-              </a:rPr>
-              <a:t>rising_edge</a:t>
-            </a:r>
-            <a:r>
-              <a:rPr lang="en-IE" sz="3200" dirty="0">
-                <a:latin typeface="Courier New" panose="02070309020205020404" pitchFamily="49" charset="0"/>
-                <a:cs typeface="Courier New" panose="02070309020205020404" pitchFamily="49" charset="0"/>
-              </a:rPr>
-              <a:t>(</a:t>
-            </a:r>
-            <a:r>
-              <a:rPr lang="en-IE" sz="3200" dirty="0" err="1">
-                <a:latin typeface="Courier New" panose="02070309020205020404" pitchFamily="49" charset="0"/>
-                <a:cs typeface="Courier New" panose="02070309020205020404" pitchFamily="49" charset="0"/>
-              </a:rPr>
-              <a:t>clk</a:t>
-            </a:r>
-            <a:r>
-              <a:rPr lang="en-IE" sz="3200" dirty="0">
-                <a:latin typeface="Courier New" panose="02070309020205020404" pitchFamily="49" charset="0"/>
-                <a:cs typeface="Courier New" panose="02070309020205020404" pitchFamily="49" charset="0"/>
-              </a:rPr>
-              <a:t>) </a:t>
-            </a:r>
-            <a:r>
-              <a:rPr lang="en-IE" sz="3200" b="1" dirty="0">
-                <a:latin typeface="Courier New" panose="02070309020205020404" pitchFamily="49" charset="0"/>
-                <a:cs typeface="Courier New" panose="02070309020205020404" pitchFamily="49" charset="0"/>
-              </a:rPr>
-              <a:t>then</a:t>
-            </a:r>
-            <a:r>
-              <a:rPr lang="en-IE" sz="3200" dirty="0">
-                <a:latin typeface="Courier New" panose="02070309020205020404" pitchFamily="49" charset="0"/>
-                <a:cs typeface="Courier New" panose="02070309020205020404" pitchFamily="49" charset="0"/>
-              </a:rPr>
-              <a:t> </a:t>
-            </a:r>
-          </a:p>
-          <a:p>
-            <a:pPr marL="0" indent="0">
-              <a:buNone/>
-            </a:pPr>
-            <a:r>
-              <a:rPr lang="en-IE" sz="3200" dirty="0">
-                <a:latin typeface="Courier New" panose="02070309020205020404" pitchFamily="49" charset="0"/>
-                <a:cs typeface="Courier New" panose="02070309020205020404" pitchFamily="49" charset="0"/>
-              </a:rPr>
-              <a:t>		a := y;	</a:t>
-            </a:r>
-            <a:r>
-              <a:rPr lang="en-IE" sz="3200" dirty="0">
-                <a:solidFill>
-                  <a:srgbClr val="00B050"/>
-                </a:solidFill>
-                <a:latin typeface="Courier New" panose="02070309020205020404" pitchFamily="49" charset="0"/>
-                <a:cs typeface="Courier New" panose="02070309020205020404" pitchFamily="49" charset="0"/>
-              </a:rPr>
-              <a:t>-- value of ‘a’ is changed immediately</a:t>
-            </a:r>
-          </a:p>
-          <a:p>
-            <a:pPr marL="0" indent="0">
-              <a:buNone/>
-            </a:pPr>
-            <a:r>
-              <a:rPr lang="en-IE" sz="3200" dirty="0">
-                <a:latin typeface="Courier New" panose="02070309020205020404" pitchFamily="49" charset="0"/>
-                <a:cs typeface="Courier New" panose="02070309020205020404" pitchFamily="49" charset="0"/>
-              </a:rPr>
-              <a:t>		b &lt;= y;	</a:t>
-            </a:r>
-            <a:r>
-              <a:rPr lang="en-IE" sz="3200" dirty="0">
-                <a:solidFill>
-                  <a:srgbClr val="00B050"/>
-                </a:solidFill>
-                <a:latin typeface="Courier New" panose="02070309020205020404" pitchFamily="49" charset="0"/>
-                <a:cs typeface="Courier New" panose="02070309020205020404" pitchFamily="49" charset="0"/>
-              </a:rPr>
-              <a:t>-- value of ‘b’ is ‘cached’</a:t>
-            </a:r>
-          </a:p>
-          <a:p>
-            <a:pPr marL="0" indent="0">
-              <a:buNone/>
-            </a:pPr>
-            <a:r>
-              <a:rPr lang="en-IE" sz="3200" dirty="0">
-                <a:latin typeface="Courier New" panose="02070309020205020404" pitchFamily="49" charset="0"/>
-                <a:cs typeface="Courier New" panose="02070309020205020404" pitchFamily="49" charset="0"/>
-              </a:rPr>
-              <a:t>		</a:t>
-            </a:r>
-            <a:r>
-              <a:rPr lang="en-IE" sz="3200" b="1" dirty="0">
-                <a:latin typeface="Courier New" panose="02070309020205020404" pitchFamily="49" charset="0"/>
-                <a:cs typeface="Courier New" panose="02070309020205020404" pitchFamily="49" charset="0"/>
-              </a:rPr>
-              <a:t>if</a:t>
-            </a:r>
-            <a:r>
-              <a:rPr lang="en-IE" sz="3200" dirty="0">
-                <a:latin typeface="Courier New" panose="02070309020205020404" pitchFamily="49" charset="0"/>
-                <a:cs typeface="Courier New" panose="02070309020205020404" pitchFamily="49" charset="0"/>
-              </a:rPr>
-              <a:t> x = ‘1’ </a:t>
-            </a:r>
-            <a:r>
-              <a:rPr lang="en-IE" sz="3200" b="1" dirty="0">
-                <a:latin typeface="Courier New" panose="02070309020205020404" pitchFamily="49" charset="0"/>
-                <a:cs typeface="Courier New" panose="02070309020205020404" pitchFamily="49" charset="0"/>
-              </a:rPr>
-              <a:t>then</a:t>
-            </a:r>
-            <a:r>
-              <a:rPr lang="en-IE" sz="3200" dirty="0">
-                <a:latin typeface="Courier New" panose="02070309020205020404" pitchFamily="49" charset="0"/>
-                <a:cs typeface="Courier New" panose="02070309020205020404" pitchFamily="49" charset="0"/>
-              </a:rPr>
-              <a:t> </a:t>
-            </a:r>
-          </a:p>
-          <a:p>
-            <a:pPr marL="0" indent="0">
-              <a:buNone/>
-            </a:pPr>
-            <a:r>
-              <a:rPr lang="en-IE" sz="3200" dirty="0">
-                <a:latin typeface="Courier New" panose="02070309020205020404" pitchFamily="49" charset="0"/>
-                <a:cs typeface="Courier New" panose="02070309020205020404" pitchFamily="49" charset="0"/>
-              </a:rPr>
-              <a:t>			a := z;	</a:t>
-            </a:r>
-            <a:r>
-              <a:rPr lang="en-IE" sz="3200" dirty="0">
-                <a:solidFill>
-                  <a:srgbClr val="00B050"/>
-                </a:solidFill>
-                <a:latin typeface="Courier New" panose="02070309020205020404" pitchFamily="49" charset="0"/>
-                <a:cs typeface="Courier New" panose="02070309020205020404" pitchFamily="49" charset="0"/>
-              </a:rPr>
-              <a:t>-- value of ‘a’ is changed again</a:t>
-            </a:r>
-          </a:p>
-          <a:p>
-            <a:pPr marL="0" indent="0">
-              <a:buNone/>
-            </a:pPr>
-            <a:r>
-              <a:rPr lang="en-IE" sz="3200" dirty="0">
-                <a:latin typeface="Courier New" panose="02070309020205020404" pitchFamily="49" charset="0"/>
-                <a:cs typeface="Courier New" panose="02070309020205020404" pitchFamily="49" charset="0"/>
-              </a:rPr>
-              <a:t>			b &lt;= z;	</a:t>
-            </a:r>
-            <a:r>
-              <a:rPr lang="en-IE" sz="3200" dirty="0">
-                <a:solidFill>
-                  <a:srgbClr val="00B050"/>
-                </a:solidFill>
-                <a:latin typeface="Courier New" panose="02070309020205020404" pitchFamily="49" charset="0"/>
-                <a:cs typeface="Courier New" panose="02070309020205020404" pitchFamily="49" charset="0"/>
-              </a:rPr>
-              <a:t>-- ‘b’ is still cached</a:t>
-            </a:r>
-          </a:p>
-          <a:p>
-            <a:pPr marL="0" indent="0">
-              <a:buNone/>
-            </a:pPr>
-            <a:r>
-              <a:rPr lang="en-IE" sz="3200" dirty="0">
-                <a:latin typeface="Courier New" panose="02070309020205020404" pitchFamily="49" charset="0"/>
-                <a:cs typeface="Courier New" panose="02070309020205020404" pitchFamily="49" charset="0"/>
-              </a:rPr>
-              <a:t>		</a:t>
-            </a:r>
-            <a:r>
-              <a:rPr lang="en-IE" sz="3200" b="1" dirty="0">
-                <a:latin typeface="Courier New" panose="02070309020205020404" pitchFamily="49" charset="0"/>
-                <a:cs typeface="Courier New" panose="02070309020205020404" pitchFamily="49" charset="0"/>
-              </a:rPr>
-              <a:t>end if</a:t>
-            </a:r>
-            <a:r>
-              <a:rPr lang="en-IE" sz="3200" dirty="0">
-                <a:latin typeface="Courier New" panose="02070309020205020404" pitchFamily="49" charset="0"/>
-                <a:cs typeface="Courier New" panose="02070309020205020404" pitchFamily="49" charset="0"/>
-              </a:rPr>
-              <a:t>;</a:t>
-            </a:r>
-          </a:p>
-          <a:p>
-            <a:pPr marL="0" indent="0">
-              <a:buNone/>
-            </a:pPr>
-            <a:r>
-              <a:rPr lang="en-IE" sz="3200" b="1" dirty="0">
-                <a:latin typeface="Courier New" panose="02070309020205020404" pitchFamily="49" charset="0"/>
-                <a:cs typeface="Courier New" panose="02070309020205020404" pitchFamily="49" charset="0"/>
-              </a:rPr>
-              <a:t>	end if</a:t>
-            </a:r>
-            <a:r>
-              <a:rPr lang="en-IE" sz="3200" dirty="0">
-                <a:latin typeface="Courier New" panose="02070309020205020404" pitchFamily="49" charset="0"/>
-                <a:cs typeface="Courier New" panose="02070309020205020404" pitchFamily="49" charset="0"/>
-              </a:rPr>
-              <a:t>;</a:t>
-            </a:r>
-          </a:p>
-          <a:p>
-            <a:pPr marL="0" indent="0">
-              <a:buNone/>
-            </a:pPr>
-            <a:r>
-              <a:rPr lang="en-IE" sz="3200" dirty="0">
-                <a:latin typeface="Courier New" panose="02070309020205020404" pitchFamily="49" charset="0"/>
-                <a:cs typeface="Courier New" panose="02070309020205020404" pitchFamily="49" charset="0"/>
-              </a:rPr>
-              <a:t>	</a:t>
-            </a:r>
-            <a:r>
-              <a:rPr lang="en-IE" sz="3200" b="1" dirty="0">
-                <a:latin typeface="Courier New" panose="02070309020205020404" pitchFamily="49" charset="0"/>
-                <a:cs typeface="Courier New" panose="02070309020205020404" pitchFamily="49" charset="0"/>
-              </a:rPr>
-              <a:t>wait on</a:t>
-            </a:r>
-            <a:r>
-              <a:rPr lang="en-IE" sz="3200" dirty="0">
-                <a:latin typeface="Courier New" panose="02070309020205020404" pitchFamily="49" charset="0"/>
-                <a:cs typeface="Courier New" panose="02070309020205020404" pitchFamily="49" charset="0"/>
-              </a:rPr>
-              <a:t> (</a:t>
-            </a:r>
-            <a:r>
-              <a:rPr lang="en-IE" sz="3200" dirty="0" err="1">
-                <a:latin typeface="Courier New" panose="02070309020205020404" pitchFamily="49" charset="0"/>
-                <a:cs typeface="Courier New" panose="02070309020205020404" pitchFamily="49" charset="0"/>
-              </a:rPr>
-              <a:t>clk</a:t>
-            </a:r>
-            <a:r>
-              <a:rPr lang="en-IE" sz="3200" dirty="0">
-                <a:latin typeface="Courier New" panose="02070309020205020404" pitchFamily="49" charset="0"/>
-                <a:cs typeface="Courier New" panose="02070309020205020404" pitchFamily="49" charset="0"/>
-              </a:rPr>
-              <a:t>, x, y, z); </a:t>
-            </a:r>
-            <a:r>
-              <a:rPr lang="en-IE" sz="3200" dirty="0">
-                <a:solidFill>
-                  <a:srgbClr val="00B050"/>
-                </a:solidFill>
-                <a:latin typeface="Courier New" panose="02070309020205020404" pitchFamily="49" charset="0"/>
-                <a:cs typeface="Courier New" panose="02070309020205020404" pitchFamily="49" charset="0"/>
-              </a:rPr>
-              <a:t>-- here ‘b’ is finally applied</a:t>
-            </a:r>
-          </a:p>
-          <a:p>
-            <a:pPr marL="0" indent="0">
-              <a:buNone/>
-            </a:pPr>
-            <a:r>
-              <a:rPr lang="en-IE" sz="3200" b="1" dirty="0">
-                <a:latin typeface="Courier New" panose="02070309020205020404" pitchFamily="49" charset="0"/>
-                <a:cs typeface="Courier New" panose="02070309020205020404" pitchFamily="49" charset="0"/>
-              </a:rPr>
-              <a:t>end process</a:t>
-            </a:r>
-            <a:r>
-              <a:rPr lang="en-IE" sz="3200" dirty="0">
-                <a:latin typeface="Courier New" panose="02070309020205020404" pitchFamily="49" charset="0"/>
-                <a:cs typeface="Courier New" panose="02070309020205020404" pitchFamily="49" charset="0"/>
-              </a:rPr>
-              <a:t>;</a:t>
+            <a:r>
+              <a:rPr lang="en-IE" sz="3200" dirty="0"/>
+              <a:t>Both “signals” and “variables” can be used inside the process statement</a:t>
+            </a:r>
+          </a:p>
+          <a:p>
+            <a:r>
+              <a:rPr lang="en-IE" sz="3200" dirty="0"/>
+              <a:t>Variable assignment has an immediate effect </a:t>
+            </a:r>
+          </a:p>
+          <a:p>
+            <a:r>
+              <a:rPr lang="en-IE" sz="3200" dirty="0"/>
+              <a:t>Signal assignment only “applies” when process is suspended</a:t>
             </a:r>
           </a:p>
         </p:txBody>
@@ -8604,7 +8457,7 @@
     </p:spTree>
     <p:extLst>
       <p:ext uri="{BB962C8B-B14F-4D97-AF65-F5344CB8AC3E}">
-        <p14:creationId xmlns:p14="http://schemas.microsoft.com/office/powerpoint/2010/main" val="2023726294"/>
+        <p14:creationId xmlns:p14="http://schemas.microsoft.com/office/powerpoint/2010/main" val="2235073655"/>
       </p:ext>
     </p:extLst>
   </p:cSld>
@@ -8654,7 +8507,7 @@
           <a:p>
             <a:r>
               <a:rPr lang="en-IE" dirty="0"/>
-              <a:t>VHDL: process, signals vs variables</a:t>
+              <a:t>VHDL: process, signals vs variables, example:</a:t>
             </a:r>
           </a:p>
         </p:txBody>
@@ -8683,30 +8536,421 @@
         </p:spPr>
         <p:txBody>
           <a:bodyPr>
-            <a:normAutofit/>
+            <a:normAutofit fontScale="70000" lnSpcReduction="20000"/>
           </a:bodyPr>
           <a:lstStyle/>
           <a:p>
-            <a:r>
-              <a:rPr lang="en-IE" sz="3200" dirty="0"/>
-              <a:t>“signal” translates directly into a wire of flip-flop</a:t>
-            </a:r>
-          </a:p>
-          <a:p>
-            <a:r>
-              <a:rPr lang="en-IE" sz="3200" dirty="0"/>
-              <a:t>“variable” gives some flexibility for the tool to analyse the behaviour and produce netlist that implements it, might as well get translated into the wire of flip-</a:t>
-            </a:r>
-            <a:r>
-              <a:rPr lang="en-IE" sz="3200" dirty="0" err="1"/>
-              <a:t>flo</a:t>
-            </a:r>
-            <a:endParaRPr lang="en-IE" sz="3200" dirty="0"/>
-          </a:p>
-          <a:p>
-            <a:r>
-              <a:rPr lang="en-IE" sz="3200" dirty="0"/>
-              <a:t>“signal” can be viewed in the simulation waveform, while “variable” is usually not</a:t>
+            <a:pPr marL="0" indent="0">
+              <a:buNone/>
+            </a:pPr>
+            <a:r>
+              <a:rPr lang="en-IE" sz="3200" b="1" dirty="0">
+                <a:latin typeface="Courier New" panose="02070309020205020404" pitchFamily="49" charset="0"/>
+                <a:cs typeface="Courier New" panose="02070309020205020404" pitchFamily="49" charset="0"/>
+              </a:rPr>
+              <a:t>process </a:t>
+            </a:r>
+            <a:r>
+              <a:rPr lang="en-IE" sz="3200" dirty="0">
+                <a:latin typeface="Courier New" panose="02070309020205020404" pitchFamily="49" charset="0"/>
+                <a:cs typeface="Courier New" panose="02070309020205020404" pitchFamily="49" charset="0"/>
+              </a:rPr>
+              <a:t>(</a:t>
+            </a:r>
+            <a:r>
+              <a:rPr lang="en-IE" sz="3200" dirty="0" err="1">
+                <a:latin typeface="Courier New" panose="02070309020205020404" pitchFamily="49" charset="0"/>
+                <a:cs typeface="Courier New" panose="02070309020205020404" pitchFamily="49" charset="0"/>
+              </a:rPr>
+              <a:t>clk</a:t>
+            </a:r>
+            <a:r>
+              <a:rPr lang="en-IE" sz="3200" dirty="0">
+                <a:latin typeface="Courier New" panose="02070309020205020404" pitchFamily="49" charset="0"/>
+                <a:cs typeface="Courier New" panose="02070309020205020404" pitchFamily="49" charset="0"/>
+              </a:rPr>
+              <a:t>, x, y, z)</a:t>
+            </a:r>
+          </a:p>
+          <a:p>
+            <a:pPr marL="0" indent="0">
+              <a:buNone/>
+            </a:pPr>
+            <a:r>
+              <a:rPr lang="en-IE" sz="3200" dirty="0">
+                <a:latin typeface="Courier New" panose="02070309020205020404" pitchFamily="49" charset="0"/>
+                <a:cs typeface="Courier New" panose="02070309020205020404" pitchFamily="49" charset="0"/>
+              </a:rPr>
+              <a:t>	variable a : </a:t>
+            </a:r>
+            <a:r>
+              <a:rPr lang="en-IE" sz="3200" dirty="0" err="1">
+                <a:latin typeface="Courier New" panose="02070309020205020404" pitchFamily="49" charset="0"/>
+                <a:cs typeface="Courier New" panose="02070309020205020404" pitchFamily="49" charset="0"/>
+              </a:rPr>
+              <a:t>std_logic</a:t>
+            </a:r>
+            <a:r>
+              <a:rPr lang="en-IE" sz="3200" dirty="0">
+                <a:latin typeface="Courier New" panose="02070309020205020404" pitchFamily="49" charset="0"/>
+                <a:cs typeface="Courier New" panose="02070309020205020404" pitchFamily="49" charset="0"/>
+              </a:rPr>
+              <a:t> = ‘0’;</a:t>
+            </a:r>
+          </a:p>
+          <a:p>
+            <a:pPr marL="0" indent="0">
+              <a:buNone/>
+            </a:pPr>
+            <a:r>
+              <a:rPr lang="en-IE" sz="3200" dirty="0">
+                <a:latin typeface="Courier New" panose="02070309020205020404" pitchFamily="49" charset="0"/>
+                <a:cs typeface="Courier New" panose="02070309020205020404" pitchFamily="49" charset="0"/>
+              </a:rPr>
+              <a:t>	signal b : </a:t>
+            </a:r>
+            <a:r>
+              <a:rPr lang="en-IE" sz="3200" dirty="0" err="1">
+                <a:latin typeface="Courier New" panose="02070309020205020404" pitchFamily="49" charset="0"/>
+                <a:cs typeface="Courier New" panose="02070309020205020404" pitchFamily="49" charset="0"/>
+              </a:rPr>
+              <a:t>std_logic</a:t>
+            </a:r>
+            <a:r>
+              <a:rPr lang="en-IE" sz="3200" dirty="0">
+                <a:latin typeface="Courier New" panose="02070309020205020404" pitchFamily="49" charset="0"/>
+                <a:cs typeface="Courier New" panose="02070309020205020404" pitchFamily="49" charset="0"/>
+              </a:rPr>
+              <a:t> = ‘1’;</a:t>
+            </a:r>
+          </a:p>
+          <a:p>
+            <a:pPr marL="0" indent="0">
+              <a:buNone/>
+            </a:pPr>
+            <a:r>
+              <a:rPr lang="en-IE" sz="3200" b="1" dirty="0">
+                <a:latin typeface="Courier New" panose="02070309020205020404" pitchFamily="49" charset="0"/>
+                <a:cs typeface="Courier New" panose="02070309020205020404" pitchFamily="49" charset="0"/>
+              </a:rPr>
+              <a:t>begin</a:t>
+            </a:r>
+            <a:r>
+              <a:rPr lang="en-IE" sz="3200" dirty="0">
+                <a:latin typeface="Courier New" panose="02070309020205020404" pitchFamily="49" charset="0"/>
+                <a:cs typeface="Courier New" panose="02070309020205020404" pitchFamily="49" charset="0"/>
+              </a:rPr>
+              <a:t> </a:t>
+            </a:r>
+          </a:p>
+          <a:p>
+            <a:pPr marL="0" indent="0">
+              <a:buNone/>
+            </a:pPr>
+            <a:r>
+              <a:rPr lang="en-IE" sz="3200" dirty="0">
+                <a:latin typeface="Courier New" panose="02070309020205020404" pitchFamily="49" charset="0"/>
+                <a:cs typeface="Courier New" panose="02070309020205020404" pitchFamily="49" charset="0"/>
+              </a:rPr>
+              <a:t>	</a:t>
+            </a:r>
+            <a:r>
+              <a:rPr lang="en-IE" sz="3200" b="1" dirty="0">
+                <a:latin typeface="Courier New" panose="02070309020205020404" pitchFamily="49" charset="0"/>
+                <a:cs typeface="Courier New" panose="02070309020205020404" pitchFamily="49" charset="0"/>
+              </a:rPr>
+              <a:t>if</a:t>
+            </a:r>
+            <a:r>
+              <a:rPr lang="en-IE" sz="3200" dirty="0">
+                <a:latin typeface="Courier New" panose="02070309020205020404" pitchFamily="49" charset="0"/>
+                <a:cs typeface="Courier New" panose="02070309020205020404" pitchFamily="49" charset="0"/>
+              </a:rPr>
+              <a:t> </a:t>
+            </a:r>
+            <a:r>
+              <a:rPr lang="en-IE" sz="3200" dirty="0" err="1">
+                <a:latin typeface="Courier New" panose="02070309020205020404" pitchFamily="49" charset="0"/>
+                <a:cs typeface="Courier New" panose="02070309020205020404" pitchFamily="49" charset="0"/>
+              </a:rPr>
+              <a:t>rising_edge</a:t>
+            </a:r>
+            <a:r>
+              <a:rPr lang="en-IE" sz="3200" dirty="0">
+                <a:latin typeface="Courier New" panose="02070309020205020404" pitchFamily="49" charset="0"/>
+                <a:cs typeface="Courier New" panose="02070309020205020404" pitchFamily="49" charset="0"/>
+              </a:rPr>
+              <a:t>(</a:t>
+            </a:r>
+            <a:r>
+              <a:rPr lang="en-IE" sz="3200" dirty="0" err="1">
+                <a:latin typeface="Courier New" panose="02070309020205020404" pitchFamily="49" charset="0"/>
+                <a:cs typeface="Courier New" panose="02070309020205020404" pitchFamily="49" charset="0"/>
+              </a:rPr>
+              <a:t>clk</a:t>
+            </a:r>
+            <a:r>
+              <a:rPr lang="en-IE" sz="3200" dirty="0">
+                <a:latin typeface="Courier New" panose="02070309020205020404" pitchFamily="49" charset="0"/>
+                <a:cs typeface="Courier New" panose="02070309020205020404" pitchFamily="49" charset="0"/>
+              </a:rPr>
+              <a:t>) </a:t>
+            </a:r>
+            <a:r>
+              <a:rPr lang="en-IE" sz="3200" b="1" dirty="0">
+                <a:latin typeface="Courier New" panose="02070309020205020404" pitchFamily="49" charset="0"/>
+                <a:cs typeface="Courier New" panose="02070309020205020404" pitchFamily="49" charset="0"/>
+              </a:rPr>
+              <a:t>then</a:t>
+            </a:r>
+            <a:r>
+              <a:rPr lang="en-IE" sz="3200" dirty="0">
+                <a:latin typeface="Courier New" panose="02070309020205020404" pitchFamily="49" charset="0"/>
+                <a:cs typeface="Courier New" panose="02070309020205020404" pitchFamily="49" charset="0"/>
+              </a:rPr>
+              <a:t> </a:t>
+            </a:r>
+          </a:p>
+          <a:p>
+            <a:pPr marL="0" indent="0">
+              <a:buNone/>
+            </a:pPr>
+            <a:r>
+              <a:rPr lang="en-IE" sz="3200" dirty="0">
+                <a:latin typeface="Courier New" panose="02070309020205020404" pitchFamily="49" charset="0"/>
+                <a:cs typeface="Courier New" panose="02070309020205020404" pitchFamily="49" charset="0"/>
+              </a:rPr>
+              <a:t>		a := y;	</a:t>
+            </a:r>
+            <a:r>
+              <a:rPr lang="en-IE" sz="3200" dirty="0">
+                <a:solidFill>
+                  <a:srgbClr val="00B050"/>
+                </a:solidFill>
+                <a:latin typeface="Courier New" panose="02070309020205020404" pitchFamily="49" charset="0"/>
+                <a:cs typeface="Courier New" panose="02070309020205020404" pitchFamily="49" charset="0"/>
+              </a:rPr>
+              <a:t>-- value of ‘a’ is changed immediately</a:t>
+            </a:r>
+          </a:p>
+          <a:p>
+            <a:pPr marL="0" indent="0">
+              <a:buNone/>
+            </a:pPr>
+            <a:r>
+              <a:rPr lang="en-IE" sz="3200" dirty="0">
+                <a:latin typeface="Courier New" panose="02070309020205020404" pitchFamily="49" charset="0"/>
+                <a:cs typeface="Courier New" panose="02070309020205020404" pitchFamily="49" charset="0"/>
+              </a:rPr>
+              <a:t>		b &lt;= y;	</a:t>
+            </a:r>
+            <a:r>
+              <a:rPr lang="en-IE" sz="3200" dirty="0">
+                <a:solidFill>
+                  <a:srgbClr val="00B050"/>
+                </a:solidFill>
+                <a:latin typeface="Courier New" panose="02070309020205020404" pitchFamily="49" charset="0"/>
+                <a:cs typeface="Courier New" panose="02070309020205020404" pitchFamily="49" charset="0"/>
+              </a:rPr>
+              <a:t>-- value of ‘b’ is ‘cached’</a:t>
+            </a:r>
+          </a:p>
+          <a:p>
+            <a:pPr marL="0" indent="0">
+              <a:buNone/>
+            </a:pPr>
+            <a:r>
+              <a:rPr lang="en-IE" sz="3200" dirty="0">
+                <a:latin typeface="Courier New" panose="02070309020205020404" pitchFamily="49" charset="0"/>
+                <a:cs typeface="Courier New" panose="02070309020205020404" pitchFamily="49" charset="0"/>
+              </a:rPr>
+              <a:t>		</a:t>
+            </a:r>
+            <a:r>
+              <a:rPr lang="en-IE" sz="3200" b="1" dirty="0">
+                <a:latin typeface="Courier New" panose="02070309020205020404" pitchFamily="49" charset="0"/>
+                <a:cs typeface="Courier New" panose="02070309020205020404" pitchFamily="49" charset="0"/>
+              </a:rPr>
+              <a:t>if</a:t>
+            </a:r>
+            <a:r>
+              <a:rPr lang="en-IE" sz="3200" dirty="0">
+                <a:latin typeface="Courier New" panose="02070309020205020404" pitchFamily="49" charset="0"/>
+                <a:cs typeface="Courier New" panose="02070309020205020404" pitchFamily="49" charset="0"/>
+              </a:rPr>
+              <a:t> x = ‘1’ </a:t>
+            </a:r>
+            <a:r>
+              <a:rPr lang="en-IE" sz="3200" b="1" dirty="0">
+                <a:latin typeface="Courier New" panose="02070309020205020404" pitchFamily="49" charset="0"/>
+                <a:cs typeface="Courier New" panose="02070309020205020404" pitchFamily="49" charset="0"/>
+              </a:rPr>
+              <a:t>then</a:t>
+            </a:r>
+            <a:r>
+              <a:rPr lang="en-IE" sz="3200" dirty="0">
+                <a:latin typeface="Courier New" panose="02070309020205020404" pitchFamily="49" charset="0"/>
+                <a:cs typeface="Courier New" panose="02070309020205020404" pitchFamily="49" charset="0"/>
+              </a:rPr>
+              <a:t> </a:t>
+            </a:r>
+          </a:p>
+          <a:p>
+            <a:pPr marL="0" indent="0">
+              <a:buNone/>
+            </a:pPr>
+            <a:r>
+              <a:rPr lang="en-IE" sz="3200" dirty="0">
+                <a:latin typeface="Courier New" panose="02070309020205020404" pitchFamily="49" charset="0"/>
+                <a:cs typeface="Courier New" panose="02070309020205020404" pitchFamily="49" charset="0"/>
+              </a:rPr>
+              <a:t>			a := z;	</a:t>
+            </a:r>
+            <a:r>
+              <a:rPr lang="en-IE" sz="3200" dirty="0">
+                <a:solidFill>
+                  <a:srgbClr val="00B050"/>
+                </a:solidFill>
+                <a:latin typeface="Courier New" panose="02070309020205020404" pitchFamily="49" charset="0"/>
+                <a:cs typeface="Courier New" panose="02070309020205020404" pitchFamily="49" charset="0"/>
+              </a:rPr>
+              <a:t>-- value of ‘a’ is changed again</a:t>
+            </a:r>
+          </a:p>
+          <a:p>
+            <a:pPr marL="0" indent="0">
+              <a:buNone/>
+            </a:pPr>
+            <a:r>
+              <a:rPr lang="en-IE" sz="3200" dirty="0">
+                <a:latin typeface="Courier New" panose="02070309020205020404" pitchFamily="49" charset="0"/>
+                <a:cs typeface="Courier New" panose="02070309020205020404" pitchFamily="49" charset="0"/>
+              </a:rPr>
+              <a:t>			b &lt;= z;	</a:t>
+            </a:r>
+            <a:r>
+              <a:rPr lang="en-IE" sz="3200" dirty="0">
+                <a:solidFill>
+                  <a:srgbClr val="00B050"/>
+                </a:solidFill>
+                <a:latin typeface="Courier New" panose="02070309020205020404" pitchFamily="49" charset="0"/>
+                <a:cs typeface="Courier New" panose="02070309020205020404" pitchFamily="49" charset="0"/>
+              </a:rPr>
+              <a:t>-- ‘b’ is still cached</a:t>
+            </a:r>
+          </a:p>
+          <a:p>
+            <a:pPr marL="0" indent="0">
+              <a:buNone/>
+            </a:pPr>
+            <a:r>
+              <a:rPr lang="en-IE" sz="3200" dirty="0">
+                <a:latin typeface="Courier New" panose="02070309020205020404" pitchFamily="49" charset="0"/>
+                <a:cs typeface="Courier New" panose="02070309020205020404" pitchFamily="49" charset="0"/>
+              </a:rPr>
+              <a:t>		</a:t>
+            </a:r>
+            <a:r>
+              <a:rPr lang="en-IE" sz="3200" b="1" dirty="0">
+                <a:latin typeface="Courier New" panose="02070309020205020404" pitchFamily="49" charset="0"/>
+                <a:cs typeface="Courier New" panose="02070309020205020404" pitchFamily="49" charset="0"/>
+              </a:rPr>
+              <a:t>end if</a:t>
+            </a:r>
+            <a:r>
+              <a:rPr lang="en-IE" sz="3200" dirty="0">
+                <a:latin typeface="Courier New" panose="02070309020205020404" pitchFamily="49" charset="0"/>
+                <a:cs typeface="Courier New" panose="02070309020205020404" pitchFamily="49" charset="0"/>
+              </a:rPr>
+              <a:t>;</a:t>
+            </a:r>
+          </a:p>
+          <a:p>
+            <a:pPr marL="0" indent="0">
+              <a:buNone/>
+            </a:pPr>
+            <a:r>
+              <a:rPr lang="en-IE" sz="3200" b="1" dirty="0">
+                <a:latin typeface="Courier New" panose="02070309020205020404" pitchFamily="49" charset="0"/>
+                <a:cs typeface="Courier New" panose="02070309020205020404" pitchFamily="49" charset="0"/>
+              </a:rPr>
+              <a:t>	end if</a:t>
+            </a:r>
+            <a:r>
+              <a:rPr lang="en-IE" sz="3200" dirty="0">
+                <a:latin typeface="Courier New" panose="02070309020205020404" pitchFamily="49" charset="0"/>
+                <a:cs typeface="Courier New" panose="02070309020205020404" pitchFamily="49" charset="0"/>
+              </a:rPr>
+              <a:t>;</a:t>
+            </a:r>
+          </a:p>
+          <a:p>
+            <a:pPr marL="0" indent="0">
+              <a:buNone/>
+            </a:pPr>
+            <a:r>
+              <a:rPr lang="en-IE" sz="3200" dirty="0">
+                <a:latin typeface="Courier New" panose="02070309020205020404" pitchFamily="49" charset="0"/>
+                <a:cs typeface="Courier New" panose="02070309020205020404" pitchFamily="49" charset="0"/>
+              </a:rPr>
+              <a:t>	</a:t>
+            </a:r>
+            <a:r>
+              <a:rPr lang="en-IE" sz="3200" b="1" dirty="0">
+                <a:latin typeface="Courier New" panose="02070309020205020404" pitchFamily="49" charset="0"/>
+                <a:cs typeface="Courier New" panose="02070309020205020404" pitchFamily="49" charset="0"/>
+              </a:rPr>
+              <a:t>wait on</a:t>
+            </a:r>
+            <a:r>
+              <a:rPr lang="en-IE" sz="3200" dirty="0">
+                <a:latin typeface="Courier New" panose="02070309020205020404" pitchFamily="49" charset="0"/>
+                <a:cs typeface="Courier New" panose="02070309020205020404" pitchFamily="49" charset="0"/>
+              </a:rPr>
+              <a:t> (</a:t>
+            </a:r>
+            <a:r>
+              <a:rPr lang="en-IE" sz="3200" dirty="0" err="1">
+                <a:latin typeface="Courier New" panose="02070309020205020404" pitchFamily="49" charset="0"/>
+                <a:cs typeface="Courier New" panose="02070309020205020404" pitchFamily="49" charset="0"/>
+              </a:rPr>
+              <a:t>clk</a:t>
+            </a:r>
+            <a:r>
+              <a:rPr lang="en-IE" sz="3200" dirty="0">
+                <a:latin typeface="Courier New" panose="02070309020205020404" pitchFamily="49" charset="0"/>
+                <a:cs typeface="Courier New" panose="02070309020205020404" pitchFamily="49" charset="0"/>
+              </a:rPr>
+              <a:t>, x, y, z); </a:t>
+            </a:r>
+            <a:r>
+              <a:rPr lang="en-IE" sz="3200" dirty="0">
+                <a:solidFill>
+                  <a:srgbClr val="00B050"/>
+                </a:solidFill>
+                <a:latin typeface="Courier New" panose="02070309020205020404" pitchFamily="49" charset="0"/>
+                <a:cs typeface="Courier New" panose="02070309020205020404" pitchFamily="49" charset="0"/>
+              </a:rPr>
+              <a:t>-- here ‘b’ is finally applied</a:t>
+            </a:r>
+          </a:p>
+          <a:p>
+            <a:pPr marL="0" indent="0">
+              <a:buNone/>
+            </a:pPr>
+            <a:r>
+              <a:rPr lang="en-IE" sz="3200" b="1" dirty="0">
+                <a:latin typeface="Courier New" panose="02070309020205020404" pitchFamily="49" charset="0"/>
+                <a:cs typeface="Courier New" panose="02070309020205020404" pitchFamily="49" charset="0"/>
+              </a:rPr>
+              <a:t>end process</a:t>
+            </a:r>
+            <a:r>
+              <a:rPr lang="en-IE" sz="3200" dirty="0">
+                <a:latin typeface="Courier New" panose="02070309020205020404" pitchFamily="49" charset="0"/>
+                <a:cs typeface="Courier New" panose="02070309020205020404" pitchFamily="49" charset="0"/>
+              </a:rPr>
+              <a:t>;</a:t>
             </a:r>
           </a:p>
         </p:txBody>
@@ -8714,7 +8958,7 @@
     </p:spTree>
     <p:extLst>
       <p:ext uri="{BB962C8B-B14F-4D97-AF65-F5344CB8AC3E}">
-        <p14:creationId xmlns:p14="http://schemas.microsoft.com/office/powerpoint/2010/main" val="2763288965"/>
+        <p14:creationId xmlns:p14="http://schemas.microsoft.com/office/powerpoint/2010/main" val="2023726294"/>
       </p:ext>
     </p:extLst>
   </p:cSld>
@@ -8746,7 +8990,7 @@
           <p:cNvPr id="2" name="Title 1">
             <a:extLst>
               <a:ext uri="{FF2B5EF4-FFF2-40B4-BE49-F238E27FC236}">
-                <a16:creationId xmlns:a16="http://schemas.microsoft.com/office/drawing/2014/main" id="{9E06893A-C6CA-4B10-A04F-01278EAC1F8C}"/>
+                <a16:creationId xmlns:a16="http://schemas.microsoft.com/office/drawing/2014/main" id="{E368F036-8FC7-42EE-A99F-FCD3F3E96483}"/>
               </a:ext>
             </a:extLst>
           </p:cNvPr>
@@ -8764,7 +9008,7 @@
           <a:p>
             <a:r>
               <a:rPr lang="en-IE" dirty="0"/>
-              <a:t>VHDL: Variable assignment</a:t>
+              <a:t>VHDL: process, signals vs variables</a:t>
             </a:r>
           </a:p>
         </p:txBody>
@@ -8774,7 +9018,7 @@
           <p:cNvPr id="3" name="Content Placeholder 2">
             <a:extLst>
               <a:ext uri="{FF2B5EF4-FFF2-40B4-BE49-F238E27FC236}">
-                <a16:creationId xmlns:a16="http://schemas.microsoft.com/office/drawing/2014/main" id="{A4C858C3-7CA8-4DBF-B3B0-8B8B2A5F94EA}"/>
+                <a16:creationId xmlns:a16="http://schemas.microsoft.com/office/drawing/2014/main" id="{3FC2C751-FC1C-4EF3-B63F-0180455E441D}"/>
               </a:ext>
             </a:extLst>
           </p:cNvPr>
@@ -8785,20 +9029,38 @@
             <p:ph idx="1"/>
           </p:nvPr>
         </p:nvSpPr>
-        <p:spPr/>
+        <p:spPr>
+          <a:xfrm>
+            <a:off x="838200" y="1391478"/>
+            <a:ext cx="10515600" cy="5101397"/>
+          </a:xfrm>
+        </p:spPr>
         <p:txBody>
-          <a:bodyPr/>
+          <a:bodyPr>
+            <a:normAutofit/>
+          </a:bodyPr>
           <a:lstStyle/>
           <a:p>
-            <a:pPr marL="0" indent="0">
-              <a:buNone/>
-            </a:pPr>
-            <a:r>
-              <a:rPr lang="en-IE" dirty="0">
-                <a:latin typeface="Courier New" panose="02070309020205020404" pitchFamily="49" charset="0"/>
-                <a:cs typeface="Courier New" panose="02070309020205020404" pitchFamily="49" charset="0"/>
-              </a:rPr>
-              <a:t>[label:] &lt;variable name&gt; := &lt;expression&gt;;</a:t>
+            <a:r>
+              <a:rPr lang="en-IE" sz="3200" dirty="0"/>
+              <a:t>“signal” translates directly into a wire of flip-flop</a:t>
+            </a:r>
+          </a:p>
+          <a:p>
+            <a:r>
+              <a:rPr lang="en-IE" sz="3200" dirty="0"/>
+              <a:t>“variable” gives some flexibility for the tool to analyse the behaviour and produce netlist that implements it, might as well get translated into the wire of flip-</a:t>
+            </a:r>
+            <a:r>
+              <a:rPr lang="en-IE" sz="3200" dirty="0" err="1"/>
+              <a:t>flo</a:t>
+            </a:r>
+            <a:endParaRPr lang="en-IE" sz="3200" dirty="0"/>
+          </a:p>
+          <a:p>
+            <a:r>
+              <a:rPr lang="en-IE" sz="3200" dirty="0"/>
+              <a:t>“signal” can be viewed in the simulation waveform, while “variable” is usually not</a:t>
             </a:r>
           </a:p>
         </p:txBody>
@@ -8806,7 +9068,7 @@
     </p:spTree>
     <p:extLst>
       <p:ext uri="{BB962C8B-B14F-4D97-AF65-F5344CB8AC3E}">
-        <p14:creationId xmlns:p14="http://schemas.microsoft.com/office/powerpoint/2010/main" val="3992923164"/>
+        <p14:creationId xmlns:p14="http://schemas.microsoft.com/office/powerpoint/2010/main" val="2763288965"/>
       </p:ext>
     </p:extLst>
   </p:cSld>
@@ -9088,7 +9350,7 @@
           <a:p>
             <a:r>
               <a:rPr lang="en-IE" dirty="0"/>
-              <a:t>VHDL: signal assignment</a:t>
+              <a:t>VHDL: Variable assignment (process only)</a:t>
             </a:r>
           </a:p>
         </p:txBody>
@@ -9122,6 +9384,100 @@
                 <a:latin typeface="Courier New" panose="02070309020205020404" pitchFamily="49" charset="0"/>
                 <a:cs typeface="Courier New" panose="02070309020205020404" pitchFamily="49" charset="0"/>
               </a:rPr>
+              <a:t>[label:] &lt;variable name&gt; := &lt;expression&gt;;</a:t>
+            </a:r>
+          </a:p>
+        </p:txBody>
+      </p:sp>
+    </p:spTree>
+    <p:extLst>
+      <p:ext uri="{BB962C8B-B14F-4D97-AF65-F5344CB8AC3E}">
+        <p14:creationId xmlns:p14="http://schemas.microsoft.com/office/powerpoint/2010/main" val="3992923164"/>
+      </p:ext>
+    </p:extLst>
+  </p:cSld>
+  <p:clrMapOvr>
+    <a:masterClrMapping/>
+  </p:clrMapOvr>
+</p:sld>
+</file>
+
+<file path=ppt/slides/slide31.xml><?xml version="1.0" encoding="utf-8"?>
+<p:sld xmlns:a="http://schemas.openxmlformats.org/drawingml/2006/main" xmlns:r="http://schemas.openxmlformats.org/officeDocument/2006/relationships" xmlns:p="http://schemas.openxmlformats.org/presentationml/2006/main">
+  <p:cSld>
+    <p:spTree>
+      <p:nvGrpSpPr>
+        <p:cNvPr id="1" name=""/>
+        <p:cNvGrpSpPr/>
+        <p:nvPr/>
+      </p:nvGrpSpPr>
+      <p:grpSpPr>
+        <a:xfrm>
+          <a:off x="0" y="0"/>
+          <a:ext cx="0" cy="0"/>
+          <a:chOff x="0" y="0"/>
+          <a:chExt cx="0" cy="0"/>
+        </a:xfrm>
+      </p:grpSpPr>
+      <p:sp>
+        <p:nvSpPr>
+          <p:cNvPr id="2" name="Title 1">
+            <a:extLst>
+              <a:ext uri="{FF2B5EF4-FFF2-40B4-BE49-F238E27FC236}">
+                <a16:creationId xmlns:a16="http://schemas.microsoft.com/office/drawing/2014/main" id="{9E06893A-C6CA-4B10-A04F-01278EAC1F8C}"/>
+              </a:ext>
+            </a:extLst>
+          </p:cNvPr>
+          <p:cNvSpPr>
+            <a:spLocks noGrp="1"/>
+          </p:cNvSpPr>
+          <p:nvPr>
+            <p:ph type="title"/>
+          </p:nvPr>
+        </p:nvSpPr>
+        <p:spPr/>
+        <p:txBody>
+          <a:bodyPr/>
+          <a:lstStyle/>
+          <a:p>
+            <a:r>
+              <a:rPr lang="en-IE" dirty="0"/>
+              <a:t>VHDL: signal assignment</a:t>
+            </a:r>
+          </a:p>
+        </p:txBody>
+      </p:sp>
+      <p:sp>
+        <p:nvSpPr>
+          <p:cNvPr id="3" name="Content Placeholder 2">
+            <a:extLst>
+              <a:ext uri="{FF2B5EF4-FFF2-40B4-BE49-F238E27FC236}">
+                <a16:creationId xmlns:a16="http://schemas.microsoft.com/office/drawing/2014/main" id="{A4C858C3-7CA8-4DBF-B3B0-8B8B2A5F94EA}"/>
+              </a:ext>
+            </a:extLst>
+          </p:cNvPr>
+          <p:cNvSpPr>
+            <a:spLocks noGrp="1"/>
+          </p:cNvSpPr>
+          <p:nvPr>
+            <p:ph idx="1"/>
+          </p:nvPr>
+        </p:nvSpPr>
+        <p:spPr/>
+        <p:txBody>
+          <a:bodyPr>
+            <a:normAutofit fontScale="85000" lnSpcReduction="20000"/>
+          </a:bodyPr>
+          <a:lstStyle/>
+          <a:p>
+            <a:pPr marL="0" indent="0">
+              <a:buNone/>
+            </a:pPr>
+            <a:r>
+              <a:rPr lang="en-IE" dirty="0">
+                <a:latin typeface="Courier New" panose="02070309020205020404" pitchFamily="49" charset="0"/>
+                <a:cs typeface="Courier New" panose="02070309020205020404" pitchFamily="49" charset="0"/>
+              </a:rPr>
               <a:t>[label:] &lt;</a:t>
             </a:r>
             <a:r>
@@ -9165,6 +9521,405 @@
                 <a:cs typeface="Courier New" panose="02070309020205020404" pitchFamily="49" charset="0"/>
               </a:rPr>
               <a:t> &lt;delay&gt;};</a:t>
+            </a:r>
+          </a:p>
+          <a:p>
+            <a:pPr marL="0" indent="0">
+              <a:buNone/>
+            </a:pPr>
+            <a:endParaRPr lang="en-IE" dirty="0">
+              <a:latin typeface="Courier New" panose="02070309020205020404" pitchFamily="49" charset="0"/>
+              <a:cs typeface="Courier New" panose="02070309020205020404" pitchFamily="49" charset="0"/>
+            </a:endParaRPr>
+          </a:p>
+          <a:p>
+            <a:pPr marL="0" indent="0">
+              <a:buNone/>
+            </a:pPr>
+            <a:r>
+              <a:rPr lang="en-IE" dirty="0">
+                <a:cs typeface="Courier New" panose="02070309020205020404" pitchFamily="49" charset="0"/>
+              </a:rPr>
+              <a:t>Can take quite complicated form, but these can be only used in testbenches: </a:t>
+            </a:r>
+          </a:p>
+          <a:p>
+            <a:pPr marL="0" indent="0">
+              <a:buNone/>
+            </a:pPr>
+            <a:endParaRPr lang="en-IE" dirty="0">
+              <a:cs typeface="Courier New" panose="02070309020205020404" pitchFamily="49" charset="0"/>
+            </a:endParaRPr>
+          </a:p>
+          <a:p>
+            <a:pPr marL="0" indent="0">
+              <a:buNone/>
+            </a:pPr>
+            <a:r>
+              <a:rPr lang="en-IE" sz="3000" dirty="0">
+                <a:latin typeface="Courier New" panose="02070309020205020404" pitchFamily="49" charset="0"/>
+                <a:cs typeface="Courier New" panose="02070309020205020404" pitchFamily="49" charset="0"/>
+              </a:rPr>
+              <a:t>A &lt;= ‘0’, ‘1’ </a:t>
+            </a:r>
+            <a:r>
+              <a:rPr lang="en-IE" sz="3000" b="1" dirty="0">
+                <a:latin typeface="Courier New" panose="02070309020205020404" pitchFamily="49" charset="0"/>
+                <a:cs typeface="Courier New" panose="02070309020205020404" pitchFamily="49" charset="0"/>
+              </a:rPr>
+              <a:t>after</a:t>
+            </a:r>
+            <a:r>
+              <a:rPr lang="en-IE" sz="3000" dirty="0">
+                <a:latin typeface="Courier New" panose="02070309020205020404" pitchFamily="49" charset="0"/>
+                <a:cs typeface="Courier New" panose="02070309020205020404" pitchFamily="49" charset="0"/>
+              </a:rPr>
+              <a:t> 10 ns, ‘0’ </a:t>
+            </a:r>
+            <a:r>
+              <a:rPr lang="en-IE" sz="3000" b="1" dirty="0">
+                <a:latin typeface="Courier New" panose="02070309020205020404" pitchFamily="49" charset="0"/>
+                <a:cs typeface="Courier New" panose="02070309020205020404" pitchFamily="49" charset="0"/>
+              </a:rPr>
+              <a:t>after</a:t>
+            </a:r>
+            <a:r>
+              <a:rPr lang="en-IE" sz="3000" dirty="0">
+                <a:latin typeface="Courier New" panose="02070309020205020404" pitchFamily="49" charset="0"/>
+                <a:cs typeface="Courier New" panose="02070309020205020404" pitchFamily="49" charset="0"/>
+              </a:rPr>
+              <a:t> 15 ns, ‘1’ </a:t>
+            </a:r>
+            <a:r>
+              <a:rPr lang="en-IE" sz="3000" b="1" dirty="0">
+                <a:latin typeface="Courier New" panose="02070309020205020404" pitchFamily="49" charset="0"/>
+                <a:cs typeface="Courier New" panose="02070309020205020404" pitchFamily="49" charset="0"/>
+              </a:rPr>
+              <a:t>after</a:t>
+            </a:r>
+            <a:r>
+              <a:rPr lang="en-IE" sz="3000" dirty="0">
+                <a:latin typeface="Courier New" panose="02070309020205020404" pitchFamily="49" charset="0"/>
+                <a:cs typeface="Courier New" panose="02070309020205020404" pitchFamily="49" charset="0"/>
+              </a:rPr>
+              <a:t> 20 ns, ‘0’ </a:t>
+            </a:r>
+            <a:r>
+              <a:rPr lang="en-IE" sz="3000" b="1" dirty="0">
+                <a:latin typeface="Courier New" panose="02070309020205020404" pitchFamily="49" charset="0"/>
+                <a:cs typeface="Courier New" panose="02070309020205020404" pitchFamily="49" charset="0"/>
+              </a:rPr>
+              <a:t>after</a:t>
+            </a:r>
+            <a:r>
+              <a:rPr lang="en-IE" sz="3000" dirty="0">
+                <a:latin typeface="Courier New" panose="02070309020205020404" pitchFamily="49" charset="0"/>
+                <a:cs typeface="Courier New" panose="02070309020205020404" pitchFamily="49" charset="0"/>
+              </a:rPr>
+              <a:t> 30 ns, ‘1’ </a:t>
+            </a:r>
+            <a:r>
+              <a:rPr lang="en-IE" sz="3000" b="1" dirty="0">
+                <a:latin typeface="Courier New" panose="02070309020205020404" pitchFamily="49" charset="0"/>
+                <a:cs typeface="Courier New" panose="02070309020205020404" pitchFamily="49" charset="0"/>
+              </a:rPr>
+              <a:t>after</a:t>
+            </a:r>
+            <a:r>
+              <a:rPr lang="en-IE" sz="3000" dirty="0">
+                <a:latin typeface="Courier New" panose="02070309020205020404" pitchFamily="49" charset="0"/>
+                <a:cs typeface="Courier New" panose="02070309020205020404" pitchFamily="49" charset="0"/>
+              </a:rPr>
+              <a:t> 50 ns, ‘0’ </a:t>
+            </a:r>
+            <a:r>
+              <a:rPr lang="en-IE" sz="3000" b="1" dirty="0">
+                <a:latin typeface="Courier New" panose="02070309020205020404" pitchFamily="49" charset="0"/>
+                <a:cs typeface="Courier New" panose="02070309020205020404" pitchFamily="49" charset="0"/>
+              </a:rPr>
+              <a:t>after</a:t>
+            </a:r>
+            <a:r>
+              <a:rPr lang="en-IE" sz="3000" dirty="0">
+                <a:latin typeface="Courier New" panose="02070309020205020404" pitchFamily="49" charset="0"/>
+                <a:cs typeface="Courier New" panose="02070309020205020404" pitchFamily="49" charset="0"/>
+              </a:rPr>
+              <a:t> 70 ns;</a:t>
+            </a:r>
+          </a:p>
+          <a:p>
+            <a:pPr marL="0" indent="0">
+              <a:buNone/>
+            </a:pPr>
+            <a:r>
+              <a:rPr lang="en-IE" sz="3000" dirty="0">
+                <a:latin typeface="Courier New" panose="02070309020205020404" pitchFamily="49" charset="0"/>
+                <a:cs typeface="Courier New" panose="02070309020205020404" pitchFamily="49" charset="0"/>
+              </a:rPr>
+              <a:t>B1 &lt;= </a:t>
+            </a:r>
+            <a:r>
+              <a:rPr lang="en-IE" sz="3000" b="1" dirty="0">
+                <a:latin typeface="Courier New" panose="02070309020205020404" pitchFamily="49" charset="0"/>
+                <a:cs typeface="Courier New" panose="02070309020205020404" pitchFamily="49" charset="0"/>
+              </a:rPr>
+              <a:t>transport</a:t>
+            </a:r>
+            <a:r>
+              <a:rPr lang="en-IE" sz="3000" dirty="0">
+                <a:latin typeface="Courier New" panose="02070309020205020404" pitchFamily="49" charset="0"/>
+                <a:cs typeface="Courier New" panose="02070309020205020404" pitchFamily="49" charset="0"/>
+              </a:rPr>
+              <a:t> A </a:t>
+            </a:r>
+            <a:r>
+              <a:rPr lang="en-IE" sz="3000" b="1" dirty="0">
+                <a:latin typeface="Courier New" panose="02070309020205020404" pitchFamily="49" charset="0"/>
+                <a:cs typeface="Courier New" panose="02070309020205020404" pitchFamily="49" charset="0"/>
+              </a:rPr>
+              <a:t>after</a:t>
+            </a:r>
+            <a:r>
+              <a:rPr lang="en-IE" sz="3000" dirty="0">
+                <a:latin typeface="Courier New" panose="02070309020205020404" pitchFamily="49" charset="0"/>
+                <a:cs typeface="Courier New" panose="02070309020205020404" pitchFamily="49" charset="0"/>
+              </a:rPr>
+              <a:t> 10 ns;</a:t>
+            </a:r>
+          </a:p>
+          <a:p>
+            <a:pPr marL="0" indent="0">
+              <a:buNone/>
+            </a:pPr>
+            <a:r>
+              <a:rPr lang="en-IE" sz="3000" dirty="0">
+                <a:latin typeface="Courier New" panose="02070309020205020404" pitchFamily="49" charset="0"/>
+                <a:cs typeface="Courier New" panose="02070309020205020404" pitchFamily="49" charset="0"/>
+              </a:rPr>
+              <a:t>B2 &lt;= A </a:t>
+            </a:r>
+            <a:r>
+              <a:rPr lang="en-IE" sz="3000" b="1" dirty="0">
+                <a:latin typeface="Courier New" panose="02070309020205020404" pitchFamily="49" charset="0"/>
+                <a:cs typeface="Courier New" panose="02070309020205020404" pitchFamily="49" charset="0"/>
+              </a:rPr>
+              <a:t>after</a:t>
+            </a:r>
+            <a:r>
+              <a:rPr lang="en-IE" sz="3000" dirty="0">
+                <a:latin typeface="Courier New" panose="02070309020205020404" pitchFamily="49" charset="0"/>
+                <a:cs typeface="Courier New" panose="02070309020205020404" pitchFamily="49" charset="0"/>
+              </a:rPr>
+              <a:t> 10 ns;</a:t>
+            </a:r>
+          </a:p>
+          <a:p>
+            <a:pPr marL="0" indent="0">
+              <a:buNone/>
+            </a:pPr>
+            <a:r>
+              <a:rPr lang="en-IE" sz="3000" dirty="0">
+                <a:latin typeface="Courier New" panose="02070309020205020404" pitchFamily="49" charset="0"/>
+                <a:cs typeface="Courier New" panose="02070309020205020404" pitchFamily="49" charset="0"/>
+              </a:rPr>
+              <a:t>B3 &lt;= </a:t>
+            </a:r>
+            <a:r>
+              <a:rPr lang="en-IE" sz="3000" b="1" dirty="0">
+                <a:latin typeface="Courier New" panose="02070309020205020404" pitchFamily="49" charset="0"/>
+                <a:cs typeface="Courier New" panose="02070309020205020404" pitchFamily="49" charset="0"/>
+              </a:rPr>
+              <a:t>reject</a:t>
+            </a:r>
+            <a:r>
+              <a:rPr lang="en-IE" sz="3000" dirty="0">
+                <a:latin typeface="Courier New" panose="02070309020205020404" pitchFamily="49" charset="0"/>
+                <a:cs typeface="Courier New" panose="02070309020205020404" pitchFamily="49" charset="0"/>
+              </a:rPr>
+              <a:t> 5 ns A </a:t>
+            </a:r>
+            <a:r>
+              <a:rPr lang="en-IE" sz="3000" b="1" dirty="0">
+                <a:latin typeface="Courier New" panose="02070309020205020404" pitchFamily="49" charset="0"/>
+                <a:cs typeface="Courier New" panose="02070309020205020404" pitchFamily="49" charset="0"/>
+              </a:rPr>
+              <a:t>after</a:t>
+            </a:r>
+            <a:r>
+              <a:rPr lang="en-IE" sz="3000" dirty="0">
+                <a:latin typeface="Courier New" panose="02070309020205020404" pitchFamily="49" charset="0"/>
+                <a:cs typeface="Courier New" panose="02070309020205020404" pitchFamily="49" charset="0"/>
+              </a:rPr>
+              <a:t> 10 ns;</a:t>
+            </a:r>
+          </a:p>
+        </p:txBody>
+      </p:sp>
+      <p:sp>
+        <p:nvSpPr>
+          <p:cNvPr id="4" name="Freeform: Shape 3">
+            <a:extLst>
+              <a:ext uri="{FF2B5EF4-FFF2-40B4-BE49-F238E27FC236}">
+                <a16:creationId xmlns:a16="http://schemas.microsoft.com/office/drawing/2014/main" id="{E0AA756B-BFC5-4403-94A2-C12967216510}"/>
+              </a:ext>
+            </a:extLst>
+          </p:cNvPr>
+          <p:cNvSpPr/>
+          <p:nvPr/>
+        </p:nvSpPr>
+        <p:spPr>
+          <a:xfrm>
+            <a:off x="7222435" y="4545496"/>
+            <a:ext cx="662803" cy="1192695"/>
+          </a:xfrm>
+          <a:custGeom>
+            <a:avLst/>
+            <a:gdLst>
+              <a:gd name="connsiteX0" fmla="*/ 0 w 662803"/>
+              <a:gd name="connsiteY0" fmla="*/ 0 h 1192695"/>
+              <a:gd name="connsiteX1" fmla="*/ 344556 w 662803"/>
+              <a:gd name="connsiteY1" fmla="*/ 132521 h 1192695"/>
+              <a:gd name="connsiteX2" fmla="*/ 424069 w 662803"/>
+              <a:gd name="connsiteY2" fmla="*/ 503582 h 1192695"/>
+              <a:gd name="connsiteX3" fmla="*/ 662608 w 662803"/>
+              <a:gd name="connsiteY3" fmla="*/ 622852 h 1192695"/>
+              <a:gd name="connsiteX4" fmla="*/ 463826 w 662803"/>
+              <a:gd name="connsiteY4" fmla="*/ 689113 h 1192695"/>
+              <a:gd name="connsiteX5" fmla="*/ 410817 w 662803"/>
+              <a:gd name="connsiteY5" fmla="*/ 1086678 h 1192695"/>
+              <a:gd name="connsiteX6" fmla="*/ 198782 w 662803"/>
+              <a:gd name="connsiteY6" fmla="*/ 1192695 h 1192695"/>
+            </a:gdLst>
+            <a:ahLst/>
+            <a:cxnLst>
+              <a:cxn ang="0">
+                <a:pos x="connsiteX0" y="connsiteY0"/>
+              </a:cxn>
+              <a:cxn ang="0">
+                <a:pos x="connsiteX1" y="connsiteY1"/>
+              </a:cxn>
+              <a:cxn ang="0">
+                <a:pos x="connsiteX2" y="connsiteY2"/>
+              </a:cxn>
+              <a:cxn ang="0">
+                <a:pos x="connsiteX3" y="connsiteY3"/>
+              </a:cxn>
+              <a:cxn ang="0">
+                <a:pos x="connsiteX4" y="connsiteY4"/>
+              </a:cxn>
+              <a:cxn ang="0">
+                <a:pos x="connsiteX5" y="connsiteY5"/>
+              </a:cxn>
+              <a:cxn ang="0">
+                <a:pos x="connsiteX6" y="connsiteY6"/>
+              </a:cxn>
+            </a:cxnLst>
+            <a:rect l="l" t="t" r="r" b="b"/>
+            <a:pathLst>
+              <a:path w="662803" h="1192695">
+                <a:moveTo>
+                  <a:pt x="0" y="0"/>
+                </a:moveTo>
+                <a:cubicBezTo>
+                  <a:pt x="136939" y="24295"/>
+                  <a:pt x="273878" y="48591"/>
+                  <a:pt x="344556" y="132521"/>
+                </a:cubicBezTo>
+                <a:cubicBezTo>
+                  <a:pt x="415234" y="216451"/>
+                  <a:pt x="371060" y="421860"/>
+                  <a:pt x="424069" y="503582"/>
+                </a:cubicBezTo>
+                <a:cubicBezTo>
+                  <a:pt x="477078" y="585304"/>
+                  <a:pt x="655982" y="591930"/>
+                  <a:pt x="662608" y="622852"/>
+                </a:cubicBezTo>
+                <a:cubicBezTo>
+                  <a:pt x="669234" y="653774"/>
+                  <a:pt x="505791" y="611809"/>
+                  <a:pt x="463826" y="689113"/>
+                </a:cubicBezTo>
+                <a:cubicBezTo>
+                  <a:pt x="421861" y="766417"/>
+                  <a:pt x="454991" y="1002748"/>
+                  <a:pt x="410817" y="1086678"/>
+                </a:cubicBezTo>
+                <a:cubicBezTo>
+                  <a:pt x="366643" y="1170608"/>
+                  <a:pt x="282712" y="1181651"/>
+                  <a:pt x="198782" y="1192695"/>
+                </a:cubicBezTo>
+              </a:path>
+            </a:pathLst>
+          </a:custGeom>
+          <a:noFill/>
+          <a:ln w="57150">
+            <a:solidFill>
+              <a:srgbClr val="FF0000"/>
+            </a:solidFill>
+          </a:ln>
+        </p:spPr>
+        <p:style>
+          <a:lnRef idx="2">
+            <a:schemeClr val="accent1">
+              <a:shade val="50000"/>
+            </a:schemeClr>
+          </a:lnRef>
+          <a:fillRef idx="1">
+            <a:schemeClr val="accent1"/>
+          </a:fillRef>
+          <a:effectRef idx="0">
+            <a:schemeClr val="accent1"/>
+          </a:effectRef>
+          <a:fontRef idx="minor">
+            <a:schemeClr val="lt1"/>
+          </a:fontRef>
+        </p:style>
+        <p:txBody>
+          <a:bodyPr rtlCol="0" anchor="ctr"/>
+          <a:lstStyle/>
+          <a:p>
+            <a:pPr algn="ctr"/>
+            <a:endParaRPr lang="en-IE"/>
+          </a:p>
+        </p:txBody>
+      </p:sp>
+      <p:sp>
+        <p:nvSpPr>
+          <p:cNvPr id="5" name="TextBox 4">
+            <a:extLst>
+              <a:ext uri="{FF2B5EF4-FFF2-40B4-BE49-F238E27FC236}">
+                <a16:creationId xmlns:a16="http://schemas.microsoft.com/office/drawing/2014/main" id="{209BC994-A41C-4E2D-A8B0-ACB815D4A25B}"/>
+              </a:ext>
+            </a:extLst>
+          </p:cNvPr>
+          <p:cNvSpPr txBox="1"/>
+          <p:nvPr/>
+        </p:nvSpPr>
+        <p:spPr>
+          <a:xfrm>
+            <a:off x="8004313" y="4911010"/>
+            <a:ext cx="3508589" cy="461665"/>
+          </a:xfrm>
+          <a:prstGeom prst="rect">
+            <a:avLst/>
+          </a:prstGeom>
+          <a:noFill/>
+        </p:spPr>
+        <p:txBody>
+          <a:bodyPr wrap="none" rtlCol="0">
+            <a:spAutoFit/>
+          </a:bodyPr>
+          <a:lstStyle/>
+          <a:p>
+            <a:r>
+              <a:rPr lang="en-IE" sz="2400" b="1" dirty="0">
+                <a:solidFill>
+                  <a:srgbClr val="FF0000"/>
+                </a:solidFill>
+              </a:rPr>
+              <a:t>We would skip these ones</a:t>
             </a:r>
           </a:p>
         </p:txBody>
@@ -9173,6 +9928,1931 @@
     <p:extLst>
       <p:ext uri="{BB962C8B-B14F-4D97-AF65-F5344CB8AC3E}">
         <p14:creationId xmlns:p14="http://schemas.microsoft.com/office/powerpoint/2010/main" val="280641880"/>
+      </p:ext>
+    </p:extLst>
+  </p:cSld>
+  <p:clrMapOvr>
+    <a:masterClrMapping/>
+  </p:clrMapOvr>
+</p:sld>
+</file>
+
+<file path=ppt/slides/slide32.xml><?xml version="1.0" encoding="utf-8"?>
+<p:sld xmlns:a="http://schemas.openxmlformats.org/drawingml/2006/main" xmlns:r="http://schemas.openxmlformats.org/officeDocument/2006/relationships" xmlns:p="http://schemas.openxmlformats.org/presentationml/2006/main">
+  <p:cSld>
+    <p:spTree>
+      <p:nvGrpSpPr>
+        <p:cNvPr id="1" name=""/>
+        <p:cNvGrpSpPr/>
+        <p:nvPr/>
+      </p:nvGrpSpPr>
+      <p:grpSpPr>
+        <a:xfrm>
+          <a:off x="0" y="0"/>
+          <a:ext cx="0" cy="0"/>
+          <a:chOff x="0" y="0"/>
+          <a:chExt cx="0" cy="0"/>
+        </a:xfrm>
+      </p:grpSpPr>
+      <p:sp>
+        <p:nvSpPr>
+          <p:cNvPr id="2" name="Title 1">
+            <a:extLst>
+              <a:ext uri="{FF2B5EF4-FFF2-40B4-BE49-F238E27FC236}">
+                <a16:creationId xmlns:a16="http://schemas.microsoft.com/office/drawing/2014/main" id="{9E06893A-C6CA-4B10-A04F-01278EAC1F8C}"/>
+              </a:ext>
+            </a:extLst>
+          </p:cNvPr>
+          <p:cNvSpPr>
+            <a:spLocks noGrp="1"/>
+          </p:cNvSpPr>
+          <p:nvPr>
+            <p:ph type="title"/>
+          </p:nvPr>
+        </p:nvSpPr>
+        <p:spPr/>
+        <p:txBody>
+          <a:bodyPr/>
+          <a:lstStyle/>
+          <a:p>
+            <a:r>
+              <a:rPr lang="en-IE" dirty="0"/>
+              <a:t>VHDL: conditional signal assignment</a:t>
+            </a:r>
+          </a:p>
+        </p:txBody>
+      </p:sp>
+      <p:sp>
+        <p:nvSpPr>
+          <p:cNvPr id="3" name="Content Placeholder 2">
+            <a:extLst>
+              <a:ext uri="{FF2B5EF4-FFF2-40B4-BE49-F238E27FC236}">
+                <a16:creationId xmlns:a16="http://schemas.microsoft.com/office/drawing/2014/main" id="{A4C858C3-7CA8-4DBF-B3B0-8B8B2A5F94EA}"/>
+              </a:ext>
+            </a:extLst>
+          </p:cNvPr>
+          <p:cNvSpPr>
+            <a:spLocks noGrp="1"/>
+          </p:cNvSpPr>
+          <p:nvPr>
+            <p:ph idx="1"/>
+          </p:nvPr>
+        </p:nvSpPr>
+        <p:spPr>
+          <a:xfrm>
+            <a:off x="371061" y="1825625"/>
+            <a:ext cx="11423374" cy="4351338"/>
+          </a:xfrm>
+        </p:spPr>
+        <p:txBody>
+          <a:bodyPr>
+            <a:normAutofit fontScale="92500" lnSpcReduction="10000"/>
+          </a:bodyPr>
+          <a:lstStyle/>
+          <a:p>
+            <a:pPr marL="0" indent="0">
+              <a:buNone/>
+            </a:pPr>
+            <a:r>
+              <a:rPr lang="en-IE" dirty="0">
+                <a:latin typeface="Courier New" panose="02070309020205020404" pitchFamily="49" charset="0"/>
+                <a:cs typeface="Courier New" panose="02070309020205020404" pitchFamily="49" charset="0"/>
+              </a:rPr>
+              <a:t>[&lt;label&gt;:] &lt;signal&gt; &lt;= [</a:t>
+            </a:r>
+            <a:r>
+              <a:rPr lang="en-IE" dirty="0" err="1">
+                <a:latin typeface="Courier New" panose="02070309020205020404" pitchFamily="49" charset="0"/>
+                <a:cs typeface="Courier New" panose="02070309020205020404" pitchFamily="49" charset="0"/>
+              </a:rPr>
+              <a:t>delay_type</a:t>
+            </a:r>
+            <a:r>
+              <a:rPr lang="en-IE" dirty="0">
+                <a:latin typeface="Courier New" panose="02070309020205020404" pitchFamily="49" charset="0"/>
+                <a:cs typeface="Courier New" panose="02070309020205020404" pitchFamily="49" charset="0"/>
+              </a:rPr>
+              <a:t>]</a:t>
+            </a:r>
+          </a:p>
+          <a:p>
+            <a:pPr marL="0" indent="0">
+              <a:buNone/>
+            </a:pPr>
+            <a:r>
+              <a:rPr lang="en-IE" dirty="0">
+                <a:latin typeface="Courier New" panose="02070309020205020404" pitchFamily="49" charset="0"/>
+                <a:cs typeface="Courier New" panose="02070309020205020404" pitchFamily="49" charset="0"/>
+              </a:rPr>
+              <a:t>{&lt;</a:t>
+            </a:r>
+            <a:r>
+              <a:rPr lang="en-IE" dirty="0" err="1">
+                <a:latin typeface="Courier New" panose="02070309020205020404" pitchFamily="49" charset="0"/>
+                <a:cs typeface="Courier New" panose="02070309020205020404" pitchFamily="49" charset="0"/>
+              </a:rPr>
+              <a:t>expression|waveform</a:t>
+            </a:r>
+            <a:r>
+              <a:rPr lang="en-IE" dirty="0">
+                <a:latin typeface="Courier New" panose="02070309020205020404" pitchFamily="49" charset="0"/>
+                <a:cs typeface="Courier New" panose="02070309020205020404" pitchFamily="49" charset="0"/>
+              </a:rPr>
+              <a:t>&gt; </a:t>
+            </a:r>
+            <a:r>
+              <a:rPr lang="en-IE" b="1" dirty="0">
+                <a:latin typeface="Courier New" panose="02070309020205020404" pitchFamily="49" charset="0"/>
+                <a:cs typeface="Courier New" panose="02070309020205020404" pitchFamily="49" charset="0"/>
+              </a:rPr>
+              <a:t>when</a:t>
+            </a:r>
+            <a:r>
+              <a:rPr lang="en-IE" dirty="0">
+                <a:latin typeface="Courier New" panose="02070309020205020404" pitchFamily="49" charset="0"/>
+                <a:cs typeface="Courier New" panose="02070309020205020404" pitchFamily="49" charset="0"/>
+              </a:rPr>
+              <a:t> &lt;</a:t>
+            </a:r>
+            <a:r>
+              <a:rPr lang="en-IE" dirty="0" err="1">
+                <a:latin typeface="Courier New" panose="02070309020205020404" pitchFamily="49" charset="0"/>
+                <a:cs typeface="Courier New" panose="02070309020205020404" pitchFamily="49" charset="0"/>
+              </a:rPr>
+              <a:t>boolean</a:t>
+            </a:r>
+            <a:r>
+              <a:rPr lang="en-IE" dirty="0">
+                <a:latin typeface="Courier New" panose="02070309020205020404" pitchFamily="49" charset="0"/>
+                <a:cs typeface="Courier New" panose="02070309020205020404" pitchFamily="49" charset="0"/>
+              </a:rPr>
+              <a:t> expression&gt; </a:t>
+            </a:r>
+            <a:r>
+              <a:rPr lang="en-IE" b="1" dirty="0">
+                <a:latin typeface="Courier New" panose="02070309020205020404" pitchFamily="49" charset="0"/>
+                <a:cs typeface="Courier New" panose="02070309020205020404" pitchFamily="49" charset="0"/>
+              </a:rPr>
+              <a:t>else</a:t>
+            </a:r>
+            <a:r>
+              <a:rPr lang="en-IE" dirty="0">
+                <a:latin typeface="Courier New" panose="02070309020205020404" pitchFamily="49" charset="0"/>
+                <a:cs typeface="Courier New" panose="02070309020205020404" pitchFamily="49" charset="0"/>
+              </a:rPr>
+              <a:t>}</a:t>
+            </a:r>
+          </a:p>
+          <a:p>
+            <a:pPr marL="0" indent="0">
+              <a:buNone/>
+            </a:pPr>
+            <a:r>
+              <a:rPr lang="en-IE" dirty="0">
+                <a:latin typeface="Courier New" panose="02070309020205020404" pitchFamily="49" charset="0"/>
+                <a:cs typeface="Courier New" panose="02070309020205020404" pitchFamily="49" charset="0"/>
+              </a:rPr>
+              <a:t>&lt; </a:t>
+            </a:r>
+            <a:r>
+              <a:rPr lang="en-IE" dirty="0" err="1">
+                <a:latin typeface="Courier New" panose="02070309020205020404" pitchFamily="49" charset="0"/>
+                <a:cs typeface="Courier New" panose="02070309020205020404" pitchFamily="49" charset="0"/>
+              </a:rPr>
+              <a:t>expression|waveform</a:t>
+            </a:r>
+            <a:r>
+              <a:rPr lang="en-IE" dirty="0">
+                <a:latin typeface="Courier New" panose="02070309020205020404" pitchFamily="49" charset="0"/>
+                <a:cs typeface="Courier New" panose="02070309020205020404" pitchFamily="49" charset="0"/>
+              </a:rPr>
+              <a:t>&gt; [</a:t>
+            </a:r>
+            <a:r>
+              <a:rPr lang="en-IE" b="1" dirty="0">
+                <a:latin typeface="Courier New" panose="02070309020205020404" pitchFamily="49" charset="0"/>
+                <a:cs typeface="Courier New" panose="02070309020205020404" pitchFamily="49" charset="0"/>
+              </a:rPr>
+              <a:t>when</a:t>
+            </a:r>
+            <a:r>
+              <a:rPr lang="en-IE" dirty="0">
+                <a:latin typeface="Courier New" panose="02070309020205020404" pitchFamily="49" charset="0"/>
+                <a:cs typeface="Courier New" panose="02070309020205020404" pitchFamily="49" charset="0"/>
+              </a:rPr>
+              <a:t> &lt;</a:t>
+            </a:r>
+            <a:r>
+              <a:rPr lang="en-IE" dirty="0" err="1">
+                <a:latin typeface="Courier New" panose="02070309020205020404" pitchFamily="49" charset="0"/>
+                <a:cs typeface="Courier New" panose="02070309020205020404" pitchFamily="49" charset="0"/>
+              </a:rPr>
+              <a:t>boolean</a:t>
+            </a:r>
+            <a:r>
+              <a:rPr lang="en-IE" dirty="0">
+                <a:latin typeface="Courier New" panose="02070309020205020404" pitchFamily="49" charset="0"/>
+                <a:cs typeface="Courier New" panose="02070309020205020404" pitchFamily="49" charset="0"/>
+              </a:rPr>
+              <a:t> expression&gt;];</a:t>
+            </a:r>
+          </a:p>
+          <a:p>
+            <a:pPr marL="0" indent="0">
+              <a:buNone/>
+            </a:pPr>
+            <a:endParaRPr lang="en-IE" dirty="0">
+              <a:latin typeface="Courier New" panose="02070309020205020404" pitchFamily="49" charset="0"/>
+              <a:cs typeface="Courier New" panose="02070309020205020404" pitchFamily="49" charset="0"/>
+            </a:endParaRPr>
+          </a:p>
+          <a:p>
+            <a:pPr marL="0" indent="0">
+              <a:buNone/>
+            </a:pPr>
+            <a:r>
+              <a:rPr lang="en-IE" dirty="0">
+                <a:cs typeface="Courier New" panose="02070309020205020404" pitchFamily="49" charset="0"/>
+              </a:rPr>
+              <a:t>Example:</a:t>
+            </a:r>
+          </a:p>
+          <a:p>
+            <a:pPr marL="0" indent="0">
+              <a:buNone/>
+            </a:pPr>
+            <a:endParaRPr lang="en-IE" dirty="0">
+              <a:cs typeface="Courier New" panose="02070309020205020404" pitchFamily="49" charset="0"/>
+            </a:endParaRPr>
+          </a:p>
+          <a:p>
+            <a:pPr marL="0" indent="0">
+              <a:buNone/>
+            </a:pPr>
+            <a:r>
+              <a:rPr lang="en-IE" sz="3000" dirty="0">
+                <a:latin typeface="Courier New" panose="02070309020205020404" pitchFamily="49" charset="0"/>
+                <a:cs typeface="Courier New" panose="02070309020205020404" pitchFamily="49" charset="0"/>
+              </a:rPr>
+              <a:t>z &lt;= a </a:t>
+            </a:r>
+            <a:r>
+              <a:rPr lang="en-IE" sz="3000" b="1" dirty="0">
+                <a:latin typeface="Courier New" panose="02070309020205020404" pitchFamily="49" charset="0"/>
+                <a:cs typeface="Courier New" panose="02070309020205020404" pitchFamily="49" charset="0"/>
+              </a:rPr>
+              <a:t>when</a:t>
+            </a:r>
+            <a:r>
+              <a:rPr lang="en-IE" sz="3000" dirty="0">
+                <a:latin typeface="Courier New" panose="02070309020205020404" pitchFamily="49" charset="0"/>
+                <a:cs typeface="Courier New" panose="02070309020205020404" pitchFamily="49" charset="0"/>
+              </a:rPr>
+              <a:t> s = “00” </a:t>
+            </a:r>
+            <a:r>
+              <a:rPr lang="en-IE" sz="3000" b="1" dirty="0">
+                <a:latin typeface="Courier New" panose="02070309020205020404" pitchFamily="49" charset="0"/>
+                <a:cs typeface="Courier New" panose="02070309020205020404" pitchFamily="49" charset="0"/>
+              </a:rPr>
+              <a:t>else</a:t>
+            </a:r>
+          </a:p>
+          <a:p>
+            <a:pPr marL="0" indent="0">
+              <a:buNone/>
+            </a:pPr>
+            <a:r>
+              <a:rPr lang="en-IE" sz="3000" dirty="0">
+                <a:latin typeface="Courier New" panose="02070309020205020404" pitchFamily="49" charset="0"/>
+                <a:cs typeface="Courier New" panose="02070309020205020404" pitchFamily="49" charset="0"/>
+              </a:rPr>
+              <a:t>	 b </a:t>
+            </a:r>
+            <a:r>
+              <a:rPr lang="en-IE" sz="3000" b="1" dirty="0">
+                <a:latin typeface="Courier New" panose="02070309020205020404" pitchFamily="49" charset="0"/>
+                <a:cs typeface="Courier New" panose="02070309020205020404" pitchFamily="49" charset="0"/>
+              </a:rPr>
+              <a:t>when</a:t>
+            </a:r>
+            <a:r>
+              <a:rPr lang="en-IE" sz="3000" dirty="0">
+                <a:latin typeface="Courier New" panose="02070309020205020404" pitchFamily="49" charset="0"/>
+                <a:cs typeface="Courier New" panose="02070309020205020404" pitchFamily="49" charset="0"/>
+              </a:rPr>
+              <a:t> s = “11” </a:t>
+            </a:r>
+            <a:r>
+              <a:rPr lang="en-IE" sz="3000" b="1" dirty="0">
+                <a:latin typeface="Courier New" panose="02070309020205020404" pitchFamily="49" charset="0"/>
+                <a:cs typeface="Courier New" panose="02070309020205020404" pitchFamily="49" charset="0"/>
+              </a:rPr>
+              <a:t>else</a:t>
+            </a:r>
+          </a:p>
+          <a:p>
+            <a:pPr marL="0" indent="0">
+              <a:buNone/>
+            </a:pPr>
+            <a:r>
+              <a:rPr lang="en-IE" sz="3000" dirty="0">
+                <a:latin typeface="Courier New" panose="02070309020205020404" pitchFamily="49" charset="0"/>
+                <a:cs typeface="Courier New" panose="02070309020205020404" pitchFamily="49" charset="0"/>
+              </a:rPr>
+              <a:t>	</a:t>
+            </a:r>
+            <a:r>
+              <a:rPr lang="en-IE" sz="3000" b="1" dirty="0" err="1">
+                <a:latin typeface="Courier New" panose="02070309020205020404" pitchFamily="49" charset="0"/>
+                <a:cs typeface="Courier New" panose="02070309020205020404" pitchFamily="49" charset="0"/>
+              </a:rPr>
+              <a:t>unnafected</a:t>
+            </a:r>
+            <a:r>
+              <a:rPr lang="en-IE" sz="3000" dirty="0">
+                <a:latin typeface="Courier New" panose="02070309020205020404" pitchFamily="49" charset="0"/>
+                <a:cs typeface="Courier New" panose="02070309020205020404" pitchFamily="49" charset="0"/>
+              </a:rPr>
+              <a:t> </a:t>
+            </a:r>
+            <a:r>
+              <a:rPr lang="en-IE" sz="3000" b="1" dirty="0">
+                <a:latin typeface="Courier New" panose="02070309020205020404" pitchFamily="49" charset="0"/>
+                <a:cs typeface="Courier New" panose="02070309020205020404" pitchFamily="49" charset="0"/>
+              </a:rPr>
+              <a:t>when</a:t>
+            </a:r>
+            <a:r>
+              <a:rPr lang="en-IE" sz="3000" dirty="0">
+                <a:latin typeface="Courier New" panose="02070309020205020404" pitchFamily="49" charset="0"/>
+                <a:cs typeface="Courier New" panose="02070309020205020404" pitchFamily="49" charset="0"/>
+              </a:rPr>
+              <a:t> </a:t>
+            </a:r>
+            <a:r>
+              <a:rPr lang="en-IE" sz="3000" b="1" dirty="0">
+                <a:latin typeface="Courier New" panose="02070309020205020404" pitchFamily="49" charset="0"/>
+                <a:cs typeface="Courier New" panose="02070309020205020404" pitchFamily="49" charset="0"/>
+              </a:rPr>
+              <a:t>others</a:t>
+            </a:r>
+            <a:r>
+              <a:rPr lang="en-IE" sz="3000" dirty="0">
+                <a:latin typeface="Courier New" panose="02070309020205020404" pitchFamily="49" charset="0"/>
+                <a:cs typeface="Courier New" panose="02070309020205020404" pitchFamily="49" charset="0"/>
+              </a:rPr>
+              <a:t>;</a:t>
+            </a:r>
+          </a:p>
+        </p:txBody>
+      </p:sp>
+    </p:spTree>
+    <p:extLst>
+      <p:ext uri="{BB962C8B-B14F-4D97-AF65-F5344CB8AC3E}">
+        <p14:creationId xmlns:p14="http://schemas.microsoft.com/office/powerpoint/2010/main" val="1087020443"/>
+      </p:ext>
+    </p:extLst>
+  </p:cSld>
+  <p:clrMapOvr>
+    <a:masterClrMapping/>
+  </p:clrMapOvr>
+</p:sld>
+</file>
+
+<file path=ppt/slides/slide33.xml><?xml version="1.0" encoding="utf-8"?>
+<p:sld xmlns:a="http://schemas.openxmlformats.org/drawingml/2006/main" xmlns:r="http://schemas.openxmlformats.org/officeDocument/2006/relationships" xmlns:p="http://schemas.openxmlformats.org/presentationml/2006/main">
+  <p:cSld>
+    <p:spTree>
+      <p:nvGrpSpPr>
+        <p:cNvPr id="1" name=""/>
+        <p:cNvGrpSpPr/>
+        <p:nvPr/>
+      </p:nvGrpSpPr>
+      <p:grpSpPr>
+        <a:xfrm>
+          <a:off x="0" y="0"/>
+          <a:ext cx="0" cy="0"/>
+          <a:chOff x="0" y="0"/>
+          <a:chExt cx="0" cy="0"/>
+        </a:xfrm>
+      </p:grpSpPr>
+      <p:sp>
+        <p:nvSpPr>
+          <p:cNvPr id="2" name="Title 1">
+            <a:extLst>
+              <a:ext uri="{FF2B5EF4-FFF2-40B4-BE49-F238E27FC236}">
+                <a16:creationId xmlns:a16="http://schemas.microsoft.com/office/drawing/2014/main" id="{9E06893A-C6CA-4B10-A04F-01278EAC1F8C}"/>
+              </a:ext>
+            </a:extLst>
+          </p:cNvPr>
+          <p:cNvSpPr>
+            <a:spLocks noGrp="1"/>
+          </p:cNvSpPr>
+          <p:nvPr>
+            <p:ph type="title"/>
+          </p:nvPr>
+        </p:nvSpPr>
+        <p:spPr/>
+        <p:txBody>
+          <a:bodyPr/>
+          <a:lstStyle/>
+          <a:p>
+            <a:r>
+              <a:rPr lang="en-IE" dirty="0"/>
+              <a:t>VHDL: selective signal assignment</a:t>
+            </a:r>
+          </a:p>
+        </p:txBody>
+      </p:sp>
+      <p:sp>
+        <p:nvSpPr>
+          <p:cNvPr id="3" name="Content Placeholder 2">
+            <a:extLst>
+              <a:ext uri="{FF2B5EF4-FFF2-40B4-BE49-F238E27FC236}">
+                <a16:creationId xmlns:a16="http://schemas.microsoft.com/office/drawing/2014/main" id="{A4C858C3-7CA8-4DBF-B3B0-8B8B2A5F94EA}"/>
+              </a:ext>
+            </a:extLst>
+          </p:cNvPr>
+          <p:cNvSpPr>
+            <a:spLocks noGrp="1"/>
+          </p:cNvSpPr>
+          <p:nvPr>
+            <p:ph idx="1"/>
+          </p:nvPr>
+        </p:nvSpPr>
+        <p:spPr>
+          <a:xfrm>
+            <a:off x="371061" y="1484243"/>
+            <a:ext cx="11423374" cy="5008632"/>
+          </a:xfrm>
+        </p:spPr>
+        <p:txBody>
+          <a:bodyPr>
+            <a:normAutofit fontScale="92500" lnSpcReduction="10000"/>
+          </a:bodyPr>
+          <a:lstStyle/>
+          <a:p>
+            <a:pPr marL="0" indent="0">
+              <a:buNone/>
+            </a:pPr>
+            <a:r>
+              <a:rPr lang="en-IE" dirty="0">
+                <a:latin typeface="Courier New" panose="02070309020205020404" pitchFamily="49" charset="0"/>
+                <a:cs typeface="Courier New" panose="02070309020205020404" pitchFamily="49" charset="0"/>
+              </a:rPr>
+              <a:t>[&lt;label&gt;:] </a:t>
+            </a:r>
+          </a:p>
+          <a:p>
+            <a:pPr marL="0" indent="0">
+              <a:buNone/>
+            </a:pPr>
+            <a:r>
+              <a:rPr lang="en-IE" b="1" dirty="0">
+                <a:latin typeface="Courier New" panose="02070309020205020404" pitchFamily="49" charset="0"/>
+                <a:cs typeface="Courier New" panose="02070309020205020404" pitchFamily="49" charset="0"/>
+              </a:rPr>
+              <a:t>with</a:t>
+            </a:r>
+            <a:r>
+              <a:rPr lang="en-IE" dirty="0">
+                <a:latin typeface="Courier New" panose="02070309020205020404" pitchFamily="49" charset="0"/>
+                <a:cs typeface="Courier New" panose="02070309020205020404" pitchFamily="49" charset="0"/>
+              </a:rPr>
+              <a:t> &lt;expression&gt; </a:t>
+            </a:r>
+            <a:r>
+              <a:rPr lang="en-IE" b="1" dirty="0">
+                <a:latin typeface="Courier New" panose="02070309020205020404" pitchFamily="49" charset="0"/>
+                <a:cs typeface="Courier New" panose="02070309020205020404" pitchFamily="49" charset="0"/>
+              </a:rPr>
+              <a:t>select</a:t>
+            </a:r>
+          </a:p>
+          <a:p>
+            <a:pPr marL="0" indent="0">
+              <a:buNone/>
+            </a:pPr>
+            <a:r>
+              <a:rPr lang="en-IE" dirty="0">
+                <a:latin typeface="Courier New" panose="02070309020205020404" pitchFamily="49" charset="0"/>
+                <a:cs typeface="Courier New" panose="02070309020205020404" pitchFamily="49" charset="0"/>
+              </a:rPr>
+              <a:t>	&lt;signal&gt; &lt;= [</a:t>
+            </a:r>
+            <a:r>
+              <a:rPr lang="en-IE" dirty="0" err="1">
+                <a:latin typeface="Courier New" panose="02070309020205020404" pitchFamily="49" charset="0"/>
+                <a:cs typeface="Courier New" panose="02070309020205020404" pitchFamily="49" charset="0"/>
+              </a:rPr>
+              <a:t>delay_type</a:t>
+            </a:r>
+            <a:r>
+              <a:rPr lang="en-IE" dirty="0">
+                <a:latin typeface="Courier New" panose="02070309020205020404" pitchFamily="49" charset="0"/>
+                <a:cs typeface="Courier New" panose="02070309020205020404" pitchFamily="49" charset="0"/>
+              </a:rPr>
+              <a:t>]</a:t>
+            </a:r>
+          </a:p>
+          <a:p>
+            <a:pPr marL="0" indent="0">
+              <a:buNone/>
+            </a:pPr>
+            <a:r>
+              <a:rPr lang="en-IE" dirty="0">
+                <a:latin typeface="Courier New" panose="02070309020205020404" pitchFamily="49" charset="0"/>
+                <a:cs typeface="Courier New" panose="02070309020205020404" pitchFamily="49" charset="0"/>
+              </a:rPr>
+              <a:t>		{&lt;</a:t>
+            </a:r>
+            <a:r>
+              <a:rPr lang="en-IE" dirty="0" err="1">
+                <a:latin typeface="Courier New" panose="02070309020205020404" pitchFamily="49" charset="0"/>
+                <a:cs typeface="Courier New" panose="02070309020205020404" pitchFamily="49" charset="0"/>
+              </a:rPr>
+              <a:t>expression|waveform</a:t>
+            </a:r>
+            <a:r>
+              <a:rPr lang="en-IE" dirty="0">
+                <a:latin typeface="Courier New" panose="02070309020205020404" pitchFamily="49" charset="0"/>
+                <a:cs typeface="Courier New" panose="02070309020205020404" pitchFamily="49" charset="0"/>
+              </a:rPr>
+              <a:t>&gt; </a:t>
+            </a:r>
+            <a:r>
+              <a:rPr lang="en-IE" b="1" dirty="0">
+                <a:latin typeface="Courier New" panose="02070309020205020404" pitchFamily="49" charset="0"/>
+                <a:cs typeface="Courier New" panose="02070309020205020404" pitchFamily="49" charset="0"/>
+              </a:rPr>
+              <a:t>when</a:t>
+            </a:r>
+            <a:r>
+              <a:rPr lang="en-IE" dirty="0">
+                <a:latin typeface="Courier New" panose="02070309020205020404" pitchFamily="49" charset="0"/>
+                <a:cs typeface="Courier New" panose="02070309020205020404" pitchFamily="49" charset="0"/>
+              </a:rPr>
+              <a:t> &lt;value&gt;,}</a:t>
+            </a:r>
+          </a:p>
+          <a:p>
+            <a:pPr marL="0" indent="0">
+              <a:buNone/>
+            </a:pPr>
+            <a:r>
+              <a:rPr lang="en-IE" dirty="0">
+                <a:latin typeface="Courier New" panose="02070309020205020404" pitchFamily="49" charset="0"/>
+                <a:cs typeface="Courier New" panose="02070309020205020404" pitchFamily="49" charset="0"/>
+              </a:rPr>
+              <a:t>		&lt;</a:t>
+            </a:r>
+            <a:r>
+              <a:rPr lang="en-IE" dirty="0" err="1">
+                <a:latin typeface="Courier New" panose="02070309020205020404" pitchFamily="49" charset="0"/>
+                <a:cs typeface="Courier New" panose="02070309020205020404" pitchFamily="49" charset="0"/>
+              </a:rPr>
+              <a:t>expression|waveform</a:t>
+            </a:r>
+            <a:r>
+              <a:rPr lang="en-IE" dirty="0">
+                <a:latin typeface="Courier New" panose="02070309020205020404" pitchFamily="49" charset="0"/>
+                <a:cs typeface="Courier New" panose="02070309020205020404" pitchFamily="49" charset="0"/>
+              </a:rPr>
+              <a:t>&gt; </a:t>
+            </a:r>
+            <a:r>
+              <a:rPr lang="en-IE" b="1" dirty="0">
+                <a:latin typeface="Courier New" panose="02070309020205020404" pitchFamily="49" charset="0"/>
+                <a:cs typeface="Courier New" panose="02070309020205020404" pitchFamily="49" charset="0"/>
+              </a:rPr>
+              <a:t>when</a:t>
+            </a:r>
+            <a:r>
+              <a:rPr lang="en-IE" dirty="0">
+                <a:latin typeface="Courier New" panose="02070309020205020404" pitchFamily="49" charset="0"/>
+                <a:cs typeface="Courier New" panose="02070309020205020404" pitchFamily="49" charset="0"/>
+              </a:rPr>
+              <a:t> &lt;value&gt;;</a:t>
+            </a:r>
+          </a:p>
+          <a:p>
+            <a:pPr marL="0" indent="0">
+              <a:buNone/>
+            </a:pPr>
+            <a:r>
+              <a:rPr lang="en-IE" dirty="0">
+                <a:cs typeface="Courier New" panose="02070309020205020404" pitchFamily="49" charset="0"/>
+              </a:rPr>
+              <a:t>Example:</a:t>
+            </a:r>
+          </a:p>
+          <a:p>
+            <a:pPr marL="0" indent="0">
+              <a:buNone/>
+            </a:pPr>
+            <a:r>
+              <a:rPr lang="en-IE" sz="3000" b="1" dirty="0">
+                <a:latin typeface="Courier New" panose="02070309020205020404" pitchFamily="49" charset="0"/>
+                <a:cs typeface="Courier New" panose="02070309020205020404" pitchFamily="49" charset="0"/>
+              </a:rPr>
+              <a:t>with</a:t>
+            </a:r>
+            <a:r>
+              <a:rPr lang="en-IE" sz="3000" dirty="0">
+                <a:latin typeface="Courier New" panose="02070309020205020404" pitchFamily="49" charset="0"/>
+                <a:cs typeface="Courier New" panose="02070309020205020404" pitchFamily="49" charset="0"/>
+              </a:rPr>
+              <a:t> opcode </a:t>
+            </a:r>
+            <a:r>
+              <a:rPr lang="en-IE" sz="3000" b="1" dirty="0">
+                <a:latin typeface="Courier New" panose="02070309020205020404" pitchFamily="49" charset="0"/>
+                <a:cs typeface="Courier New" panose="02070309020205020404" pitchFamily="49" charset="0"/>
+              </a:rPr>
+              <a:t>select</a:t>
+            </a:r>
+          </a:p>
+          <a:p>
+            <a:pPr marL="0" indent="0">
+              <a:buNone/>
+            </a:pPr>
+            <a:r>
+              <a:rPr lang="en-IE" sz="3000" dirty="0">
+                <a:latin typeface="Courier New" panose="02070309020205020404" pitchFamily="49" charset="0"/>
+                <a:cs typeface="Courier New" panose="02070309020205020404" pitchFamily="49" charset="0"/>
+              </a:rPr>
+              <a:t>	res &lt;= A + B </a:t>
+            </a:r>
+            <a:r>
+              <a:rPr lang="en-IE" sz="3000" b="1" dirty="0">
+                <a:latin typeface="Courier New" panose="02070309020205020404" pitchFamily="49" charset="0"/>
+                <a:cs typeface="Courier New" panose="02070309020205020404" pitchFamily="49" charset="0"/>
+              </a:rPr>
+              <a:t>when</a:t>
+            </a:r>
+            <a:r>
+              <a:rPr lang="en-IE" sz="3000" dirty="0">
+                <a:latin typeface="Courier New" panose="02070309020205020404" pitchFamily="49" charset="0"/>
+                <a:cs typeface="Courier New" panose="02070309020205020404" pitchFamily="49" charset="0"/>
+              </a:rPr>
+              <a:t> “00”,</a:t>
+            </a:r>
+          </a:p>
+          <a:p>
+            <a:pPr marL="0" indent="0">
+              <a:buNone/>
+            </a:pPr>
+            <a:r>
+              <a:rPr lang="en-IE" sz="3000" dirty="0">
+                <a:latin typeface="Courier New" panose="02070309020205020404" pitchFamily="49" charset="0"/>
+                <a:cs typeface="Courier New" panose="02070309020205020404" pitchFamily="49" charset="0"/>
+              </a:rPr>
+              <a:t>		   A - B </a:t>
+            </a:r>
+            <a:r>
+              <a:rPr lang="en-IE" sz="3000" b="1" dirty="0">
+                <a:latin typeface="Courier New" panose="02070309020205020404" pitchFamily="49" charset="0"/>
+                <a:cs typeface="Courier New" panose="02070309020205020404" pitchFamily="49" charset="0"/>
+              </a:rPr>
+              <a:t>when</a:t>
+            </a:r>
+            <a:r>
+              <a:rPr lang="en-IE" sz="3000" dirty="0">
+                <a:latin typeface="Courier New" panose="02070309020205020404" pitchFamily="49" charset="0"/>
+                <a:cs typeface="Courier New" panose="02070309020205020404" pitchFamily="49" charset="0"/>
+              </a:rPr>
+              <a:t> “01”,</a:t>
+            </a:r>
+          </a:p>
+          <a:p>
+            <a:pPr marL="0" indent="0">
+              <a:buNone/>
+            </a:pPr>
+            <a:r>
+              <a:rPr lang="en-IE" sz="3000" dirty="0">
+                <a:latin typeface="Courier New" panose="02070309020205020404" pitchFamily="49" charset="0"/>
+                <a:cs typeface="Courier New" panose="02070309020205020404" pitchFamily="49" charset="0"/>
+              </a:rPr>
+              <a:t>		   A </a:t>
+            </a:r>
+            <a:r>
+              <a:rPr lang="en-IE" sz="3000" b="1" dirty="0">
+                <a:latin typeface="Courier New" panose="02070309020205020404" pitchFamily="49" charset="0"/>
+                <a:cs typeface="Courier New" panose="02070309020205020404" pitchFamily="49" charset="0"/>
+              </a:rPr>
+              <a:t>and</a:t>
+            </a:r>
+            <a:r>
+              <a:rPr lang="en-IE" sz="3000" dirty="0">
+                <a:latin typeface="Courier New" panose="02070309020205020404" pitchFamily="49" charset="0"/>
+                <a:cs typeface="Courier New" panose="02070309020205020404" pitchFamily="49" charset="0"/>
+              </a:rPr>
+              <a:t> B </a:t>
+            </a:r>
+            <a:r>
+              <a:rPr lang="en-IE" sz="3000" b="1" dirty="0">
+                <a:latin typeface="Courier New" panose="02070309020205020404" pitchFamily="49" charset="0"/>
+                <a:cs typeface="Courier New" panose="02070309020205020404" pitchFamily="49" charset="0"/>
+              </a:rPr>
+              <a:t>when</a:t>
+            </a:r>
+            <a:r>
+              <a:rPr lang="en-IE" sz="3000" dirty="0">
+                <a:latin typeface="Courier New" panose="02070309020205020404" pitchFamily="49" charset="0"/>
+                <a:cs typeface="Courier New" panose="02070309020205020404" pitchFamily="49" charset="0"/>
+              </a:rPr>
+              <a:t> “10”,</a:t>
+            </a:r>
+          </a:p>
+          <a:p>
+            <a:pPr marL="0" indent="0">
+              <a:buNone/>
+            </a:pPr>
+            <a:r>
+              <a:rPr lang="en-IE" sz="3000" dirty="0">
+                <a:latin typeface="Courier New" panose="02070309020205020404" pitchFamily="49" charset="0"/>
+                <a:cs typeface="Courier New" panose="02070309020205020404" pitchFamily="49" charset="0"/>
+              </a:rPr>
+              <a:t>		   A </a:t>
+            </a:r>
+            <a:r>
+              <a:rPr lang="en-IE" sz="3000" b="1" dirty="0">
+                <a:latin typeface="Courier New" panose="02070309020205020404" pitchFamily="49" charset="0"/>
+                <a:cs typeface="Courier New" panose="02070309020205020404" pitchFamily="49" charset="0"/>
+              </a:rPr>
+              <a:t>or</a:t>
+            </a:r>
+            <a:r>
+              <a:rPr lang="en-IE" sz="3000" dirty="0">
+                <a:latin typeface="Courier New" panose="02070309020205020404" pitchFamily="49" charset="0"/>
+                <a:cs typeface="Courier New" panose="02070309020205020404" pitchFamily="49" charset="0"/>
+              </a:rPr>
+              <a:t> B </a:t>
+            </a:r>
+            <a:r>
+              <a:rPr lang="en-IE" sz="3000" b="1" dirty="0">
+                <a:latin typeface="Courier New" panose="02070309020205020404" pitchFamily="49" charset="0"/>
+                <a:cs typeface="Courier New" panose="02070309020205020404" pitchFamily="49" charset="0"/>
+              </a:rPr>
+              <a:t>when</a:t>
+            </a:r>
+            <a:r>
+              <a:rPr lang="en-IE" sz="3000" dirty="0">
+                <a:latin typeface="Courier New" panose="02070309020205020404" pitchFamily="49" charset="0"/>
+                <a:cs typeface="Courier New" panose="02070309020205020404" pitchFamily="49" charset="0"/>
+              </a:rPr>
+              <a:t> “11”;</a:t>
+            </a:r>
+          </a:p>
+        </p:txBody>
+      </p:sp>
+      <p:sp>
+        <p:nvSpPr>
+          <p:cNvPr id="4" name="TextBox 3">
+            <a:extLst>
+              <a:ext uri="{FF2B5EF4-FFF2-40B4-BE49-F238E27FC236}">
+                <a16:creationId xmlns:a16="http://schemas.microsoft.com/office/drawing/2014/main" id="{9A48679E-475B-479A-B6D1-2AE550A8A2A9}"/>
+              </a:ext>
+            </a:extLst>
+          </p:cNvPr>
+          <p:cNvSpPr txBox="1"/>
+          <p:nvPr/>
+        </p:nvSpPr>
+        <p:spPr>
+          <a:xfrm>
+            <a:off x="8428385" y="5050591"/>
+            <a:ext cx="3551582" cy="1015663"/>
+          </a:xfrm>
+          <a:prstGeom prst="rect">
+            <a:avLst/>
+          </a:prstGeom>
+          <a:noFill/>
+        </p:spPr>
+        <p:txBody>
+          <a:bodyPr wrap="square" rtlCol="0">
+            <a:spAutoFit/>
+          </a:bodyPr>
+          <a:lstStyle/>
+          <a:p>
+            <a:r>
+              <a:rPr lang="en-IE" sz="2000" b="1" dirty="0">
+                <a:solidFill>
+                  <a:srgbClr val="FF0000"/>
+                </a:solidFill>
+              </a:rPr>
+              <a:t>WOW! We’ve just implemented a very basic ALU (</a:t>
+            </a:r>
+            <a:r>
+              <a:rPr lang="en-IE" sz="2000" dirty="0">
+                <a:solidFill>
+                  <a:srgbClr val="FF0000"/>
+                </a:solidFill>
+              </a:rPr>
+              <a:t>arithmetic logic unit</a:t>
+            </a:r>
+            <a:r>
+              <a:rPr lang="en-IE" sz="2000" b="1" dirty="0">
+                <a:solidFill>
+                  <a:srgbClr val="FF0000"/>
+                </a:solidFill>
+              </a:rPr>
+              <a:t>) by accident!</a:t>
+            </a:r>
+          </a:p>
+        </p:txBody>
+      </p:sp>
+    </p:spTree>
+    <p:extLst>
+      <p:ext uri="{BB962C8B-B14F-4D97-AF65-F5344CB8AC3E}">
+        <p14:creationId xmlns:p14="http://schemas.microsoft.com/office/powerpoint/2010/main" val="4001387291"/>
+      </p:ext>
+    </p:extLst>
+  </p:cSld>
+  <p:clrMapOvr>
+    <a:masterClrMapping/>
+  </p:clrMapOvr>
+</p:sld>
+</file>
+
+<file path=ppt/slides/slide34.xml><?xml version="1.0" encoding="utf-8"?>
+<p:sld xmlns:a="http://schemas.openxmlformats.org/drawingml/2006/main" xmlns:r="http://schemas.openxmlformats.org/officeDocument/2006/relationships" xmlns:p="http://schemas.openxmlformats.org/presentationml/2006/main">
+  <p:cSld>
+    <p:spTree>
+      <p:nvGrpSpPr>
+        <p:cNvPr id="1" name=""/>
+        <p:cNvGrpSpPr/>
+        <p:nvPr/>
+      </p:nvGrpSpPr>
+      <p:grpSpPr>
+        <a:xfrm>
+          <a:off x="0" y="0"/>
+          <a:ext cx="0" cy="0"/>
+          <a:chOff x="0" y="0"/>
+          <a:chExt cx="0" cy="0"/>
+        </a:xfrm>
+      </p:grpSpPr>
+      <p:sp>
+        <p:nvSpPr>
+          <p:cNvPr id="2" name="Title 1">
+            <a:extLst>
+              <a:ext uri="{FF2B5EF4-FFF2-40B4-BE49-F238E27FC236}">
+                <a16:creationId xmlns:a16="http://schemas.microsoft.com/office/drawing/2014/main" id="{E91B1FA5-BA62-4B59-8AAD-566EE34FF805}"/>
+              </a:ext>
+            </a:extLst>
+          </p:cNvPr>
+          <p:cNvSpPr>
+            <a:spLocks noGrp="1"/>
+          </p:cNvSpPr>
+          <p:nvPr>
+            <p:ph type="title"/>
+          </p:nvPr>
+        </p:nvSpPr>
+        <p:spPr>
+          <a:xfrm>
+            <a:off x="304800" y="1"/>
+            <a:ext cx="11569148" cy="887895"/>
+          </a:xfrm>
+        </p:spPr>
+        <p:txBody>
+          <a:bodyPr>
+            <a:normAutofit/>
+          </a:bodyPr>
+          <a:lstStyle/>
+          <a:p>
+            <a:r>
+              <a:rPr lang="en-IE" sz="4000" dirty="0"/>
+              <a:t>Side note: simple ALU, let’s see some code and netlists </a:t>
+            </a:r>
+          </a:p>
+        </p:txBody>
+      </p:sp>
+      <p:pic>
+        <p:nvPicPr>
+          <p:cNvPr id="6" name="Picture 5">
+            <a:extLst>
+              <a:ext uri="{FF2B5EF4-FFF2-40B4-BE49-F238E27FC236}">
+                <a16:creationId xmlns:a16="http://schemas.microsoft.com/office/drawing/2014/main" id="{D4F777F6-8C68-42D6-85EE-26E2894294AE}"/>
+              </a:ext>
+            </a:extLst>
+          </p:cNvPr>
+          <p:cNvPicPr>
+            <a:picLocks noChangeAspect="1"/>
+          </p:cNvPicPr>
+          <p:nvPr/>
+        </p:nvPicPr>
+        <p:blipFill>
+          <a:blip r:embed="rId2"/>
+          <a:stretch>
+            <a:fillRect/>
+          </a:stretch>
+        </p:blipFill>
+        <p:spPr>
+          <a:xfrm>
+            <a:off x="891622" y="887895"/>
+            <a:ext cx="9445073" cy="5851625"/>
+          </a:xfrm>
+          <a:prstGeom prst="rect">
+            <a:avLst/>
+          </a:prstGeom>
+        </p:spPr>
+      </p:pic>
+    </p:spTree>
+    <p:extLst>
+      <p:ext uri="{BB962C8B-B14F-4D97-AF65-F5344CB8AC3E}">
+        <p14:creationId xmlns:p14="http://schemas.microsoft.com/office/powerpoint/2010/main" val="4105877307"/>
+      </p:ext>
+    </p:extLst>
+  </p:cSld>
+  <p:clrMapOvr>
+    <a:masterClrMapping/>
+  </p:clrMapOvr>
+</p:sld>
+</file>
+
+<file path=ppt/slides/slide35.xml><?xml version="1.0" encoding="utf-8"?>
+<p:sld xmlns:a="http://schemas.openxmlformats.org/drawingml/2006/main" xmlns:r="http://schemas.openxmlformats.org/officeDocument/2006/relationships" xmlns:p="http://schemas.openxmlformats.org/presentationml/2006/main">
+  <p:cSld>
+    <p:spTree>
+      <p:nvGrpSpPr>
+        <p:cNvPr id="1" name=""/>
+        <p:cNvGrpSpPr/>
+        <p:nvPr/>
+      </p:nvGrpSpPr>
+      <p:grpSpPr>
+        <a:xfrm>
+          <a:off x="0" y="0"/>
+          <a:ext cx="0" cy="0"/>
+          <a:chOff x="0" y="0"/>
+          <a:chExt cx="0" cy="0"/>
+        </a:xfrm>
+      </p:grpSpPr>
+      <p:sp>
+        <p:nvSpPr>
+          <p:cNvPr id="2" name="Title 1">
+            <a:extLst>
+              <a:ext uri="{FF2B5EF4-FFF2-40B4-BE49-F238E27FC236}">
+                <a16:creationId xmlns:a16="http://schemas.microsoft.com/office/drawing/2014/main" id="{E91B1FA5-BA62-4B59-8AAD-566EE34FF805}"/>
+              </a:ext>
+            </a:extLst>
+          </p:cNvPr>
+          <p:cNvSpPr>
+            <a:spLocks noGrp="1"/>
+          </p:cNvSpPr>
+          <p:nvPr>
+            <p:ph type="title"/>
+          </p:nvPr>
+        </p:nvSpPr>
+        <p:spPr>
+          <a:xfrm>
+            <a:off x="304800" y="1"/>
+            <a:ext cx="11569148" cy="887895"/>
+          </a:xfrm>
+        </p:spPr>
+        <p:txBody>
+          <a:bodyPr>
+            <a:normAutofit/>
+          </a:bodyPr>
+          <a:lstStyle/>
+          <a:p>
+            <a:r>
+              <a:rPr lang="en-IE" sz="4000" dirty="0"/>
+              <a:t>Side note: simple ALU, let’s see some code and netlists </a:t>
+            </a:r>
+          </a:p>
+        </p:txBody>
+      </p:sp>
+      <p:pic>
+        <p:nvPicPr>
+          <p:cNvPr id="3" name="Picture 2">
+            <a:extLst>
+              <a:ext uri="{FF2B5EF4-FFF2-40B4-BE49-F238E27FC236}">
+                <a16:creationId xmlns:a16="http://schemas.microsoft.com/office/drawing/2014/main" id="{02AAF1AF-75E0-405C-9193-A2FE286057E4}"/>
+              </a:ext>
+            </a:extLst>
+          </p:cNvPr>
+          <p:cNvPicPr>
+            <a:picLocks noChangeAspect="1"/>
+          </p:cNvPicPr>
+          <p:nvPr/>
+        </p:nvPicPr>
+        <p:blipFill>
+          <a:blip r:embed="rId2"/>
+          <a:stretch>
+            <a:fillRect/>
+          </a:stretch>
+        </p:blipFill>
+        <p:spPr>
+          <a:xfrm>
+            <a:off x="2888974" y="887895"/>
+            <a:ext cx="6559826" cy="5985841"/>
+          </a:xfrm>
+          <a:prstGeom prst="rect">
+            <a:avLst/>
+          </a:prstGeom>
+        </p:spPr>
+      </p:pic>
+    </p:spTree>
+    <p:extLst>
+      <p:ext uri="{BB962C8B-B14F-4D97-AF65-F5344CB8AC3E}">
+        <p14:creationId xmlns:p14="http://schemas.microsoft.com/office/powerpoint/2010/main" val="2792317123"/>
+      </p:ext>
+    </p:extLst>
+  </p:cSld>
+  <p:clrMapOvr>
+    <a:masterClrMapping/>
+  </p:clrMapOvr>
+</p:sld>
+</file>
+
+<file path=ppt/slides/slide36.xml><?xml version="1.0" encoding="utf-8"?>
+<p:sld xmlns:a="http://schemas.openxmlformats.org/drawingml/2006/main" xmlns:r="http://schemas.openxmlformats.org/officeDocument/2006/relationships" xmlns:p="http://schemas.openxmlformats.org/presentationml/2006/main">
+  <p:cSld>
+    <p:spTree>
+      <p:nvGrpSpPr>
+        <p:cNvPr id="1" name=""/>
+        <p:cNvGrpSpPr/>
+        <p:nvPr/>
+      </p:nvGrpSpPr>
+      <p:grpSpPr>
+        <a:xfrm>
+          <a:off x="0" y="0"/>
+          <a:ext cx="0" cy="0"/>
+          <a:chOff x="0" y="0"/>
+          <a:chExt cx="0" cy="0"/>
+        </a:xfrm>
+      </p:grpSpPr>
+      <p:sp>
+        <p:nvSpPr>
+          <p:cNvPr id="2" name="Title 1">
+            <a:extLst>
+              <a:ext uri="{FF2B5EF4-FFF2-40B4-BE49-F238E27FC236}">
+                <a16:creationId xmlns:a16="http://schemas.microsoft.com/office/drawing/2014/main" id="{E91B1FA5-BA62-4B59-8AAD-566EE34FF805}"/>
+              </a:ext>
+            </a:extLst>
+          </p:cNvPr>
+          <p:cNvSpPr>
+            <a:spLocks noGrp="1"/>
+          </p:cNvSpPr>
+          <p:nvPr>
+            <p:ph type="title"/>
+          </p:nvPr>
+        </p:nvSpPr>
+        <p:spPr>
+          <a:xfrm>
+            <a:off x="304800" y="1"/>
+            <a:ext cx="11569148" cy="887895"/>
+          </a:xfrm>
+        </p:spPr>
+        <p:txBody>
+          <a:bodyPr>
+            <a:normAutofit/>
+          </a:bodyPr>
+          <a:lstStyle/>
+          <a:p>
+            <a:r>
+              <a:rPr lang="en-IE" sz="4000" dirty="0"/>
+              <a:t>32 bit? Behold!</a:t>
+            </a:r>
+          </a:p>
+        </p:txBody>
+      </p:sp>
+      <p:pic>
+        <p:nvPicPr>
+          <p:cNvPr id="5" name="Picture 4">
+            <a:extLst>
+              <a:ext uri="{FF2B5EF4-FFF2-40B4-BE49-F238E27FC236}">
+                <a16:creationId xmlns:a16="http://schemas.microsoft.com/office/drawing/2014/main" id="{07E714E0-B0EB-47E6-A91B-B9421D7A5A10}"/>
+              </a:ext>
+            </a:extLst>
+          </p:cNvPr>
+          <p:cNvPicPr>
+            <a:picLocks noChangeAspect="1"/>
+          </p:cNvPicPr>
+          <p:nvPr/>
+        </p:nvPicPr>
+        <p:blipFill>
+          <a:blip r:embed="rId2"/>
+          <a:stretch>
+            <a:fillRect/>
+          </a:stretch>
+        </p:blipFill>
+        <p:spPr>
+          <a:xfrm>
+            <a:off x="3693" y="1881809"/>
+            <a:ext cx="12188307" cy="3235742"/>
+          </a:xfrm>
+          <a:prstGeom prst="rect">
+            <a:avLst/>
+          </a:prstGeom>
+        </p:spPr>
+      </p:pic>
+    </p:spTree>
+    <p:extLst>
+      <p:ext uri="{BB962C8B-B14F-4D97-AF65-F5344CB8AC3E}">
+        <p14:creationId xmlns:p14="http://schemas.microsoft.com/office/powerpoint/2010/main" val="3014433544"/>
+      </p:ext>
+    </p:extLst>
+  </p:cSld>
+  <p:clrMapOvr>
+    <a:masterClrMapping/>
+  </p:clrMapOvr>
+</p:sld>
+</file>
+
+<file path=ppt/slides/slide37.xml><?xml version="1.0" encoding="utf-8"?>
+<p:sld xmlns:a="http://schemas.openxmlformats.org/drawingml/2006/main" xmlns:r="http://schemas.openxmlformats.org/officeDocument/2006/relationships" xmlns:p="http://schemas.openxmlformats.org/presentationml/2006/main">
+  <p:cSld>
+    <p:spTree>
+      <p:nvGrpSpPr>
+        <p:cNvPr id="1" name=""/>
+        <p:cNvGrpSpPr/>
+        <p:nvPr/>
+      </p:nvGrpSpPr>
+      <p:grpSpPr>
+        <a:xfrm>
+          <a:off x="0" y="0"/>
+          <a:ext cx="0" cy="0"/>
+          <a:chOff x="0" y="0"/>
+          <a:chExt cx="0" cy="0"/>
+        </a:xfrm>
+      </p:grpSpPr>
+      <p:sp>
+        <p:nvSpPr>
+          <p:cNvPr id="2" name="Title 1">
+            <a:extLst>
+              <a:ext uri="{FF2B5EF4-FFF2-40B4-BE49-F238E27FC236}">
+                <a16:creationId xmlns:a16="http://schemas.microsoft.com/office/drawing/2014/main" id="{01A92D8B-A282-4751-97D9-8BE09A9CFC8B}"/>
+              </a:ext>
+            </a:extLst>
+          </p:cNvPr>
+          <p:cNvSpPr>
+            <a:spLocks noGrp="1"/>
+          </p:cNvSpPr>
+          <p:nvPr>
+            <p:ph type="title"/>
+          </p:nvPr>
+        </p:nvSpPr>
+        <p:spPr/>
+        <p:txBody>
+          <a:bodyPr/>
+          <a:lstStyle/>
+          <a:p>
+            <a:r>
+              <a:rPr lang="en-IE" dirty="0"/>
+              <a:t>VHDL: sequential </a:t>
+            </a:r>
+            <a:r>
+              <a:rPr lang="en-IE" dirty="0" err="1"/>
+              <a:t>stm</a:t>
+            </a:r>
+            <a:r>
+              <a:rPr lang="en-IE" dirty="0"/>
+              <a:t>, if-statements, formal syntax</a:t>
+            </a:r>
+          </a:p>
+        </p:txBody>
+      </p:sp>
+      <p:sp>
+        <p:nvSpPr>
+          <p:cNvPr id="3" name="Content Placeholder 2">
+            <a:extLst>
+              <a:ext uri="{FF2B5EF4-FFF2-40B4-BE49-F238E27FC236}">
+                <a16:creationId xmlns:a16="http://schemas.microsoft.com/office/drawing/2014/main" id="{6941D975-D94C-457F-83A3-9546E02B284D}"/>
+              </a:ext>
+            </a:extLst>
+          </p:cNvPr>
+          <p:cNvSpPr>
+            <a:spLocks noGrp="1"/>
+          </p:cNvSpPr>
+          <p:nvPr>
+            <p:ph idx="1"/>
+          </p:nvPr>
+        </p:nvSpPr>
+        <p:spPr/>
+        <p:txBody>
+          <a:bodyPr/>
+          <a:lstStyle/>
+          <a:p>
+            <a:pPr marL="0" indent="0">
+              <a:buNone/>
+            </a:pPr>
+            <a:r>
+              <a:rPr lang="es-ES" dirty="0">
+                <a:latin typeface="Courier New" panose="02070309020205020404" pitchFamily="49" charset="0"/>
+                <a:cs typeface="Courier New" panose="02070309020205020404" pitchFamily="49" charset="0"/>
+              </a:rPr>
+              <a:t>[</a:t>
+            </a:r>
+            <a:r>
+              <a:rPr lang="es-ES" dirty="0" err="1">
+                <a:latin typeface="Courier New" panose="02070309020205020404" pitchFamily="49" charset="0"/>
+                <a:cs typeface="Courier New" panose="02070309020205020404" pitchFamily="49" charset="0"/>
+              </a:rPr>
+              <a:t>label</a:t>
+            </a:r>
+            <a:r>
+              <a:rPr lang="es-ES" dirty="0">
+                <a:latin typeface="Courier New" panose="02070309020205020404" pitchFamily="49" charset="0"/>
+                <a:cs typeface="Courier New" panose="02070309020205020404" pitchFamily="49" charset="0"/>
+              </a:rPr>
+              <a:t>:] </a:t>
+            </a:r>
+            <a:r>
+              <a:rPr lang="es-ES" b="1" dirty="0" err="1">
+                <a:latin typeface="Courier New" panose="02070309020205020404" pitchFamily="49" charset="0"/>
+                <a:cs typeface="Courier New" panose="02070309020205020404" pitchFamily="49" charset="0"/>
+              </a:rPr>
+              <a:t>if</a:t>
+            </a:r>
+            <a:r>
+              <a:rPr lang="es-ES" dirty="0">
+                <a:latin typeface="Courier New" panose="02070309020205020404" pitchFamily="49" charset="0"/>
+                <a:cs typeface="Courier New" panose="02070309020205020404" pitchFamily="49" charset="0"/>
+              </a:rPr>
+              <a:t> &lt;</a:t>
+            </a:r>
+            <a:r>
+              <a:rPr lang="es-ES" dirty="0" err="1">
+                <a:latin typeface="Courier New" panose="02070309020205020404" pitchFamily="49" charset="0"/>
+                <a:cs typeface="Courier New" panose="02070309020205020404" pitchFamily="49" charset="0"/>
+              </a:rPr>
+              <a:t>condicion</a:t>
+            </a:r>
+            <a:r>
+              <a:rPr lang="es-ES" dirty="0">
+                <a:latin typeface="Courier New" panose="02070309020205020404" pitchFamily="49" charset="0"/>
+                <a:cs typeface="Courier New" panose="02070309020205020404" pitchFamily="49" charset="0"/>
+              </a:rPr>
+              <a:t>&gt; </a:t>
+            </a:r>
+            <a:r>
+              <a:rPr lang="es-ES" b="1" dirty="0" err="1">
+                <a:latin typeface="Courier New" panose="02070309020205020404" pitchFamily="49" charset="0"/>
+                <a:cs typeface="Courier New" panose="02070309020205020404" pitchFamily="49" charset="0"/>
+              </a:rPr>
+              <a:t>then</a:t>
+            </a:r>
+            <a:endParaRPr lang="es-ES" b="1" dirty="0">
+              <a:latin typeface="Courier New" panose="02070309020205020404" pitchFamily="49" charset="0"/>
+              <a:cs typeface="Courier New" panose="02070309020205020404" pitchFamily="49" charset="0"/>
+            </a:endParaRPr>
+          </a:p>
+          <a:p>
+            <a:pPr marL="0" indent="0">
+              <a:buNone/>
+            </a:pPr>
+            <a:r>
+              <a:rPr lang="es-ES" dirty="0">
+                <a:latin typeface="Courier New" panose="02070309020205020404" pitchFamily="49" charset="0"/>
+                <a:cs typeface="Courier New" panose="02070309020205020404" pitchFamily="49" charset="0"/>
+              </a:rPr>
+              <a:t>			&lt;sentencias secuenciales&gt;</a:t>
+            </a:r>
+          </a:p>
+          <a:p>
+            <a:pPr marL="0" indent="0">
+              <a:buNone/>
+            </a:pPr>
+            <a:r>
+              <a:rPr lang="es-ES" dirty="0">
+                <a:latin typeface="Courier New" panose="02070309020205020404" pitchFamily="49" charset="0"/>
+                <a:cs typeface="Courier New" panose="02070309020205020404" pitchFamily="49" charset="0"/>
+              </a:rPr>
+              <a:t>		{</a:t>
+            </a:r>
+            <a:r>
+              <a:rPr lang="es-ES" b="1" dirty="0" err="1">
+                <a:latin typeface="Courier New" panose="02070309020205020404" pitchFamily="49" charset="0"/>
+                <a:cs typeface="Courier New" panose="02070309020205020404" pitchFamily="49" charset="0"/>
+              </a:rPr>
+              <a:t>elsif</a:t>
+            </a:r>
+            <a:r>
+              <a:rPr lang="es-ES" dirty="0">
+                <a:latin typeface="Courier New" panose="02070309020205020404" pitchFamily="49" charset="0"/>
+                <a:cs typeface="Courier New" panose="02070309020205020404" pitchFamily="49" charset="0"/>
+              </a:rPr>
+              <a:t> &lt;</a:t>
+            </a:r>
+            <a:r>
+              <a:rPr lang="es-ES" dirty="0" err="1">
+                <a:latin typeface="Courier New" panose="02070309020205020404" pitchFamily="49" charset="0"/>
+                <a:cs typeface="Courier New" panose="02070309020205020404" pitchFamily="49" charset="0"/>
+              </a:rPr>
+              <a:t>condicion</a:t>
+            </a:r>
+            <a:r>
+              <a:rPr lang="es-ES" dirty="0">
+                <a:latin typeface="Courier New" panose="02070309020205020404" pitchFamily="49" charset="0"/>
+                <a:cs typeface="Courier New" panose="02070309020205020404" pitchFamily="49" charset="0"/>
+              </a:rPr>
+              <a:t>&gt; </a:t>
+            </a:r>
+            <a:r>
+              <a:rPr lang="es-ES" b="1" dirty="0" err="1">
+                <a:latin typeface="Courier New" panose="02070309020205020404" pitchFamily="49" charset="0"/>
+                <a:cs typeface="Courier New" panose="02070309020205020404" pitchFamily="49" charset="0"/>
+              </a:rPr>
+              <a:t>then</a:t>
+            </a:r>
+            <a:endParaRPr lang="es-ES" b="1" dirty="0">
+              <a:latin typeface="Courier New" panose="02070309020205020404" pitchFamily="49" charset="0"/>
+              <a:cs typeface="Courier New" panose="02070309020205020404" pitchFamily="49" charset="0"/>
+            </a:endParaRPr>
+          </a:p>
+          <a:p>
+            <a:pPr marL="0" indent="0">
+              <a:buNone/>
+            </a:pPr>
+            <a:r>
+              <a:rPr lang="es-ES" dirty="0">
+                <a:latin typeface="Courier New" panose="02070309020205020404" pitchFamily="49" charset="0"/>
+                <a:cs typeface="Courier New" panose="02070309020205020404" pitchFamily="49" charset="0"/>
+              </a:rPr>
+              <a:t>			&lt;sentencias secuenciales}</a:t>
+            </a:r>
+          </a:p>
+          <a:p>
+            <a:pPr marL="0" indent="0">
+              <a:buNone/>
+            </a:pPr>
+            <a:r>
+              <a:rPr lang="es-ES" dirty="0">
+                <a:latin typeface="Courier New" panose="02070309020205020404" pitchFamily="49" charset="0"/>
+                <a:cs typeface="Courier New" panose="02070309020205020404" pitchFamily="49" charset="0"/>
+              </a:rPr>
+              <a:t>		[</a:t>
+            </a:r>
+            <a:r>
+              <a:rPr lang="es-ES" b="1" dirty="0" err="1">
+                <a:latin typeface="Courier New" panose="02070309020205020404" pitchFamily="49" charset="0"/>
+                <a:cs typeface="Courier New" panose="02070309020205020404" pitchFamily="49" charset="0"/>
+              </a:rPr>
+              <a:t>else</a:t>
+            </a:r>
+            <a:endParaRPr lang="es-ES" b="1" dirty="0">
+              <a:latin typeface="Courier New" panose="02070309020205020404" pitchFamily="49" charset="0"/>
+              <a:cs typeface="Courier New" panose="02070309020205020404" pitchFamily="49" charset="0"/>
+            </a:endParaRPr>
+          </a:p>
+          <a:p>
+            <a:pPr marL="0" indent="0">
+              <a:buNone/>
+            </a:pPr>
+            <a:r>
+              <a:rPr lang="es-ES" dirty="0">
+                <a:latin typeface="Courier New" panose="02070309020205020404" pitchFamily="49" charset="0"/>
+                <a:cs typeface="Courier New" panose="02070309020205020404" pitchFamily="49" charset="0"/>
+              </a:rPr>
+              <a:t>			&lt;sentencias secuenciales&gt;]</a:t>
+            </a:r>
+          </a:p>
+          <a:p>
+            <a:pPr marL="0" indent="0">
+              <a:buNone/>
+            </a:pPr>
+            <a:r>
+              <a:rPr lang="es-ES" dirty="0">
+                <a:latin typeface="Courier New" panose="02070309020205020404" pitchFamily="49" charset="0"/>
+                <a:cs typeface="Courier New" panose="02070309020205020404" pitchFamily="49" charset="0"/>
+              </a:rPr>
+              <a:t>		</a:t>
+            </a:r>
+            <a:r>
+              <a:rPr lang="es-ES" b="1" dirty="0" err="1">
+                <a:latin typeface="Courier New" panose="02070309020205020404" pitchFamily="49" charset="0"/>
+                <a:cs typeface="Courier New" panose="02070309020205020404" pitchFamily="49" charset="0"/>
+              </a:rPr>
+              <a:t>end</a:t>
+            </a:r>
+            <a:r>
+              <a:rPr lang="es-ES" dirty="0">
+                <a:latin typeface="Courier New" panose="02070309020205020404" pitchFamily="49" charset="0"/>
+                <a:cs typeface="Courier New" panose="02070309020205020404" pitchFamily="49" charset="0"/>
+              </a:rPr>
+              <a:t> </a:t>
+            </a:r>
+            <a:r>
+              <a:rPr lang="es-ES" b="1" dirty="0" err="1">
+                <a:latin typeface="Courier New" panose="02070309020205020404" pitchFamily="49" charset="0"/>
+                <a:cs typeface="Courier New" panose="02070309020205020404" pitchFamily="49" charset="0"/>
+              </a:rPr>
+              <a:t>if</a:t>
+            </a:r>
+            <a:r>
+              <a:rPr lang="es-ES" dirty="0">
+                <a:latin typeface="Courier New" panose="02070309020205020404" pitchFamily="49" charset="0"/>
+                <a:cs typeface="Courier New" panose="02070309020205020404" pitchFamily="49" charset="0"/>
+              </a:rPr>
+              <a:t> [</a:t>
+            </a:r>
+            <a:r>
+              <a:rPr lang="es-ES" dirty="0" err="1">
+                <a:latin typeface="Courier New" panose="02070309020205020404" pitchFamily="49" charset="0"/>
+                <a:cs typeface="Courier New" panose="02070309020205020404" pitchFamily="49" charset="0"/>
+              </a:rPr>
+              <a:t>label</a:t>
+            </a:r>
+            <a:r>
+              <a:rPr lang="es-ES" dirty="0">
+                <a:latin typeface="Courier New" panose="02070309020205020404" pitchFamily="49" charset="0"/>
+                <a:cs typeface="Courier New" panose="02070309020205020404" pitchFamily="49" charset="0"/>
+              </a:rPr>
+              <a:t>];</a:t>
+            </a:r>
+            <a:endParaRPr lang="en-IE" dirty="0">
+              <a:latin typeface="Courier New" panose="02070309020205020404" pitchFamily="49" charset="0"/>
+              <a:cs typeface="Courier New" panose="02070309020205020404" pitchFamily="49" charset="0"/>
+            </a:endParaRPr>
+          </a:p>
+        </p:txBody>
+      </p:sp>
+    </p:spTree>
+    <p:extLst>
+      <p:ext uri="{BB962C8B-B14F-4D97-AF65-F5344CB8AC3E}">
+        <p14:creationId xmlns:p14="http://schemas.microsoft.com/office/powerpoint/2010/main" val="1950328567"/>
+      </p:ext>
+    </p:extLst>
+  </p:cSld>
+  <p:clrMapOvr>
+    <a:masterClrMapping/>
+  </p:clrMapOvr>
+</p:sld>
+</file>
+
+<file path=ppt/slides/slide38.xml><?xml version="1.0" encoding="utf-8"?>
+<p:sld xmlns:a="http://schemas.openxmlformats.org/drawingml/2006/main" xmlns:r="http://schemas.openxmlformats.org/officeDocument/2006/relationships" xmlns:p="http://schemas.openxmlformats.org/presentationml/2006/main">
+  <p:cSld>
+    <p:spTree>
+      <p:nvGrpSpPr>
+        <p:cNvPr id="1" name=""/>
+        <p:cNvGrpSpPr/>
+        <p:nvPr/>
+      </p:nvGrpSpPr>
+      <p:grpSpPr>
+        <a:xfrm>
+          <a:off x="0" y="0"/>
+          <a:ext cx="0" cy="0"/>
+          <a:chOff x="0" y="0"/>
+          <a:chExt cx="0" cy="0"/>
+        </a:xfrm>
+      </p:grpSpPr>
+      <p:sp>
+        <p:nvSpPr>
+          <p:cNvPr id="2" name="Title 1">
+            <a:extLst>
+              <a:ext uri="{FF2B5EF4-FFF2-40B4-BE49-F238E27FC236}">
+                <a16:creationId xmlns:a16="http://schemas.microsoft.com/office/drawing/2014/main" id="{CBEAF3B3-C1DF-4023-8485-4D3896F89BDD}"/>
+              </a:ext>
+            </a:extLst>
+          </p:cNvPr>
+          <p:cNvSpPr>
+            <a:spLocks noGrp="1"/>
+          </p:cNvSpPr>
+          <p:nvPr>
+            <p:ph type="title"/>
+          </p:nvPr>
+        </p:nvSpPr>
+        <p:spPr/>
+        <p:txBody>
+          <a:bodyPr/>
+          <a:lstStyle/>
+          <a:p>
+            <a:r>
+              <a:rPr lang="en-IE" dirty="0"/>
+              <a:t>VHDL: sequential </a:t>
+            </a:r>
+            <a:r>
+              <a:rPr lang="en-IE" dirty="0" err="1"/>
+              <a:t>stm</a:t>
+            </a:r>
+            <a:r>
+              <a:rPr lang="en-IE" dirty="0"/>
+              <a:t>, case-statements, formal syntax</a:t>
+            </a:r>
+          </a:p>
+        </p:txBody>
+      </p:sp>
+      <p:sp>
+        <p:nvSpPr>
+          <p:cNvPr id="3" name="Content Placeholder 2">
+            <a:extLst>
+              <a:ext uri="{FF2B5EF4-FFF2-40B4-BE49-F238E27FC236}">
+                <a16:creationId xmlns:a16="http://schemas.microsoft.com/office/drawing/2014/main" id="{B3AEB2A7-8A31-4AD1-91C9-FC6F20D4A77E}"/>
+              </a:ext>
+            </a:extLst>
+          </p:cNvPr>
+          <p:cNvSpPr>
+            <a:spLocks noGrp="1"/>
+          </p:cNvSpPr>
+          <p:nvPr>
+            <p:ph idx="1"/>
+          </p:nvPr>
+        </p:nvSpPr>
+        <p:spPr/>
+        <p:txBody>
+          <a:bodyPr/>
+          <a:lstStyle/>
+          <a:p>
+            <a:pPr marL="0" indent="0">
+              <a:buNone/>
+            </a:pPr>
+            <a:r>
+              <a:rPr lang="en-IE" dirty="0">
+                <a:latin typeface="Courier New" panose="02070309020205020404" pitchFamily="49" charset="0"/>
+                <a:cs typeface="Courier New" panose="02070309020205020404" pitchFamily="49" charset="0"/>
+              </a:rPr>
+              <a:t>[label:] </a:t>
+            </a:r>
+            <a:r>
+              <a:rPr lang="en-IE" b="1" dirty="0">
+                <a:latin typeface="Courier New" panose="02070309020205020404" pitchFamily="49" charset="0"/>
+                <a:cs typeface="Courier New" panose="02070309020205020404" pitchFamily="49" charset="0"/>
+              </a:rPr>
+              <a:t>case</a:t>
+            </a:r>
+            <a:r>
+              <a:rPr lang="en-IE" dirty="0">
+                <a:latin typeface="Courier New" panose="02070309020205020404" pitchFamily="49" charset="0"/>
+                <a:cs typeface="Courier New" panose="02070309020205020404" pitchFamily="49" charset="0"/>
+              </a:rPr>
+              <a:t> &lt;</a:t>
+            </a:r>
+            <a:r>
+              <a:rPr lang="en-IE" dirty="0" err="1">
+                <a:latin typeface="Courier New" panose="02070309020205020404" pitchFamily="49" charset="0"/>
+                <a:cs typeface="Courier New" panose="02070309020205020404" pitchFamily="49" charset="0"/>
+              </a:rPr>
+              <a:t>expresion</a:t>
+            </a:r>
+            <a:r>
+              <a:rPr lang="en-IE" dirty="0">
+                <a:latin typeface="Courier New" panose="02070309020205020404" pitchFamily="49" charset="0"/>
+                <a:cs typeface="Courier New" panose="02070309020205020404" pitchFamily="49" charset="0"/>
+              </a:rPr>
+              <a:t>&gt; </a:t>
+            </a:r>
+            <a:r>
+              <a:rPr lang="en-IE" b="1" dirty="0">
+                <a:latin typeface="Courier New" panose="02070309020205020404" pitchFamily="49" charset="0"/>
+                <a:cs typeface="Courier New" panose="02070309020205020404" pitchFamily="49" charset="0"/>
+              </a:rPr>
+              <a:t>is</a:t>
+            </a:r>
+          </a:p>
+          <a:p>
+            <a:pPr marL="0" indent="0">
+              <a:buNone/>
+            </a:pPr>
+            <a:r>
+              <a:rPr lang="en-IE" dirty="0">
+                <a:latin typeface="Courier New" panose="02070309020205020404" pitchFamily="49" charset="0"/>
+                <a:cs typeface="Courier New" panose="02070309020205020404" pitchFamily="49" charset="0"/>
+              </a:rPr>
+              <a:t>			{</a:t>
+            </a:r>
+            <a:r>
+              <a:rPr lang="en-IE" b="1" dirty="0">
+                <a:latin typeface="Courier New" panose="02070309020205020404" pitchFamily="49" charset="0"/>
+                <a:cs typeface="Courier New" panose="02070309020205020404" pitchFamily="49" charset="0"/>
+              </a:rPr>
+              <a:t>when</a:t>
+            </a:r>
+            <a:r>
+              <a:rPr lang="en-IE" dirty="0">
+                <a:latin typeface="Courier New" panose="02070309020205020404" pitchFamily="49" charset="0"/>
+                <a:cs typeface="Courier New" panose="02070309020205020404" pitchFamily="49" charset="0"/>
+              </a:rPr>
+              <a:t> &lt;value1&gt; =&gt;</a:t>
+            </a:r>
+          </a:p>
+          <a:p>
+            <a:pPr marL="0" indent="0">
+              <a:buNone/>
+            </a:pPr>
+            <a:r>
+              <a:rPr lang="en-IE" dirty="0">
+                <a:latin typeface="Courier New" panose="02070309020205020404" pitchFamily="49" charset="0"/>
+                <a:cs typeface="Courier New" panose="02070309020205020404" pitchFamily="49" charset="0"/>
+              </a:rPr>
+              <a:t>				&lt;sequential sentences&gt;;}</a:t>
+            </a:r>
+          </a:p>
+          <a:p>
+            <a:pPr marL="0" indent="0">
+              <a:buNone/>
+            </a:pPr>
+            <a:r>
+              <a:rPr lang="en-IE" dirty="0">
+                <a:latin typeface="Courier New" panose="02070309020205020404" pitchFamily="49" charset="0"/>
+                <a:cs typeface="Courier New" panose="02070309020205020404" pitchFamily="49" charset="0"/>
+              </a:rPr>
+              <a:t>			{</a:t>
+            </a:r>
+            <a:r>
+              <a:rPr lang="en-IE" b="1" dirty="0">
+                <a:latin typeface="Courier New" panose="02070309020205020404" pitchFamily="49" charset="0"/>
+                <a:cs typeface="Courier New" panose="02070309020205020404" pitchFamily="49" charset="0"/>
+              </a:rPr>
+              <a:t>when</a:t>
+            </a:r>
+            <a:r>
+              <a:rPr lang="en-IE" dirty="0">
+                <a:latin typeface="Courier New" panose="02070309020205020404" pitchFamily="49" charset="0"/>
+                <a:cs typeface="Courier New" panose="02070309020205020404" pitchFamily="49" charset="0"/>
+              </a:rPr>
+              <a:t> &lt;value2&gt; =&gt;</a:t>
+            </a:r>
+          </a:p>
+          <a:p>
+            <a:pPr marL="0" indent="0">
+              <a:buNone/>
+            </a:pPr>
+            <a:r>
+              <a:rPr lang="en-IE" dirty="0">
+                <a:latin typeface="Courier New" panose="02070309020205020404" pitchFamily="49" charset="0"/>
+                <a:cs typeface="Courier New" panose="02070309020205020404" pitchFamily="49" charset="0"/>
+              </a:rPr>
+              <a:t>				&lt;sequential sentences&gt;;}</a:t>
+            </a:r>
+          </a:p>
+          <a:p>
+            <a:pPr marL="0" indent="0">
+              <a:buNone/>
+            </a:pPr>
+            <a:r>
+              <a:rPr lang="en-IE" dirty="0">
+                <a:latin typeface="Courier New" panose="02070309020205020404" pitchFamily="49" charset="0"/>
+                <a:cs typeface="Courier New" panose="02070309020205020404" pitchFamily="49" charset="0"/>
+              </a:rPr>
+              <a:t>			[</a:t>
+            </a:r>
+            <a:r>
+              <a:rPr lang="en-IE" b="1" dirty="0">
+                <a:latin typeface="Courier New" panose="02070309020205020404" pitchFamily="49" charset="0"/>
+                <a:cs typeface="Courier New" panose="02070309020205020404" pitchFamily="49" charset="0"/>
+              </a:rPr>
+              <a:t>when</a:t>
+            </a:r>
+            <a:r>
+              <a:rPr lang="en-IE" dirty="0">
+                <a:latin typeface="Courier New" panose="02070309020205020404" pitchFamily="49" charset="0"/>
+                <a:cs typeface="Courier New" panose="02070309020205020404" pitchFamily="49" charset="0"/>
+              </a:rPr>
+              <a:t> </a:t>
+            </a:r>
+            <a:r>
+              <a:rPr lang="en-IE" b="1" dirty="0">
+                <a:latin typeface="Courier New" panose="02070309020205020404" pitchFamily="49" charset="0"/>
+                <a:cs typeface="Courier New" panose="02070309020205020404" pitchFamily="49" charset="0"/>
+              </a:rPr>
+              <a:t>others</a:t>
+            </a:r>
+            <a:r>
+              <a:rPr lang="en-IE" dirty="0">
+                <a:latin typeface="Courier New" panose="02070309020205020404" pitchFamily="49" charset="0"/>
+                <a:cs typeface="Courier New" panose="02070309020205020404" pitchFamily="49" charset="0"/>
+              </a:rPr>
+              <a:t> =&gt;</a:t>
+            </a:r>
+          </a:p>
+          <a:p>
+            <a:pPr marL="0" indent="0">
+              <a:buNone/>
+            </a:pPr>
+            <a:r>
+              <a:rPr lang="en-IE" dirty="0">
+                <a:latin typeface="Courier New" panose="02070309020205020404" pitchFamily="49" charset="0"/>
+                <a:cs typeface="Courier New" panose="02070309020205020404" pitchFamily="49" charset="0"/>
+              </a:rPr>
+              <a:t>				&lt;sequential sentences&gt;;]</a:t>
+            </a:r>
+          </a:p>
+          <a:p>
+            <a:pPr marL="0" indent="0">
+              <a:buNone/>
+            </a:pPr>
+            <a:r>
+              <a:rPr lang="en-IE" b="1" dirty="0">
+                <a:latin typeface="Courier New" panose="02070309020205020404" pitchFamily="49" charset="0"/>
+                <a:cs typeface="Courier New" panose="02070309020205020404" pitchFamily="49" charset="0"/>
+              </a:rPr>
+              <a:t>		end</a:t>
+            </a:r>
+            <a:r>
+              <a:rPr lang="en-IE" dirty="0">
+                <a:latin typeface="Courier New" panose="02070309020205020404" pitchFamily="49" charset="0"/>
+                <a:cs typeface="Courier New" panose="02070309020205020404" pitchFamily="49" charset="0"/>
+              </a:rPr>
+              <a:t> </a:t>
+            </a:r>
+            <a:r>
+              <a:rPr lang="en-IE" b="1" dirty="0">
+                <a:latin typeface="Courier New" panose="02070309020205020404" pitchFamily="49" charset="0"/>
+                <a:cs typeface="Courier New" panose="02070309020205020404" pitchFamily="49" charset="0"/>
+              </a:rPr>
+              <a:t>case</a:t>
+            </a:r>
+            <a:r>
+              <a:rPr lang="en-IE" dirty="0">
+                <a:latin typeface="Courier New" panose="02070309020205020404" pitchFamily="49" charset="0"/>
+                <a:cs typeface="Courier New" panose="02070309020205020404" pitchFamily="49" charset="0"/>
+              </a:rPr>
+              <a:t> [label];</a:t>
+            </a:r>
+          </a:p>
+        </p:txBody>
+      </p:sp>
+    </p:spTree>
+    <p:extLst>
+      <p:ext uri="{BB962C8B-B14F-4D97-AF65-F5344CB8AC3E}">
+        <p14:creationId xmlns:p14="http://schemas.microsoft.com/office/powerpoint/2010/main" val="3257280978"/>
+      </p:ext>
+    </p:extLst>
+  </p:cSld>
+  <p:clrMapOvr>
+    <a:masterClrMapping/>
+  </p:clrMapOvr>
+</p:sld>
+</file>
+
+<file path=ppt/slides/slide39.xml><?xml version="1.0" encoding="utf-8"?>
+<p:sld xmlns:a="http://schemas.openxmlformats.org/drawingml/2006/main" xmlns:r="http://schemas.openxmlformats.org/officeDocument/2006/relationships" xmlns:p="http://schemas.openxmlformats.org/presentationml/2006/main">
+  <p:cSld>
+    <p:spTree>
+      <p:nvGrpSpPr>
+        <p:cNvPr id="1" name=""/>
+        <p:cNvGrpSpPr/>
+        <p:nvPr/>
+      </p:nvGrpSpPr>
+      <p:grpSpPr>
+        <a:xfrm>
+          <a:off x="0" y="0"/>
+          <a:ext cx="0" cy="0"/>
+          <a:chOff x="0" y="0"/>
+          <a:chExt cx="0" cy="0"/>
+        </a:xfrm>
+      </p:grpSpPr>
+      <p:sp>
+        <p:nvSpPr>
+          <p:cNvPr id="2" name="Title 1">
+            <a:extLst>
+              <a:ext uri="{FF2B5EF4-FFF2-40B4-BE49-F238E27FC236}">
+                <a16:creationId xmlns:a16="http://schemas.microsoft.com/office/drawing/2014/main" id="{CBEAF3B3-C1DF-4023-8485-4D3896F89BDD}"/>
+              </a:ext>
+            </a:extLst>
+          </p:cNvPr>
+          <p:cNvSpPr>
+            <a:spLocks noGrp="1"/>
+          </p:cNvSpPr>
+          <p:nvPr>
+            <p:ph type="title"/>
+          </p:nvPr>
+        </p:nvSpPr>
+        <p:spPr/>
+        <p:txBody>
+          <a:bodyPr/>
+          <a:lstStyle/>
+          <a:p>
+            <a:r>
+              <a:rPr lang="en-IE" dirty="0"/>
+              <a:t>VHDL: sequential </a:t>
+            </a:r>
+            <a:r>
+              <a:rPr lang="en-IE" dirty="0" err="1"/>
+              <a:t>stm</a:t>
+            </a:r>
+            <a:r>
+              <a:rPr lang="en-IE" dirty="0"/>
+              <a:t>, while loops</a:t>
+            </a:r>
+          </a:p>
+        </p:txBody>
+      </p:sp>
+      <p:sp>
+        <p:nvSpPr>
+          <p:cNvPr id="3" name="Content Placeholder 2">
+            <a:extLst>
+              <a:ext uri="{FF2B5EF4-FFF2-40B4-BE49-F238E27FC236}">
+                <a16:creationId xmlns:a16="http://schemas.microsoft.com/office/drawing/2014/main" id="{B3AEB2A7-8A31-4AD1-91C9-FC6F20D4A77E}"/>
+              </a:ext>
+            </a:extLst>
+          </p:cNvPr>
+          <p:cNvSpPr>
+            <a:spLocks noGrp="1"/>
+          </p:cNvSpPr>
+          <p:nvPr>
+            <p:ph idx="1"/>
+          </p:nvPr>
+        </p:nvSpPr>
+        <p:spPr/>
+        <p:txBody>
+          <a:bodyPr/>
+          <a:lstStyle/>
+          <a:p>
+            <a:pPr marL="0" indent="0">
+              <a:buNone/>
+            </a:pPr>
+            <a:r>
+              <a:rPr lang="en-IE" dirty="0">
+                <a:latin typeface="Courier New" panose="02070309020205020404" pitchFamily="49" charset="0"/>
+                <a:cs typeface="Courier New" panose="02070309020205020404" pitchFamily="49" charset="0"/>
+              </a:rPr>
+              <a:t>[label:] </a:t>
+            </a:r>
+            <a:r>
+              <a:rPr lang="en-IE" b="1" dirty="0">
+                <a:latin typeface="Courier New" panose="02070309020205020404" pitchFamily="49" charset="0"/>
+                <a:cs typeface="Courier New" panose="02070309020205020404" pitchFamily="49" charset="0"/>
+              </a:rPr>
+              <a:t>while</a:t>
+            </a:r>
+            <a:r>
+              <a:rPr lang="en-IE" dirty="0">
+                <a:latin typeface="Courier New" panose="02070309020205020404" pitchFamily="49" charset="0"/>
+                <a:cs typeface="Courier New" panose="02070309020205020404" pitchFamily="49" charset="0"/>
+              </a:rPr>
+              <a:t> &lt;</a:t>
+            </a:r>
+            <a:r>
+              <a:rPr lang="en-IE" dirty="0" err="1">
+                <a:latin typeface="Courier New" panose="02070309020205020404" pitchFamily="49" charset="0"/>
+                <a:cs typeface="Courier New" panose="02070309020205020404" pitchFamily="49" charset="0"/>
+              </a:rPr>
+              <a:t>boolean_condition</a:t>
+            </a:r>
+            <a:r>
+              <a:rPr lang="en-IE" dirty="0">
+                <a:latin typeface="Courier New" panose="02070309020205020404" pitchFamily="49" charset="0"/>
+                <a:cs typeface="Courier New" panose="02070309020205020404" pitchFamily="49" charset="0"/>
+              </a:rPr>
+              <a:t>&gt;</a:t>
+            </a:r>
+          </a:p>
+          <a:p>
+            <a:pPr marL="0" indent="0">
+              <a:buNone/>
+            </a:pPr>
+            <a:r>
+              <a:rPr lang="en-IE" dirty="0">
+                <a:latin typeface="Courier New" panose="02070309020205020404" pitchFamily="49" charset="0"/>
+                <a:cs typeface="Courier New" panose="02070309020205020404" pitchFamily="49" charset="0"/>
+              </a:rPr>
+              <a:t>		</a:t>
+            </a:r>
+            <a:r>
+              <a:rPr lang="en-IE" b="1" dirty="0">
+                <a:latin typeface="Courier New" panose="02070309020205020404" pitchFamily="49" charset="0"/>
+                <a:cs typeface="Courier New" panose="02070309020205020404" pitchFamily="49" charset="0"/>
+              </a:rPr>
+              <a:t>loop</a:t>
+            </a:r>
+          </a:p>
+          <a:p>
+            <a:pPr marL="0" indent="0">
+              <a:buNone/>
+            </a:pPr>
+            <a:r>
+              <a:rPr lang="en-IE" dirty="0">
+                <a:latin typeface="Courier New" panose="02070309020205020404" pitchFamily="49" charset="0"/>
+                <a:cs typeface="Courier New" panose="02070309020205020404" pitchFamily="49" charset="0"/>
+              </a:rPr>
+              <a:t>			&lt;sequential sentences&gt;</a:t>
+            </a:r>
+          </a:p>
+          <a:p>
+            <a:pPr marL="0" indent="0">
+              <a:buNone/>
+            </a:pPr>
+            <a:r>
+              <a:rPr lang="en-IE" dirty="0">
+                <a:latin typeface="Courier New" panose="02070309020205020404" pitchFamily="49" charset="0"/>
+                <a:cs typeface="Courier New" panose="02070309020205020404" pitchFamily="49" charset="0"/>
+              </a:rPr>
+              <a:t>		</a:t>
+            </a:r>
+            <a:r>
+              <a:rPr lang="en-IE" b="1" dirty="0">
+                <a:latin typeface="Courier New" panose="02070309020205020404" pitchFamily="49" charset="0"/>
+                <a:cs typeface="Courier New" panose="02070309020205020404" pitchFamily="49" charset="0"/>
+              </a:rPr>
+              <a:t>end loop</a:t>
+            </a:r>
+            <a:r>
+              <a:rPr lang="en-IE" dirty="0">
+                <a:latin typeface="Courier New" panose="02070309020205020404" pitchFamily="49" charset="0"/>
+                <a:cs typeface="Courier New" panose="02070309020205020404" pitchFamily="49" charset="0"/>
+              </a:rPr>
+              <a:t> [label];</a:t>
+            </a:r>
+          </a:p>
+        </p:txBody>
+      </p:sp>
+    </p:spTree>
+    <p:extLst>
+      <p:ext uri="{BB962C8B-B14F-4D97-AF65-F5344CB8AC3E}">
+        <p14:creationId xmlns:p14="http://schemas.microsoft.com/office/powerpoint/2010/main" val="1310464318"/>
       </p:ext>
     </p:extLst>
   </p:cSld>
@@ -9425,6 +12105,713 @@
     <p:extLst>
       <p:ext uri="{BB962C8B-B14F-4D97-AF65-F5344CB8AC3E}">
         <p14:creationId xmlns:p14="http://schemas.microsoft.com/office/powerpoint/2010/main" val="3956160817"/>
+      </p:ext>
+    </p:extLst>
+  </p:cSld>
+  <p:clrMapOvr>
+    <a:masterClrMapping/>
+  </p:clrMapOvr>
+</p:sld>
+</file>
+
+<file path=ppt/slides/slide40.xml><?xml version="1.0" encoding="utf-8"?>
+<p:sld xmlns:a="http://schemas.openxmlformats.org/drawingml/2006/main" xmlns:r="http://schemas.openxmlformats.org/officeDocument/2006/relationships" xmlns:p="http://schemas.openxmlformats.org/presentationml/2006/main">
+  <p:cSld>
+    <p:spTree>
+      <p:nvGrpSpPr>
+        <p:cNvPr id="1" name=""/>
+        <p:cNvGrpSpPr/>
+        <p:nvPr/>
+      </p:nvGrpSpPr>
+      <p:grpSpPr>
+        <a:xfrm>
+          <a:off x="0" y="0"/>
+          <a:ext cx="0" cy="0"/>
+          <a:chOff x="0" y="0"/>
+          <a:chExt cx="0" cy="0"/>
+        </a:xfrm>
+      </p:grpSpPr>
+      <p:sp>
+        <p:nvSpPr>
+          <p:cNvPr id="2" name="Title 1">
+            <a:extLst>
+              <a:ext uri="{FF2B5EF4-FFF2-40B4-BE49-F238E27FC236}">
+                <a16:creationId xmlns:a16="http://schemas.microsoft.com/office/drawing/2014/main" id="{CBEAF3B3-C1DF-4023-8485-4D3896F89BDD}"/>
+              </a:ext>
+            </a:extLst>
+          </p:cNvPr>
+          <p:cNvSpPr>
+            <a:spLocks noGrp="1"/>
+          </p:cNvSpPr>
+          <p:nvPr>
+            <p:ph type="title"/>
+          </p:nvPr>
+        </p:nvSpPr>
+        <p:spPr/>
+        <p:txBody>
+          <a:bodyPr/>
+          <a:lstStyle/>
+          <a:p>
+            <a:r>
+              <a:rPr lang="en-IE" dirty="0"/>
+              <a:t>VHDL: sequential </a:t>
+            </a:r>
+            <a:r>
+              <a:rPr lang="en-IE" dirty="0" err="1"/>
+              <a:t>stm</a:t>
+            </a:r>
+            <a:r>
+              <a:rPr lang="en-IE" dirty="0"/>
+              <a:t>, for loops</a:t>
+            </a:r>
+          </a:p>
+        </p:txBody>
+      </p:sp>
+      <p:sp>
+        <p:nvSpPr>
+          <p:cNvPr id="3" name="Content Placeholder 2">
+            <a:extLst>
+              <a:ext uri="{FF2B5EF4-FFF2-40B4-BE49-F238E27FC236}">
+                <a16:creationId xmlns:a16="http://schemas.microsoft.com/office/drawing/2014/main" id="{B3AEB2A7-8A31-4AD1-91C9-FC6F20D4A77E}"/>
+              </a:ext>
+            </a:extLst>
+          </p:cNvPr>
+          <p:cNvSpPr>
+            <a:spLocks noGrp="1"/>
+          </p:cNvSpPr>
+          <p:nvPr>
+            <p:ph idx="1"/>
+          </p:nvPr>
+        </p:nvSpPr>
+        <p:spPr/>
+        <p:txBody>
+          <a:bodyPr/>
+          <a:lstStyle/>
+          <a:p>
+            <a:pPr marL="0" indent="0">
+              <a:buNone/>
+            </a:pPr>
+            <a:r>
+              <a:rPr lang="en-IE" dirty="0">
+                <a:latin typeface="Courier New" panose="02070309020205020404" pitchFamily="49" charset="0"/>
+                <a:cs typeface="Courier New" panose="02070309020205020404" pitchFamily="49" charset="0"/>
+              </a:rPr>
+              <a:t>[label:] </a:t>
+            </a:r>
+            <a:r>
+              <a:rPr lang="en-IE" b="1" dirty="0">
+                <a:latin typeface="Courier New" panose="02070309020205020404" pitchFamily="49" charset="0"/>
+                <a:cs typeface="Courier New" panose="02070309020205020404" pitchFamily="49" charset="0"/>
+              </a:rPr>
+              <a:t>for</a:t>
+            </a:r>
+            <a:r>
+              <a:rPr lang="en-IE" dirty="0">
+                <a:latin typeface="Courier New" panose="02070309020205020404" pitchFamily="49" charset="0"/>
+                <a:cs typeface="Courier New" panose="02070309020205020404" pitchFamily="49" charset="0"/>
+              </a:rPr>
+              <a:t> &lt;</a:t>
+            </a:r>
+            <a:r>
+              <a:rPr lang="en-IE" dirty="0" err="1">
+                <a:latin typeface="Courier New" panose="02070309020205020404" pitchFamily="49" charset="0"/>
+                <a:cs typeface="Courier New" panose="02070309020205020404" pitchFamily="49" charset="0"/>
+              </a:rPr>
+              <a:t>repetition_control</a:t>
+            </a:r>
+            <a:r>
+              <a:rPr lang="en-IE" dirty="0">
+                <a:latin typeface="Courier New" panose="02070309020205020404" pitchFamily="49" charset="0"/>
+                <a:cs typeface="Courier New" panose="02070309020205020404" pitchFamily="49" charset="0"/>
+              </a:rPr>
+              <a:t>&gt;</a:t>
+            </a:r>
+          </a:p>
+          <a:p>
+            <a:pPr marL="0" indent="0">
+              <a:buNone/>
+            </a:pPr>
+            <a:r>
+              <a:rPr lang="en-IE" dirty="0">
+                <a:latin typeface="Courier New" panose="02070309020205020404" pitchFamily="49" charset="0"/>
+                <a:cs typeface="Courier New" panose="02070309020205020404" pitchFamily="49" charset="0"/>
+              </a:rPr>
+              <a:t>		</a:t>
+            </a:r>
+            <a:r>
+              <a:rPr lang="en-IE" b="1" dirty="0">
+                <a:latin typeface="Courier New" panose="02070309020205020404" pitchFamily="49" charset="0"/>
+                <a:cs typeface="Courier New" panose="02070309020205020404" pitchFamily="49" charset="0"/>
+              </a:rPr>
+              <a:t>loop</a:t>
+            </a:r>
+          </a:p>
+          <a:p>
+            <a:pPr marL="0" indent="0">
+              <a:buNone/>
+            </a:pPr>
+            <a:r>
+              <a:rPr lang="en-IE" dirty="0">
+                <a:latin typeface="Courier New" panose="02070309020205020404" pitchFamily="49" charset="0"/>
+                <a:cs typeface="Courier New" panose="02070309020205020404" pitchFamily="49" charset="0"/>
+              </a:rPr>
+              <a:t>			&lt;sequential sentences&gt;</a:t>
+            </a:r>
+          </a:p>
+          <a:p>
+            <a:pPr marL="0" indent="0">
+              <a:buNone/>
+            </a:pPr>
+            <a:r>
+              <a:rPr lang="en-IE" dirty="0">
+                <a:latin typeface="Courier New" panose="02070309020205020404" pitchFamily="49" charset="0"/>
+                <a:cs typeface="Courier New" panose="02070309020205020404" pitchFamily="49" charset="0"/>
+              </a:rPr>
+              <a:t>		</a:t>
+            </a:r>
+            <a:r>
+              <a:rPr lang="en-IE" b="1" dirty="0">
+                <a:latin typeface="Courier New" panose="02070309020205020404" pitchFamily="49" charset="0"/>
+                <a:cs typeface="Courier New" panose="02070309020205020404" pitchFamily="49" charset="0"/>
+              </a:rPr>
+              <a:t>end</a:t>
+            </a:r>
+            <a:r>
+              <a:rPr lang="en-IE" dirty="0">
+                <a:latin typeface="Courier New" panose="02070309020205020404" pitchFamily="49" charset="0"/>
+                <a:cs typeface="Courier New" panose="02070309020205020404" pitchFamily="49" charset="0"/>
+              </a:rPr>
+              <a:t> </a:t>
+            </a:r>
+            <a:r>
+              <a:rPr lang="en-IE" b="1" dirty="0">
+                <a:latin typeface="Courier New" panose="02070309020205020404" pitchFamily="49" charset="0"/>
+                <a:cs typeface="Courier New" panose="02070309020205020404" pitchFamily="49" charset="0"/>
+              </a:rPr>
+              <a:t>loop</a:t>
+            </a:r>
+            <a:r>
+              <a:rPr lang="en-IE" dirty="0">
+                <a:latin typeface="Courier New" panose="02070309020205020404" pitchFamily="49" charset="0"/>
+                <a:cs typeface="Courier New" panose="02070309020205020404" pitchFamily="49" charset="0"/>
+              </a:rPr>
+              <a:t> [label];</a:t>
+            </a:r>
+          </a:p>
+          <a:p>
+            <a:pPr marL="0" indent="0">
+              <a:buNone/>
+            </a:pPr>
+            <a:r>
+              <a:rPr lang="en-IE" dirty="0">
+                <a:latin typeface="Courier New" panose="02070309020205020404" pitchFamily="49" charset="0"/>
+                <a:cs typeface="Courier New" panose="02070309020205020404" pitchFamily="49" charset="0"/>
+              </a:rPr>
+              <a:t>example:</a:t>
+            </a:r>
+          </a:p>
+          <a:p>
+            <a:pPr marL="0" indent="0">
+              <a:buNone/>
+            </a:pPr>
+            <a:r>
+              <a:rPr lang="en-IE" dirty="0">
+                <a:latin typeface="Courier New" panose="02070309020205020404" pitchFamily="49" charset="0"/>
+                <a:cs typeface="Courier New" panose="02070309020205020404" pitchFamily="49" charset="0"/>
+              </a:rPr>
+              <a:t>	</a:t>
+            </a:r>
+            <a:r>
+              <a:rPr lang="en-IE" b="1" dirty="0">
+                <a:latin typeface="Courier New" panose="02070309020205020404" pitchFamily="49" charset="0"/>
+                <a:cs typeface="Courier New" panose="02070309020205020404" pitchFamily="49" charset="0"/>
+              </a:rPr>
+              <a:t>for</a:t>
+            </a:r>
+            <a:r>
+              <a:rPr lang="en-IE" dirty="0">
+                <a:latin typeface="Courier New" panose="02070309020205020404" pitchFamily="49" charset="0"/>
+                <a:cs typeface="Courier New" panose="02070309020205020404" pitchFamily="49" charset="0"/>
+              </a:rPr>
+              <a:t> </a:t>
+            </a:r>
+            <a:r>
+              <a:rPr lang="en-IE" dirty="0" err="1">
+                <a:latin typeface="Courier New" panose="02070309020205020404" pitchFamily="49" charset="0"/>
+                <a:cs typeface="Courier New" panose="02070309020205020404" pitchFamily="49" charset="0"/>
+              </a:rPr>
+              <a:t>i</a:t>
+            </a:r>
+            <a:r>
+              <a:rPr lang="en-IE" dirty="0">
+                <a:latin typeface="Courier New" panose="02070309020205020404" pitchFamily="49" charset="0"/>
+                <a:cs typeface="Courier New" panose="02070309020205020404" pitchFamily="49" charset="0"/>
+              </a:rPr>
+              <a:t> </a:t>
+            </a:r>
+            <a:r>
+              <a:rPr lang="en-IE" b="1" dirty="0">
+                <a:latin typeface="Courier New" panose="02070309020205020404" pitchFamily="49" charset="0"/>
+                <a:cs typeface="Courier New" panose="02070309020205020404" pitchFamily="49" charset="0"/>
+              </a:rPr>
+              <a:t>in</a:t>
+            </a:r>
+            <a:r>
+              <a:rPr lang="en-IE" dirty="0">
+                <a:latin typeface="Courier New" panose="02070309020205020404" pitchFamily="49" charset="0"/>
+                <a:cs typeface="Courier New" panose="02070309020205020404" pitchFamily="49" charset="0"/>
+              </a:rPr>
+              <a:t> 1 </a:t>
+            </a:r>
+            <a:r>
+              <a:rPr lang="en-IE" b="1" dirty="0">
+                <a:latin typeface="Courier New" panose="02070309020205020404" pitchFamily="49" charset="0"/>
+                <a:cs typeface="Courier New" panose="02070309020205020404" pitchFamily="49" charset="0"/>
+              </a:rPr>
+              <a:t>to</a:t>
+            </a:r>
+            <a:r>
+              <a:rPr lang="en-IE" dirty="0">
+                <a:latin typeface="Courier New" panose="02070309020205020404" pitchFamily="49" charset="0"/>
+                <a:cs typeface="Courier New" panose="02070309020205020404" pitchFamily="49" charset="0"/>
+              </a:rPr>
+              <a:t> 10 </a:t>
+            </a:r>
+            <a:r>
+              <a:rPr lang="en-IE" b="1" dirty="0">
+                <a:latin typeface="Courier New" panose="02070309020205020404" pitchFamily="49" charset="0"/>
+                <a:cs typeface="Courier New" panose="02070309020205020404" pitchFamily="49" charset="0"/>
+              </a:rPr>
+              <a:t>loop</a:t>
+            </a:r>
+          </a:p>
+          <a:p>
+            <a:pPr marL="0" indent="0">
+              <a:buNone/>
+            </a:pPr>
+            <a:r>
+              <a:rPr lang="en-IE" dirty="0">
+                <a:latin typeface="Courier New" panose="02070309020205020404" pitchFamily="49" charset="0"/>
+                <a:cs typeface="Courier New" panose="02070309020205020404" pitchFamily="49" charset="0"/>
+              </a:rPr>
+              <a:t>		&lt;statements&gt;;</a:t>
+            </a:r>
+          </a:p>
+          <a:p>
+            <a:pPr marL="0" indent="0">
+              <a:buNone/>
+            </a:pPr>
+            <a:r>
+              <a:rPr lang="en-IE" dirty="0">
+                <a:latin typeface="Courier New" panose="02070309020205020404" pitchFamily="49" charset="0"/>
+                <a:cs typeface="Courier New" panose="02070309020205020404" pitchFamily="49" charset="0"/>
+              </a:rPr>
+              <a:t>	</a:t>
+            </a:r>
+            <a:r>
+              <a:rPr lang="en-IE" b="1" dirty="0">
+                <a:latin typeface="Courier New" panose="02070309020205020404" pitchFamily="49" charset="0"/>
+                <a:cs typeface="Courier New" panose="02070309020205020404" pitchFamily="49" charset="0"/>
+              </a:rPr>
+              <a:t>end</a:t>
+            </a:r>
+            <a:r>
+              <a:rPr lang="en-IE" dirty="0">
+                <a:latin typeface="Courier New" panose="02070309020205020404" pitchFamily="49" charset="0"/>
+                <a:cs typeface="Courier New" panose="02070309020205020404" pitchFamily="49" charset="0"/>
+              </a:rPr>
+              <a:t> </a:t>
+            </a:r>
+            <a:r>
+              <a:rPr lang="en-IE" b="1" dirty="0">
+                <a:latin typeface="Courier New" panose="02070309020205020404" pitchFamily="49" charset="0"/>
+                <a:cs typeface="Courier New" panose="02070309020205020404" pitchFamily="49" charset="0"/>
+              </a:rPr>
+              <a:t>loop</a:t>
+            </a:r>
+            <a:r>
+              <a:rPr lang="en-IE" dirty="0">
+                <a:latin typeface="Courier New" panose="02070309020205020404" pitchFamily="49" charset="0"/>
+                <a:cs typeface="Courier New" panose="02070309020205020404" pitchFamily="49" charset="0"/>
+              </a:rPr>
+              <a:t> example;</a:t>
+            </a:r>
+          </a:p>
+        </p:txBody>
+      </p:sp>
+      <p:sp>
+        <p:nvSpPr>
+          <p:cNvPr id="4" name="TextBox 3">
+            <a:extLst>
+              <a:ext uri="{FF2B5EF4-FFF2-40B4-BE49-F238E27FC236}">
+                <a16:creationId xmlns:a16="http://schemas.microsoft.com/office/drawing/2014/main" id="{5AEE84DC-BDB2-4DDF-8DD9-B52702FF2A97}"/>
+              </a:ext>
+            </a:extLst>
+          </p:cNvPr>
+          <p:cNvSpPr txBox="1"/>
+          <p:nvPr/>
+        </p:nvSpPr>
+        <p:spPr>
+          <a:xfrm>
+            <a:off x="7938052" y="3829878"/>
+            <a:ext cx="4253948" cy="1938992"/>
+          </a:xfrm>
+          <a:prstGeom prst="rect">
+            <a:avLst/>
+          </a:prstGeom>
+          <a:noFill/>
+        </p:spPr>
+        <p:txBody>
+          <a:bodyPr wrap="square" rtlCol="0">
+            <a:spAutoFit/>
+          </a:bodyPr>
+          <a:lstStyle/>
+          <a:p>
+            <a:r>
+              <a:rPr lang="en-IE" sz="2000" dirty="0">
+                <a:solidFill>
+                  <a:srgbClr val="FF0000"/>
+                </a:solidFill>
+              </a:rPr>
+              <a:t>Loop variable should not be declared in advance, its lifetime is limited to the loop body</a:t>
+            </a:r>
+          </a:p>
+          <a:p>
+            <a:endParaRPr lang="en-IE" sz="2000" dirty="0">
+              <a:solidFill>
+                <a:srgbClr val="FF0000"/>
+              </a:solidFill>
+            </a:endParaRPr>
+          </a:p>
+          <a:p>
+            <a:r>
+              <a:rPr lang="en-IE" sz="2000" dirty="0">
+                <a:solidFill>
+                  <a:srgbClr val="FF0000"/>
+                </a:solidFill>
+              </a:rPr>
+              <a:t>‘to’ can be changed to ‘</a:t>
+            </a:r>
+            <a:r>
+              <a:rPr lang="en-IE" sz="2000" dirty="0" err="1">
+                <a:solidFill>
+                  <a:srgbClr val="FF0000"/>
+                </a:solidFill>
+              </a:rPr>
+              <a:t>downto</a:t>
+            </a:r>
+            <a:r>
+              <a:rPr lang="en-IE" sz="2000" dirty="0">
+                <a:solidFill>
+                  <a:srgbClr val="FF0000"/>
+                </a:solidFill>
+              </a:rPr>
+              <a:t>’ for going down instead of going up. </a:t>
+            </a:r>
+          </a:p>
+        </p:txBody>
+      </p:sp>
+      <p:sp>
+        <p:nvSpPr>
+          <p:cNvPr id="5" name="Freeform: Shape 4">
+            <a:extLst>
+              <a:ext uri="{FF2B5EF4-FFF2-40B4-BE49-F238E27FC236}">
+                <a16:creationId xmlns:a16="http://schemas.microsoft.com/office/drawing/2014/main" id="{815BA7A0-B2BC-46C2-B46B-616ED7425C70}"/>
+              </a:ext>
+            </a:extLst>
+          </p:cNvPr>
+          <p:cNvSpPr/>
+          <p:nvPr/>
+        </p:nvSpPr>
+        <p:spPr>
+          <a:xfrm>
+            <a:off x="2782957" y="3877688"/>
+            <a:ext cx="5234609" cy="508782"/>
+          </a:xfrm>
+          <a:custGeom>
+            <a:avLst/>
+            <a:gdLst>
+              <a:gd name="connsiteX0" fmla="*/ 5234609 w 5234609"/>
+              <a:gd name="connsiteY0" fmla="*/ 203982 h 508782"/>
+              <a:gd name="connsiteX1" fmla="*/ 4028661 w 5234609"/>
+              <a:gd name="connsiteY1" fmla="*/ 5199 h 508782"/>
+              <a:gd name="connsiteX2" fmla="*/ 1033670 w 5234609"/>
+              <a:gd name="connsiteY2" fmla="*/ 97964 h 508782"/>
+              <a:gd name="connsiteX3" fmla="*/ 0 w 5234609"/>
+              <a:gd name="connsiteY3" fmla="*/ 508782 h 508782"/>
+            </a:gdLst>
+            <a:ahLst/>
+            <a:cxnLst>
+              <a:cxn ang="0">
+                <a:pos x="connsiteX0" y="connsiteY0"/>
+              </a:cxn>
+              <a:cxn ang="0">
+                <a:pos x="connsiteX1" y="connsiteY1"/>
+              </a:cxn>
+              <a:cxn ang="0">
+                <a:pos x="connsiteX2" y="connsiteY2"/>
+              </a:cxn>
+              <a:cxn ang="0">
+                <a:pos x="connsiteX3" y="connsiteY3"/>
+              </a:cxn>
+            </a:cxnLst>
+            <a:rect l="l" t="t" r="r" b="b"/>
+            <a:pathLst>
+              <a:path w="5234609" h="508782">
+                <a:moveTo>
+                  <a:pt x="5234609" y="203982"/>
+                </a:moveTo>
+                <a:cubicBezTo>
+                  <a:pt x="4981713" y="113425"/>
+                  <a:pt x="4728817" y="22869"/>
+                  <a:pt x="4028661" y="5199"/>
+                </a:cubicBezTo>
+                <a:cubicBezTo>
+                  <a:pt x="3328504" y="-12471"/>
+                  <a:pt x="1705113" y="14033"/>
+                  <a:pt x="1033670" y="97964"/>
+                </a:cubicBezTo>
+                <a:cubicBezTo>
+                  <a:pt x="362226" y="181894"/>
+                  <a:pt x="181113" y="345338"/>
+                  <a:pt x="0" y="508782"/>
+                </a:cubicBezTo>
+              </a:path>
+            </a:pathLst>
+          </a:custGeom>
+          <a:noFill/>
+          <a:ln w="28575">
+            <a:solidFill>
+              <a:srgbClr val="FF0000"/>
+            </a:solidFill>
+            <a:headEnd type="none" w="med" len="med"/>
+            <a:tailEnd type="arrow" w="med" len="med"/>
+          </a:ln>
+        </p:spPr>
+        <p:style>
+          <a:lnRef idx="2">
+            <a:schemeClr val="accent1">
+              <a:shade val="50000"/>
+            </a:schemeClr>
+          </a:lnRef>
+          <a:fillRef idx="1">
+            <a:schemeClr val="accent1"/>
+          </a:fillRef>
+          <a:effectRef idx="0">
+            <a:schemeClr val="accent1"/>
+          </a:effectRef>
+          <a:fontRef idx="minor">
+            <a:schemeClr val="lt1"/>
+          </a:fontRef>
+        </p:style>
+        <p:txBody>
+          <a:bodyPr rtlCol="0" anchor="ctr"/>
+          <a:lstStyle/>
+          <a:p>
+            <a:pPr algn="ctr"/>
+            <a:endParaRPr lang="en-IE"/>
+          </a:p>
+        </p:txBody>
+      </p:sp>
+      <p:sp>
+        <p:nvSpPr>
+          <p:cNvPr id="7" name="Freeform: Shape 6">
+            <a:extLst>
+              <a:ext uri="{FF2B5EF4-FFF2-40B4-BE49-F238E27FC236}">
+                <a16:creationId xmlns:a16="http://schemas.microsoft.com/office/drawing/2014/main" id="{D0ABC33B-B35B-49C0-A152-23833C1E8ABD}"/>
+              </a:ext>
+            </a:extLst>
+          </p:cNvPr>
+          <p:cNvSpPr/>
+          <p:nvPr/>
+        </p:nvSpPr>
+        <p:spPr>
+          <a:xfrm>
+            <a:off x="4530248" y="4744278"/>
+            <a:ext cx="3368048" cy="494954"/>
+          </a:xfrm>
+          <a:custGeom>
+            <a:avLst/>
+            <a:gdLst>
+              <a:gd name="connsiteX0" fmla="*/ 3368048 w 3368048"/>
+              <a:gd name="connsiteY0" fmla="*/ 477079 h 494954"/>
+              <a:gd name="connsiteX1" fmla="*/ 2533161 w 3368048"/>
+              <a:gd name="connsiteY1" fmla="*/ 450574 h 494954"/>
+              <a:gd name="connsiteX2" fmla="*/ 1433230 w 3368048"/>
+              <a:gd name="connsiteY2" fmla="*/ 92765 h 494954"/>
+              <a:gd name="connsiteX3" fmla="*/ 174274 w 3368048"/>
+              <a:gd name="connsiteY3" fmla="*/ 119270 h 494954"/>
+              <a:gd name="connsiteX4" fmla="*/ 41752 w 3368048"/>
+              <a:gd name="connsiteY4" fmla="*/ 0 h 494954"/>
+            </a:gdLst>
+            <a:ahLst/>
+            <a:cxnLst>
+              <a:cxn ang="0">
+                <a:pos x="connsiteX0" y="connsiteY0"/>
+              </a:cxn>
+              <a:cxn ang="0">
+                <a:pos x="connsiteX1" y="connsiteY1"/>
+              </a:cxn>
+              <a:cxn ang="0">
+                <a:pos x="connsiteX2" y="connsiteY2"/>
+              </a:cxn>
+              <a:cxn ang="0">
+                <a:pos x="connsiteX3" y="connsiteY3"/>
+              </a:cxn>
+              <a:cxn ang="0">
+                <a:pos x="connsiteX4" y="connsiteY4"/>
+              </a:cxn>
+            </a:cxnLst>
+            <a:rect l="l" t="t" r="r" b="b"/>
+            <a:pathLst>
+              <a:path w="3368048" h="494954">
+                <a:moveTo>
+                  <a:pt x="3368048" y="477079"/>
+                </a:moveTo>
+                <a:cubicBezTo>
+                  <a:pt x="3111839" y="495852"/>
+                  <a:pt x="2855631" y="514626"/>
+                  <a:pt x="2533161" y="450574"/>
+                </a:cubicBezTo>
+                <a:cubicBezTo>
+                  <a:pt x="2210691" y="386522"/>
+                  <a:pt x="1826378" y="147982"/>
+                  <a:pt x="1433230" y="92765"/>
+                </a:cubicBezTo>
+                <a:cubicBezTo>
+                  <a:pt x="1040082" y="37548"/>
+                  <a:pt x="406187" y="134731"/>
+                  <a:pt x="174274" y="119270"/>
+                </a:cubicBezTo>
+                <a:cubicBezTo>
+                  <a:pt x="-57639" y="103809"/>
+                  <a:pt x="-7944" y="51904"/>
+                  <a:pt x="41752" y="0"/>
+                </a:cubicBezTo>
+              </a:path>
+            </a:pathLst>
+          </a:custGeom>
+          <a:noFill/>
+          <a:ln w="28575">
+            <a:solidFill>
+              <a:srgbClr val="FF0000"/>
+            </a:solidFill>
+            <a:headEnd type="none" w="med" len="med"/>
+            <a:tailEnd type="arrow" w="med" len="med"/>
+          </a:ln>
+        </p:spPr>
+        <p:style>
+          <a:lnRef idx="2">
+            <a:schemeClr val="accent1">
+              <a:shade val="50000"/>
+            </a:schemeClr>
+          </a:lnRef>
+          <a:fillRef idx="1">
+            <a:schemeClr val="accent1"/>
+          </a:fillRef>
+          <a:effectRef idx="0">
+            <a:schemeClr val="accent1"/>
+          </a:effectRef>
+          <a:fontRef idx="minor">
+            <a:schemeClr val="lt1"/>
+          </a:fontRef>
+        </p:style>
+        <p:txBody>
+          <a:bodyPr rtlCol="0" anchor="ctr"/>
+          <a:lstStyle/>
+          <a:p>
+            <a:pPr algn="ctr"/>
+            <a:endParaRPr lang="en-IE"/>
+          </a:p>
+        </p:txBody>
+      </p:sp>
+    </p:spTree>
+    <p:extLst>
+      <p:ext uri="{BB962C8B-B14F-4D97-AF65-F5344CB8AC3E}">
+        <p14:creationId xmlns:p14="http://schemas.microsoft.com/office/powerpoint/2010/main" val="1863492243"/>
+      </p:ext>
+    </p:extLst>
+  </p:cSld>
+  <p:clrMapOvr>
+    <a:masterClrMapping/>
+  </p:clrMapOvr>
+</p:sld>
+</file>
+
+<file path=ppt/slides/slide41.xml><?xml version="1.0" encoding="utf-8"?>
+<p:sld xmlns:a="http://schemas.openxmlformats.org/drawingml/2006/main" xmlns:r="http://schemas.openxmlformats.org/officeDocument/2006/relationships" xmlns:p="http://schemas.openxmlformats.org/presentationml/2006/main">
+  <p:cSld>
+    <p:spTree>
+      <p:nvGrpSpPr>
+        <p:cNvPr id="1" name=""/>
+        <p:cNvGrpSpPr/>
+        <p:nvPr/>
+      </p:nvGrpSpPr>
+      <p:grpSpPr>
+        <a:xfrm>
+          <a:off x="0" y="0"/>
+          <a:ext cx="0" cy="0"/>
+          <a:chOff x="0" y="0"/>
+          <a:chExt cx="0" cy="0"/>
+        </a:xfrm>
+      </p:grpSpPr>
+      <p:sp>
+        <p:nvSpPr>
+          <p:cNvPr id="2" name="Title 1">
+            <a:extLst>
+              <a:ext uri="{FF2B5EF4-FFF2-40B4-BE49-F238E27FC236}">
+                <a16:creationId xmlns:a16="http://schemas.microsoft.com/office/drawing/2014/main" id="{F8B321D7-C404-4856-9E66-6CB7B12D6E75}"/>
+              </a:ext>
+            </a:extLst>
+          </p:cNvPr>
+          <p:cNvSpPr>
+            <a:spLocks noGrp="1"/>
+          </p:cNvSpPr>
+          <p:nvPr>
+            <p:ph type="title"/>
+          </p:nvPr>
+        </p:nvSpPr>
+        <p:spPr/>
+        <p:txBody>
+          <a:bodyPr/>
+          <a:lstStyle/>
+          <a:p>
+            <a:r>
+              <a:rPr lang="en-IE" dirty="0"/>
+              <a:t>VHDL: generate statements</a:t>
+            </a:r>
+          </a:p>
+        </p:txBody>
+      </p:sp>
+      <p:sp>
+        <p:nvSpPr>
+          <p:cNvPr id="3" name="Content Placeholder 2">
+            <a:extLst>
+              <a:ext uri="{FF2B5EF4-FFF2-40B4-BE49-F238E27FC236}">
+                <a16:creationId xmlns:a16="http://schemas.microsoft.com/office/drawing/2014/main" id="{544723AD-F869-4BAE-A672-2A9BC1C48CDD}"/>
+              </a:ext>
+            </a:extLst>
+          </p:cNvPr>
+          <p:cNvSpPr>
+            <a:spLocks noGrp="1"/>
+          </p:cNvSpPr>
+          <p:nvPr>
+            <p:ph idx="1"/>
+          </p:nvPr>
+        </p:nvSpPr>
+        <p:spPr/>
+        <p:txBody>
+          <a:bodyPr/>
+          <a:lstStyle/>
+          <a:p>
+            <a:endParaRPr lang="en-IE"/>
+          </a:p>
+        </p:txBody>
+      </p:sp>
+    </p:spTree>
+    <p:extLst>
+      <p:ext uri="{BB962C8B-B14F-4D97-AF65-F5344CB8AC3E}">
+        <p14:creationId xmlns:p14="http://schemas.microsoft.com/office/powerpoint/2010/main" val="1493257787"/>
       </p:ext>
     </p:extLst>
   </p:cSld>

--- a/part2.pptx
+++ b/part2.pptx
@@ -46,6 +46,21 @@
     <p:sldId id="290" r:id="rId40"/>
     <p:sldId id="291" r:id="rId41"/>
     <p:sldId id="294" r:id="rId42"/>
+    <p:sldId id="299" r:id="rId43"/>
+    <p:sldId id="298" r:id="rId44"/>
+    <p:sldId id="300" r:id="rId45"/>
+    <p:sldId id="301" r:id="rId46"/>
+    <p:sldId id="302" r:id="rId47"/>
+    <p:sldId id="303" r:id="rId48"/>
+    <p:sldId id="304" r:id="rId49"/>
+    <p:sldId id="305" r:id="rId50"/>
+    <p:sldId id="306" r:id="rId51"/>
+    <p:sldId id="307" r:id="rId52"/>
+    <p:sldId id="308" r:id="rId53"/>
+    <p:sldId id="309" r:id="rId54"/>
+    <p:sldId id="310" r:id="rId55"/>
+    <p:sldId id="311" r:id="rId56"/>
+    <p:sldId id="312" r:id="rId57"/>
   </p:sldIdLst>
   <p:sldSz cx="12192000" cy="6858000"/>
   <p:notesSz cx="6858000" cy="9144000"/>
@@ -301,7 +316,7 @@
           <a:p>
             <a:fld id="{36AE7899-ECE2-4872-B3A3-64A04E20D20C}" type="datetimeFigureOut">
               <a:rPr lang="en-IE" smtClean="0"/>
-              <a:t>02/10/2019</a:t>
+              <a:t>03/10/2019</a:t>
             </a:fld>
             <a:endParaRPr lang="en-IE"/>
           </a:p>
@@ -501,7 +516,7 @@
           <a:p>
             <a:fld id="{36AE7899-ECE2-4872-B3A3-64A04E20D20C}" type="datetimeFigureOut">
               <a:rPr lang="en-IE" smtClean="0"/>
-              <a:t>02/10/2019</a:t>
+              <a:t>03/10/2019</a:t>
             </a:fld>
             <a:endParaRPr lang="en-IE"/>
           </a:p>
@@ -711,7 +726,7 @@
           <a:p>
             <a:fld id="{36AE7899-ECE2-4872-B3A3-64A04E20D20C}" type="datetimeFigureOut">
               <a:rPr lang="en-IE" smtClean="0"/>
-              <a:t>02/10/2019</a:t>
+              <a:t>03/10/2019</a:t>
             </a:fld>
             <a:endParaRPr lang="en-IE"/>
           </a:p>
@@ -911,7 +926,7 @@
           <a:p>
             <a:fld id="{36AE7899-ECE2-4872-B3A3-64A04E20D20C}" type="datetimeFigureOut">
               <a:rPr lang="en-IE" smtClean="0"/>
-              <a:t>02/10/2019</a:t>
+              <a:t>03/10/2019</a:t>
             </a:fld>
             <a:endParaRPr lang="en-IE"/>
           </a:p>
@@ -1187,7 +1202,7 @@
           <a:p>
             <a:fld id="{36AE7899-ECE2-4872-B3A3-64A04E20D20C}" type="datetimeFigureOut">
               <a:rPr lang="en-IE" smtClean="0"/>
-              <a:t>02/10/2019</a:t>
+              <a:t>03/10/2019</a:t>
             </a:fld>
             <a:endParaRPr lang="en-IE"/>
           </a:p>
@@ -1455,7 +1470,7 @@
           <a:p>
             <a:fld id="{36AE7899-ECE2-4872-B3A3-64A04E20D20C}" type="datetimeFigureOut">
               <a:rPr lang="en-IE" smtClean="0"/>
-              <a:t>02/10/2019</a:t>
+              <a:t>03/10/2019</a:t>
             </a:fld>
             <a:endParaRPr lang="en-IE"/>
           </a:p>
@@ -1870,7 +1885,7 @@
           <a:p>
             <a:fld id="{36AE7899-ECE2-4872-B3A3-64A04E20D20C}" type="datetimeFigureOut">
               <a:rPr lang="en-IE" smtClean="0"/>
-              <a:t>02/10/2019</a:t>
+              <a:t>03/10/2019</a:t>
             </a:fld>
             <a:endParaRPr lang="en-IE"/>
           </a:p>
@@ -2012,7 +2027,7 @@
           <a:p>
             <a:fld id="{36AE7899-ECE2-4872-B3A3-64A04E20D20C}" type="datetimeFigureOut">
               <a:rPr lang="en-IE" smtClean="0"/>
-              <a:t>02/10/2019</a:t>
+              <a:t>03/10/2019</a:t>
             </a:fld>
             <a:endParaRPr lang="en-IE"/>
           </a:p>
@@ -2125,7 +2140,7 @@
           <a:p>
             <a:fld id="{36AE7899-ECE2-4872-B3A3-64A04E20D20C}" type="datetimeFigureOut">
               <a:rPr lang="en-IE" smtClean="0"/>
-              <a:t>02/10/2019</a:t>
+              <a:t>03/10/2019</a:t>
             </a:fld>
             <a:endParaRPr lang="en-IE"/>
           </a:p>
@@ -2438,7 +2453,7 @@
           <a:p>
             <a:fld id="{36AE7899-ECE2-4872-B3A3-64A04E20D20C}" type="datetimeFigureOut">
               <a:rPr lang="en-IE" smtClean="0"/>
-              <a:t>02/10/2019</a:t>
+              <a:t>03/10/2019</a:t>
             </a:fld>
             <a:endParaRPr lang="en-IE"/>
           </a:p>
@@ -2727,7 +2742,7 @@
           <a:p>
             <a:fld id="{36AE7899-ECE2-4872-B3A3-64A04E20D20C}" type="datetimeFigureOut">
               <a:rPr lang="en-IE" smtClean="0"/>
-              <a:t>02/10/2019</a:t>
+              <a:t>03/10/2019</a:t>
             </a:fld>
             <a:endParaRPr lang="en-IE"/>
           </a:p>
@@ -2970,7 +2985,7 @@
           <a:p>
             <a:fld id="{36AE7899-ECE2-4872-B3A3-64A04E20D20C}" type="datetimeFigureOut">
               <a:rPr lang="en-IE" smtClean="0"/>
-              <a:t>02/10/2019</a:t>
+              <a:t>03/10/2019</a:t>
             </a:fld>
             <a:endParaRPr lang="en-IE"/>
           </a:p>
@@ -12778,7 +12793,7 @@
           <a:p>
             <a:r>
               <a:rPr lang="en-IE" dirty="0"/>
-              <a:t>VHDL: generate statements</a:t>
+              <a:t>VHDL: generate statements, ‘if’</a:t>
             </a:r>
           </a:p>
         </p:txBody>
@@ -12804,7 +12819,121 @@
           <a:bodyPr/>
           <a:lstStyle/>
           <a:p>
-            <a:endParaRPr lang="en-IE"/>
+            <a:pPr marL="0" indent="0">
+              <a:buNone/>
+            </a:pPr>
+            <a:r>
+              <a:rPr lang="en-IE" dirty="0">
+                <a:cs typeface="Courier New" panose="02070309020205020404" pitchFamily="49" charset="0"/>
+              </a:rPr>
+              <a:t>Conditionally generate or skip a piece of definition, syntax: </a:t>
+            </a:r>
+          </a:p>
+          <a:p>
+            <a:pPr marL="0" indent="0">
+              <a:buNone/>
+            </a:pPr>
+            <a:endParaRPr lang="en-IE" dirty="0">
+              <a:latin typeface="Courier New" panose="02070309020205020404" pitchFamily="49" charset="0"/>
+              <a:cs typeface="Courier New" panose="02070309020205020404" pitchFamily="49" charset="0"/>
+            </a:endParaRPr>
+          </a:p>
+          <a:p>
+            <a:pPr marL="0" indent="0">
+              <a:buNone/>
+            </a:pPr>
+            <a:r>
+              <a:rPr lang="en-IE" sz="3200" dirty="0">
+                <a:latin typeface="Courier New" panose="02070309020205020404" pitchFamily="49" charset="0"/>
+                <a:cs typeface="Courier New" panose="02070309020205020404" pitchFamily="49" charset="0"/>
+              </a:rPr>
+              <a:t>&lt;label&gt;: </a:t>
+            </a:r>
+            <a:r>
+              <a:rPr lang="en-IE" sz="3200" b="1" dirty="0">
+                <a:latin typeface="Courier New" panose="02070309020205020404" pitchFamily="49" charset="0"/>
+                <a:cs typeface="Courier New" panose="02070309020205020404" pitchFamily="49" charset="0"/>
+              </a:rPr>
+              <a:t>if</a:t>
+            </a:r>
+            <a:r>
+              <a:rPr lang="en-IE" sz="3200" dirty="0">
+                <a:latin typeface="Courier New" panose="02070309020205020404" pitchFamily="49" charset="0"/>
+                <a:cs typeface="Courier New" panose="02070309020205020404" pitchFamily="49" charset="0"/>
+              </a:rPr>
+              <a:t> &lt;condition&gt; </a:t>
+            </a:r>
+          </a:p>
+          <a:p>
+            <a:pPr marL="0" indent="0">
+              <a:buNone/>
+            </a:pPr>
+            <a:r>
+              <a:rPr lang="en-IE" sz="3200" dirty="0">
+                <a:latin typeface="Courier New" panose="02070309020205020404" pitchFamily="49" charset="0"/>
+                <a:cs typeface="Courier New" panose="02070309020205020404" pitchFamily="49" charset="0"/>
+              </a:rPr>
+              <a:t>	</a:t>
+            </a:r>
+            <a:r>
+              <a:rPr lang="en-IE" sz="3200" b="1" dirty="0">
+                <a:latin typeface="Courier New" panose="02070309020205020404" pitchFamily="49" charset="0"/>
+                <a:cs typeface="Courier New" panose="02070309020205020404" pitchFamily="49" charset="0"/>
+              </a:rPr>
+              <a:t>generate</a:t>
+            </a:r>
+          </a:p>
+          <a:p>
+            <a:pPr marL="0" indent="0">
+              <a:buNone/>
+            </a:pPr>
+            <a:r>
+              <a:rPr lang="en-IE" sz="3200" dirty="0">
+                <a:latin typeface="Courier New" panose="02070309020205020404" pitchFamily="49" charset="0"/>
+                <a:cs typeface="Courier New" panose="02070309020205020404" pitchFamily="49" charset="0"/>
+              </a:rPr>
+              <a:t>		{&lt;concurrent sentences&gt;}</a:t>
+            </a:r>
+          </a:p>
+          <a:p>
+            <a:pPr marL="0" indent="0">
+              <a:buNone/>
+            </a:pPr>
+            <a:r>
+              <a:rPr lang="en-IE" sz="3200" dirty="0">
+                <a:latin typeface="Courier New" panose="02070309020205020404" pitchFamily="49" charset="0"/>
+                <a:cs typeface="Courier New" panose="02070309020205020404" pitchFamily="49" charset="0"/>
+              </a:rPr>
+              <a:t>	</a:t>
+            </a:r>
+            <a:r>
+              <a:rPr lang="en-IE" sz="3200" b="1" dirty="0">
+                <a:latin typeface="Courier New" panose="02070309020205020404" pitchFamily="49" charset="0"/>
+                <a:cs typeface="Courier New" panose="02070309020205020404" pitchFamily="49" charset="0"/>
+              </a:rPr>
+              <a:t>end</a:t>
+            </a:r>
+            <a:r>
+              <a:rPr lang="en-IE" sz="3200" dirty="0">
+                <a:latin typeface="Courier New" panose="02070309020205020404" pitchFamily="49" charset="0"/>
+                <a:cs typeface="Courier New" panose="02070309020205020404" pitchFamily="49" charset="0"/>
+              </a:rPr>
+              <a:t> </a:t>
+            </a:r>
+            <a:r>
+              <a:rPr lang="en-IE" sz="3200" b="1" dirty="0">
+                <a:latin typeface="Courier New" panose="02070309020205020404" pitchFamily="49" charset="0"/>
+                <a:cs typeface="Courier New" panose="02070309020205020404" pitchFamily="49" charset="0"/>
+              </a:rPr>
+              <a:t>generate</a:t>
+            </a:r>
+            <a:r>
+              <a:rPr lang="en-IE" sz="3200" dirty="0">
+                <a:latin typeface="Courier New" panose="02070309020205020404" pitchFamily="49" charset="0"/>
+                <a:cs typeface="Courier New" panose="02070309020205020404" pitchFamily="49" charset="0"/>
+              </a:rPr>
+              <a:t>;</a:t>
+            </a:r>
           </a:p>
         </p:txBody>
       </p:sp>
@@ -12818,6 +12947,1946 @@
   <p:clrMapOvr>
     <a:masterClrMapping/>
   </p:clrMapOvr>
+</p:sld>
+</file>
+
+<file path=ppt/slides/slide42.xml><?xml version="1.0" encoding="utf-8"?>
+<p:sld xmlns:a="http://schemas.openxmlformats.org/drawingml/2006/main" xmlns:r="http://schemas.openxmlformats.org/officeDocument/2006/relationships" xmlns:p="http://schemas.openxmlformats.org/presentationml/2006/main">
+  <p:cSld>
+    <p:spTree>
+      <p:nvGrpSpPr>
+        <p:cNvPr id="1" name=""/>
+        <p:cNvGrpSpPr/>
+        <p:nvPr/>
+      </p:nvGrpSpPr>
+      <p:grpSpPr>
+        <a:xfrm>
+          <a:off x="0" y="0"/>
+          <a:ext cx="0" cy="0"/>
+          <a:chOff x="0" y="0"/>
+          <a:chExt cx="0" cy="0"/>
+        </a:xfrm>
+      </p:grpSpPr>
+      <p:sp>
+        <p:nvSpPr>
+          <p:cNvPr id="2" name="Title 1">
+            <a:extLst>
+              <a:ext uri="{FF2B5EF4-FFF2-40B4-BE49-F238E27FC236}">
+                <a16:creationId xmlns:a16="http://schemas.microsoft.com/office/drawing/2014/main" id="{F8B321D7-C404-4856-9E66-6CB7B12D6E75}"/>
+              </a:ext>
+            </a:extLst>
+          </p:cNvPr>
+          <p:cNvSpPr>
+            <a:spLocks noGrp="1"/>
+          </p:cNvSpPr>
+          <p:nvPr>
+            <p:ph type="title"/>
+          </p:nvPr>
+        </p:nvSpPr>
+        <p:spPr/>
+        <p:txBody>
+          <a:bodyPr/>
+          <a:lstStyle/>
+          <a:p>
+            <a:r>
+              <a:rPr lang="en-IE" dirty="0"/>
+              <a:t>VHDL: generate statements, ‘if’</a:t>
+            </a:r>
+          </a:p>
+        </p:txBody>
+      </p:sp>
+      <p:sp>
+        <p:nvSpPr>
+          <p:cNvPr id="3" name="Content Placeholder 2">
+            <a:extLst>
+              <a:ext uri="{FF2B5EF4-FFF2-40B4-BE49-F238E27FC236}">
+                <a16:creationId xmlns:a16="http://schemas.microsoft.com/office/drawing/2014/main" id="{544723AD-F869-4BAE-A672-2A9BC1C48CDD}"/>
+              </a:ext>
+            </a:extLst>
+          </p:cNvPr>
+          <p:cNvSpPr>
+            <a:spLocks noGrp="1"/>
+          </p:cNvSpPr>
+          <p:nvPr>
+            <p:ph idx="1"/>
+          </p:nvPr>
+        </p:nvSpPr>
+        <p:spPr>
+          <a:xfrm>
+            <a:off x="838200" y="1431235"/>
+            <a:ext cx="10515600" cy="5181600"/>
+          </a:xfrm>
+        </p:spPr>
+        <p:txBody>
+          <a:bodyPr>
+            <a:normAutofit fontScale="92500"/>
+          </a:bodyPr>
+          <a:lstStyle/>
+          <a:p>
+            <a:pPr marL="0" indent="0">
+              <a:buNone/>
+            </a:pPr>
+            <a:r>
+              <a:rPr lang="en-IE" dirty="0">
+                <a:cs typeface="Courier New" panose="02070309020205020404" pitchFamily="49" charset="0"/>
+              </a:rPr>
+              <a:t>Example:</a:t>
+            </a:r>
+          </a:p>
+          <a:p>
+            <a:pPr marL="0" indent="0">
+              <a:buNone/>
+            </a:pPr>
+            <a:r>
+              <a:rPr lang="en-IE" sz="2400" dirty="0">
+                <a:latin typeface="Courier New" panose="02070309020205020404" pitchFamily="49" charset="0"/>
+                <a:cs typeface="Courier New" panose="02070309020205020404" pitchFamily="49" charset="0"/>
+              </a:rPr>
+              <a:t>if_32_bit: </a:t>
+            </a:r>
+            <a:r>
+              <a:rPr lang="en-IE" sz="2400" b="1" dirty="0">
+                <a:latin typeface="Courier New" panose="02070309020205020404" pitchFamily="49" charset="0"/>
+                <a:cs typeface="Courier New" panose="02070309020205020404" pitchFamily="49" charset="0"/>
+              </a:rPr>
+              <a:t>if </a:t>
+            </a:r>
+            <a:r>
+              <a:rPr lang="en-IE" sz="2400" dirty="0">
+                <a:latin typeface="Courier New" panose="02070309020205020404" pitchFamily="49" charset="0"/>
+                <a:cs typeface="Courier New" panose="02070309020205020404" pitchFamily="49" charset="0"/>
+              </a:rPr>
+              <a:t>n = 32</a:t>
+            </a:r>
+          </a:p>
+          <a:p>
+            <a:pPr marL="0" indent="0">
+              <a:buNone/>
+            </a:pPr>
+            <a:r>
+              <a:rPr lang="en-IE" sz="2400" dirty="0">
+                <a:latin typeface="Courier New" panose="02070309020205020404" pitchFamily="49" charset="0"/>
+                <a:cs typeface="Courier New" panose="02070309020205020404" pitchFamily="49" charset="0"/>
+              </a:rPr>
+              <a:t>	</a:t>
+            </a:r>
+            <a:r>
+              <a:rPr lang="en-IE" sz="2400" b="1" dirty="0">
+                <a:latin typeface="Courier New" panose="02070309020205020404" pitchFamily="49" charset="0"/>
+                <a:cs typeface="Courier New" panose="02070309020205020404" pitchFamily="49" charset="0"/>
+              </a:rPr>
+              <a:t>generate</a:t>
+            </a:r>
+          </a:p>
+          <a:p>
+            <a:pPr marL="0" indent="0">
+              <a:buNone/>
+            </a:pPr>
+            <a:r>
+              <a:rPr lang="en-IE" sz="2400" dirty="0">
+                <a:latin typeface="Courier New" panose="02070309020205020404" pitchFamily="49" charset="0"/>
+                <a:cs typeface="Courier New" panose="02070309020205020404" pitchFamily="49" charset="0"/>
+              </a:rPr>
+              <a:t>		a: ALU_32_bit </a:t>
+            </a:r>
+            <a:r>
+              <a:rPr lang="en-IE" sz="2400" b="1" dirty="0">
+                <a:latin typeface="Courier New" panose="02070309020205020404" pitchFamily="49" charset="0"/>
+                <a:cs typeface="Courier New" panose="02070309020205020404" pitchFamily="49" charset="0"/>
+              </a:rPr>
+              <a:t>port map</a:t>
+            </a:r>
+            <a:r>
+              <a:rPr lang="en-IE" sz="2400" dirty="0">
+                <a:latin typeface="Courier New" panose="02070309020205020404" pitchFamily="49" charset="0"/>
+                <a:cs typeface="Courier New" panose="02070309020205020404" pitchFamily="49" charset="0"/>
+              </a:rPr>
+              <a:t> (…);</a:t>
+            </a:r>
+          </a:p>
+          <a:p>
+            <a:pPr marL="0" indent="0">
+              <a:buNone/>
+            </a:pPr>
+            <a:r>
+              <a:rPr lang="en-IE" sz="2400" dirty="0">
+                <a:latin typeface="Courier New" panose="02070309020205020404" pitchFamily="49" charset="0"/>
+                <a:cs typeface="Courier New" panose="02070309020205020404" pitchFamily="49" charset="0"/>
+              </a:rPr>
+              <a:t>	</a:t>
+            </a:r>
+            <a:r>
+              <a:rPr lang="en-IE" sz="2400" b="1" dirty="0">
+                <a:latin typeface="Courier New" panose="02070309020205020404" pitchFamily="49" charset="0"/>
+                <a:cs typeface="Courier New" panose="02070309020205020404" pitchFamily="49" charset="0"/>
+              </a:rPr>
+              <a:t>end</a:t>
+            </a:r>
+            <a:r>
+              <a:rPr lang="en-IE" sz="2400" dirty="0">
+                <a:latin typeface="Courier New" panose="02070309020205020404" pitchFamily="49" charset="0"/>
+                <a:cs typeface="Courier New" panose="02070309020205020404" pitchFamily="49" charset="0"/>
+              </a:rPr>
+              <a:t> </a:t>
+            </a:r>
+            <a:r>
+              <a:rPr lang="en-IE" sz="2400" b="1" dirty="0">
+                <a:latin typeface="Courier New" panose="02070309020205020404" pitchFamily="49" charset="0"/>
+                <a:cs typeface="Courier New" panose="02070309020205020404" pitchFamily="49" charset="0"/>
+              </a:rPr>
+              <a:t>generate</a:t>
+            </a:r>
+            <a:r>
+              <a:rPr lang="en-IE" sz="2400" dirty="0">
+                <a:latin typeface="Courier New" panose="02070309020205020404" pitchFamily="49" charset="0"/>
+                <a:cs typeface="Courier New" panose="02070309020205020404" pitchFamily="49" charset="0"/>
+              </a:rPr>
+              <a:t>;</a:t>
+            </a:r>
+          </a:p>
+          <a:p>
+            <a:pPr marL="0" indent="0">
+              <a:buNone/>
+            </a:pPr>
+            <a:r>
+              <a:rPr lang="en-IE" sz="2400" dirty="0">
+                <a:latin typeface="Courier New" panose="02070309020205020404" pitchFamily="49" charset="0"/>
+                <a:cs typeface="Courier New" panose="02070309020205020404" pitchFamily="49" charset="0"/>
+              </a:rPr>
+              <a:t>if_lt32_bit:</a:t>
+            </a:r>
+            <a:r>
+              <a:rPr lang="en-IE" sz="2400" b="1" dirty="0">
+                <a:latin typeface="Courier New" panose="02070309020205020404" pitchFamily="49" charset="0"/>
+                <a:cs typeface="Courier New" panose="02070309020205020404" pitchFamily="49" charset="0"/>
+              </a:rPr>
+              <a:t> if </a:t>
+            </a:r>
+            <a:r>
+              <a:rPr lang="en-IE" sz="2400" dirty="0">
+                <a:latin typeface="Courier New" panose="02070309020205020404" pitchFamily="49" charset="0"/>
+                <a:cs typeface="Courier New" panose="02070309020205020404" pitchFamily="49" charset="0"/>
+              </a:rPr>
+              <a:t>n &lt; 32</a:t>
+            </a:r>
+          </a:p>
+          <a:p>
+            <a:pPr marL="0" indent="0">
+              <a:buNone/>
+            </a:pPr>
+            <a:r>
+              <a:rPr lang="en-IE" sz="2400" b="1" dirty="0">
+                <a:latin typeface="Courier New" panose="02070309020205020404" pitchFamily="49" charset="0"/>
+                <a:cs typeface="Courier New" panose="02070309020205020404" pitchFamily="49" charset="0"/>
+              </a:rPr>
+              <a:t>	generate </a:t>
+            </a:r>
+          </a:p>
+          <a:p>
+            <a:pPr marL="0" indent="0">
+              <a:buNone/>
+            </a:pPr>
+            <a:r>
+              <a:rPr lang="en-IE" sz="2400" b="1" dirty="0">
+                <a:latin typeface="Courier New" panose="02070309020205020404" pitchFamily="49" charset="0"/>
+                <a:cs typeface="Courier New" panose="02070309020205020404" pitchFamily="49" charset="0"/>
+              </a:rPr>
+              <a:t>		</a:t>
+            </a:r>
+            <a:r>
+              <a:rPr lang="en-IE" sz="2400" dirty="0">
+                <a:latin typeface="Courier New" panose="02070309020205020404" pitchFamily="49" charset="0"/>
+                <a:cs typeface="Courier New" panose="02070309020205020404" pitchFamily="49" charset="0"/>
+              </a:rPr>
+              <a:t>a:</a:t>
+            </a:r>
+            <a:r>
+              <a:rPr lang="en-IE" sz="2400" b="1" dirty="0">
+                <a:latin typeface="Courier New" panose="02070309020205020404" pitchFamily="49" charset="0"/>
+                <a:cs typeface="Courier New" panose="02070309020205020404" pitchFamily="49" charset="0"/>
+              </a:rPr>
+              <a:t> </a:t>
+            </a:r>
+            <a:r>
+              <a:rPr lang="en-IE" sz="2400" dirty="0" err="1">
+                <a:latin typeface="Courier New" panose="02070309020205020404" pitchFamily="49" charset="0"/>
+                <a:cs typeface="Courier New" panose="02070309020205020404" pitchFamily="49" charset="0"/>
+              </a:rPr>
+              <a:t>ALU_simple</a:t>
+            </a:r>
+            <a:r>
+              <a:rPr lang="en-IE" sz="2400" b="1" dirty="0">
+                <a:latin typeface="Courier New" panose="02070309020205020404" pitchFamily="49" charset="0"/>
+                <a:cs typeface="Courier New" panose="02070309020205020404" pitchFamily="49" charset="0"/>
+              </a:rPr>
+              <a:t> port map</a:t>
+            </a:r>
+            <a:r>
+              <a:rPr lang="en-IE" sz="2400" dirty="0">
+                <a:latin typeface="Courier New" panose="02070309020205020404" pitchFamily="49" charset="0"/>
+                <a:cs typeface="Courier New" panose="02070309020205020404" pitchFamily="49" charset="0"/>
+              </a:rPr>
+              <a:t> (…);</a:t>
+            </a:r>
+          </a:p>
+          <a:p>
+            <a:pPr marL="0" indent="0">
+              <a:buNone/>
+            </a:pPr>
+            <a:r>
+              <a:rPr lang="en-IE" sz="2400" b="1" dirty="0">
+                <a:latin typeface="Courier New" panose="02070309020205020404" pitchFamily="49" charset="0"/>
+                <a:cs typeface="Courier New" panose="02070309020205020404" pitchFamily="49" charset="0"/>
+              </a:rPr>
+              <a:t>	end generate;</a:t>
+            </a:r>
+          </a:p>
+          <a:p>
+            <a:pPr marL="0" indent="0">
+              <a:buNone/>
+            </a:pPr>
+            <a:r>
+              <a:rPr lang="en-IE" sz="2400" dirty="0">
+                <a:solidFill>
+                  <a:srgbClr val="00B050"/>
+                </a:solidFill>
+                <a:latin typeface="Courier New" panose="02070309020205020404" pitchFamily="49" charset="0"/>
+                <a:cs typeface="Courier New" panose="02070309020205020404" pitchFamily="49" charset="0"/>
+              </a:rPr>
+              <a:t>-- to ensure we’ve covered all cases, let’s assert a bit: </a:t>
+            </a:r>
+          </a:p>
+          <a:p>
+            <a:pPr marL="0" indent="0">
+              <a:buNone/>
+            </a:pPr>
+            <a:r>
+              <a:rPr lang="en-IE" sz="2400" b="1" dirty="0">
+                <a:latin typeface="Courier New" panose="02070309020205020404" pitchFamily="49" charset="0"/>
+                <a:cs typeface="Courier New" panose="02070309020205020404" pitchFamily="49" charset="0"/>
+              </a:rPr>
+              <a:t>assert </a:t>
+            </a:r>
+            <a:r>
+              <a:rPr lang="en-IE" sz="2400" dirty="0">
+                <a:latin typeface="Courier New" panose="02070309020205020404" pitchFamily="49" charset="0"/>
+                <a:cs typeface="Courier New" panose="02070309020205020404" pitchFamily="49" charset="0"/>
+              </a:rPr>
+              <a:t>n &lt;= 32</a:t>
+            </a:r>
+            <a:r>
+              <a:rPr lang="en-IE" sz="2400" b="1" dirty="0">
+                <a:latin typeface="Courier New" panose="02070309020205020404" pitchFamily="49" charset="0"/>
+                <a:cs typeface="Courier New" panose="02070309020205020404" pitchFamily="49" charset="0"/>
+              </a:rPr>
+              <a:t> report </a:t>
+            </a:r>
+            <a:r>
+              <a:rPr lang="en-IE" sz="2400" dirty="0">
+                <a:latin typeface="Courier New" panose="02070309020205020404" pitchFamily="49" charset="0"/>
+                <a:cs typeface="Courier New" panose="02070309020205020404" pitchFamily="49" charset="0"/>
+              </a:rPr>
+              <a:t>“Only 1-32 bits are supported”</a:t>
+            </a:r>
+            <a:r>
+              <a:rPr lang="en-IE" sz="2400" b="1" dirty="0">
+                <a:latin typeface="Courier New" panose="02070309020205020404" pitchFamily="49" charset="0"/>
+                <a:cs typeface="Courier New" panose="02070309020205020404" pitchFamily="49" charset="0"/>
+              </a:rPr>
+              <a:t> </a:t>
+            </a:r>
+          </a:p>
+          <a:p>
+            <a:pPr marL="0" indent="0">
+              <a:buNone/>
+            </a:pPr>
+            <a:r>
+              <a:rPr lang="en-IE" sz="2400" b="1" dirty="0">
+                <a:latin typeface="Courier New" panose="02070309020205020404" pitchFamily="49" charset="0"/>
+                <a:cs typeface="Courier New" panose="02070309020205020404" pitchFamily="49" charset="0"/>
+              </a:rPr>
+              <a:t>	severity failure;</a:t>
+            </a:r>
+          </a:p>
+        </p:txBody>
+      </p:sp>
+    </p:spTree>
+    <p:extLst>
+      <p:ext uri="{BB962C8B-B14F-4D97-AF65-F5344CB8AC3E}">
+        <p14:creationId xmlns:p14="http://schemas.microsoft.com/office/powerpoint/2010/main" val="1837415469"/>
+      </p:ext>
+    </p:extLst>
+  </p:cSld>
+  <p:clrMapOvr>
+    <a:masterClrMapping/>
+  </p:clrMapOvr>
+</p:sld>
+</file>
+
+<file path=ppt/slides/slide43.xml><?xml version="1.0" encoding="utf-8"?>
+<p:sld xmlns:a="http://schemas.openxmlformats.org/drawingml/2006/main" xmlns:r="http://schemas.openxmlformats.org/officeDocument/2006/relationships" xmlns:p="http://schemas.openxmlformats.org/presentationml/2006/main">
+  <p:cSld>
+    <p:spTree>
+      <p:nvGrpSpPr>
+        <p:cNvPr id="1" name=""/>
+        <p:cNvGrpSpPr/>
+        <p:nvPr/>
+      </p:nvGrpSpPr>
+      <p:grpSpPr>
+        <a:xfrm>
+          <a:off x="0" y="0"/>
+          <a:ext cx="0" cy="0"/>
+          <a:chOff x="0" y="0"/>
+          <a:chExt cx="0" cy="0"/>
+        </a:xfrm>
+      </p:grpSpPr>
+      <p:sp>
+        <p:nvSpPr>
+          <p:cNvPr id="2" name="Title 1">
+            <a:extLst>
+              <a:ext uri="{FF2B5EF4-FFF2-40B4-BE49-F238E27FC236}">
+                <a16:creationId xmlns:a16="http://schemas.microsoft.com/office/drawing/2014/main" id="{F8B321D7-C404-4856-9E66-6CB7B12D6E75}"/>
+              </a:ext>
+            </a:extLst>
+          </p:cNvPr>
+          <p:cNvSpPr>
+            <a:spLocks noGrp="1"/>
+          </p:cNvSpPr>
+          <p:nvPr>
+            <p:ph type="title"/>
+          </p:nvPr>
+        </p:nvSpPr>
+        <p:spPr/>
+        <p:txBody>
+          <a:bodyPr/>
+          <a:lstStyle/>
+          <a:p>
+            <a:r>
+              <a:rPr lang="en-IE" dirty="0"/>
+              <a:t>VHDL: generate statements, “for”</a:t>
+            </a:r>
+          </a:p>
+        </p:txBody>
+      </p:sp>
+      <p:sp>
+        <p:nvSpPr>
+          <p:cNvPr id="3" name="Content Placeholder 2">
+            <a:extLst>
+              <a:ext uri="{FF2B5EF4-FFF2-40B4-BE49-F238E27FC236}">
+                <a16:creationId xmlns:a16="http://schemas.microsoft.com/office/drawing/2014/main" id="{544723AD-F869-4BAE-A672-2A9BC1C48CDD}"/>
+              </a:ext>
+            </a:extLst>
+          </p:cNvPr>
+          <p:cNvSpPr>
+            <a:spLocks noGrp="1"/>
+          </p:cNvSpPr>
+          <p:nvPr>
+            <p:ph idx="1"/>
+          </p:nvPr>
+        </p:nvSpPr>
+        <p:spPr/>
+        <p:txBody>
+          <a:bodyPr/>
+          <a:lstStyle/>
+          <a:p>
+            <a:pPr marL="0" indent="0">
+              <a:buNone/>
+            </a:pPr>
+            <a:r>
+              <a:rPr lang="en-IE" dirty="0"/>
+              <a:t>Generates repeating blocks. Syntax: </a:t>
+            </a:r>
+          </a:p>
+          <a:p>
+            <a:pPr marL="0" indent="0">
+              <a:buNone/>
+            </a:pPr>
+            <a:endParaRPr lang="en-IE" dirty="0"/>
+          </a:p>
+          <a:p>
+            <a:pPr marL="0" indent="0">
+              <a:buNone/>
+            </a:pPr>
+            <a:r>
+              <a:rPr lang="en-IE" sz="3600" dirty="0">
+                <a:latin typeface="Courier New" panose="02070309020205020404" pitchFamily="49" charset="0"/>
+                <a:cs typeface="Courier New" panose="02070309020205020404" pitchFamily="49" charset="0"/>
+              </a:rPr>
+              <a:t>&lt;label&gt;: </a:t>
+            </a:r>
+            <a:r>
+              <a:rPr lang="en-IE" sz="3600" b="1" dirty="0">
+                <a:latin typeface="Courier New" panose="02070309020205020404" pitchFamily="49" charset="0"/>
+                <a:cs typeface="Courier New" panose="02070309020205020404" pitchFamily="49" charset="0"/>
+              </a:rPr>
+              <a:t>for</a:t>
+            </a:r>
+            <a:r>
+              <a:rPr lang="en-IE" sz="3600" dirty="0">
+                <a:latin typeface="Courier New" panose="02070309020205020404" pitchFamily="49" charset="0"/>
+                <a:cs typeface="Courier New" panose="02070309020205020404" pitchFamily="49" charset="0"/>
+              </a:rPr>
+              <a:t> &lt;range specification&gt;</a:t>
+            </a:r>
+          </a:p>
+          <a:p>
+            <a:pPr marL="0" indent="0">
+              <a:buNone/>
+            </a:pPr>
+            <a:r>
+              <a:rPr lang="en-IE" sz="3600" b="1" dirty="0">
+                <a:latin typeface="Courier New" panose="02070309020205020404" pitchFamily="49" charset="0"/>
+                <a:cs typeface="Courier New" panose="02070309020205020404" pitchFamily="49" charset="0"/>
+              </a:rPr>
+              <a:t>	generate</a:t>
+            </a:r>
+          </a:p>
+          <a:p>
+            <a:pPr marL="0" indent="0">
+              <a:buNone/>
+            </a:pPr>
+            <a:r>
+              <a:rPr lang="en-IE" sz="3600" dirty="0">
+                <a:latin typeface="Courier New" panose="02070309020205020404" pitchFamily="49" charset="0"/>
+                <a:cs typeface="Courier New" panose="02070309020205020404" pitchFamily="49" charset="0"/>
+              </a:rPr>
+              <a:t>		{&lt;concurrent sentences&gt;}</a:t>
+            </a:r>
+          </a:p>
+          <a:p>
+            <a:pPr marL="0" indent="0">
+              <a:buNone/>
+            </a:pPr>
+            <a:r>
+              <a:rPr lang="en-IE" sz="3600" b="1" dirty="0">
+                <a:latin typeface="Courier New" panose="02070309020205020404" pitchFamily="49" charset="0"/>
+                <a:cs typeface="Courier New" panose="02070309020205020404" pitchFamily="49" charset="0"/>
+              </a:rPr>
+              <a:t>	end generate</a:t>
+            </a:r>
+            <a:r>
+              <a:rPr lang="en-IE" sz="3600" dirty="0">
+                <a:latin typeface="Courier New" panose="02070309020205020404" pitchFamily="49" charset="0"/>
+                <a:cs typeface="Courier New" panose="02070309020205020404" pitchFamily="49" charset="0"/>
+              </a:rPr>
+              <a:t>;</a:t>
+            </a:r>
+          </a:p>
+        </p:txBody>
+      </p:sp>
+    </p:spTree>
+    <p:extLst>
+      <p:ext uri="{BB962C8B-B14F-4D97-AF65-F5344CB8AC3E}">
+        <p14:creationId xmlns:p14="http://schemas.microsoft.com/office/powerpoint/2010/main" val="631829342"/>
+      </p:ext>
+    </p:extLst>
+  </p:cSld>
+  <p:clrMapOvr>
+    <a:masterClrMapping/>
+  </p:clrMapOvr>
+</p:sld>
+</file>
+
+<file path=ppt/slides/slide44.xml><?xml version="1.0" encoding="utf-8"?>
+<p:sld xmlns:a="http://schemas.openxmlformats.org/drawingml/2006/main" xmlns:r="http://schemas.openxmlformats.org/officeDocument/2006/relationships" xmlns:p="http://schemas.openxmlformats.org/presentationml/2006/main">
+  <p:cSld>
+    <p:spTree>
+      <p:nvGrpSpPr>
+        <p:cNvPr id="1" name=""/>
+        <p:cNvGrpSpPr/>
+        <p:nvPr/>
+      </p:nvGrpSpPr>
+      <p:grpSpPr>
+        <a:xfrm>
+          <a:off x="0" y="0"/>
+          <a:ext cx="0" cy="0"/>
+          <a:chOff x="0" y="0"/>
+          <a:chExt cx="0" cy="0"/>
+        </a:xfrm>
+      </p:grpSpPr>
+      <p:sp>
+        <p:nvSpPr>
+          <p:cNvPr id="2" name="Title 1">
+            <a:extLst>
+              <a:ext uri="{FF2B5EF4-FFF2-40B4-BE49-F238E27FC236}">
+                <a16:creationId xmlns:a16="http://schemas.microsoft.com/office/drawing/2014/main" id="{F8B321D7-C404-4856-9E66-6CB7B12D6E75}"/>
+              </a:ext>
+            </a:extLst>
+          </p:cNvPr>
+          <p:cNvSpPr>
+            <a:spLocks noGrp="1"/>
+          </p:cNvSpPr>
+          <p:nvPr>
+            <p:ph type="title"/>
+          </p:nvPr>
+        </p:nvSpPr>
+        <p:spPr/>
+        <p:txBody>
+          <a:bodyPr/>
+          <a:lstStyle/>
+          <a:p>
+            <a:r>
+              <a:rPr lang="en-IE" dirty="0"/>
+              <a:t>VHDL: generate statements, ‘for’</a:t>
+            </a:r>
+          </a:p>
+        </p:txBody>
+      </p:sp>
+      <p:sp>
+        <p:nvSpPr>
+          <p:cNvPr id="3" name="Content Placeholder 2">
+            <a:extLst>
+              <a:ext uri="{FF2B5EF4-FFF2-40B4-BE49-F238E27FC236}">
+                <a16:creationId xmlns:a16="http://schemas.microsoft.com/office/drawing/2014/main" id="{544723AD-F869-4BAE-A672-2A9BC1C48CDD}"/>
+              </a:ext>
+            </a:extLst>
+          </p:cNvPr>
+          <p:cNvSpPr>
+            <a:spLocks noGrp="1"/>
+          </p:cNvSpPr>
+          <p:nvPr>
+            <p:ph idx="1"/>
+          </p:nvPr>
+        </p:nvSpPr>
+        <p:spPr>
+          <a:xfrm>
+            <a:off x="838200" y="1825625"/>
+            <a:ext cx="10515600" cy="4787210"/>
+          </a:xfrm>
+        </p:spPr>
+        <p:txBody>
+          <a:bodyPr>
+            <a:normAutofit fontScale="92500" lnSpcReduction="20000"/>
+          </a:bodyPr>
+          <a:lstStyle/>
+          <a:p>
+            <a:pPr marL="0" indent="0">
+              <a:buNone/>
+            </a:pPr>
+            <a:r>
+              <a:rPr lang="en-IE" dirty="0"/>
+              <a:t>Example:</a:t>
+            </a:r>
+          </a:p>
+          <a:p>
+            <a:pPr marL="0" indent="0">
+              <a:buNone/>
+            </a:pPr>
+            <a:endParaRPr lang="en-IE" dirty="0"/>
+          </a:p>
+          <a:p>
+            <a:pPr marL="0" indent="0">
+              <a:buNone/>
+            </a:pPr>
+            <a:r>
+              <a:rPr lang="en-IE" sz="3000" dirty="0" err="1">
+                <a:latin typeface="Courier New" panose="02070309020205020404" pitchFamily="49" charset="0"/>
+                <a:cs typeface="Courier New" panose="02070309020205020404" pitchFamily="49" charset="0"/>
+              </a:rPr>
+              <a:t>gen_adder</a:t>
+            </a:r>
+            <a:r>
+              <a:rPr lang="en-IE" sz="3000" dirty="0">
+                <a:latin typeface="Courier New" panose="02070309020205020404" pitchFamily="49" charset="0"/>
+                <a:cs typeface="Courier New" panose="02070309020205020404" pitchFamily="49" charset="0"/>
+              </a:rPr>
+              <a:t>: </a:t>
+            </a:r>
+            <a:r>
+              <a:rPr lang="en-IE" sz="3000" b="1" dirty="0">
+                <a:latin typeface="Courier New" panose="02070309020205020404" pitchFamily="49" charset="0"/>
+                <a:cs typeface="Courier New" panose="02070309020205020404" pitchFamily="49" charset="0"/>
+              </a:rPr>
+              <a:t>for</a:t>
+            </a:r>
+            <a:r>
+              <a:rPr lang="en-IE" sz="3000" dirty="0">
+                <a:latin typeface="Courier New" panose="02070309020205020404" pitchFamily="49" charset="0"/>
+                <a:cs typeface="Courier New" panose="02070309020205020404" pitchFamily="49" charset="0"/>
+              </a:rPr>
+              <a:t> </a:t>
+            </a:r>
+            <a:r>
+              <a:rPr lang="en-IE" sz="3000" dirty="0" err="1">
+                <a:latin typeface="Courier New" panose="02070309020205020404" pitchFamily="49" charset="0"/>
+                <a:cs typeface="Courier New" panose="02070309020205020404" pitchFamily="49" charset="0"/>
+              </a:rPr>
+              <a:t>i</a:t>
+            </a:r>
+            <a:r>
+              <a:rPr lang="en-IE" sz="3000" dirty="0">
+                <a:latin typeface="Courier New" panose="02070309020205020404" pitchFamily="49" charset="0"/>
+                <a:cs typeface="Courier New" panose="02070309020205020404" pitchFamily="49" charset="0"/>
+              </a:rPr>
+              <a:t> </a:t>
+            </a:r>
+            <a:r>
+              <a:rPr lang="en-IE" sz="3000" b="1" dirty="0">
+                <a:latin typeface="Courier New" panose="02070309020205020404" pitchFamily="49" charset="0"/>
+                <a:cs typeface="Courier New" panose="02070309020205020404" pitchFamily="49" charset="0"/>
+              </a:rPr>
+              <a:t>in</a:t>
+            </a:r>
+            <a:r>
+              <a:rPr lang="en-IE" sz="3000" dirty="0">
+                <a:latin typeface="Courier New" panose="02070309020205020404" pitchFamily="49" charset="0"/>
+                <a:cs typeface="Courier New" panose="02070309020205020404" pitchFamily="49" charset="0"/>
+              </a:rPr>
+              <a:t> 0 </a:t>
+            </a:r>
+            <a:r>
+              <a:rPr lang="en-IE" sz="3000" b="1" dirty="0">
+                <a:latin typeface="Courier New" panose="02070309020205020404" pitchFamily="49" charset="0"/>
+                <a:cs typeface="Courier New" panose="02070309020205020404" pitchFamily="49" charset="0"/>
+              </a:rPr>
+              <a:t>to</a:t>
+            </a:r>
+            <a:r>
+              <a:rPr lang="en-IE" sz="3000" dirty="0">
+                <a:latin typeface="Courier New" panose="02070309020205020404" pitchFamily="49" charset="0"/>
+                <a:cs typeface="Courier New" panose="02070309020205020404" pitchFamily="49" charset="0"/>
+              </a:rPr>
+              <a:t> 31 </a:t>
+            </a:r>
+          </a:p>
+          <a:p>
+            <a:pPr marL="0" indent="0">
+              <a:buNone/>
+            </a:pPr>
+            <a:r>
+              <a:rPr lang="en-IE" sz="3000" b="1" dirty="0">
+                <a:latin typeface="Courier New" panose="02070309020205020404" pitchFamily="49" charset="0"/>
+                <a:cs typeface="Courier New" panose="02070309020205020404" pitchFamily="49" charset="0"/>
+              </a:rPr>
+              <a:t>	generate</a:t>
+            </a:r>
+          </a:p>
+          <a:p>
+            <a:pPr marL="0" indent="0">
+              <a:buNone/>
+            </a:pPr>
+            <a:r>
+              <a:rPr lang="en-IE" sz="3000" dirty="0">
+                <a:latin typeface="Courier New" panose="02070309020205020404" pitchFamily="49" charset="0"/>
+                <a:cs typeface="Courier New" panose="02070309020205020404" pitchFamily="49" charset="0"/>
+              </a:rPr>
+              <a:t>		adder: </a:t>
+            </a:r>
+            <a:r>
+              <a:rPr lang="en-IE" sz="3000" dirty="0" err="1">
+                <a:latin typeface="Courier New" panose="02070309020205020404" pitchFamily="49" charset="0"/>
+                <a:cs typeface="Courier New" panose="02070309020205020404" pitchFamily="49" charset="0"/>
+              </a:rPr>
+              <a:t>full_adder</a:t>
+            </a:r>
+            <a:r>
+              <a:rPr lang="en-IE" sz="3000" dirty="0">
+                <a:latin typeface="Courier New" panose="02070309020205020404" pitchFamily="49" charset="0"/>
+                <a:cs typeface="Courier New" panose="02070309020205020404" pitchFamily="49" charset="0"/>
+              </a:rPr>
+              <a:t> </a:t>
+            </a:r>
+          </a:p>
+          <a:p>
+            <a:pPr marL="0" indent="0">
+              <a:buNone/>
+            </a:pPr>
+            <a:r>
+              <a:rPr lang="en-IE" sz="3000" dirty="0">
+                <a:latin typeface="Courier New" panose="02070309020205020404" pitchFamily="49" charset="0"/>
+                <a:cs typeface="Courier New" panose="02070309020205020404" pitchFamily="49" charset="0"/>
+              </a:rPr>
+              <a:t>			</a:t>
+            </a:r>
+            <a:r>
+              <a:rPr lang="en-IE" sz="3000" b="1" dirty="0">
+                <a:latin typeface="Courier New" panose="02070309020205020404" pitchFamily="49" charset="0"/>
+                <a:cs typeface="Courier New" panose="02070309020205020404" pitchFamily="49" charset="0"/>
+              </a:rPr>
+              <a:t>port map</a:t>
+            </a:r>
+            <a:r>
+              <a:rPr lang="en-IE" sz="3000" dirty="0">
+                <a:latin typeface="Courier New" panose="02070309020205020404" pitchFamily="49" charset="0"/>
+                <a:cs typeface="Courier New" panose="02070309020205020404" pitchFamily="49" charset="0"/>
+              </a:rPr>
+              <a:t>(</a:t>
+            </a:r>
+          </a:p>
+          <a:p>
+            <a:pPr marL="0" indent="0">
+              <a:buNone/>
+            </a:pPr>
+            <a:r>
+              <a:rPr lang="en-IE" sz="3000" dirty="0">
+                <a:latin typeface="Courier New" panose="02070309020205020404" pitchFamily="49" charset="0"/>
+                <a:cs typeface="Courier New" panose="02070309020205020404" pitchFamily="49" charset="0"/>
+              </a:rPr>
+              <a:t>				a =&gt; a(</a:t>
+            </a:r>
+            <a:r>
+              <a:rPr lang="en-IE" sz="3000" dirty="0" err="1">
+                <a:latin typeface="Courier New" panose="02070309020205020404" pitchFamily="49" charset="0"/>
+                <a:cs typeface="Courier New" panose="02070309020205020404" pitchFamily="49" charset="0"/>
+              </a:rPr>
+              <a:t>i</a:t>
+            </a:r>
+            <a:r>
+              <a:rPr lang="en-IE" sz="3000" dirty="0">
+                <a:latin typeface="Courier New" panose="02070309020205020404" pitchFamily="49" charset="0"/>
+                <a:cs typeface="Courier New" panose="02070309020205020404" pitchFamily="49" charset="0"/>
+              </a:rPr>
+              <a:t>), b =&gt; b(</a:t>
+            </a:r>
+            <a:r>
+              <a:rPr lang="en-IE" sz="3000" dirty="0" err="1">
+                <a:latin typeface="Courier New" panose="02070309020205020404" pitchFamily="49" charset="0"/>
+                <a:cs typeface="Courier New" panose="02070309020205020404" pitchFamily="49" charset="0"/>
+              </a:rPr>
+              <a:t>i</a:t>
+            </a:r>
+            <a:r>
+              <a:rPr lang="en-IE" sz="3000" dirty="0">
+                <a:latin typeface="Courier New" panose="02070309020205020404" pitchFamily="49" charset="0"/>
+                <a:cs typeface="Courier New" panose="02070309020205020404" pitchFamily="49" charset="0"/>
+              </a:rPr>
+              <a:t>), </a:t>
+            </a:r>
+          </a:p>
+          <a:p>
+            <a:pPr marL="0" indent="0">
+              <a:buNone/>
+            </a:pPr>
+            <a:r>
+              <a:rPr lang="en-IE" sz="3000" dirty="0">
+                <a:latin typeface="Courier New" panose="02070309020205020404" pitchFamily="49" charset="0"/>
+                <a:cs typeface="Courier New" panose="02070309020205020404" pitchFamily="49" charset="0"/>
+              </a:rPr>
+              <a:t>				</a:t>
+            </a:r>
+            <a:r>
+              <a:rPr lang="en-IE" sz="3000" dirty="0" err="1">
+                <a:latin typeface="Courier New" panose="02070309020205020404" pitchFamily="49" charset="0"/>
+                <a:cs typeface="Courier New" panose="02070309020205020404" pitchFamily="49" charset="0"/>
+              </a:rPr>
+              <a:t>c_in</a:t>
+            </a:r>
+            <a:r>
+              <a:rPr lang="en-IE" sz="3000" dirty="0">
+                <a:latin typeface="Courier New" panose="02070309020205020404" pitchFamily="49" charset="0"/>
+                <a:cs typeface="Courier New" panose="02070309020205020404" pitchFamily="49" charset="0"/>
+              </a:rPr>
+              <a:t> =&gt; carry(</a:t>
+            </a:r>
+            <a:r>
+              <a:rPr lang="en-IE" sz="3000" dirty="0" err="1">
+                <a:latin typeface="Courier New" panose="02070309020205020404" pitchFamily="49" charset="0"/>
+                <a:cs typeface="Courier New" panose="02070309020205020404" pitchFamily="49" charset="0"/>
+              </a:rPr>
+              <a:t>i</a:t>
+            </a:r>
+            <a:r>
+              <a:rPr lang="en-IE" sz="3000" dirty="0">
+                <a:latin typeface="Courier New" panose="02070309020205020404" pitchFamily="49" charset="0"/>
+                <a:cs typeface="Courier New" panose="02070309020205020404" pitchFamily="49" charset="0"/>
+              </a:rPr>
+              <a:t>), </a:t>
+            </a:r>
+          </a:p>
+          <a:p>
+            <a:pPr marL="0" indent="0">
+              <a:buNone/>
+            </a:pPr>
+            <a:r>
+              <a:rPr lang="en-IE" sz="3000" dirty="0">
+                <a:latin typeface="Courier New" panose="02070309020205020404" pitchFamily="49" charset="0"/>
+                <a:cs typeface="Courier New" panose="02070309020205020404" pitchFamily="49" charset="0"/>
+              </a:rPr>
+              <a:t>				S =&gt; res(</a:t>
+            </a:r>
+            <a:r>
+              <a:rPr lang="en-IE" sz="3000" dirty="0" err="1">
+                <a:latin typeface="Courier New" panose="02070309020205020404" pitchFamily="49" charset="0"/>
+                <a:cs typeface="Courier New" panose="02070309020205020404" pitchFamily="49" charset="0"/>
+              </a:rPr>
+              <a:t>i</a:t>
+            </a:r>
+            <a:r>
+              <a:rPr lang="en-IE" sz="3000" dirty="0">
+                <a:latin typeface="Courier New" panose="02070309020205020404" pitchFamily="49" charset="0"/>
+                <a:cs typeface="Courier New" panose="02070309020205020404" pitchFamily="49" charset="0"/>
+              </a:rPr>
+              <a:t>),</a:t>
+            </a:r>
+          </a:p>
+          <a:p>
+            <a:pPr marL="0" indent="0">
+              <a:buNone/>
+            </a:pPr>
+            <a:r>
+              <a:rPr lang="en-IE" sz="3000" dirty="0">
+                <a:latin typeface="Courier New" panose="02070309020205020404" pitchFamily="49" charset="0"/>
+                <a:cs typeface="Courier New" panose="02070309020205020404" pitchFamily="49" charset="0"/>
+              </a:rPr>
+              <a:t>				</a:t>
+            </a:r>
+            <a:r>
+              <a:rPr lang="en-IE" sz="3000" dirty="0" err="1">
+                <a:latin typeface="Courier New" panose="02070309020205020404" pitchFamily="49" charset="0"/>
+                <a:cs typeface="Courier New" panose="02070309020205020404" pitchFamily="49" charset="0"/>
+              </a:rPr>
+              <a:t>c_out</a:t>
+            </a:r>
+            <a:r>
+              <a:rPr lang="en-IE" sz="3000" dirty="0">
+                <a:latin typeface="Courier New" panose="02070309020205020404" pitchFamily="49" charset="0"/>
+                <a:cs typeface="Courier New" panose="02070309020205020404" pitchFamily="49" charset="0"/>
+              </a:rPr>
+              <a:t> =&gt; carry(</a:t>
+            </a:r>
+            <a:r>
+              <a:rPr lang="en-IE" sz="3000" dirty="0" err="1">
+                <a:latin typeface="Courier New" panose="02070309020205020404" pitchFamily="49" charset="0"/>
+                <a:cs typeface="Courier New" panose="02070309020205020404" pitchFamily="49" charset="0"/>
+              </a:rPr>
+              <a:t>i</a:t>
+            </a:r>
+            <a:r>
+              <a:rPr lang="en-IE" sz="3000" dirty="0">
+                <a:latin typeface="Courier New" panose="02070309020205020404" pitchFamily="49" charset="0"/>
+                <a:cs typeface="Courier New" panose="02070309020205020404" pitchFamily="49" charset="0"/>
+              </a:rPr>
+              <a:t> + 1));</a:t>
+            </a:r>
+          </a:p>
+          <a:p>
+            <a:pPr marL="0" indent="0">
+              <a:buNone/>
+            </a:pPr>
+            <a:r>
+              <a:rPr lang="en-IE" sz="3000" b="1" dirty="0">
+                <a:latin typeface="Courier New" panose="02070309020205020404" pitchFamily="49" charset="0"/>
+                <a:cs typeface="Courier New" panose="02070309020205020404" pitchFamily="49" charset="0"/>
+              </a:rPr>
+              <a:t>	end generate</a:t>
+            </a:r>
+            <a:r>
+              <a:rPr lang="en-IE" sz="3000" dirty="0">
+                <a:latin typeface="Courier New" panose="02070309020205020404" pitchFamily="49" charset="0"/>
+                <a:cs typeface="Courier New" panose="02070309020205020404" pitchFamily="49" charset="0"/>
+              </a:rPr>
+              <a:t>;</a:t>
+            </a:r>
+          </a:p>
+        </p:txBody>
+      </p:sp>
+    </p:spTree>
+    <p:extLst>
+      <p:ext uri="{BB962C8B-B14F-4D97-AF65-F5344CB8AC3E}">
+        <p14:creationId xmlns:p14="http://schemas.microsoft.com/office/powerpoint/2010/main" val="1157910905"/>
+      </p:ext>
+    </p:extLst>
+  </p:cSld>
+  <p:clrMapOvr>
+    <a:masterClrMapping/>
+  </p:clrMapOvr>
+</p:sld>
+</file>
+
+<file path=ppt/slides/slide45.xml><?xml version="1.0" encoding="utf-8"?>
+<p:sld xmlns:a="http://schemas.openxmlformats.org/drawingml/2006/main" xmlns:r="http://schemas.openxmlformats.org/officeDocument/2006/relationships" xmlns:p="http://schemas.openxmlformats.org/presentationml/2006/main">
+  <p:cSld>
+    <p:spTree>
+      <p:nvGrpSpPr>
+        <p:cNvPr id="1" name=""/>
+        <p:cNvGrpSpPr/>
+        <p:nvPr/>
+      </p:nvGrpSpPr>
+      <p:grpSpPr>
+        <a:xfrm>
+          <a:off x="0" y="0"/>
+          <a:ext cx="0" cy="0"/>
+          <a:chOff x="0" y="0"/>
+          <a:chExt cx="0" cy="0"/>
+        </a:xfrm>
+      </p:grpSpPr>
+      <p:sp>
+        <p:nvSpPr>
+          <p:cNvPr id="2" name="Title 1">
+            <a:extLst>
+              <a:ext uri="{FF2B5EF4-FFF2-40B4-BE49-F238E27FC236}">
+                <a16:creationId xmlns:a16="http://schemas.microsoft.com/office/drawing/2014/main" id="{F8B321D7-C404-4856-9E66-6CB7B12D6E75}"/>
+              </a:ext>
+            </a:extLst>
+          </p:cNvPr>
+          <p:cNvSpPr>
+            <a:spLocks noGrp="1"/>
+          </p:cNvSpPr>
+          <p:nvPr>
+            <p:ph type="title"/>
+          </p:nvPr>
+        </p:nvSpPr>
+        <p:spPr/>
+        <p:txBody>
+          <a:bodyPr/>
+          <a:lstStyle/>
+          <a:p>
+            <a:r>
+              <a:rPr lang="en-IE" dirty="0"/>
+              <a:t>VHDL: function, just a syntax</a:t>
+            </a:r>
+          </a:p>
+        </p:txBody>
+      </p:sp>
+      <p:sp>
+        <p:nvSpPr>
+          <p:cNvPr id="3" name="Content Placeholder 2">
+            <a:extLst>
+              <a:ext uri="{FF2B5EF4-FFF2-40B4-BE49-F238E27FC236}">
+                <a16:creationId xmlns:a16="http://schemas.microsoft.com/office/drawing/2014/main" id="{544723AD-F869-4BAE-A672-2A9BC1C48CDD}"/>
+              </a:ext>
+            </a:extLst>
+          </p:cNvPr>
+          <p:cNvSpPr>
+            <a:spLocks noGrp="1"/>
+          </p:cNvSpPr>
+          <p:nvPr>
+            <p:ph idx="1"/>
+          </p:nvPr>
+        </p:nvSpPr>
+        <p:spPr>
+          <a:xfrm>
+            <a:off x="838200" y="1825625"/>
+            <a:ext cx="10515600" cy="4787210"/>
+          </a:xfrm>
+        </p:spPr>
+        <p:txBody>
+          <a:bodyPr>
+            <a:normAutofit fontScale="92500" lnSpcReduction="10000"/>
+          </a:bodyPr>
+          <a:lstStyle/>
+          <a:p>
+            <a:pPr marL="0" indent="0">
+              <a:buNone/>
+            </a:pPr>
+            <a:r>
+              <a:rPr lang="en-IE" dirty="0"/>
+              <a:t>Declaration: </a:t>
+            </a:r>
+          </a:p>
+          <a:p>
+            <a:pPr marL="0" indent="0">
+              <a:buNone/>
+            </a:pPr>
+            <a:r>
+              <a:rPr lang="en-IE" b="1" dirty="0">
+                <a:latin typeface="Courier New" panose="02070309020205020404" pitchFamily="49" charset="0"/>
+                <a:cs typeface="Courier New" panose="02070309020205020404" pitchFamily="49" charset="0"/>
+              </a:rPr>
+              <a:t>function</a:t>
+            </a:r>
+            <a:r>
+              <a:rPr lang="en-IE" dirty="0">
+                <a:latin typeface="Courier New" panose="02070309020205020404" pitchFamily="49" charset="0"/>
+                <a:cs typeface="Courier New" panose="02070309020205020404" pitchFamily="49" charset="0"/>
+              </a:rPr>
+              <a:t> &lt;name&gt; [(&lt;parameters list&gt;)] </a:t>
+            </a:r>
+            <a:r>
+              <a:rPr lang="en-IE" b="1" dirty="0">
+                <a:latin typeface="Courier New" panose="02070309020205020404" pitchFamily="49" charset="0"/>
+                <a:cs typeface="Courier New" panose="02070309020205020404" pitchFamily="49" charset="0"/>
+              </a:rPr>
+              <a:t>return</a:t>
+            </a:r>
+            <a:r>
+              <a:rPr lang="en-IE" dirty="0">
+                <a:latin typeface="Courier New" panose="02070309020205020404" pitchFamily="49" charset="0"/>
+                <a:cs typeface="Courier New" panose="02070309020205020404" pitchFamily="49" charset="0"/>
+              </a:rPr>
+              <a:t> &lt;</a:t>
+            </a:r>
+            <a:r>
+              <a:rPr lang="en-IE" dirty="0" err="1">
+                <a:latin typeface="Courier New" panose="02070309020205020404" pitchFamily="49" charset="0"/>
+                <a:cs typeface="Courier New" panose="02070309020205020404" pitchFamily="49" charset="0"/>
+              </a:rPr>
+              <a:t>data_type</a:t>
+            </a:r>
+            <a:r>
+              <a:rPr lang="en-IE" dirty="0">
+                <a:latin typeface="Courier New" panose="02070309020205020404" pitchFamily="49" charset="0"/>
+                <a:cs typeface="Courier New" panose="02070309020205020404" pitchFamily="49" charset="0"/>
+              </a:rPr>
+              <a:t>&gt;;</a:t>
+            </a:r>
+          </a:p>
+          <a:p>
+            <a:pPr marL="0" indent="0">
+              <a:buNone/>
+            </a:pPr>
+            <a:endParaRPr lang="en-IE" dirty="0"/>
+          </a:p>
+          <a:p>
+            <a:pPr marL="0" indent="0">
+              <a:buNone/>
+            </a:pPr>
+            <a:r>
+              <a:rPr lang="en-IE" dirty="0"/>
+              <a:t>Definition: </a:t>
+            </a:r>
+          </a:p>
+          <a:p>
+            <a:pPr marL="0" indent="0">
+              <a:buNone/>
+            </a:pPr>
+            <a:r>
+              <a:rPr lang="en-IE" b="1" dirty="0">
+                <a:latin typeface="Courier New" panose="02070309020205020404" pitchFamily="49" charset="0"/>
+                <a:cs typeface="Courier New" panose="02070309020205020404" pitchFamily="49" charset="0"/>
+              </a:rPr>
+              <a:t>function</a:t>
+            </a:r>
+            <a:r>
+              <a:rPr lang="en-IE" dirty="0">
+                <a:latin typeface="Courier New" panose="02070309020205020404" pitchFamily="49" charset="0"/>
+                <a:cs typeface="Courier New" panose="02070309020205020404" pitchFamily="49" charset="0"/>
+              </a:rPr>
+              <a:t> &lt;name&gt; [(&lt;parameters list&gt;)] </a:t>
+            </a:r>
+            <a:r>
+              <a:rPr lang="en-IE" b="1" dirty="0">
+                <a:latin typeface="Courier New" panose="02070309020205020404" pitchFamily="49" charset="0"/>
+                <a:cs typeface="Courier New" panose="02070309020205020404" pitchFamily="49" charset="0"/>
+              </a:rPr>
+              <a:t>return</a:t>
+            </a:r>
+            <a:r>
+              <a:rPr lang="en-IE" dirty="0">
+                <a:latin typeface="Courier New" panose="02070309020205020404" pitchFamily="49" charset="0"/>
+                <a:cs typeface="Courier New" panose="02070309020205020404" pitchFamily="49" charset="0"/>
+              </a:rPr>
+              <a:t> &lt;</a:t>
+            </a:r>
+            <a:r>
+              <a:rPr lang="en-IE" dirty="0" err="1">
+                <a:latin typeface="Courier New" panose="02070309020205020404" pitchFamily="49" charset="0"/>
+                <a:cs typeface="Courier New" panose="02070309020205020404" pitchFamily="49" charset="0"/>
+              </a:rPr>
+              <a:t>data_type</a:t>
+            </a:r>
+            <a:r>
+              <a:rPr lang="en-IE" dirty="0">
+                <a:latin typeface="Courier New" panose="02070309020205020404" pitchFamily="49" charset="0"/>
+                <a:cs typeface="Courier New" panose="02070309020205020404" pitchFamily="49" charset="0"/>
+              </a:rPr>
+              <a:t>&gt; </a:t>
+            </a:r>
+            <a:r>
+              <a:rPr lang="en-IE" b="1" dirty="0">
+                <a:latin typeface="Courier New" panose="02070309020205020404" pitchFamily="49" charset="0"/>
+                <a:cs typeface="Courier New" panose="02070309020205020404" pitchFamily="49" charset="0"/>
+              </a:rPr>
+              <a:t>is</a:t>
+            </a:r>
+          </a:p>
+          <a:p>
+            <a:pPr marL="0" indent="0">
+              <a:buNone/>
+            </a:pPr>
+            <a:r>
+              <a:rPr lang="en-IE" dirty="0">
+                <a:latin typeface="Courier New" panose="02070309020205020404" pitchFamily="49" charset="0"/>
+                <a:cs typeface="Courier New" panose="02070309020205020404" pitchFamily="49" charset="0"/>
+              </a:rPr>
+              <a:t>{&lt;declarative part&gt;}</a:t>
+            </a:r>
+          </a:p>
+          <a:p>
+            <a:pPr marL="0" indent="0">
+              <a:buNone/>
+            </a:pPr>
+            <a:r>
+              <a:rPr lang="en-IE" b="1" dirty="0">
+                <a:latin typeface="Courier New" panose="02070309020205020404" pitchFamily="49" charset="0"/>
+                <a:cs typeface="Courier New" panose="02070309020205020404" pitchFamily="49" charset="0"/>
+              </a:rPr>
+              <a:t>begin</a:t>
+            </a:r>
+          </a:p>
+          <a:p>
+            <a:pPr marL="0" indent="0">
+              <a:buNone/>
+            </a:pPr>
+            <a:r>
+              <a:rPr lang="en-IE" dirty="0">
+                <a:latin typeface="Courier New" panose="02070309020205020404" pitchFamily="49" charset="0"/>
+                <a:cs typeface="Courier New" panose="02070309020205020404" pitchFamily="49" charset="0"/>
+              </a:rPr>
+              <a:t>{&lt;sequential sentences&gt;}</a:t>
+            </a:r>
+          </a:p>
+          <a:p>
+            <a:pPr marL="0" indent="0">
+              <a:buNone/>
+            </a:pPr>
+            <a:r>
+              <a:rPr lang="en-IE" b="1" dirty="0">
+                <a:latin typeface="Courier New" panose="02070309020205020404" pitchFamily="49" charset="0"/>
+                <a:cs typeface="Courier New" panose="02070309020205020404" pitchFamily="49" charset="0"/>
+              </a:rPr>
+              <a:t>end</a:t>
+            </a:r>
+            <a:r>
+              <a:rPr lang="en-IE" dirty="0">
+                <a:latin typeface="Courier New" panose="02070309020205020404" pitchFamily="49" charset="0"/>
+                <a:cs typeface="Courier New" panose="02070309020205020404" pitchFamily="49" charset="0"/>
+              </a:rPr>
+              <a:t> [</a:t>
+            </a:r>
+            <a:r>
+              <a:rPr lang="en-IE" b="1" dirty="0">
+                <a:latin typeface="Courier New" panose="02070309020205020404" pitchFamily="49" charset="0"/>
+                <a:cs typeface="Courier New" panose="02070309020205020404" pitchFamily="49" charset="0"/>
+              </a:rPr>
+              <a:t>function</a:t>
+            </a:r>
+            <a:r>
+              <a:rPr lang="en-IE" dirty="0">
+                <a:latin typeface="Courier New" panose="02070309020205020404" pitchFamily="49" charset="0"/>
+                <a:cs typeface="Courier New" panose="02070309020205020404" pitchFamily="49" charset="0"/>
+              </a:rPr>
+              <a:t>] [&lt;name&gt;];</a:t>
+            </a:r>
+          </a:p>
+          <a:p>
+            <a:pPr marL="0" indent="0">
+              <a:buNone/>
+            </a:pPr>
+            <a:endParaRPr lang="en-IE" dirty="0"/>
+          </a:p>
+        </p:txBody>
+      </p:sp>
+      <p:sp>
+        <p:nvSpPr>
+          <p:cNvPr id="4" name="TextBox 3">
+            <a:extLst>
+              <a:ext uri="{FF2B5EF4-FFF2-40B4-BE49-F238E27FC236}">
+                <a16:creationId xmlns:a16="http://schemas.microsoft.com/office/drawing/2014/main" id="{A3030119-6CE2-4D17-B478-0D6615B2B1AD}"/>
+              </a:ext>
+            </a:extLst>
+          </p:cNvPr>
+          <p:cNvSpPr txBox="1"/>
+          <p:nvPr/>
+        </p:nvSpPr>
+        <p:spPr>
+          <a:xfrm>
+            <a:off x="6771861" y="5546034"/>
+            <a:ext cx="4729500" cy="400110"/>
+          </a:xfrm>
+          <a:prstGeom prst="rect">
+            <a:avLst/>
+          </a:prstGeom>
+          <a:noFill/>
+        </p:spPr>
+        <p:txBody>
+          <a:bodyPr wrap="none" rtlCol="0">
+            <a:spAutoFit/>
+          </a:bodyPr>
+          <a:lstStyle/>
+          <a:p>
+            <a:r>
+              <a:rPr lang="en-IE" sz="2000" b="1" dirty="0"/>
+              <a:t>One or more “return [expression];” in here</a:t>
+            </a:r>
+          </a:p>
+        </p:txBody>
+      </p:sp>
+      <p:cxnSp>
+        <p:nvCxnSpPr>
+          <p:cNvPr id="6" name="Straight Arrow Connector 5">
+            <a:extLst>
+              <a:ext uri="{FF2B5EF4-FFF2-40B4-BE49-F238E27FC236}">
+                <a16:creationId xmlns:a16="http://schemas.microsoft.com/office/drawing/2014/main" id="{3DA02EB7-9E89-4EA8-8ED7-F826616EC9F2}"/>
+              </a:ext>
+            </a:extLst>
+          </p:cNvPr>
+          <p:cNvCxnSpPr/>
+          <p:nvPr/>
+        </p:nvCxnSpPr>
+        <p:spPr>
+          <a:xfrm flipH="1">
+            <a:off x="5751443" y="5738191"/>
+            <a:ext cx="980661" cy="0"/>
+          </a:xfrm>
+          <a:prstGeom prst="straightConnector1">
+            <a:avLst/>
+          </a:prstGeom>
+          <a:ln w="38100">
+            <a:tailEnd type="triangle"/>
+          </a:ln>
+        </p:spPr>
+        <p:style>
+          <a:lnRef idx="1">
+            <a:schemeClr val="accent1"/>
+          </a:lnRef>
+          <a:fillRef idx="0">
+            <a:schemeClr val="accent1"/>
+          </a:fillRef>
+          <a:effectRef idx="0">
+            <a:schemeClr val="accent1"/>
+          </a:effectRef>
+          <a:fontRef idx="minor">
+            <a:schemeClr val="tx1"/>
+          </a:fontRef>
+        </p:style>
+      </p:cxnSp>
+    </p:spTree>
+    <p:extLst>
+      <p:ext uri="{BB962C8B-B14F-4D97-AF65-F5344CB8AC3E}">
+        <p14:creationId xmlns:p14="http://schemas.microsoft.com/office/powerpoint/2010/main" val="1910813650"/>
+      </p:ext>
+    </p:extLst>
+  </p:cSld>
+  <p:clrMapOvr>
+    <a:masterClrMapping/>
+  </p:clrMapOvr>
+</p:sld>
+</file>
+
+<file path=ppt/slides/slide46.xml><?xml version="1.0" encoding="utf-8"?>
+<p:sld xmlns:a="http://schemas.openxmlformats.org/drawingml/2006/main" xmlns:r="http://schemas.openxmlformats.org/officeDocument/2006/relationships" xmlns:p="http://schemas.openxmlformats.org/presentationml/2006/main">
+  <p:cSld>
+    <p:spTree>
+      <p:nvGrpSpPr>
+        <p:cNvPr id="1" name=""/>
+        <p:cNvGrpSpPr/>
+        <p:nvPr/>
+      </p:nvGrpSpPr>
+      <p:grpSpPr>
+        <a:xfrm>
+          <a:off x="0" y="0"/>
+          <a:ext cx="0" cy="0"/>
+          <a:chOff x="0" y="0"/>
+          <a:chExt cx="0" cy="0"/>
+        </a:xfrm>
+      </p:grpSpPr>
+      <p:sp>
+        <p:nvSpPr>
+          <p:cNvPr id="2" name="Title 1">
+            <a:extLst>
+              <a:ext uri="{FF2B5EF4-FFF2-40B4-BE49-F238E27FC236}">
+                <a16:creationId xmlns:a16="http://schemas.microsoft.com/office/drawing/2014/main" id="{F8B321D7-C404-4856-9E66-6CB7B12D6E75}"/>
+              </a:ext>
+            </a:extLst>
+          </p:cNvPr>
+          <p:cNvSpPr>
+            <a:spLocks noGrp="1"/>
+          </p:cNvSpPr>
+          <p:nvPr>
+            <p:ph type="title"/>
+          </p:nvPr>
+        </p:nvSpPr>
+        <p:spPr/>
+        <p:txBody>
+          <a:bodyPr/>
+          <a:lstStyle/>
+          <a:p>
+            <a:r>
+              <a:rPr lang="en-IE" dirty="0"/>
+              <a:t>VHDL: procedure, just a syntax</a:t>
+            </a:r>
+          </a:p>
+        </p:txBody>
+      </p:sp>
+      <p:sp>
+        <p:nvSpPr>
+          <p:cNvPr id="3" name="Content Placeholder 2">
+            <a:extLst>
+              <a:ext uri="{FF2B5EF4-FFF2-40B4-BE49-F238E27FC236}">
+                <a16:creationId xmlns:a16="http://schemas.microsoft.com/office/drawing/2014/main" id="{544723AD-F869-4BAE-A672-2A9BC1C48CDD}"/>
+              </a:ext>
+            </a:extLst>
+          </p:cNvPr>
+          <p:cNvSpPr>
+            <a:spLocks noGrp="1"/>
+          </p:cNvSpPr>
+          <p:nvPr>
+            <p:ph idx="1"/>
+          </p:nvPr>
+        </p:nvSpPr>
+        <p:spPr>
+          <a:xfrm>
+            <a:off x="838200" y="1825625"/>
+            <a:ext cx="10515600" cy="4787210"/>
+          </a:xfrm>
+        </p:spPr>
+        <p:txBody>
+          <a:bodyPr>
+            <a:normAutofit/>
+          </a:bodyPr>
+          <a:lstStyle/>
+          <a:p>
+            <a:pPr marL="0" indent="0">
+              <a:buNone/>
+            </a:pPr>
+            <a:r>
+              <a:rPr lang="en-IE" dirty="0"/>
+              <a:t>Declaration: </a:t>
+            </a:r>
+          </a:p>
+          <a:p>
+            <a:pPr marL="0" indent="0">
+              <a:buNone/>
+            </a:pPr>
+            <a:r>
+              <a:rPr lang="en-IE" b="1" dirty="0">
+                <a:latin typeface="Courier New" panose="02070309020205020404" pitchFamily="49" charset="0"/>
+                <a:cs typeface="Courier New" panose="02070309020205020404" pitchFamily="49" charset="0"/>
+              </a:rPr>
+              <a:t>procedure</a:t>
+            </a:r>
+            <a:r>
+              <a:rPr lang="en-IE" dirty="0">
+                <a:latin typeface="Courier New" panose="02070309020205020404" pitchFamily="49" charset="0"/>
+                <a:cs typeface="Courier New" panose="02070309020205020404" pitchFamily="49" charset="0"/>
+              </a:rPr>
+              <a:t> &lt;name&gt; [(&lt;parameters list&gt;)];</a:t>
+            </a:r>
+            <a:endParaRPr lang="en-IE" dirty="0"/>
+          </a:p>
+          <a:p>
+            <a:pPr marL="0" indent="0">
+              <a:buNone/>
+            </a:pPr>
+            <a:endParaRPr lang="en-IE" dirty="0"/>
+          </a:p>
+          <a:p>
+            <a:pPr marL="0" indent="0">
+              <a:buNone/>
+            </a:pPr>
+            <a:r>
+              <a:rPr lang="en-IE" dirty="0"/>
+              <a:t>Definition: </a:t>
+            </a:r>
+          </a:p>
+          <a:p>
+            <a:pPr marL="0" indent="0">
+              <a:buNone/>
+            </a:pPr>
+            <a:r>
+              <a:rPr lang="en-IE" b="1" dirty="0">
+                <a:latin typeface="Courier New" panose="02070309020205020404" pitchFamily="49" charset="0"/>
+                <a:cs typeface="Courier New" panose="02070309020205020404" pitchFamily="49" charset="0"/>
+              </a:rPr>
+              <a:t>procedure</a:t>
+            </a:r>
+            <a:r>
+              <a:rPr lang="en-IE" dirty="0">
+                <a:latin typeface="Courier New" panose="02070309020205020404" pitchFamily="49" charset="0"/>
+                <a:cs typeface="Courier New" panose="02070309020205020404" pitchFamily="49" charset="0"/>
+              </a:rPr>
+              <a:t> &lt;name&gt; [(&lt;parameters list&gt;)] </a:t>
+            </a:r>
+            <a:r>
+              <a:rPr lang="en-IE" b="1" dirty="0">
+                <a:latin typeface="Courier New" panose="02070309020205020404" pitchFamily="49" charset="0"/>
+                <a:cs typeface="Courier New" panose="02070309020205020404" pitchFamily="49" charset="0"/>
+              </a:rPr>
+              <a:t>is</a:t>
+            </a:r>
+          </a:p>
+          <a:p>
+            <a:pPr marL="0" indent="0">
+              <a:buNone/>
+            </a:pPr>
+            <a:r>
+              <a:rPr lang="en-IE" dirty="0">
+                <a:latin typeface="Courier New" panose="02070309020205020404" pitchFamily="49" charset="0"/>
+                <a:cs typeface="Courier New" panose="02070309020205020404" pitchFamily="49" charset="0"/>
+              </a:rPr>
+              <a:t>{&lt;declarative part&gt;}</a:t>
+            </a:r>
+          </a:p>
+          <a:p>
+            <a:pPr marL="0" indent="0">
+              <a:buNone/>
+            </a:pPr>
+            <a:r>
+              <a:rPr lang="en-IE" b="1" dirty="0">
+                <a:latin typeface="Courier New" panose="02070309020205020404" pitchFamily="49" charset="0"/>
+                <a:cs typeface="Courier New" panose="02070309020205020404" pitchFamily="49" charset="0"/>
+              </a:rPr>
+              <a:t>begin</a:t>
+            </a:r>
+          </a:p>
+          <a:p>
+            <a:pPr marL="0" indent="0">
+              <a:buNone/>
+            </a:pPr>
+            <a:r>
+              <a:rPr lang="en-IE" dirty="0">
+                <a:latin typeface="Courier New" panose="02070309020205020404" pitchFamily="49" charset="0"/>
+                <a:cs typeface="Courier New" panose="02070309020205020404" pitchFamily="49" charset="0"/>
+              </a:rPr>
+              <a:t>{&lt;sequential sentences&gt;}</a:t>
+            </a:r>
+          </a:p>
+          <a:p>
+            <a:pPr marL="0" indent="0">
+              <a:buNone/>
+            </a:pPr>
+            <a:r>
+              <a:rPr lang="en-IE" b="1" dirty="0">
+                <a:latin typeface="Courier New" panose="02070309020205020404" pitchFamily="49" charset="0"/>
+                <a:cs typeface="Courier New" panose="02070309020205020404" pitchFamily="49" charset="0"/>
+              </a:rPr>
+              <a:t>end</a:t>
+            </a:r>
+            <a:r>
+              <a:rPr lang="en-IE" dirty="0">
+                <a:latin typeface="Courier New" panose="02070309020205020404" pitchFamily="49" charset="0"/>
+                <a:cs typeface="Courier New" panose="02070309020205020404" pitchFamily="49" charset="0"/>
+              </a:rPr>
+              <a:t> [</a:t>
+            </a:r>
+            <a:r>
+              <a:rPr lang="en-IE" b="1" dirty="0">
+                <a:latin typeface="Courier New" panose="02070309020205020404" pitchFamily="49" charset="0"/>
+                <a:cs typeface="Courier New" panose="02070309020205020404" pitchFamily="49" charset="0"/>
+              </a:rPr>
+              <a:t>procedure</a:t>
+            </a:r>
+            <a:r>
+              <a:rPr lang="en-IE" dirty="0">
+                <a:latin typeface="Courier New" panose="02070309020205020404" pitchFamily="49" charset="0"/>
+                <a:cs typeface="Courier New" panose="02070309020205020404" pitchFamily="49" charset="0"/>
+              </a:rPr>
+              <a:t>] [&lt;name&gt;];</a:t>
+            </a:r>
+            <a:endParaRPr lang="en-IE" dirty="0"/>
+          </a:p>
+        </p:txBody>
+      </p:sp>
+    </p:spTree>
+    <p:extLst>
+      <p:ext uri="{BB962C8B-B14F-4D97-AF65-F5344CB8AC3E}">
+        <p14:creationId xmlns:p14="http://schemas.microsoft.com/office/powerpoint/2010/main" val="1217438487"/>
+      </p:ext>
+    </p:extLst>
+  </p:cSld>
+  <p:clrMapOvr>
+    <a:masterClrMapping/>
+  </p:clrMapOvr>
+</p:sld>
+</file>
+
+<file path=ppt/slides/slide47.xml><?xml version="1.0" encoding="utf-8"?>
+<p:sld xmlns:a="http://schemas.openxmlformats.org/drawingml/2006/main" xmlns:r="http://schemas.openxmlformats.org/officeDocument/2006/relationships" xmlns:p="http://schemas.openxmlformats.org/presentationml/2006/main">
+  <p:cSld>
+    <p:spTree>
+      <p:nvGrpSpPr>
+        <p:cNvPr id="1" name=""/>
+        <p:cNvGrpSpPr/>
+        <p:nvPr/>
+      </p:nvGrpSpPr>
+      <p:grpSpPr>
+        <a:xfrm>
+          <a:off x="0" y="0"/>
+          <a:ext cx="0" cy="0"/>
+          <a:chOff x="0" y="0"/>
+          <a:chExt cx="0" cy="0"/>
+        </a:xfrm>
+      </p:grpSpPr>
+      <p:sp>
+        <p:nvSpPr>
+          <p:cNvPr id="2" name="Title 1">
+            <a:extLst>
+              <a:ext uri="{FF2B5EF4-FFF2-40B4-BE49-F238E27FC236}">
+                <a16:creationId xmlns:a16="http://schemas.microsoft.com/office/drawing/2014/main" id="{1F5C86A5-5ABD-46C4-A17C-0BAF134B1699}"/>
+              </a:ext>
+            </a:extLst>
+          </p:cNvPr>
+          <p:cNvSpPr>
+            <a:spLocks noGrp="1"/>
+          </p:cNvSpPr>
+          <p:nvPr>
+            <p:ph type="title"/>
+          </p:nvPr>
+        </p:nvSpPr>
+        <p:spPr/>
+        <p:txBody>
+          <a:bodyPr/>
+          <a:lstStyle/>
+          <a:p>
+            <a:r>
+              <a:rPr lang="en-IE" dirty="0"/>
+              <a:t>FPGAs</a:t>
+            </a:r>
+          </a:p>
+        </p:txBody>
+      </p:sp>
+      <p:sp>
+        <p:nvSpPr>
+          <p:cNvPr id="3" name="Content Placeholder 2">
+            <a:extLst>
+              <a:ext uri="{FF2B5EF4-FFF2-40B4-BE49-F238E27FC236}">
+                <a16:creationId xmlns:a16="http://schemas.microsoft.com/office/drawing/2014/main" id="{C87347FD-D55D-438C-9C55-E34BC125B8F2}"/>
+              </a:ext>
+            </a:extLst>
+          </p:cNvPr>
+          <p:cNvSpPr>
+            <a:spLocks noGrp="1"/>
+          </p:cNvSpPr>
+          <p:nvPr>
+            <p:ph idx="1"/>
+          </p:nvPr>
+        </p:nvSpPr>
+        <p:spPr/>
+        <p:txBody>
+          <a:bodyPr/>
+          <a:lstStyle/>
+          <a:p>
+            <a:r>
+              <a:rPr lang="en-IE" dirty="0"/>
+              <a:t>First, let’s recall our state machines that we did already in the part 1</a:t>
+            </a:r>
+          </a:p>
+        </p:txBody>
+      </p:sp>
+    </p:spTree>
+    <p:extLst>
+      <p:ext uri="{BB962C8B-B14F-4D97-AF65-F5344CB8AC3E}">
+        <p14:creationId xmlns:p14="http://schemas.microsoft.com/office/powerpoint/2010/main" val="4154992821"/>
+      </p:ext>
+    </p:extLst>
+  </p:cSld>
+  <p:clrMapOvr>
+    <a:masterClrMapping/>
+  </p:clrMapOvr>
+</p:sld>
+</file>
+
+<file path=ppt/slides/slide48.xml><?xml version="1.0" encoding="utf-8"?>
+<p:sld xmlns:a="http://schemas.openxmlformats.org/drawingml/2006/main" xmlns:r="http://schemas.openxmlformats.org/officeDocument/2006/relationships" xmlns:p="http://schemas.openxmlformats.org/presentationml/2006/main">
+  <p:cSld>
+    <p:spTree>
+      <p:nvGrpSpPr>
+        <p:cNvPr id="1" name=""/>
+        <p:cNvGrpSpPr/>
+        <p:nvPr/>
+      </p:nvGrpSpPr>
+      <p:grpSpPr>
+        <a:xfrm>
+          <a:off x="0" y="0"/>
+          <a:ext cx="0" cy="0"/>
+          <a:chOff x="0" y="0"/>
+          <a:chExt cx="0" cy="0"/>
+        </a:xfrm>
+      </p:grpSpPr>
+      <p:sp>
+        <p:nvSpPr>
+          <p:cNvPr id="2" name="Title 1">
+            <a:extLst>
+              <a:ext uri="{FF2B5EF4-FFF2-40B4-BE49-F238E27FC236}">
+                <a16:creationId xmlns:a16="http://schemas.microsoft.com/office/drawing/2014/main" id="{1F5C86A5-5ABD-46C4-A17C-0BAF134B1699}"/>
+              </a:ext>
+            </a:extLst>
+          </p:cNvPr>
+          <p:cNvSpPr>
+            <a:spLocks noGrp="1"/>
+          </p:cNvSpPr>
+          <p:nvPr>
+            <p:ph type="title"/>
+          </p:nvPr>
+        </p:nvSpPr>
+        <p:spPr/>
+        <p:txBody>
+          <a:bodyPr/>
+          <a:lstStyle/>
+          <a:p>
+            <a:r>
+              <a:rPr lang="en-IE" dirty="0"/>
+              <a:t>FPGAs</a:t>
+            </a:r>
+          </a:p>
+        </p:txBody>
+      </p:sp>
+      <p:sp>
+        <p:nvSpPr>
+          <p:cNvPr id="3" name="Content Placeholder 2">
+            <a:extLst>
+              <a:ext uri="{FF2B5EF4-FFF2-40B4-BE49-F238E27FC236}">
+                <a16:creationId xmlns:a16="http://schemas.microsoft.com/office/drawing/2014/main" id="{C87347FD-D55D-438C-9C55-E34BC125B8F2}"/>
+              </a:ext>
+            </a:extLst>
+          </p:cNvPr>
+          <p:cNvSpPr>
+            <a:spLocks noGrp="1"/>
+          </p:cNvSpPr>
+          <p:nvPr>
+            <p:ph idx="1"/>
+          </p:nvPr>
+        </p:nvSpPr>
+        <p:spPr>
+          <a:xfrm>
+            <a:off x="838200" y="1414808"/>
+            <a:ext cx="10515600" cy="4351338"/>
+          </a:xfrm>
+        </p:spPr>
+        <p:txBody>
+          <a:bodyPr/>
+          <a:lstStyle/>
+          <a:p>
+            <a:r>
+              <a:rPr lang="en-IE" dirty="0"/>
+              <a:t>Sequence 111 detection:</a:t>
+            </a:r>
+          </a:p>
+        </p:txBody>
+      </p:sp>
+      <p:pic>
+        <p:nvPicPr>
+          <p:cNvPr id="4" name="Picture 3">
+            <a:extLst>
+              <a:ext uri="{FF2B5EF4-FFF2-40B4-BE49-F238E27FC236}">
+                <a16:creationId xmlns:a16="http://schemas.microsoft.com/office/drawing/2014/main" id="{C6877AC9-2929-4986-AA65-55BD500523A0}"/>
+              </a:ext>
+            </a:extLst>
+          </p:cNvPr>
+          <p:cNvPicPr>
+            <a:picLocks noChangeAspect="1"/>
+          </p:cNvPicPr>
+          <p:nvPr/>
+        </p:nvPicPr>
+        <p:blipFill>
+          <a:blip r:embed="rId2"/>
+          <a:stretch>
+            <a:fillRect/>
+          </a:stretch>
+        </p:blipFill>
+        <p:spPr>
+          <a:xfrm>
+            <a:off x="2384869" y="2066895"/>
+            <a:ext cx="8871373" cy="4425980"/>
+          </a:xfrm>
+          <a:prstGeom prst="rect">
+            <a:avLst/>
+          </a:prstGeom>
+        </p:spPr>
+      </p:pic>
+    </p:spTree>
+    <p:extLst>
+      <p:ext uri="{BB962C8B-B14F-4D97-AF65-F5344CB8AC3E}">
+        <p14:creationId xmlns:p14="http://schemas.microsoft.com/office/powerpoint/2010/main" val="1842760542"/>
+      </p:ext>
+    </p:extLst>
+  </p:cSld>
+  <p:clrMapOvr>
+    <a:masterClrMapping/>
+  </p:clrMapOvr>
+</p:sld>
+</file>
+
+<file path=ppt/slides/slide49.xml><?xml version="1.0" encoding="utf-8"?>
+<p:sld xmlns:a="http://schemas.openxmlformats.org/drawingml/2006/main" xmlns:r="http://schemas.openxmlformats.org/officeDocument/2006/relationships" xmlns:p="http://schemas.openxmlformats.org/presentationml/2006/main">
+  <p:cSld>
+    <p:spTree>
+      <p:nvGrpSpPr>
+        <p:cNvPr id="1" name=""/>
+        <p:cNvGrpSpPr/>
+        <p:nvPr/>
+      </p:nvGrpSpPr>
+      <p:grpSpPr>
+        <a:xfrm>
+          <a:off x="0" y="0"/>
+          <a:ext cx="0" cy="0"/>
+          <a:chOff x="0" y="0"/>
+          <a:chExt cx="0" cy="0"/>
+        </a:xfrm>
+      </p:grpSpPr>
+      <p:sp>
+        <p:nvSpPr>
+          <p:cNvPr id="2" name="Title 1">
+            <a:extLst>
+              <a:ext uri="{FF2B5EF4-FFF2-40B4-BE49-F238E27FC236}">
+                <a16:creationId xmlns:a16="http://schemas.microsoft.com/office/drawing/2014/main" id="{1F5C86A5-5ABD-46C4-A17C-0BAF134B1699}"/>
+              </a:ext>
+            </a:extLst>
+          </p:cNvPr>
+          <p:cNvSpPr>
+            <a:spLocks noGrp="1"/>
+          </p:cNvSpPr>
+          <p:nvPr>
+            <p:ph type="title"/>
+          </p:nvPr>
+        </p:nvSpPr>
+        <p:spPr/>
+        <p:txBody>
+          <a:bodyPr/>
+          <a:lstStyle/>
+          <a:p>
+            <a:r>
+              <a:rPr lang="en-IE" dirty="0"/>
+              <a:t>FPGAs</a:t>
+            </a:r>
+          </a:p>
+        </p:txBody>
+      </p:sp>
+      <p:sp>
+        <p:nvSpPr>
+          <p:cNvPr id="3" name="Content Placeholder 2">
+            <a:extLst>
+              <a:ext uri="{FF2B5EF4-FFF2-40B4-BE49-F238E27FC236}">
+                <a16:creationId xmlns:a16="http://schemas.microsoft.com/office/drawing/2014/main" id="{C87347FD-D55D-438C-9C55-E34BC125B8F2}"/>
+              </a:ext>
+            </a:extLst>
+          </p:cNvPr>
+          <p:cNvSpPr>
+            <a:spLocks noGrp="1"/>
+          </p:cNvSpPr>
+          <p:nvPr>
+            <p:ph idx="1"/>
+          </p:nvPr>
+        </p:nvSpPr>
+        <p:spPr>
+          <a:xfrm>
+            <a:off x="838200" y="1414808"/>
+            <a:ext cx="10515600" cy="4351338"/>
+          </a:xfrm>
+        </p:spPr>
+        <p:txBody>
+          <a:bodyPr/>
+          <a:lstStyle/>
+          <a:p>
+            <a:r>
+              <a:rPr lang="en-IE" dirty="0"/>
+              <a:t>Sync counter: </a:t>
+            </a:r>
+          </a:p>
+        </p:txBody>
+      </p:sp>
+      <p:pic>
+        <p:nvPicPr>
+          <p:cNvPr id="5" name="Picture 4">
+            <a:extLst>
+              <a:ext uri="{FF2B5EF4-FFF2-40B4-BE49-F238E27FC236}">
+                <a16:creationId xmlns:a16="http://schemas.microsoft.com/office/drawing/2014/main" id="{94184DFC-1638-4330-A5AF-445625038A26}"/>
+              </a:ext>
+            </a:extLst>
+          </p:cNvPr>
+          <p:cNvPicPr>
+            <a:picLocks noChangeAspect="1"/>
+          </p:cNvPicPr>
+          <p:nvPr/>
+        </p:nvPicPr>
+        <p:blipFill>
+          <a:blip r:embed="rId2">
+            <a:extLst>
+              <a:ext uri="{28A0092B-C50C-407E-A947-70E740481C1C}">
+                <a14:useLocalDpi xmlns:a14="http://schemas.microsoft.com/office/drawing/2010/main" val="0"/>
+              </a:ext>
+            </a:extLst>
+          </a:blip>
+          <a:stretch>
+            <a:fillRect/>
+          </a:stretch>
+        </p:blipFill>
+        <p:spPr>
+          <a:xfrm>
+            <a:off x="622673" y="2649100"/>
+            <a:ext cx="10670105" cy="3578164"/>
+          </a:xfrm>
+          <a:prstGeom prst="rect">
+            <a:avLst/>
+          </a:prstGeom>
+        </p:spPr>
+      </p:pic>
+    </p:spTree>
+    <p:extLst>
+      <p:ext uri="{BB962C8B-B14F-4D97-AF65-F5344CB8AC3E}">
+        <p14:creationId xmlns:p14="http://schemas.microsoft.com/office/powerpoint/2010/main" val="2819733360"/>
+      </p:ext>
+    </p:extLst>
+  </p:cSld>
+  <p:clrMapOvr>
+    <a:masterClrMapping/>
+  </p:clrMapOvr>
+  <p:timing>
+    <p:tnLst>
+      <p:par>
+        <p:cTn id="1" dur="indefinite" restart="never" nodeType="tmRoot">
+          <p:childTnLst>
+            <p:seq concurrent="1" nextAc="seek">
+              <p:cTn id="2" dur="indefinite" nodeType="mainSeq">
+                <p:childTnLst>
+                  <p:par>
+                    <p:cTn id="3" fill="hold">
+                      <p:stCondLst>
+                        <p:cond delay="indefinite"/>
+                      </p:stCondLst>
+                      <p:childTnLst>
+                        <p:par>
+                          <p:cTn id="4" fill="hold">
+                            <p:stCondLst>
+                              <p:cond delay="0"/>
+                            </p:stCondLst>
+                            <p:childTnLst>
+                              <p:par>
+                                <p:cTn id="5" presetID="1" presetClass="entr" presetSubtype="0" fill="hold" nodeType="clickEffect">
+                                  <p:stCondLst>
+                                    <p:cond delay="0"/>
+                                  </p:stCondLst>
+                                  <p:childTnLst>
+                                    <p:set>
+                                      <p:cBhvr>
+                                        <p:cTn id="6" dur="1" fill="hold">
+                                          <p:stCondLst>
+                                            <p:cond delay="0"/>
+                                          </p:stCondLst>
+                                        </p:cTn>
+                                        <p:tgtEl>
+                                          <p:spTgt spid="5"/>
+                                        </p:tgtEl>
+                                        <p:attrNameLst>
+                                          <p:attrName>style.visibility</p:attrName>
+                                        </p:attrNameLst>
+                                      </p:cBhvr>
+                                      <p:to>
+                                        <p:strVal val="visible"/>
+                                      </p:to>
+                                    </p:set>
+                                  </p:childTnLst>
+                                </p:cTn>
+                              </p:par>
+                            </p:childTnLst>
+                          </p:cTn>
+                        </p:par>
+                      </p:childTnLst>
+                    </p:cTn>
+                  </p:par>
+                </p:childTnLst>
+              </p:cTn>
+              <p:prevCondLst>
+                <p:cond evt="onPrev" delay="0">
+                  <p:tgtEl>
+                    <p:sldTgt/>
+                  </p:tgtEl>
+                </p:cond>
+              </p:prevCondLst>
+              <p:nextCondLst>
+                <p:cond evt="onNext" delay="0">
+                  <p:tgtEl>
+                    <p:sldTgt/>
+                  </p:tgtEl>
+                </p:cond>
+              </p:nextCondLst>
+            </p:seq>
+          </p:childTnLst>
+        </p:cTn>
+      </p:par>
+    </p:tnLst>
+  </p:timing>
 </p:sld>
 </file>
 
@@ -13236,6 +15305,884 @@
     <p:extLst>
       <p:ext uri="{BB962C8B-B14F-4D97-AF65-F5344CB8AC3E}">
         <p14:creationId xmlns:p14="http://schemas.microsoft.com/office/powerpoint/2010/main" val="3594918505"/>
+      </p:ext>
+    </p:extLst>
+  </p:cSld>
+  <p:clrMapOvr>
+    <a:masterClrMapping/>
+  </p:clrMapOvr>
+</p:sld>
+</file>
+
+<file path=ppt/slides/slide50.xml><?xml version="1.0" encoding="utf-8"?>
+<p:sld xmlns:a="http://schemas.openxmlformats.org/drawingml/2006/main" xmlns:r="http://schemas.openxmlformats.org/officeDocument/2006/relationships" xmlns:p="http://schemas.openxmlformats.org/presentationml/2006/main">
+  <p:cSld>
+    <p:spTree>
+      <p:nvGrpSpPr>
+        <p:cNvPr id="1" name=""/>
+        <p:cNvGrpSpPr/>
+        <p:nvPr/>
+      </p:nvGrpSpPr>
+      <p:grpSpPr>
+        <a:xfrm>
+          <a:off x="0" y="0"/>
+          <a:ext cx="0" cy="0"/>
+          <a:chOff x="0" y="0"/>
+          <a:chExt cx="0" cy="0"/>
+        </a:xfrm>
+      </p:grpSpPr>
+      <p:pic>
+        <p:nvPicPr>
+          <p:cNvPr id="6" name="Picture 5">
+            <a:extLst>
+              <a:ext uri="{FF2B5EF4-FFF2-40B4-BE49-F238E27FC236}">
+                <a16:creationId xmlns:a16="http://schemas.microsoft.com/office/drawing/2014/main" id="{6A1DC37D-0CC2-4D86-9E2A-7450F7371EE8}"/>
+              </a:ext>
+            </a:extLst>
+          </p:cNvPr>
+          <p:cNvPicPr>
+            <a:picLocks noChangeAspect="1"/>
+          </p:cNvPicPr>
+          <p:nvPr/>
+        </p:nvPicPr>
+        <p:blipFill>
+          <a:blip r:embed="rId2"/>
+          <a:stretch>
+            <a:fillRect/>
+          </a:stretch>
+        </p:blipFill>
+        <p:spPr>
+          <a:xfrm>
+            <a:off x="1897654" y="1716970"/>
+            <a:ext cx="8396692" cy="5141030"/>
+          </a:xfrm>
+          <a:prstGeom prst="rect">
+            <a:avLst/>
+          </a:prstGeom>
+        </p:spPr>
+      </p:pic>
+      <p:sp>
+        <p:nvSpPr>
+          <p:cNvPr id="2" name="Title 1">
+            <a:extLst>
+              <a:ext uri="{FF2B5EF4-FFF2-40B4-BE49-F238E27FC236}">
+                <a16:creationId xmlns:a16="http://schemas.microsoft.com/office/drawing/2014/main" id="{1F5C86A5-5ABD-46C4-A17C-0BAF134B1699}"/>
+              </a:ext>
+            </a:extLst>
+          </p:cNvPr>
+          <p:cNvSpPr>
+            <a:spLocks noGrp="1"/>
+          </p:cNvSpPr>
+          <p:nvPr>
+            <p:ph type="title"/>
+          </p:nvPr>
+        </p:nvSpPr>
+        <p:spPr/>
+        <p:txBody>
+          <a:bodyPr/>
+          <a:lstStyle/>
+          <a:p>
+            <a:r>
+              <a:rPr lang="en-IE" dirty="0"/>
+              <a:t>FPGAs</a:t>
+            </a:r>
+          </a:p>
+        </p:txBody>
+      </p:sp>
+      <p:sp>
+        <p:nvSpPr>
+          <p:cNvPr id="3" name="Content Placeholder 2">
+            <a:extLst>
+              <a:ext uri="{FF2B5EF4-FFF2-40B4-BE49-F238E27FC236}">
+                <a16:creationId xmlns:a16="http://schemas.microsoft.com/office/drawing/2014/main" id="{C87347FD-D55D-438C-9C55-E34BC125B8F2}"/>
+              </a:ext>
+            </a:extLst>
+          </p:cNvPr>
+          <p:cNvSpPr>
+            <a:spLocks noGrp="1"/>
+          </p:cNvSpPr>
+          <p:nvPr>
+            <p:ph idx="1"/>
+          </p:nvPr>
+        </p:nvSpPr>
+        <p:spPr>
+          <a:xfrm>
+            <a:off x="838200" y="1414808"/>
+            <a:ext cx="10515600" cy="4351338"/>
+          </a:xfrm>
+        </p:spPr>
+        <p:txBody>
+          <a:bodyPr/>
+          <a:lstStyle/>
+          <a:p>
+            <a:r>
+              <a:rPr lang="en-IE" dirty="0"/>
+              <a:t>Ethernet preamble detection</a:t>
+            </a:r>
+          </a:p>
+        </p:txBody>
+      </p:sp>
+    </p:spTree>
+    <p:extLst>
+      <p:ext uri="{BB962C8B-B14F-4D97-AF65-F5344CB8AC3E}">
+        <p14:creationId xmlns:p14="http://schemas.microsoft.com/office/powerpoint/2010/main" val="1688929206"/>
+      </p:ext>
+    </p:extLst>
+  </p:cSld>
+  <p:clrMapOvr>
+    <a:masterClrMapping/>
+  </p:clrMapOvr>
+</p:sld>
+</file>
+
+<file path=ppt/slides/slide51.xml><?xml version="1.0" encoding="utf-8"?>
+<p:sld xmlns:a="http://schemas.openxmlformats.org/drawingml/2006/main" xmlns:r="http://schemas.openxmlformats.org/officeDocument/2006/relationships" xmlns:p="http://schemas.openxmlformats.org/presentationml/2006/main">
+  <p:cSld>
+    <p:spTree>
+      <p:nvGrpSpPr>
+        <p:cNvPr id="1" name=""/>
+        <p:cNvGrpSpPr/>
+        <p:nvPr/>
+      </p:nvGrpSpPr>
+      <p:grpSpPr>
+        <a:xfrm>
+          <a:off x="0" y="0"/>
+          <a:ext cx="0" cy="0"/>
+          <a:chOff x="0" y="0"/>
+          <a:chExt cx="0" cy="0"/>
+        </a:xfrm>
+      </p:grpSpPr>
+      <p:sp>
+        <p:nvSpPr>
+          <p:cNvPr id="2" name="Title 1">
+            <a:extLst>
+              <a:ext uri="{FF2B5EF4-FFF2-40B4-BE49-F238E27FC236}">
+                <a16:creationId xmlns:a16="http://schemas.microsoft.com/office/drawing/2014/main" id="{AC8776BD-316E-4360-B6AB-29DE0C6FDBCA}"/>
+              </a:ext>
+            </a:extLst>
+          </p:cNvPr>
+          <p:cNvSpPr>
+            <a:spLocks noGrp="1"/>
+          </p:cNvSpPr>
+          <p:nvPr>
+            <p:ph type="title"/>
+          </p:nvPr>
+        </p:nvSpPr>
+        <p:spPr/>
+        <p:txBody>
+          <a:bodyPr/>
+          <a:lstStyle/>
+          <a:p>
+            <a:r>
+              <a:rPr lang="en-IE" dirty="0"/>
+              <a:t>FPGA</a:t>
+            </a:r>
+          </a:p>
+        </p:txBody>
+      </p:sp>
+      <p:sp>
+        <p:nvSpPr>
+          <p:cNvPr id="3" name="Content Placeholder 2">
+            <a:extLst>
+              <a:ext uri="{FF2B5EF4-FFF2-40B4-BE49-F238E27FC236}">
+                <a16:creationId xmlns:a16="http://schemas.microsoft.com/office/drawing/2014/main" id="{7BCC32A1-D1DA-4395-B8BE-AF22534FE3EA}"/>
+              </a:ext>
+            </a:extLst>
+          </p:cNvPr>
+          <p:cNvSpPr>
+            <a:spLocks noGrp="1"/>
+          </p:cNvSpPr>
+          <p:nvPr>
+            <p:ph idx="1"/>
+          </p:nvPr>
+        </p:nvSpPr>
+        <p:spPr/>
+        <p:txBody>
+          <a:bodyPr/>
+          <a:lstStyle/>
+          <a:p>
+            <a:r>
+              <a:rPr lang="en-IE" dirty="0"/>
+              <a:t>Notice a pattern in all our state machines: </a:t>
+            </a:r>
+          </a:p>
+          <a:p>
+            <a:r>
+              <a:rPr lang="en-IE" dirty="0"/>
+              <a:t>In consists of flip-flops paired with some combinatory circuit that defines the next state of the flip flop</a:t>
+            </a:r>
+          </a:p>
+          <a:p>
+            <a:r>
+              <a:rPr lang="en-IE" dirty="0"/>
+              <a:t>Inputs into the combinatory circuit could be either current circuit’s input or the current value of the circuit flipflop(s) or both. </a:t>
+            </a:r>
+          </a:p>
+          <a:p>
+            <a:r>
+              <a:rPr lang="en-IE" dirty="0"/>
+              <a:t>If we denote our combinatory circuits as black boxes, we can draw these state machines as (next slides): </a:t>
+            </a:r>
+          </a:p>
+        </p:txBody>
+      </p:sp>
+    </p:spTree>
+    <p:extLst>
+      <p:ext uri="{BB962C8B-B14F-4D97-AF65-F5344CB8AC3E}">
+        <p14:creationId xmlns:p14="http://schemas.microsoft.com/office/powerpoint/2010/main" val="3169803207"/>
+      </p:ext>
+    </p:extLst>
+  </p:cSld>
+  <p:clrMapOvr>
+    <a:masterClrMapping/>
+  </p:clrMapOvr>
+</p:sld>
+</file>
+
+<file path=ppt/slides/slide52.xml><?xml version="1.0" encoding="utf-8"?>
+<p:sld xmlns:a="http://schemas.openxmlformats.org/drawingml/2006/main" xmlns:r="http://schemas.openxmlformats.org/officeDocument/2006/relationships" xmlns:p="http://schemas.openxmlformats.org/presentationml/2006/main">
+  <p:cSld>
+    <p:spTree>
+      <p:nvGrpSpPr>
+        <p:cNvPr id="1" name=""/>
+        <p:cNvGrpSpPr/>
+        <p:nvPr/>
+      </p:nvGrpSpPr>
+      <p:grpSpPr>
+        <a:xfrm>
+          <a:off x="0" y="0"/>
+          <a:ext cx="0" cy="0"/>
+          <a:chOff x="0" y="0"/>
+          <a:chExt cx="0" cy="0"/>
+        </a:xfrm>
+      </p:grpSpPr>
+      <p:sp>
+        <p:nvSpPr>
+          <p:cNvPr id="2" name="Title 1">
+            <a:extLst>
+              <a:ext uri="{FF2B5EF4-FFF2-40B4-BE49-F238E27FC236}">
+                <a16:creationId xmlns:a16="http://schemas.microsoft.com/office/drawing/2014/main" id="{1F5C86A5-5ABD-46C4-A17C-0BAF134B1699}"/>
+              </a:ext>
+            </a:extLst>
+          </p:cNvPr>
+          <p:cNvSpPr>
+            <a:spLocks noGrp="1"/>
+          </p:cNvSpPr>
+          <p:nvPr>
+            <p:ph type="title"/>
+          </p:nvPr>
+        </p:nvSpPr>
+        <p:spPr/>
+        <p:txBody>
+          <a:bodyPr/>
+          <a:lstStyle/>
+          <a:p>
+            <a:r>
+              <a:rPr lang="en-IE" dirty="0"/>
+              <a:t>FPGAs</a:t>
+            </a:r>
+          </a:p>
+        </p:txBody>
+      </p:sp>
+      <p:sp>
+        <p:nvSpPr>
+          <p:cNvPr id="3" name="Content Placeholder 2">
+            <a:extLst>
+              <a:ext uri="{FF2B5EF4-FFF2-40B4-BE49-F238E27FC236}">
+                <a16:creationId xmlns:a16="http://schemas.microsoft.com/office/drawing/2014/main" id="{C87347FD-D55D-438C-9C55-E34BC125B8F2}"/>
+              </a:ext>
+            </a:extLst>
+          </p:cNvPr>
+          <p:cNvSpPr>
+            <a:spLocks noGrp="1"/>
+          </p:cNvSpPr>
+          <p:nvPr>
+            <p:ph idx="1"/>
+          </p:nvPr>
+        </p:nvSpPr>
+        <p:spPr>
+          <a:xfrm>
+            <a:off x="838200" y="1414808"/>
+            <a:ext cx="10515600" cy="4351338"/>
+          </a:xfrm>
+        </p:spPr>
+        <p:txBody>
+          <a:bodyPr/>
+          <a:lstStyle/>
+          <a:p>
+            <a:r>
+              <a:rPr lang="en-IE" dirty="0"/>
+              <a:t>Sequence 111 detection:</a:t>
+            </a:r>
+          </a:p>
+        </p:txBody>
+      </p:sp>
+      <p:sp>
+        <p:nvSpPr>
+          <p:cNvPr id="5" name="TextBox 4">
+            <a:extLst>
+              <a:ext uri="{FF2B5EF4-FFF2-40B4-BE49-F238E27FC236}">
+                <a16:creationId xmlns:a16="http://schemas.microsoft.com/office/drawing/2014/main" id="{8F104885-7AE9-4758-98AD-D29DBDC0217D}"/>
+              </a:ext>
+            </a:extLst>
+          </p:cNvPr>
+          <p:cNvSpPr txBox="1"/>
+          <p:nvPr/>
+        </p:nvSpPr>
+        <p:spPr>
+          <a:xfrm>
+            <a:off x="1722782" y="2093844"/>
+            <a:ext cx="7697364" cy="3770263"/>
+          </a:xfrm>
+          <a:prstGeom prst="rect">
+            <a:avLst/>
+          </a:prstGeom>
+          <a:noFill/>
+        </p:spPr>
+        <p:txBody>
+          <a:bodyPr wrap="none" rtlCol="0">
+            <a:spAutoFit/>
+          </a:bodyPr>
+          <a:lstStyle/>
+          <a:p>
+            <a:r>
+              <a:rPr lang="en-IE" sz="23900" b="1" dirty="0">
+                <a:solidFill>
+                  <a:srgbClr val="FF0000"/>
+                </a:solidFill>
+              </a:rPr>
+              <a:t>TODO</a:t>
+            </a:r>
+          </a:p>
+        </p:txBody>
+      </p:sp>
+    </p:spTree>
+    <p:extLst>
+      <p:ext uri="{BB962C8B-B14F-4D97-AF65-F5344CB8AC3E}">
+        <p14:creationId xmlns:p14="http://schemas.microsoft.com/office/powerpoint/2010/main" val="1684441545"/>
+      </p:ext>
+    </p:extLst>
+  </p:cSld>
+  <p:clrMapOvr>
+    <a:masterClrMapping/>
+  </p:clrMapOvr>
+</p:sld>
+</file>
+
+<file path=ppt/slides/slide53.xml><?xml version="1.0" encoding="utf-8"?>
+<p:sld xmlns:a="http://schemas.openxmlformats.org/drawingml/2006/main" xmlns:r="http://schemas.openxmlformats.org/officeDocument/2006/relationships" xmlns:p="http://schemas.openxmlformats.org/presentationml/2006/main">
+  <p:cSld>
+    <p:spTree>
+      <p:nvGrpSpPr>
+        <p:cNvPr id="1" name=""/>
+        <p:cNvGrpSpPr/>
+        <p:nvPr/>
+      </p:nvGrpSpPr>
+      <p:grpSpPr>
+        <a:xfrm>
+          <a:off x="0" y="0"/>
+          <a:ext cx="0" cy="0"/>
+          <a:chOff x="0" y="0"/>
+          <a:chExt cx="0" cy="0"/>
+        </a:xfrm>
+      </p:grpSpPr>
+      <p:sp>
+        <p:nvSpPr>
+          <p:cNvPr id="2" name="Title 1">
+            <a:extLst>
+              <a:ext uri="{FF2B5EF4-FFF2-40B4-BE49-F238E27FC236}">
+                <a16:creationId xmlns:a16="http://schemas.microsoft.com/office/drawing/2014/main" id="{1F5C86A5-5ABD-46C4-A17C-0BAF134B1699}"/>
+              </a:ext>
+            </a:extLst>
+          </p:cNvPr>
+          <p:cNvSpPr>
+            <a:spLocks noGrp="1"/>
+          </p:cNvSpPr>
+          <p:nvPr>
+            <p:ph type="title"/>
+          </p:nvPr>
+        </p:nvSpPr>
+        <p:spPr/>
+        <p:txBody>
+          <a:bodyPr/>
+          <a:lstStyle/>
+          <a:p>
+            <a:r>
+              <a:rPr lang="en-IE" dirty="0"/>
+              <a:t>FPGAs</a:t>
+            </a:r>
+          </a:p>
+        </p:txBody>
+      </p:sp>
+      <p:sp>
+        <p:nvSpPr>
+          <p:cNvPr id="3" name="Content Placeholder 2">
+            <a:extLst>
+              <a:ext uri="{FF2B5EF4-FFF2-40B4-BE49-F238E27FC236}">
+                <a16:creationId xmlns:a16="http://schemas.microsoft.com/office/drawing/2014/main" id="{C87347FD-D55D-438C-9C55-E34BC125B8F2}"/>
+              </a:ext>
+            </a:extLst>
+          </p:cNvPr>
+          <p:cNvSpPr>
+            <a:spLocks noGrp="1"/>
+          </p:cNvSpPr>
+          <p:nvPr>
+            <p:ph idx="1"/>
+          </p:nvPr>
+        </p:nvSpPr>
+        <p:spPr>
+          <a:xfrm>
+            <a:off x="838200" y="1414808"/>
+            <a:ext cx="10515600" cy="4351338"/>
+          </a:xfrm>
+        </p:spPr>
+        <p:txBody>
+          <a:bodyPr/>
+          <a:lstStyle/>
+          <a:p>
+            <a:r>
+              <a:rPr lang="en-IE" dirty="0"/>
+              <a:t>Sync counter: </a:t>
+            </a:r>
+          </a:p>
+        </p:txBody>
+      </p:sp>
+      <p:sp>
+        <p:nvSpPr>
+          <p:cNvPr id="6" name="TextBox 5">
+            <a:extLst>
+              <a:ext uri="{FF2B5EF4-FFF2-40B4-BE49-F238E27FC236}">
+                <a16:creationId xmlns:a16="http://schemas.microsoft.com/office/drawing/2014/main" id="{E0B06561-0B19-4DA7-86F2-3E3BF6C8A3E1}"/>
+              </a:ext>
+            </a:extLst>
+          </p:cNvPr>
+          <p:cNvSpPr txBox="1"/>
+          <p:nvPr/>
+        </p:nvSpPr>
+        <p:spPr>
+          <a:xfrm>
+            <a:off x="1722782" y="2093844"/>
+            <a:ext cx="7697364" cy="3770263"/>
+          </a:xfrm>
+          <a:prstGeom prst="rect">
+            <a:avLst/>
+          </a:prstGeom>
+          <a:noFill/>
+        </p:spPr>
+        <p:txBody>
+          <a:bodyPr wrap="none" rtlCol="0">
+            <a:spAutoFit/>
+          </a:bodyPr>
+          <a:lstStyle/>
+          <a:p>
+            <a:r>
+              <a:rPr lang="en-IE" sz="23900" b="1" dirty="0">
+                <a:solidFill>
+                  <a:srgbClr val="FF0000"/>
+                </a:solidFill>
+              </a:rPr>
+              <a:t>TODO</a:t>
+            </a:r>
+          </a:p>
+        </p:txBody>
+      </p:sp>
+    </p:spTree>
+    <p:extLst>
+      <p:ext uri="{BB962C8B-B14F-4D97-AF65-F5344CB8AC3E}">
+        <p14:creationId xmlns:p14="http://schemas.microsoft.com/office/powerpoint/2010/main" val="2400846880"/>
+      </p:ext>
+    </p:extLst>
+  </p:cSld>
+  <p:clrMapOvr>
+    <a:masterClrMapping/>
+  </p:clrMapOvr>
+</p:sld>
+</file>
+
+<file path=ppt/slides/slide54.xml><?xml version="1.0" encoding="utf-8"?>
+<p:sld xmlns:a="http://schemas.openxmlformats.org/drawingml/2006/main" xmlns:r="http://schemas.openxmlformats.org/officeDocument/2006/relationships" xmlns:p="http://schemas.openxmlformats.org/presentationml/2006/main">
+  <p:cSld>
+    <p:spTree>
+      <p:nvGrpSpPr>
+        <p:cNvPr id="1" name=""/>
+        <p:cNvGrpSpPr/>
+        <p:nvPr/>
+      </p:nvGrpSpPr>
+      <p:grpSpPr>
+        <a:xfrm>
+          <a:off x="0" y="0"/>
+          <a:ext cx="0" cy="0"/>
+          <a:chOff x="0" y="0"/>
+          <a:chExt cx="0" cy="0"/>
+        </a:xfrm>
+      </p:grpSpPr>
+      <p:sp>
+        <p:nvSpPr>
+          <p:cNvPr id="2" name="Title 1">
+            <a:extLst>
+              <a:ext uri="{FF2B5EF4-FFF2-40B4-BE49-F238E27FC236}">
+                <a16:creationId xmlns:a16="http://schemas.microsoft.com/office/drawing/2014/main" id="{1F5C86A5-5ABD-46C4-A17C-0BAF134B1699}"/>
+              </a:ext>
+            </a:extLst>
+          </p:cNvPr>
+          <p:cNvSpPr>
+            <a:spLocks noGrp="1"/>
+          </p:cNvSpPr>
+          <p:nvPr>
+            <p:ph type="title"/>
+          </p:nvPr>
+        </p:nvSpPr>
+        <p:spPr/>
+        <p:txBody>
+          <a:bodyPr/>
+          <a:lstStyle/>
+          <a:p>
+            <a:r>
+              <a:rPr lang="en-IE" dirty="0"/>
+              <a:t>FPGAs</a:t>
+            </a:r>
+          </a:p>
+        </p:txBody>
+      </p:sp>
+      <p:sp>
+        <p:nvSpPr>
+          <p:cNvPr id="3" name="Content Placeholder 2">
+            <a:extLst>
+              <a:ext uri="{FF2B5EF4-FFF2-40B4-BE49-F238E27FC236}">
+                <a16:creationId xmlns:a16="http://schemas.microsoft.com/office/drawing/2014/main" id="{C87347FD-D55D-438C-9C55-E34BC125B8F2}"/>
+              </a:ext>
+            </a:extLst>
+          </p:cNvPr>
+          <p:cNvSpPr>
+            <a:spLocks noGrp="1"/>
+          </p:cNvSpPr>
+          <p:nvPr>
+            <p:ph idx="1"/>
+          </p:nvPr>
+        </p:nvSpPr>
+        <p:spPr>
+          <a:xfrm>
+            <a:off x="838200" y="1414808"/>
+            <a:ext cx="10515600" cy="4351338"/>
+          </a:xfrm>
+        </p:spPr>
+        <p:txBody>
+          <a:bodyPr/>
+          <a:lstStyle/>
+          <a:p>
+            <a:r>
+              <a:rPr lang="en-IE" dirty="0"/>
+              <a:t>Ethernet preamble detection</a:t>
+            </a:r>
+          </a:p>
+        </p:txBody>
+      </p:sp>
+      <p:sp>
+        <p:nvSpPr>
+          <p:cNvPr id="5" name="TextBox 4">
+            <a:extLst>
+              <a:ext uri="{FF2B5EF4-FFF2-40B4-BE49-F238E27FC236}">
+                <a16:creationId xmlns:a16="http://schemas.microsoft.com/office/drawing/2014/main" id="{ABA49CC2-941D-4F02-AB01-EBB4D2721268}"/>
+              </a:ext>
+            </a:extLst>
+          </p:cNvPr>
+          <p:cNvSpPr txBox="1"/>
+          <p:nvPr/>
+        </p:nvSpPr>
+        <p:spPr>
+          <a:xfrm>
+            <a:off x="1722782" y="2093844"/>
+            <a:ext cx="7697364" cy="3770263"/>
+          </a:xfrm>
+          <a:prstGeom prst="rect">
+            <a:avLst/>
+          </a:prstGeom>
+          <a:noFill/>
+        </p:spPr>
+        <p:txBody>
+          <a:bodyPr wrap="none" rtlCol="0">
+            <a:spAutoFit/>
+          </a:bodyPr>
+          <a:lstStyle/>
+          <a:p>
+            <a:r>
+              <a:rPr lang="en-IE" sz="23900" b="1" dirty="0">
+                <a:solidFill>
+                  <a:srgbClr val="FF0000"/>
+                </a:solidFill>
+              </a:rPr>
+              <a:t>TODO</a:t>
+            </a:r>
+          </a:p>
+        </p:txBody>
+      </p:sp>
+    </p:spTree>
+    <p:extLst>
+      <p:ext uri="{BB962C8B-B14F-4D97-AF65-F5344CB8AC3E}">
+        <p14:creationId xmlns:p14="http://schemas.microsoft.com/office/powerpoint/2010/main" val="3710469057"/>
+      </p:ext>
+    </p:extLst>
+  </p:cSld>
+  <p:clrMapOvr>
+    <a:masterClrMapping/>
+  </p:clrMapOvr>
+</p:sld>
+</file>
+
+<file path=ppt/slides/slide55.xml><?xml version="1.0" encoding="utf-8"?>
+<p:sld xmlns:a="http://schemas.openxmlformats.org/drawingml/2006/main" xmlns:r="http://schemas.openxmlformats.org/officeDocument/2006/relationships" xmlns:p="http://schemas.openxmlformats.org/presentationml/2006/main">
+  <p:cSld>
+    <p:spTree>
+      <p:nvGrpSpPr>
+        <p:cNvPr id="1" name=""/>
+        <p:cNvGrpSpPr/>
+        <p:nvPr/>
+      </p:nvGrpSpPr>
+      <p:grpSpPr>
+        <a:xfrm>
+          <a:off x="0" y="0"/>
+          <a:ext cx="0" cy="0"/>
+          <a:chOff x="0" y="0"/>
+          <a:chExt cx="0" cy="0"/>
+        </a:xfrm>
+      </p:grpSpPr>
+      <p:sp>
+        <p:nvSpPr>
+          <p:cNvPr id="2" name="Title 1">
+            <a:extLst>
+              <a:ext uri="{FF2B5EF4-FFF2-40B4-BE49-F238E27FC236}">
+                <a16:creationId xmlns:a16="http://schemas.microsoft.com/office/drawing/2014/main" id="{3340CABF-5241-4665-950E-902AC1D2FAEE}"/>
+              </a:ext>
+            </a:extLst>
+          </p:cNvPr>
+          <p:cNvSpPr>
+            <a:spLocks noGrp="1"/>
+          </p:cNvSpPr>
+          <p:nvPr>
+            <p:ph type="title"/>
+          </p:nvPr>
+        </p:nvSpPr>
+        <p:spPr/>
+        <p:txBody>
+          <a:bodyPr/>
+          <a:lstStyle/>
+          <a:p>
+            <a:r>
+              <a:rPr lang="en-IE" dirty="0"/>
+              <a:t>FPGA</a:t>
+            </a:r>
+          </a:p>
+        </p:txBody>
+      </p:sp>
+      <p:sp>
+        <p:nvSpPr>
+          <p:cNvPr id="3" name="Content Placeholder 2">
+            <a:extLst>
+              <a:ext uri="{FF2B5EF4-FFF2-40B4-BE49-F238E27FC236}">
+                <a16:creationId xmlns:a16="http://schemas.microsoft.com/office/drawing/2014/main" id="{36FA157A-D60C-4AC6-9E30-F3EB5F40D6D3}"/>
+              </a:ext>
+            </a:extLst>
+          </p:cNvPr>
+          <p:cNvSpPr>
+            <a:spLocks noGrp="1"/>
+          </p:cNvSpPr>
+          <p:nvPr>
+            <p:ph idx="1"/>
+          </p:nvPr>
+        </p:nvSpPr>
+        <p:spPr>
+          <a:xfrm>
+            <a:off x="838200" y="1431235"/>
+            <a:ext cx="10515600" cy="4745728"/>
+          </a:xfrm>
+        </p:spPr>
+        <p:txBody>
+          <a:bodyPr>
+            <a:normAutofit/>
+          </a:bodyPr>
+          <a:lstStyle/>
+          <a:p>
+            <a:r>
+              <a:rPr lang="en-IE" dirty="0"/>
+              <a:t>The pair of configurable logical function coupled with the flip-flop is basically a basic block of any FPGA, called </a:t>
+            </a:r>
+            <a:r>
+              <a:rPr lang="en-IE" b="1" dirty="0"/>
+              <a:t>“System Logic Cell” </a:t>
+            </a:r>
+            <a:r>
+              <a:rPr lang="en-IE" dirty="0"/>
+              <a:t>or </a:t>
+            </a:r>
+            <a:r>
+              <a:rPr lang="en-IE" b="1" dirty="0"/>
+              <a:t>“Configurable Logic Block”</a:t>
+            </a:r>
+            <a:r>
+              <a:rPr lang="en-IE" dirty="0"/>
+              <a:t>.</a:t>
+            </a:r>
+            <a:endParaRPr lang="en-IE" b="1" dirty="0"/>
+          </a:p>
+          <a:p>
+            <a:r>
+              <a:rPr lang="en-IE" dirty="0"/>
+              <a:t>Configurable logical function is called LUT, implemented as a simple lookup table</a:t>
+            </a:r>
+          </a:p>
+          <a:p>
+            <a:r>
+              <a:rPr lang="en-IE" dirty="0"/>
+              <a:t>FPGA cell can be configured to bypass either LUT or flip-flop, acting as just a LUT on its own or as a D flip-flop</a:t>
+            </a:r>
+          </a:p>
+          <a:p>
+            <a:r>
+              <a:rPr lang="en-IE" dirty="0"/>
+              <a:t>These building blocks are arranged into a huge arrays with configurable interconnects </a:t>
+            </a:r>
+          </a:p>
+        </p:txBody>
+      </p:sp>
+    </p:spTree>
+    <p:extLst>
+      <p:ext uri="{BB962C8B-B14F-4D97-AF65-F5344CB8AC3E}">
+        <p14:creationId xmlns:p14="http://schemas.microsoft.com/office/powerpoint/2010/main" val="1397394201"/>
+      </p:ext>
+    </p:extLst>
+  </p:cSld>
+  <p:clrMapOvr>
+    <a:masterClrMapping/>
+  </p:clrMapOvr>
+</p:sld>
+</file>
+
+<file path=ppt/slides/slide56.xml><?xml version="1.0" encoding="utf-8"?>
+<p:sld xmlns:a="http://schemas.openxmlformats.org/drawingml/2006/main" xmlns:r="http://schemas.openxmlformats.org/officeDocument/2006/relationships" xmlns:p="http://schemas.openxmlformats.org/presentationml/2006/main">
+  <p:cSld>
+    <p:spTree>
+      <p:nvGrpSpPr>
+        <p:cNvPr id="1" name=""/>
+        <p:cNvGrpSpPr/>
+        <p:nvPr/>
+      </p:nvGrpSpPr>
+      <p:grpSpPr>
+        <a:xfrm>
+          <a:off x="0" y="0"/>
+          <a:ext cx="0" cy="0"/>
+          <a:chOff x="0" y="0"/>
+          <a:chExt cx="0" cy="0"/>
+        </a:xfrm>
+      </p:grpSpPr>
+      <p:sp>
+        <p:nvSpPr>
+          <p:cNvPr id="2" name="Title 1">
+            <a:extLst>
+              <a:ext uri="{FF2B5EF4-FFF2-40B4-BE49-F238E27FC236}">
+                <a16:creationId xmlns:a16="http://schemas.microsoft.com/office/drawing/2014/main" id="{3340CABF-5241-4665-950E-902AC1D2FAEE}"/>
+              </a:ext>
+            </a:extLst>
+          </p:cNvPr>
+          <p:cNvSpPr>
+            <a:spLocks noGrp="1"/>
+          </p:cNvSpPr>
+          <p:nvPr>
+            <p:ph type="title"/>
+          </p:nvPr>
+        </p:nvSpPr>
+        <p:spPr/>
+        <p:txBody>
+          <a:bodyPr/>
+          <a:lstStyle/>
+          <a:p>
+            <a:r>
+              <a:rPr lang="en-IE" dirty="0"/>
+              <a:t>FPGA</a:t>
+            </a:r>
+          </a:p>
+        </p:txBody>
+      </p:sp>
+      <p:sp>
+        <p:nvSpPr>
+          <p:cNvPr id="3" name="Content Placeholder 2">
+            <a:extLst>
+              <a:ext uri="{FF2B5EF4-FFF2-40B4-BE49-F238E27FC236}">
+                <a16:creationId xmlns:a16="http://schemas.microsoft.com/office/drawing/2014/main" id="{36FA157A-D60C-4AC6-9E30-F3EB5F40D6D3}"/>
+              </a:ext>
+            </a:extLst>
+          </p:cNvPr>
+          <p:cNvSpPr>
+            <a:spLocks noGrp="1"/>
+          </p:cNvSpPr>
+          <p:nvPr>
+            <p:ph idx="1"/>
+          </p:nvPr>
+        </p:nvSpPr>
+        <p:spPr>
+          <a:xfrm>
+            <a:off x="838200" y="1431235"/>
+            <a:ext cx="10515600" cy="4745728"/>
+          </a:xfrm>
+        </p:spPr>
+        <p:txBody>
+          <a:bodyPr>
+            <a:normAutofit/>
+          </a:bodyPr>
+          <a:lstStyle/>
+          <a:p>
+            <a:r>
+              <a:rPr lang="en-IE" dirty="0"/>
+              <a:t>In real world, FPGAs do have a bit more complex structure of the logic cells</a:t>
+            </a:r>
+          </a:p>
+          <a:p>
+            <a:r>
+              <a:rPr lang="en-IE" dirty="0"/>
+              <a:t>Still simplified structure:  </a:t>
+            </a:r>
+          </a:p>
+        </p:txBody>
+      </p:sp>
+      <p:pic>
+        <p:nvPicPr>
+          <p:cNvPr id="5" name="Picture 4">
+            <a:extLst>
+              <a:ext uri="{FF2B5EF4-FFF2-40B4-BE49-F238E27FC236}">
+                <a16:creationId xmlns:a16="http://schemas.microsoft.com/office/drawing/2014/main" id="{92331335-08D8-46CA-896D-D83EB4889401}"/>
+              </a:ext>
+            </a:extLst>
+          </p:cNvPr>
+          <p:cNvPicPr>
+            <a:picLocks noChangeAspect="1"/>
+          </p:cNvPicPr>
+          <p:nvPr/>
+        </p:nvPicPr>
+        <p:blipFill>
+          <a:blip r:embed="rId2">
+            <a:extLst>
+              <a:ext uri="{28A0092B-C50C-407E-A947-70E740481C1C}">
+                <a14:useLocalDpi xmlns:a14="http://schemas.microsoft.com/office/drawing/2010/main" val="0"/>
+              </a:ext>
+            </a:extLst>
+          </a:blip>
+          <a:stretch>
+            <a:fillRect/>
+          </a:stretch>
+        </p:blipFill>
+        <p:spPr>
+          <a:xfrm>
+            <a:off x="1801363" y="2756798"/>
+            <a:ext cx="8589273" cy="3859260"/>
+          </a:xfrm>
+          <a:prstGeom prst="rect">
+            <a:avLst/>
+          </a:prstGeom>
+        </p:spPr>
+      </p:pic>
+    </p:spTree>
+    <p:extLst>
+      <p:ext uri="{BB962C8B-B14F-4D97-AF65-F5344CB8AC3E}">
+        <p14:creationId xmlns:p14="http://schemas.microsoft.com/office/powerpoint/2010/main" val="602141131"/>
       </p:ext>
     </p:extLst>
   </p:cSld>

--- a/part2.pptx
+++ b/part2.pptx
@@ -61,6 +61,13 @@
     <p:sldId id="310" r:id="rId55"/>
     <p:sldId id="311" r:id="rId56"/>
     <p:sldId id="312" r:id="rId57"/>
+    <p:sldId id="313" r:id="rId58"/>
+    <p:sldId id="314" r:id="rId59"/>
+    <p:sldId id="315" r:id="rId60"/>
+    <p:sldId id="316" r:id="rId61"/>
+    <p:sldId id="317" r:id="rId62"/>
+    <p:sldId id="318" r:id="rId63"/>
+    <p:sldId id="319" r:id="rId64"/>
   </p:sldIdLst>
   <p:sldSz cx="12192000" cy="6858000"/>
   <p:notesSz cx="6858000" cy="9144000"/>
@@ -165,6 +172,385 @@
     </p:ext>
   </p:extLst>
 </p:presentation>
+</file>
+
+<file path=ppt/revisionInfo.xml><?xml version="1.0" encoding="utf-8"?>
+<p1510:revInfo xmlns:a="http://schemas.openxmlformats.org/drawingml/2006/main" xmlns:r="http://schemas.openxmlformats.org/officeDocument/2006/relationships" xmlns:p1510="http://schemas.microsoft.com/office/powerpoint/2015/10/main">
+  <p1510:revLst>
+    <p1510:client id="{CD4EFC38-E4C9-4F8B-9A88-2D53C40DDBF0}" v="27" dt="2019-10-03T23:00:57.343"/>
+  </p1510:revLst>
+</p1510:revInfo>
+</file>
+
+<file path=ppt/changesInfos/changesInfo1.xml><?xml version="1.0" encoding="utf-8"?>
+<pc:chgInfo xmlns:a="http://schemas.openxmlformats.org/drawingml/2006/main" xmlns:r="http://schemas.openxmlformats.org/officeDocument/2006/relationships" xmlns:ac="http://schemas.microsoft.com/office/drawing/2013/main/command" xmlns:pc="http://schemas.microsoft.com/office/powerpoint/2013/main/command">
+  <pc:docChgLst>
+    <pc:chgData name="Sergey Parshin" userId="33371af5f60a0596" providerId="LiveId" clId="{CD4EFC38-E4C9-4F8B-9A88-2D53C40DDBF0}"/>
+    <pc:docChg chg="undo custSel addSld delSld modSld">
+      <pc:chgData name="Sergey Parshin" userId="33371af5f60a0596" providerId="LiveId" clId="{CD4EFC38-E4C9-4F8B-9A88-2D53C40DDBF0}" dt="2019-10-03T23:01:10.611" v="1550" actId="404"/>
+      <pc:docMkLst>
+        <pc:docMk/>
+      </pc:docMkLst>
+      <pc:sldChg chg="modSp">
+        <pc:chgData name="Sergey Parshin" userId="33371af5f60a0596" providerId="LiveId" clId="{CD4EFC38-E4C9-4F8B-9A88-2D53C40DDBF0}" dt="2019-10-03T22:26:36.882" v="665" actId="20577"/>
+        <pc:sldMkLst>
+          <pc:docMk/>
+          <pc:sldMk cId="1397394201" sldId="311"/>
+        </pc:sldMkLst>
+        <pc:spChg chg="mod">
+          <ac:chgData name="Sergey Parshin" userId="33371af5f60a0596" providerId="LiveId" clId="{CD4EFC38-E4C9-4F8B-9A88-2D53C40DDBF0}" dt="2019-10-03T22:26:36.882" v="665" actId="20577"/>
+          <ac:spMkLst>
+            <pc:docMk/>
+            <pc:sldMk cId="1397394201" sldId="311"/>
+            <ac:spMk id="3" creationId="{36FA157A-D60C-4AC6-9E30-F3EB5F40D6D3}"/>
+          </ac:spMkLst>
+        </pc:spChg>
+      </pc:sldChg>
+      <pc:sldChg chg="addSp delSp modSp">
+        <pc:chgData name="Sergey Parshin" userId="33371af5f60a0596" providerId="LiveId" clId="{CD4EFC38-E4C9-4F8B-9A88-2D53C40DDBF0}" dt="2019-10-03T22:27:25.438" v="726" actId="14100"/>
+        <pc:sldMkLst>
+          <pc:docMk/>
+          <pc:sldMk cId="602141131" sldId="312"/>
+        </pc:sldMkLst>
+        <pc:spChg chg="mod">
+          <ac:chgData name="Sergey Parshin" userId="33371af5f60a0596" providerId="LiveId" clId="{CD4EFC38-E4C9-4F8B-9A88-2D53C40DDBF0}" dt="2019-10-03T22:27:10.568" v="722" actId="20577"/>
+          <ac:spMkLst>
+            <pc:docMk/>
+            <pc:sldMk cId="602141131" sldId="312"/>
+            <ac:spMk id="2" creationId="{3340CABF-5241-4665-950E-902AC1D2FAEE}"/>
+          </ac:spMkLst>
+        </pc:spChg>
+        <pc:spChg chg="del mod">
+          <ac:chgData name="Sergey Parshin" userId="33371af5f60a0596" providerId="LiveId" clId="{CD4EFC38-E4C9-4F8B-9A88-2D53C40DDBF0}" dt="2019-10-03T22:27:17.030" v="723" actId="478"/>
+          <ac:spMkLst>
+            <pc:docMk/>
+            <pc:sldMk cId="602141131" sldId="312"/>
+            <ac:spMk id="3" creationId="{36FA157A-D60C-4AC6-9E30-F3EB5F40D6D3}"/>
+          </ac:spMkLst>
+        </pc:spChg>
+        <pc:spChg chg="add del mod">
+          <ac:chgData name="Sergey Parshin" userId="33371af5f60a0596" providerId="LiveId" clId="{CD4EFC38-E4C9-4F8B-9A88-2D53C40DDBF0}" dt="2019-10-03T22:27:20.229" v="724" actId="478"/>
+          <ac:spMkLst>
+            <pc:docMk/>
+            <pc:sldMk cId="602141131" sldId="312"/>
+            <ac:spMk id="6" creationId="{5DF52401-3EAE-4A42-A146-98ABF13F739B}"/>
+          </ac:spMkLst>
+        </pc:spChg>
+        <pc:picChg chg="mod">
+          <ac:chgData name="Sergey Parshin" userId="33371af5f60a0596" providerId="LiveId" clId="{CD4EFC38-E4C9-4F8B-9A88-2D53C40DDBF0}" dt="2019-10-03T22:27:25.438" v="726" actId="14100"/>
+          <ac:picMkLst>
+            <pc:docMk/>
+            <pc:sldMk cId="602141131" sldId="312"/>
+            <ac:picMk id="5" creationId="{92331335-08D8-46CA-896D-D83EB4889401}"/>
+          </ac:picMkLst>
+        </pc:picChg>
+      </pc:sldChg>
+      <pc:sldChg chg="addSp delSp modSp">
+        <pc:chgData name="Sergey Parshin" userId="33371af5f60a0596" providerId="LiveId" clId="{CD4EFC38-E4C9-4F8B-9A88-2D53C40DDBF0}" dt="2019-10-03T22:36:51.262" v="1171" actId="167"/>
+        <pc:sldMkLst>
+          <pc:docMk/>
+          <pc:sldMk cId="4075998874" sldId="313"/>
+        </pc:sldMkLst>
+        <pc:spChg chg="mod">
+          <ac:chgData name="Sergey Parshin" userId="33371af5f60a0596" providerId="LiveId" clId="{CD4EFC38-E4C9-4F8B-9A88-2D53C40DDBF0}" dt="2019-10-03T22:27:35.054" v="745" actId="20577"/>
+          <ac:spMkLst>
+            <pc:docMk/>
+            <pc:sldMk cId="4075998874" sldId="313"/>
+            <ac:spMk id="2" creationId="{3340CABF-5241-4665-950E-902AC1D2FAEE}"/>
+          </ac:spMkLst>
+        </pc:spChg>
+        <pc:spChg chg="mod">
+          <ac:chgData name="Sergey Parshin" userId="33371af5f60a0596" providerId="LiveId" clId="{CD4EFC38-E4C9-4F8B-9A88-2D53C40DDBF0}" dt="2019-10-03T22:36:28.644" v="1169" actId="27636"/>
+          <ac:spMkLst>
+            <pc:docMk/>
+            <pc:sldMk cId="4075998874" sldId="313"/>
+            <ac:spMk id="3" creationId="{36FA157A-D60C-4AC6-9E30-F3EB5F40D6D3}"/>
+          </ac:spMkLst>
+        </pc:spChg>
+        <pc:spChg chg="add del mod">
+          <ac:chgData name="Sergey Parshin" userId="33371af5f60a0596" providerId="LiveId" clId="{CD4EFC38-E4C9-4F8B-9A88-2D53C40DDBF0}" dt="2019-10-03T22:23:07.545" v="367" actId="478"/>
+          <ac:spMkLst>
+            <pc:docMk/>
+            <pc:sldMk cId="4075998874" sldId="313"/>
+            <ac:spMk id="4" creationId="{BC51F177-36DB-4509-9D21-9ADB67BC2573}"/>
+          </ac:spMkLst>
+        </pc:spChg>
+        <pc:spChg chg="add mod">
+          <ac:chgData name="Sergey Parshin" userId="33371af5f60a0596" providerId="LiveId" clId="{CD4EFC38-E4C9-4F8B-9A88-2D53C40DDBF0}" dt="2019-10-03T22:36:22.658" v="1167" actId="1076"/>
+          <ac:spMkLst>
+            <pc:docMk/>
+            <pc:sldMk cId="4075998874" sldId="313"/>
+            <ac:spMk id="6" creationId="{AC4F6529-251C-4262-901D-9FC7E0019B8A}"/>
+          </ac:spMkLst>
+        </pc:spChg>
+        <pc:picChg chg="add mod ord">
+          <ac:chgData name="Sergey Parshin" userId="33371af5f60a0596" providerId="LiveId" clId="{CD4EFC38-E4C9-4F8B-9A88-2D53C40DDBF0}" dt="2019-10-03T22:36:51.262" v="1171" actId="167"/>
+          <ac:picMkLst>
+            <pc:docMk/>
+            <pc:sldMk cId="4075998874" sldId="313"/>
+            <ac:picMk id="5" creationId="{7016AF2E-63E1-4BAE-9C31-30CBDAF7BC37}"/>
+          </ac:picMkLst>
+        </pc:picChg>
+      </pc:sldChg>
+      <pc:sldChg chg="addSp delSp modSp add">
+        <pc:chgData name="Sergey Parshin" userId="33371af5f60a0596" providerId="LiveId" clId="{CD4EFC38-E4C9-4F8B-9A88-2D53C40DDBF0}" dt="2019-10-03T22:37:19.025" v="1184" actId="6549"/>
+        <pc:sldMkLst>
+          <pc:docMk/>
+          <pc:sldMk cId="3376517106" sldId="314"/>
+        </pc:sldMkLst>
+        <pc:spChg chg="mod">
+          <ac:chgData name="Sergey Parshin" userId="33371af5f60a0596" providerId="LiveId" clId="{CD4EFC38-E4C9-4F8B-9A88-2D53C40DDBF0}" dt="2019-10-03T22:32:19.862" v="1056" actId="20577"/>
+          <ac:spMkLst>
+            <pc:docMk/>
+            <pc:sldMk cId="3376517106" sldId="314"/>
+            <ac:spMk id="2" creationId="{3340CABF-5241-4665-950E-902AC1D2FAEE}"/>
+          </ac:spMkLst>
+        </pc:spChg>
+        <pc:spChg chg="del">
+          <ac:chgData name="Sergey Parshin" userId="33371af5f60a0596" providerId="LiveId" clId="{CD4EFC38-E4C9-4F8B-9A88-2D53C40DDBF0}" dt="2019-10-03T22:18:27.437" v="333" actId="478"/>
+          <ac:spMkLst>
+            <pc:docMk/>
+            <pc:sldMk cId="3376517106" sldId="314"/>
+            <ac:spMk id="3" creationId="{36FA157A-D60C-4AC6-9E30-F3EB5F40D6D3}"/>
+          </ac:spMkLst>
+        </pc:spChg>
+        <pc:spChg chg="mod">
+          <ac:chgData name="Sergey Parshin" userId="33371af5f60a0596" providerId="LiveId" clId="{CD4EFC38-E4C9-4F8B-9A88-2D53C40DDBF0}" dt="2019-10-03T22:37:19.025" v="1184" actId="6549"/>
+          <ac:spMkLst>
+            <pc:docMk/>
+            <pc:sldMk cId="3376517106" sldId="314"/>
+            <ac:spMk id="4" creationId="{BC51F177-36DB-4509-9D21-9ADB67BC2573}"/>
+          </ac:spMkLst>
+        </pc:spChg>
+        <pc:spChg chg="add del mod">
+          <ac:chgData name="Sergey Parshin" userId="33371af5f60a0596" providerId="LiveId" clId="{CD4EFC38-E4C9-4F8B-9A88-2D53C40DDBF0}" dt="2019-10-03T22:18:29.656" v="334" actId="478"/>
+          <ac:spMkLst>
+            <pc:docMk/>
+            <pc:sldMk cId="3376517106" sldId="314"/>
+            <ac:spMk id="6" creationId="{ACCA4981-C6A5-4202-B47C-8E4B9C4B45F7}"/>
+          </ac:spMkLst>
+        </pc:spChg>
+        <pc:picChg chg="add del mod ord">
+          <ac:chgData name="Sergey Parshin" userId="33371af5f60a0596" providerId="LiveId" clId="{CD4EFC38-E4C9-4F8B-9A88-2D53C40DDBF0}" dt="2019-10-03T22:32:23.022" v="1057" actId="478"/>
+          <ac:picMkLst>
+            <pc:docMk/>
+            <pc:sldMk cId="3376517106" sldId="314"/>
+            <ac:picMk id="7" creationId="{1675D2FA-770D-43A4-9EC7-C54235098BDF}"/>
+          </ac:picMkLst>
+        </pc:picChg>
+        <pc:picChg chg="add mod ord">
+          <ac:chgData name="Sergey Parshin" userId="33371af5f60a0596" providerId="LiveId" clId="{CD4EFC38-E4C9-4F8B-9A88-2D53C40DDBF0}" dt="2019-10-03T22:32:32.367" v="1094" actId="1038"/>
+          <ac:picMkLst>
+            <pc:docMk/>
+            <pc:sldMk cId="3376517106" sldId="314"/>
+            <ac:picMk id="8" creationId="{88757E61-16B7-4676-9C0E-CEEA22402B1B}"/>
+          </ac:picMkLst>
+        </pc:picChg>
+      </pc:sldChg>
+      <pc:sldChg chg="modSp add">
+        <pc:chgData name="Sergey Parshin" userId="33371af5f60a0596" providerId="LiveId" clId="{CD4EFC38-E4C9-4F8B-9A88-2D53C40DDBF0}" dt="2019-10-03T22:34:53.619" v="1153" actId="1038"/>
+        <pc:sldMkLst>
+          <pc:docMk/>
+          <pc:sldMk cId="4233348570" sldId="315"/>
+        </pc:sldMkLst>
+        <pc:picChg chg="mod">
+          <ac:chgData name="Sergey Parshin" userId="33371af5f60a0596" providerId="LiveId" clId="{CD4EFC38-E4C9-4F8B-9A88-2D53C40DDBF0}" dt="2019-10-03T22:34:53.619" v="1153" actId="1038"/>
+          <ac:picMkLst>
+            <pc:docMk/>
+            <pc:sldMk cId="4233348570" sldId="315"/>
+            <ac:picMk id="7" creationId="{1675D2FA-770D-43A4-9EC7-C54235098BDF}"/>
+          </ac:picMkLst>
+        </pc:picChg>
+      </pc:sldChg>
+      <pc:sldChg chg="addSp delSp modSp add">
+        <pc:chgData name="Sergey Parshin" userId="33371af5f60a0596" providerId="LiveId" clId="{CD4EFC38-E4C9-4F8B-9A88-2D53C40DDBF0}" dt="2019-10-03T22:34:30.947" v="1140" actId="1038"/>
+        <pc:sldMkLst>
+          <pc:docMk/>
+          <pc:sldMk cId="1778258312" sldId="316"/>
+        </pc:sldMkLst>
+        <pc:spChg chg="mod">
+          <ac:chgData name="Sergey Parshin" userId="33371af5f60a0596" providerId="LiveId" clId="{CD4EFC38-E4C9-4F8B-9A88-2D53C40DDBF0}" dt="2019-10-03T22:33:47.717" v="1096" actId="20577"/>
+          <ac:spMkLst>
+            <pc:docMk/>
+            <pc:sldMk cId="1778258312" sldId="316"/>
+            <ac:spMk id="2" creationId="{3340CABF-5241-4665-950E-902AC1D2FAEE}"/>
+          </ac:spMkLst>
+        </pc:spChg>
+        <pc:picChg chg="add mod ord">
+          <ac:chgData name="Sergey Parshin" userId="33371af5f60a0596" providerId="LiveId" clId="{CD4EFC38-E4C9-4F8B-9A88-2D53C40DDBF0}" dt="2019-10-03T22:34:30.947" v="1140" actId="1038"/>
+          <ac:picMkLst>
+            <pc:docMk/>
+            <pc:sldMk cId="1778258312" sldId="316"/>
+            <ac:picMk id="3" creationId="{293B1A1E-3D30-423C-8E70-3EA68DA5D868}"/>
+          </ac:picMkLst>
+        </pc:picChg>
+        <pc:picChg chg="del">
+          <ac:chgData name="Sergey Parshin" userId="33371af5f60a0596" providerId="LiveId" clId="{CD4EFC38-E4C9-4F8B-9A88-2D53C40DDBF0}" dt="2019-10-03T22:33:50.627" v="1097" actId="478"/>
+          <ac:picMkLst>
+            <pc:docMk/>
+            <pc:sldMk cId="1778258312" sldId="316"/>
+            <ac:picMk id="7" creationId="{1675D2FA-770D-43A4-9EC7-C54235098BDF}"/>
+          </ac:picMkLst>
+        </pc:picChg>
+      </pc:sldChg>
+      <pc:sldChg chg="addSp delSp modSp add">
+        <pc:chgData name="Sergey Parshin" userId="33371af5f60a0596" providerId="LiveId" clId="{CD4EFC38-E4C9-4F8B-9A88-2D53C40DDBF0}" dt="2019-10-03T22:40:16.556" v="1227" actId="14100"/>
+        <pc:sldMkLst>
+          <pc:docMk/>
+          <pc:sldMk cId="236119335" sldId="317"/>
+        </pc:sldMkLst>
+        <pc:spChg chg="mod">
+          <ac:chgData name="Sergey Parshin" userId="33371af5f60a0596" providerId="LiveId" clId="{CD4EFC38-E4C9-4F8B-9A88-2D53C40DDBF0}" dt="2019-10-03T22:39:30.973" v="1218" actId="20577"/>
+          <ac:spMkLst>
+            <pc:docMk/>
+            <pc:sldMk cId="236119335" sldId="317"/>
+            <ac:spMk id="2" creationId="{0F5E4F47-9DA8-4CCF-805C-3F7A13EEE530}"/>
+          </ac:spMkLst>
+        </pc:spChg>
+        <pc:spChg chg="del">
+          <ac:chgData name="Sergey Parshin" userId="33371af5f60a0596" providerId="LiveId" clId="{CD4EFC38-E4C9-4F8B-9A88-2D53C40DDBF0}" dt="2019-10-03T22:39:08.602" v="1186" actId="478"/>
+          <ac:spMkLst>
+            <pc:docMk/>
+            <pc:sldMk cId="236119335" sldId="317"/>
+            <ac:spMk id="3" creationId="{B2D9E6DA-6F0A-43B7-9018-E5CF1213C38C}"/>
+          </ac:spMkLst>
+        </pc:spChg>
+        <pc:spChg chg="add mod">
+          <ac:chgData name="Sergey Parshin" userId="33371af5f60a0596" providerId="LiveId" clId="{CD4EFC38-E4C9-4F8B-9A88-2D53C40DDBF0}" dt="2019-10-03T22:39:47.197" v="1222" actId="1076"/>
+          <ac:spMkLst>
+            <pc:docMk/>
+            <pc:sldMk cId="236119335" sldId="317"/>
+            <ac:spMk id="5" creationId="{C4935C57-9BCF-4CDC-A3AA-07CC3FB0EABB}"/>
+          </ac:spMkLst>
+        </pc:spChg>
+        <pc:spChg chg="add mod">
+          <ac:chgData name="Sergey Parshin" userId="33371af5f60a0596" providerId="LiveId" clId="{CD4EFC38-E4C9-4F8B-9A88-2D53C40DDBF0}" dt="2019-10-03T22:40:16.556" v="1227" actId="14100"/>
+          <ac:spMkLst>
+            <pc:docMk/>
+            <pc:sldMk cId="236119335" sldId="317"/>
+            <ac:spMk id="6" creationId="{FE80234E-1EF0-4E41-9784-676EBD57FED6}"/>
+          </ac:spMkLst>
+        </pc:spChg>
+        <pc:picChg chg="add mod">
+          <ac:chgData name="Sergey Parshin" userId="33371af5f60a0596" providerId="LiveId" clId="{CD4EFC38-E4C9-4F8B-9A88-2D53C40DDBF0}" dt="2019-10-03T22:39:36.459" v="1219" actId="1076"/>
+          <ac:picMkLst>
+            <pc:docMk/>
+            <pc:sldMk cId="236119335" sldId="317"/>
+            <ac:picMk id="4" creationId="{1DEA422D-F1AD-4F8C-90E4-E9172F170641}"/>
+          </ac:picMkLst>
+        </pc:picChg>
+      </pc:sldChg>
+      <pc:sldChg chg="addSp delSp modSp add">
+        <pc:chgData name="Sergey Parshin" userId="33371af5f60a0596" providerId="LiveId" clId="{CD4EFC38-E4C9-4F8B-9A88-2D53C40DDBF0}" dt="2019-10-03T23:01:10.611" v="1550" actId="404"/>
+        <pc:sldMkLst>
+          <pc:docMk/>
+          <pc:sldMk cId="1326398291" sldId="318"/>
+        </pc:sldMkLst>
+        <pc:spChg chg="mod">
+          <ac:chgData name="Sergey Parshin" userId="33371af5f60a0596" providerId="LiveId" clId="{CD4EFC38-E4C9-4F8B-9A88-2D53C40DDBF0}" dt="2019-10-03T23:01:10.611" v="1550" actId="404"/>
+          <ac:spMkLst>
+            <pc:docMk/>
+            <pc:sldMk cId="1326398291" sldId="318"/>
+            <ac:spMk id="2" creationId="{0F5E4F47-9DA8-4CCF-805C-3F7A13EEE530}"/>
+          </ac:spMkLst>
+        </pc:spChg>
+        <pc:spChg chg="mod">
+          <ac:chgData name="Sergey Parshin" userId="33371af5f60a0596" providerId="LiveId" clId="{CD4EFC38-E4C9-4F8B-9A88-2D53C40DDBF0}" dt="2019-10-03T23:00:57.337" v="1541" actId="20577"/>
+          <ac:spMkLst>
+            <pc:docMk/>
+            <pc:sldMk cId="1326398291" sldId="318"/>
+            <ac:spMk id="5" creationId="{C4935C57-9BCF-4CDC-A3AA-07CC3FB0EABB}"/>
+          </ac:spMkLst>
+        </pc:spChg>
+        <pc:spChg chg="del">
+          <ac:chgData name="Sergey Parshin" userId="33371af5f60a0596" providerId="LiveId" clId="{CD4EFC38-E4C9-4F8B-9A88-2D53C40DDBF0}" dt="2019-10-03T22:41:16.445" v="1271" actId="478"/>
+          <ac:spMkLst>
+            <pc:docMk/>
+            <pc:sldMk cId="1326398291" sldId="318"/>
+            <ac:spMk id="6" creationId="{FE80234E-1EF0-4E41-9784-676EBD57FED6}"/>
+          </ac:spMkLst>
+        </pc:spChg>
+        <pc:picChg chg="add del">
+          <ac:chgData name="Sergey Parshin" userId="33371af5f60a0596" providerId="LiveId" clId="{CD4EFC38-E4C9-4F8B-9A88-2D53C40DDBF0}" dt="2019-10-03T23:00:29.370" v="1536" actId="478"/>
+          <ac:picMkLst>
+            <pc:docMk/>
+            <pc:sldMk cId="1326398291" sldId="318"/>
+            <ac:picMk id="3" creationId="{78C76BB3-31C4-4AE2-8A88-8BC06F8E280D}"/>
+          </ac:picMkLst>
+        </pc:picChg>
+        <pc:picChg chg="add del mod">
+          <ac:chgData name="Sergey Parshin" userId="33371af5f60a0596" providerId="LiveId" clId="{CD4EFC38-E4C9-4F8B-9A88-2D53C40DDBF0}" dt="2019-10-03T22:42:22.250" v="1276" actId="478"/>
+          <ac:picMkLst>
+            <pc:docMk/>
+            <pc:sldMk cId="1326398291" sldId="318"/>
+            <ac:picMk id="4" creationId="{1DEA422D-F1AD-4F8C-90E4-E9172F170641}"/>
+          </ac:picMkLst>
+        </pc:picChg>
+        <pc:picChg chg="add">
+          <ac:chgData name="Sergey Parshin" userId="33371af5f60a0596" providerId="LiveId" clId="{CD4EFC38-E4C9-4F8B-9A88-2D53C40DDBF0}" dt="2019-10-03T23:00:29.839" v="1537"/>
+          <ac:picMkLst>
+            <pc:docMk/>
+            <pc:sldMk cId="1326398291" sldId="318"/>
+            <ac:picMk id="7" creationId="{0CFA27EC-7063-44C6-A71D-E7E9D38FADD1}"/>
+          </ac:picMkLst>
+        </pc:picChg>
+      </pc:sldChg>
+      <pc:sldChg chg="modSp add">
+        <pc:chgData name="Sergey Parshin" userId="33371af5f60a0596" providerId="LiveId" clId="{CD4EFC38-E4C9-4F8B-9A88-2D53C40DDBF0}" dt="2019-10-03T22:54:41.818" v="1535" actId="20577"/>
+        <pc:sldMkLst>
+          <pc:docMk/>
+          <pc:sldMk cId="102770265" sldId="319"/>
+        </pc:sldMkLst>
+        <pc:spChg chg="mod">
+          <ac:chgData name="Sergey Parshin" userId="33371af5f60a0596" providerId="LiveId" clId="{CD4EFC38-E4C9-4F8B-9A88-2D53C40DDBF0}" dt="2019-10-03T22:54:41.818" v="1535" actId="20577"/>
+          <ac:spMkLst>
+            <pc:docMk/>
+            <pc:sldMk cId="102770265" sldId="319"/>
+            <ac:spMk id="2" creationId="{444FC6A2-5A40-4204-A08E-B7176AFEB2AF}"/>
+          </ac:spMkLst>
+        </pc:spChg>
+      </pc:sldChg>
+      <pc:sldChg chg="delSp modSp add del">
+        <pc:chgData name="Sergey Parshin" userId="33371af5f60a0596" providerId="LiveId" clId="{CD4EFC38-E4C9-4F8B-9A88-2D53C40DDBF0}" dt="2019-10-03T22:53:18.087" v="1507" actId="47"/>
+        <pc:sldMkLst>
+          <pc:docMk/>
+          <pc:sldMk cId="1211924983" sldId="319"/>
+        </pc:sldMkLst>
+        <pc:spChg chg="mod">
+          <ac:chgData name="Sergey Parshin" userId="33371af5f60a0596" providerId="LiveId" clId="{CD4EFC38-E4C9-4F8B-9A88-2D53C40DDBF0}" dt="2019-10-03T22:45:04.316" v="1283" actId="14100"/>
+          <ac:spMkLst>
+            <pc:docMk/>
+            <pc:sldMk cId="1211924983" sldId="319"/>
+            <ac:spMk id="2" creationId="{3340CABF-5241-4665-950E-902AC1D2FAEE}"/>
+          </ac:spMkLst>
+        </pc:spChg>
+        <pc:spChg chg="mod">
+          <ac:chgData name="Sergey Parshin" userId="33371af5f60a0596" providerId="LiveId" clId="{CD4EFC38-E4C9-4F8B-9A88-2D53C40DDBF0}" dt="2019-10-03T22:51:31.706" v="1505" actId="20577"/>
+          <ac:spMkLst>
+            <pc:docMk/>
+            <pc:sldMk cId="1211924983" sldId="319"/>
+            <ac:spMk id="3" creationId="{36FA157A-D60C-4AC6-9E30-F3EB5F40D6D3}"/>
+          </ac:spMkLst>
+        </pc:spChg>
+        <pc:picChg chg="del">
+          <ac:chgData name="Sergey Parshin" userId="33371af5f60a0596" providerId="LiveId" clId="{CD4EFC38-E4C9-4F8B-9A88-2D53C40DDBF0}" dt="2019-10-03T22:48:56.268" v="1312" actId="478"/>
+          <ac:picMkLst>
+            <pc:docMk/>
+            <pc:sldMk cId="1211924983" sldId="319"/>
+            <ac:picMk id="5" creationId="{7016AF2E-63E1-4BAE-9C31-30CBDAF7BC37}"/>
+          </ac:picMkLst>
+        </pc:picChg>
+      </pc:sldChg>
+      <pc:sldChg chg="add del">
+        <pc:chgData name="Sergey Parshin" userId="33371af5f60a0596" providerId="LiveId" clId="{CD4EFC38-E4C9-4F8B-9A88-2D53C40DDBF0}" dt="2019-10-03T22:53:22.291" v="1508" actId="47"/>
+        <pc:sldMkLst>
+          <pc:docMk/>
+          <pc:sldMk cId="1654182544" sldId="320"/>
+        </pc:sldMkLst>
+      </pc:sldChg>
+    </pc:docChg>
+  </pc:docChgLst>
+</pc:chgInfo>
 </file>
 
 <file path=ppt/slideLayouts/slideLayout1.xml><?xml version="1.0" encoding="utf-8"?>
@@ -15617,45 +16003,36 @@
           </a:p>
         </p:txBody>
       </p:sp>
-      <p:sp>
-        <p:nvSpPr>
-          <p:cNvPr id="5" name="TextBox 4">
-            <a:extLst>
-              <a:ext uri="{FF2B5EF4-FFF2-40B4-BE49-F238E27FC236}">
-                <a16:creationId xmlns:a16="http://schemas.microsoft.com/office/drawing/2014/main" id="{8F104885-7AE9-4758-98AD-D29DBDC0217D}"/>
-              </a:ext>
-            </a:extLst>
-          </p:cNvPr>
-          <p:cNvSpPr txBox="1"/>
+      <p:pic>
+        <p:nvPicPr>
+          <p:cNvPr id="6" name="Picture 5">
+            <a:extLst>
+              <a:ext uri="{FF2B5EF4-FFF2-40B4-BE49-F238E27FC236}">
+                <a16:creationId xmlns:a16="http://schemas.microsoft.com/office/drawing/2014/main" id="{CE3C0D16-F0AF-4DED-8515-1738273A43D5}"/>
+              </a:ext>
+            </a:extLst>
+          </p:cNvPr>
+          <p:cNvPicPr>
+            <a:picLocks noChangeAspect="1"/>
+          </p:cNvPicPr>
           <p:nvPr/>
-        </p:nvSpPr>
+        </p:nvPicPr>
+        <p:blipFill>
+          <a:blip r:embed="rId2"/>
+          <a:stretch>
+            <a:fillRect/>
+          </a:stretch>
+        </p:blipFill>
         <p:spPr>
           <a:xfrm>
-            <a:off x="1722782" y="2093844"/>
-            <a:ext cx="7697364" cy="3770263"/>
+            <a:off x="1370936" y="2012354"/>
+            <a:ext cx="9238095" cy="4847619"/>
           </a:xfrm>
           <a:prstGeom prst="rect">
             <a:avLst/>
           </a:prstGeom>
-          <a:noFill/>
         </p:spPr>
-        <p:txBody>
-          <a:bodyPr wrap="none" rtlCol="0">
-            <a:spAutoFit/>
-          </a:bodyPr>
-          <a:lstStyle/>
-          <a:p>
-            <a:r>
-              <a:rPr lang="en-IE" sz="23900" b="1" dirty="0">
-                <a:solidFill>
-                  <a:srgbClr val="FF0000"/>
-                </a:solidFill>
-              </a:rPr>
-              <a:t>TODO</a:t>
-            </a:r>
-          </a:p>
-        </p:txBody>
-      </p:sp>
+      </p:pic>
     </p:spTree>
     <p:extLst>
       <p:ext uri="{BB962C8B-B14F-4D97-AF65-F5344CB8AC3E}">
@@ -15747,45 +16124,36 @@
           </a:p>
         </p:txBody>
       </p:sp>
-      <p:sp>
-        <p:nvSpPr>
-          <p:cNvPr id="6" name="TextBox 5">
-            <a:extLst>
-              <a:ext uri="{FF2B5EF4-FFF2-40B4-BE49-F238E27FC236}">
-                <a16:creationId xmlns:a16="http://schemas.microsoft.com/office/drawing/2014/main" id="{E0B06561-0B19-4DA7-86F2-3E3BF6C8A3E1}"/>
-              </a:ext>
-            </a:extLst>
-          </p:cNvPr>
-          <p:cNvSpPr txBox="1"/>
+      <p:pic>
+        <p:nvPicPr>
+          <p:cNvPr id="4" name="Picture 3">
+            <a:extLst>
+              <a:ext uri="{FF2B5EF4-FFF2-40B4-BE49-F238E27FC236}">
+                <a16:creationId xmlns:a16="http://schemas.microsoft.com/office/drawing/2014/main" id="{CB2B5B83-06FE-46E4-AEFB-00719803C254}"/>
+              </a:ext>
+            </a:extLst>
+          </p:cNvPr>
+          <p:cNvPicPr>
+            <a:picLocks noChangeAspect="1"/>
+          </p:cNvPicPr>
           <p:nvPr/>
-        </p:nvSpPr>
+        </p:nvPicPr>
+        <p:blipFill>
+          <a:blip r:embed="rId2"/>
+          <a:stretch>
+            <a:fillRect/>
+          </a:stretch>
+        </p:blipFill>
         <p:spPr>
           <a:xfrm>
-            <a:off x="1722782" y="2093844"/>
-            <a:ext cx="7697364" cy="3770263"/>
+            <a:off x="3826915" y="0"/>
+            <a:ext cx="4538169" cy="6858000"/>
           </a:xfrm>
           <a:prstGeom prst="rect">
             <a:avLst/>
           </a:prstGeom>
-          <a:noFill/>
         </p:spPr>
-        <p:txBody>
-          <a:bodyPr wrap="none" rtlCol="0">
-            <a:spAutoFit/>
-          </a:bodyPr>
-          <a:lstStyle/>
-          <a:p>
-            <a:r>
-              <a:rPr lang="en-IE" sz="23900" b="1" dirty="0">
-                <a:solidFill>
-                  <a:srgbClr val="FF0000"/>
-                </a:solidFill>
-              </a:rPr>
-              <a:t>TODO</a:t>
-            </a:r>
-          </a:p>
-        </p:txBody>
-      </p:sp>
+      </p:pic>
     </p:spTree>
     <p:extLst>
       <p:ext uri="{BB962C8B-B14F-4D97-AF65-F5344CB8AC3E}">
@@ -15816,6 +16184,36 @@
           <a:chExt cx="0" cy="0"/>
         </a:xfrm>
       </p:grpSpPr>
+      <p:pic>
+        <p:nvPicPr>
+          <p:cNvPr id="4" name="Picture 3">
+            <a:extLst>
+              <a:ext uri="{FF2B5EF4-FFF2-40B4-BE49-F238E27FC236}">
+                <a16:creationId xmlns:a16="http://schemas.microsoft.com/office/drawing/2014/main" id="{BA83B37F-2BA6-4C99-804B-3D3D02594F87}"/>
+              </a:ext>
+            </a:extLst>
+          </p:cNvPr>
+          <p:cNvPicPr>
+            <a:picLocks noChangeAspect="1"/>
+          </p:cNvPicPr>
+          <p:nvPr/>
+        </p:nvPicPr>
+        <p:blipFill>
+          <a:blip r:embed="rId2"/>
+          <a:stretch>
+            <a:fillRect/>
+          </a:stretch>
+        </p:blipFill>
+        <p:spPr>
+          <a:xfrm>
+            <a:off x="838200" y="1842639"/>
+            <a:ext cx="10376452" cy="5323336"/>
+          </a:xfrm>
+          <a:prstGeom prst="rect">
+            <a:avLst/>
+          </a:prstGeom>
+        </p:spPr>
+      </p:pic>
       <p:sp>
         <p:nvSpPr>
           <p:cNvPr id="2" name="Title 1">
@@ -15873,45 +16271,6 @@
             <a:r>
               <a:rPr lang="en-IE" dirty="0"/>
               <a:t>Ethernet preamble detection</a:t>
-            </a:r>
-          </a:p>
-        </p:txBody>
-      </p:sp>
-      <p:sp>
-        <p:nvSpPr>
-          <p:cNvPr id="5" name="TextBox 4">
-            <a:extLst>
-              <a:ext uri="{FF2B5EF4-FFF2-40B4-BE49-F238E27FC236}">
-                <a16:creationId xmlns:a16="http://schemas.microsoft.com/office/drawing/2014/main" id="{ABA49CC2-941D-4F02-AB01-EBB4D2721268}"/>
-              </a:ext>
-            </a:extLst>
-          </p:cNvPr>
-          <p:cNvSpPr txBox="1"/>
-          <p:nvPr/>
-        </p:nvSpPr>
-        <p:spPr>
-          <a:xfrm>
-            <a:off x="1722782" y="2093844"/>
-            <a:ext cx="7697364" cy="3770263"/>
-          </a:xfrm>
-          <a:prstGeom prst="rect">
-            <a:avLst/>
-          </a:prstGeom>
-          <a:noFill/>
-        </p:spPr>
-        <p:txBody>
-          <a:bodyPr wrap="none" rtlCol="0">
-            <a:spAutoFit/>
-          </a:bodyPr>
-          <a:lstStyle/>
-          <a:p>
-            <a:r>
-              <a:rPr lang="en-IE" sz="23900" b="1" dirty="0">
-                <a:solidFill>
-                  <a:srgbClr val="FF0000"/>
-                </a:solidFill>
-              </a:rPr>
-              <a:t>TODO</a:t>
             </a:r>
           </a:p>
         </p:txBody>
@@ -15998,13 +16357,13 @@
         </p:spPr>
         <p:txBody>
           <a:bodyPr>
-            <a:normAutofit/>
+            <a:normAutofit lnSpcReduction="10000"/>
           </a:bodyPr>
           <a:lstStyle/>
           <a:p>
             <a:r>
               <a:rPr lang="en-IE" dirty="0"/>
-              <a:t>The pair of configurable logical function coupled with the flip-flop is basically a basic block of any FPGA, called </a:t>
+              <a:t>The pair of configurable logical function coupled with the flip-flop is basically an elementary construction of any FPGA, called </a:t>
             </a:r>
             <a:r>
               <a:rPr lang="en-IE" b="1" dirty="0"/>
@@ -16016,18 +16375,17 @@
             </a:r>
             <a:r>
               <a:rPr lang="en-IE" b="1" dirty="0"/>
-              <a:t>“Configurable Logic Block”</a:t>
+              <a:t>“Configurable Logic Block” – CLB</a:t>
             </a:r>
             <a:r>
               <a:rPr lang="en-IE" dirty="0"/>
-              <a:t>.</a:t>
-            </a:r>
-            <a:endParaRPr lang="en-IE" b="1" dirty="0"/>
+              <a:t> for short.</a:t>
+            </a:r>
           </a:p>
           <a:p>
             <a:r>
               <a:rPr lang="en-IE" dirty="0"/>
-              <a:t>Configurable logical function is called LUT, implemented as a simple lookup table</a:t>
+              <a:t>Configurable logical function is called LUT, implemented as a simple lookup table, can have between 3 and 6 inputs and 1 or several bits of output. </a:t>
             </a:r>
           </a:p>
           <a:p>
@@ -16039,7 +16397,13 @@
           <a:p>
             <a:r>
               <a:rPr lang="en-IE" dirty="0"/>
-              <a:t>These building blocks are arranged into a huge arrays with configurable interconnects </a:t>
+              <a:t>CLB might contain additional logic to accelerate addition operation, etc.</a:t>
+            </a:r>
+          </a:p>
+          <a:p>
+            <a:r>
+              <a:rPr lang="en-IE" dirty="0"/>
+              <a:t>These CLBs are arranged into a huge arrays with configurable interconnects </a:t>
             </a:r>
           </a:p>
         </p:txBody>
@@ -16097,7 +16461,136 @@
           <a:p>
             <a:r>
               <a:rPr lang="en-IE" dirty="0"/>
-              <a:t>FPGA</a:t>
+              <a:t>FPGA, simplified configurable logic block</a:t>
+            </a:r>
+          </a:p>
+        </p:txBody>
+      </p:sp>
+      <p:pic>
+        <p:nvPicPr>
+          <p:cNvPr id="5" name="Picture 4">
+            <a:extLst>
+              <a:ext uri="{FF2B5EF4-FFF2-40B4-BE49-F238E27FC236}">
+                <a16:creationId xmlns:a16="http://schemas.microsoft.com/office/drawing/2014/main" id="{92331335-08D8-46CA-896D-D83EB4889401}"/>
+              </a:ext>
+            </a:extLst>
+          </p:cNvPr>
+          <p:cNvPicPr>
+            <a:picLocks noChangeAspect="1"/>
+          </p:cNvPicPr>
+          <p:nvPr/>
+        </p:nvPicPr>
+        <p:blipFill>
+          <a:blip r:embed="rId2">
+            <a:extLst>
+              <a:ext uri="{28A0092B-C50C-407E-A947-70E740481C1C}">
+                <a14:useLocalDpi xmlns:a14="http://schemas.microsoft.com/office/drawing/2010/main" val="0"/>
+              </a:ext>
+            </a:extLst>
+          </a:blip>
+          <a:stretch>
+            <a:fillRect/>
+          </a:stretch>
+        </p:blipFill>
+        <p:spPr>
+          <a:xfrm>
+            <a:off x="1284996" y="1594972"/>
+            <a:ext cx="9881935" cy="4440068"/>
+          </a:xfrm>
+          <a:prstGeom prst="rect">
+            <a:avLst/>
+          </a:prstGeom>
+        </p:spPr>
+      </p:pic>
+    </p:spTree>
+    <p:extLst>
+      <p:ext uri="{BB962C8B-B14F-4D97-AF65-F5344CB8AC3E}">
+        <p14:creationId xmlns:p14="http://schemas.microsoft.com/office/powerpoint/2010/main" val="602141131"/>
+      </p:ext>
+    </p:extLst>
+  </p:cSld>
+  <p:clrMapOvr>
+    <a:masterClrMapping/>
+  </p:clrMapOvr>
+</p:sld>
+</file>
+
+<file path=ppt/slides/slide57.xml><?xml version="1.0" encoding="utf-8"?>
+<p:sld xmlns:a="http://schemas.openxmlformats.org/drawingml/2006/main" xmlns:r="http://schemas.openxmlformats.org/officeDocument/2006/relationships" xmlns:p="http://schemas.openxmlformats.org/presentationml/2006/main">
+  <p:cSld>
+    <p:spTree>
+      <p:nvGrpSpPr>
+        <p:cNvPr id="1" name=""/>
+        <p:cNvGrpSpPr/>
+        <p:nvPr/>
+      </p:nvGrpSpPr>
+      <p:grpSpPr>
+        <a:xfrm>
+          <a:off x="0" y="0"/>
+          <a:ext cx="0" cy="0"/>
+          <a:chOff x="0" y="0"/>
+          <a:chExt cx="0" cy="0"/>
+        </a:xfrm>
+      </p:grpSpPr>
+      <p:pic>
+        <p:nvPicPr>
+          <p:cNvPr id="5" name="Picture 4">
+            <a:extLst>
+              <a:ext uri="{FF2B5EF4-FFF2-40B4-BE49-F238E27FC236}">
+                <a16:creationId xmlns:a16="http://schemas.microsoft.com/office/drawing/2014/main" id="{7016AF2E-63E1-4BAE-9C31-30CBDAF7BC37}"/>
+              </a:ext>
+            </a:extLst>
+          </p:cNvPr>
+          <p:cNvPicPr>
+            <a:picLocks noChangeAspect="1"/>
+          </p:cNvPicPr>
+          <p:nvPr/>
+        </p:nvPicPr>
+        <p:blipFill>
+          <a:blip r:embed="rId2"/>
+          <a:stretch>
+            <a:fillRect/>
+          </a:stretch>
+        </p:blipFill>
+        <p:spPr>
+          <a:xfrm>
+            <a:off x="7481720" y="2209800"/>
+            <a:ext cx="4533900" cy="3448050"/>
+          </a:xfrm>
+          <a:prstGeom prst="rect">
+            <a:avLst/>
+          </a:prstGeom>
+        </p:spPr>
+      </p:pic>
+      <p:sp>
+        <p:nvSpPr>
+          <p:cNvPr id="2" name="Title 1">
+            <a:extLst>
+              <a:ext uri="{FF2B5EF4-FFF2-40B4-BE49-F238E27FC236}">
+                <a16:creationId xmlns:a16="http://schemas.microsoft.com/office/drawing/2014/main" id="{3340CABF-5241-4665-950E-902AC1D2FAEE}"/>
+              </a:ext>
+            </a:extLst>
+          </p:cNvPr>
+          <p:cNvSpPr>
+            <a:spLocks noGrp="1"/>
+          </p:cNvSpPr>
+          <p:nvPr>
+            <p:ph type="title"/>
+          </p:nvPr>
+        </p:nvSpPr>
+        <p:spPr>
+          <a:xfrm>
+            <a:off x="838200" y="365125"/>
+            <a:ext cx="10515600" cy="1325563"/>
+          </a:xfrm>
+        </p:spPr>
+        <p:txBody>
+          <a:bodyPr/>
+          <a:lstStyle/>
+          <a:p>
+            <a:r>
+              <a:rPr lang="en-IE" dirty="0"/>
+              <a:t>FPGA: CLBs in a real world, Spartan 6 example</a:t>
             </a:r>
           </a:p>
         </p:txBody>
@@ -16121,34 +16614,136 @@
         <p:spPr>
           <a:xfrm>
             <a:off x="838200" y="1431235"/>
-            <a:ext cx="10515600" cy="4745728"/>
+            <a:ext cx="7305339" cy="4745728"/>
           </a:xfrm>
         </p:spPr>
         <p:txBody>
           <a:bodyPr>
-            <a:normAutofit/>
+            <a:normAutofit lnSpcReduction="10000"/>
           </a:bodyPr>
           <a:lstStyle/>
           <a:p>
             <a:r>
               <a:rPr lang="en-IE" dirty="0"/>
-              <a:t>In real world, FPGAs do have a bit more complex structure of the logic cells</a:t>
+              <a:t>Xilinx Spartan 6, each CLB contains two “slices”</a:t>
             </a:r>
           </a:p>
           <a:p>
             <a:r>
               <a:rPr lang="en-IE" dirty="0"/>
-              <a:t>Still simplified structure:  </a:t>
+              <a:t>Each slice is approximately identical and includes actual programmable logic  </a:t>
+            </a:r>
+          </a:p>
+          <a:p>
+            <a:r>
+              <a:rPr lang="en-IE" dirty="0"/>
+              <a:t>There are three slice types on Spartan 6: SLICEM, SLICEL, SLICEX</a:t>
+            </a:r>
+          </a:p>
+          <a:p>
+            <a:r>
+              <a:rPr lang="en-IE" dirty="0"/>
+              <a:t>Each type of slice contains a set of 6-input LUTs and 8 Flip-Flops</a:t>
+            </a:r>
+          </a:p>
+          <a:p>
+            <a:r>
+              <a:rPr lang="en-IE" dirty="0"/>
+              <a:t>SLICEL and SLICEM also contain carry logic and wide multiplexers </a:t>
+            </a:r>
+          </a:p>
+          <a:p>
+            <a:r>
+              <a:rPr lang="en-IE" dirty="0"/>
+              <a:t>SLCIEM also has Distributed RAM and Shift Registers on board.</a:t>
             </a:r>
           </a:p>
         </p:txBody>
       </p:sp>
+      <p:sp>
+        <p:nvSpPr>
+          <p:cNvPr id="6" name="TextBox 5">
+            <a:extLst>
+              <a:ext uri="{FF2B5EF4-FFF2-40B4-BE49-F238E27FC236}">
+                <a16:creationId xmlns:a16="http://schemas.microsoft.com/office/drawing/2014/main" id="{AC4F6529-251C-4262-901D-9FC7E0019B8A}"/>
+              </a:ext>
+            </a:extLst>
+          </p:cNvPr>
+          <p:cNvSpPr txBox="1"/>
+          <p:nvPr/>
+        </p:nvSpPr>
+        <p:spPr>
+          <a:xfrm>
+            <a:off x="247426" y="6492875"/>
+            <a:ext cx="9057939" cy="646331"/>
+          </a:xfrm>
+          <a:prstGeom prst="rect">
+            <a:avLst/>
+          </a:prstGeom>
+          <a:noFill/>
+        </p:spPr>
+        <p:txBody>
+          <a:bodyPr wrap="square" rtlCol="0">
+            <a:spAutoFit/>
+          </a:bodyPr>
+          <a:lstStyle/>
+          <a:p>
+            <a:r>
+              <a:rPr lang="en-IE" dirty="0"/>
+              <a:t>Image, Source: </a:t>
+            </a:r>
+            <a:r>
+              <a:rPr lang="en-IE" dirty="0">
+                <a:hlinkClick r:id="rId3"/>
+              </a:rPr>
+              <a:t>https://www.xilinx.com/support/documentation/user_guides/ug384.pdf</a:t>
+            </a:r>
+            <a:r>
+              <a:rPr lang="en-IE" dirty="0"/>
+              <a:t> </a:t>
+            </a:r>
+          </a:p>
+          <a:p>
+            <a:endParaRPr lang="en-IE" dirty="0"/>
+          </a:p>
+        </p:txBody>
+      </p:sp>
+    </p:spTree>
+    <p:extLst>
+      <p:ext uri="{BB962C8B-B14F-4D97-AF65-F5344CB8AC3E}">
+        <p14:creationId xmlns:p14="http://schemas.microsoft.com/office/powerpoint/2010/main" val="4075998874"/>
+      </p:ext>
+    </p:extLst>
+  </p:cSld>
+  <p:clrMapOvr>
+    <a:masterClrMapping/>
+  </p:clrMapOvr>
+</p:sld>
+</file>
+
+<file path=ppt/slides/slide58.xml><?xml version="1.0" encoding="utf-8"?>
+<p:sld xmlns:a="http://schemas.openxmlformats.org/drawingml/2006/main" xmlns:r="http://schemas.openxmlformats.org/officeDocument/2006/relationships" xmlns:p="http://schemas.openxmlformats.org/presentationml/2006/main">
+  <p:cSld>
+    <p:spTree>
+      <p:nvGrpSpPr>
+        <p:cNvPr id="1" name=""/>
+        <p:cNvGrpSpPr/>
+        <p:nvPr/>
+      </p:nvGrpSpPr>
+      <p:grpSpPr>
+        <a:xfrm>
+          <a:off x="0" y="0"/>
+          <a:ext cx="0" cy="0"/>
+          <a:chOff x="0" y="0"/>
+          <a:chExt cx="0" cy="0"/>
+        </a:xfrm>
+      </p:grpSpPr>
       <p:pic>
         <p:nvPicPr>
-          <p:cNvPr id="5" name="Picture 4">
-            <a:extLst>
-              <a:ext uri="{FF2B5EF4-FFF2-40B4-BE49-F238E27FC236}">
-                <a16:creationId xmlns:a16="http://schemas.microsoft.com/office/drawing/2014/main" id="{92331335-08D8-46CA-896D-D83EB4889401}"/>
+          <p:cNvPr id="8" name="Picture 7">
+            <a:extLst>
+              <a:ext uri="{FF2B5EF4-FFF2-40B4-BE49-F238E27FC236}">
+                <a16:creationId xmlns:a16="http://schemas.microsoft.com/office/drawing/2014/main" id="{88757E61-16B7-4676-9C0E-CEEA22402B1B}"/>
               </a:ext>
             </a:extLst>
           </p:cNvPr>
@@ -16158,31 +16753,251 @@
           <p:nvPr/>
         </p:nvPicPr>
         <p:blipFill>
-          <a:blip r:embed="rId2">
-            <a:extLst>
-              <a:ext uri="{28A0092B-C50C-407E-A947-70E740481C1C}">
-                <a14:useLocalDpi xmlns:a14="http://schemas.microsoft.com/office/drawing/2010/main" val="0"/>
-              </a:ext>
-            </a:extLst>
-          </a:blip>
+          <a:blip r:embed="rId2"/>
           <a:stretch>
             <a:fillRect/>
           </a:stretch>
         </p:blipFill>
         <p:spPr>
           <a:xfrm>
-            <a:off x="1801363" y="2756798"/>
-            <a:ext cx="8589273" cy="3859260"/>
+            <a:off x="5595726" y="0"/>
+            <a:ext cx="5239062" cy="6858000"/>
           </a:xfrm>
           <a:prstGeom prst="rect">
             <a:avLst/>
           </a:prstGeom>
         </p:spPr>
       </p:pic>
+      <p:sp>
+        <p:nvSpPr>
+          <p:cNvPr id="2" name="Title 1">
+            <a:extLst>
+              <a:ext uri="{FF2B5EF4-FFF2-40B4-BE49-F238E27FC236}">
+                <a16:creationId xmlns:a16="http://schemas.microsoft.com/office/drawing/2014/main" id="{3340CABF-5241-4665-950E-902AC1D2FAEE}"/>
+              </a:ext>
+            </a:extLst>
+          </p:cNvPr>
+          <p:cNvSpPr>
+            <a:spLocks noGrp="1"/>
+          </p:cNvSpPr>
+          <p:nvPr>
+            <p:ph type="title"/>
+          </p:nvPr>
+        </p:nvSpPr>
+        <p:spPr>
+          <a:xfrm>
+            <a:off x="117438" y="0"/>
+            <a:ext cx="4949414" cy="1097280"/>
+          </a:xfrm>
+        </p:spPr>
+        <p:txBody>
+          <a:bodyPr>
+            <a:normAutofit fontScale="90000"/>
+          </a:bodyPr>
+          <a:lstStyle/>
+          <a:p>
+            <a:r>
+              <a:rPr lang="en-IE" dirty="0"/>
+              <a:t>FPGA: Xilinx Spartan 6, SLICEX: </a:t>
+            </a:r>
+          </a:p>
+        </p:txBody>
+      </p:sp>
+      <p:sp>
+        <p:nvSpPr>
+          <p:cNvPr id="4" name="TextBox 3">
+            <a:extLst>
+              <a:ext uri="{FF2B5EF4-FFF2-40B4-BE49-F238E27FC236}">
+                <a16:creationId xmlns:a16="http://schemas.microsoft.com/office/drawing/2014/main" id="{BC51F177-36DB-4509-9D21-9ADB67BC2573}"/>
+              </a:ext>
+            </a:extLst>
+          </p:cNvPr>
+          <p:cNvSpPr txBox="1"/>
+          <p:nvPr/>
+        </p:nvSpPr>
+        <p:spPr>
+          <a:xfrm>
+            <a:off x="0" y="5769685"/>
+            <a:ext cx="4367605" cy="1200329"/>
+          </a:xfrm>
+          <a:prstGeom prst="rect">
+            <a:avLst/>
+          </a:prstGeom>
+          <a:noFill/>
+        </p:spPr>
+        <p:txBody>
+          <a:bodyPr wrap="square" rtlCol="0">
+            <a:spAutoFit/>
+          </a:bodyPr>
+          <a:lstStyle/>
+          <a:p>
+            <a:r>
+              <a:rPr lang="en-IE" dirty="0"/>
+              <a:t>© Xilinx, Source: </a:t>
+            </a:r>
+            <a:r>
+              <a:rPr lang="en-IE" dirty="0">
+                <a:hlinkClick r:id="rId3"/>
+              </a:rPr>
+              <a:t>https://www.xilinx.com/support/documentation/user_guides/ug384.pdf</a:t>
+            </a:r>
+            <a:r>
+              <a:rPr lang="en-IE" dirty="0"/>
+              <a:t> </a:t>
+            </a:r>
+          </a:p>
+          <a:p>
+            <a:endParaRPr lang="en-IE" dirty="0"/>
+          </a:p>
+        </p:txBody>
+      </p:sp>
     </p:spTree>
     <p:extLst>
       <p:ext uri="{BB962C8B-B14F-4D97-AF65-F5344CB8AC3E}">
-        <p14:creationId xmlns:p14="http://schemas.microsoft.com/office/powerpoint/2010/main" val="602141131"/>
+        <p14:creationId xmlns:p14="http://schemas.microsoft.com/office/powerpoint/2010/main" val="3376517106"/>
+      </p:ext>
+    </p:extLst>
+  </p:cSld>
+  <p:clrMapOvr>
+    <a:masterClrMapping/>
+  </p:clrMapOvr>
+</p:sld>
+</file>
+
+<file path=ppt/slides/slide59.xml><?xml version="1.0" encoding="utf-8"?>
+<p:sld xmlns:a="http://schemas.openxmlformats.org/drawingml/2006/main" xmlns:r="http://schemas.openxmlformats.org/officeDocument/2006/relationships" xmlns:p="http://schemas.openxmlformats.org/presentationml/2006/main">
+  <p:cSld>
+    <p:spTree>
+      <p:nvGrpSpPr>
+        <p:cNvPr id="1" name=""/>
+        <p:cNvGrpSpPr/>
+        <p:nvPr/>
+      </p:nvGrpSpPr>
+      <p:grpSpPr>
+        <a:xfrm>
+          <a:off x="0" y="0"/>
+          <a:ext cx="0" cy="0"/>
+          <a:chOff x="0" y="0"/>
+          <a:chExt cx="0" cy="0"/>
+        </a:xfrm>
+      </p:grpSpPr>
+      <p:pic>
+        <p:nvPicPr>
+          <p:cNvPr id="7" name="Picture 6">
+            <a:extLst>
+              <a:ext uri="{FF2B5EF4-FFF2-40B4-BE49-F238E27FC236}">
+                <a16:creationId xmlns:a16="http://schemas.microsoft.com/office/drawing/2014/main" id="{1675D2FA-770D-43A4-9EC7-C54235098BDF}"/>
+              </a:ext>
+            </a:extLst>
+          </p:cNvPr>
+          <p:cNvPicPr>
+            <a:picLocks noChangeAspect="1"/>
+          </p:cNvPicPr>
+          <p:nvPr/>
+        </p:nvPicPr>
+        <p:blipFill>
+          <a:blip r:embed="rId2"/>
+          <a:stretch>
+            <a:fillRect/>
+          </a:stretch>
+        </p:blipFill>
+        <p:spPr>
+          <a:xfrm>
+            <a:off x="5378322" y="0"/>
+            <a:ext cx="6229466" cy="6858000"/>
+          </a:xfrm>
+          <a:prstGeom prst="rect">
+            <a:avLst/>
+          </a:prstGeom>
+        </p:spPr>
+      </p:pic>
+      <p:sp>
+        <p:nvSpPr>
+          <p:cNvPr id="2" name="Title 1">
+            <a:extLst>
+              <a:ext uri="{FF2B5EF4-FFF2-40B4-BE49-F238E27FC236}">
+                <a16:creationId xmlns:a16="http://schemas.microsoft.com/office/drawing/2014/main" id="{3340CABF-5241-4665-950E-902AC1D2FAEE}"/>
+              </a:ext>
+            </a:extLst>
+          </p:cNvPr>
+          <p:cNvSpPr>
+            <a:spLocks noGrp="1"/>
+          </p:cNvSpPr>
+          <p:nvPr>
+            <p:ph type="title"/>
+          </p:nvPr>
+        </p:nvSpPr>
+        <p:spPr>
+          <a:xfrm>
+            <a:off x="117438" y="0"/>
+            <a:ext cx="4949414" cy="1097280"/>
+          </a:xfrm>
+        </p:spPr>
+        <p:txBody>
+          <a:bodyPr>
+            <a:normAutofit fontScale="90000"/>
+          </a:bodyPr>
+          <a:lstStyle/>
+          <a:p>
+            <a:r>
+              <a:rPr lang="en-IE" dirty="0"/>
+              <a:t>FPGA: Xilinx Spartan 6, SLICEL: </a:t>
+            </a:r>
+          </a:p>
+        </p:txBody>
+      </p:sp>
+      <p:sp>
+        <p:nvSpPr>
+          <p:cNvPr id="4" name="TextBox 3">
+            <a:extLst>
+              <a:ext uri="{FF2B5EF4-FFF2-40B4-BE49-F238E27FC236}">
+                <a16:creationId xmlns:a16="http://schemas.microsoft.com/office/drawing/2014/main" id="{BC51F177-36DB-4509-9D21-9ADB67BC2573}"/>
+              </a:ext>
+            </a:extLst>
+          </p:cNvPr>
+          <p:cNvSpPr txBox="1"/>
+          <p:nvPr/>
+        </p:nvSpPr>
+        <p:spPr>
+          <a:xfrm>
+            <a:off x="0" y="5769685"/>
+            <a:ext cx="4367605" cy="1200329"/>
+          </a:xfrm>
+          <a:prstGeom prst="rect">
+            <a:avLst/>
+          </a:prstGeom>
+          <a:noFill/>
+        </p:spPr>
+        <p:txBody>
+          <a:bodyPr wrap="square" rtlCol="0">
+            <a:spAutoFit/>
+          </a:bodyPr>
+          <a:lstStyle/>
+          <a:p>
+            <a:r>
+              <a:rPr lang="en-IE" dirty="0"/>
+              <a:t>© Xilinx, Source: </a:t>
+            </a:r>
+            <a:r>
+              <a:rPr lang="en-IE" dirty="0">
+                <a:hlinkClick r:id="rId3"/>
+              </a:rPr>
+              <a:t>https://www.xilinx.com/support/documentation/user_guides/ug384.pdf</a:t>
+            </a:r>
+            <a:r>
+              <a:rPr lang="en-IE" dirty="0"/>
+              <a:t> </a:t>
+            </a:r>
+          </a:p>
+          <a:p>
+            <a:endParaRPr lang="en-IE" dirty="0"/>
+          </a:p>
+        </p:txBody>
+      </p:sp>
+    </p:spTree>
+    <p:extLst>
+      <p:ext uri="{BB962C8B-B14F-4D97-AF65-F5344CB8AC3E}">
+        <p14:creationId xmlns:p14="http://schemas.microsoft.com/office/powerpoint/2010/main" val="4233348570"/>
       </p:ext>
     </p:extLst>
   </p:cSld>
@@ -17201,6 +18016,583 @@
       </p:par>
     </p:tnLst>
   </p:timing>
+</p:sld>
+</file>
+
+<file path=ppt/slides/slide60.xml><?xml version="1.0" encoding="utf-8"?>
+<p:sld xmlns:a="http://schemas.openxmlformats.org/drawingml/2006/main" xmlns:r="http://schemas.openxmlformats.org/officeDocument/2006/relationships" xmlns:p="http://schemas.openxmlformats.org/presentationml/2006/main">
+  <p:cSld>
+    <p:spTree>
+      <p:nvGrpSpPr>
+        <p:cNvPr id="1" name=""/>
+        <p:cNvGrpSpPr/>
+        <p:nvPr/>
+      </p:nvGrpSpPr>
+      <p:grpSpPr>
+        <a:xfrm>
+          <a:off x="0" y="0"/>
+          <a:ext cx="0" cy="0"/>
+          <a:chOff x="0" y="0"/>
+          <a:chExt cx="0" cy="0"/>
+        </a:xfrm>
+      </p:grpSpPr>
+      <p:pic>
+        <p:nvPicPr>
+          <p:cNvPr id="3" name="Picture 2">
+            <a:extLst>
+              <a:ext uri="{FF2B5EF4-FFF2-40B4-BE49-F238E27FC236}">
+                <a16:creationId xmlns:a16="http://schemas.microsoft.com/office/drawing/2014/main" id="{293B1A1E-3D30-423C-8E70-3EA68DA5D868}"/>
+              </a:ext>
+            </a:extLst>
+          </p:cNvPr>
+          <p:cNvPicPr>
+            <a:picLocks noChangeAspect="1"/>
+          </p:cNvPicPr>
+          <p:nvPr/>
+        </p:nvPicPr>
+        <p:blipFill>
+          <a:blip r:embed="rId2"/>
+          <a:stretch>
+            <a:fillRect/>
+          </a:stretch>
+        </p:blipFill>
+        <p:spPr>
+          <a:xfrm>
+            <a:off x="4978198" y="0"/>
+            <a:ext cx="6603214" cy="6858000"/>
+          </a:xfrm>
+          <a:prstGeom prst="rect">
+            <a:avLst/>
+          </a:prstGeom>
+        </p:spPr>
+      </p:pic>
+      <p:sp>
+        <p:nvSpPr>
+          <p:cNvPr id="2" name="Title 1">
+            <a:extLst>
+              <a:ext uri="{FF2B5EF4-FFF2-40B4-BE49-F238E27FC236}">
+                <a16:creationId xmlns:a16="http://schemas.microsoft.com/office/drawing/2014/main" id="{3340CABF-5241-4665-950E-902AC1D2FAEE}"/>
+              </a:ext>
+            </a:extLst>
+          </p:cNvPr>
+          <p:cNvSpPr>
+            <a:spLocks noGrp="1"/>
+          </p:cNvSpPr>
+          <p:nvPr>
+            <p:ph type="title"/>
+          </p:nvPr>
+        </p:nvSpPr>
+        <p:spPr>
+          <a:xfrm>
+            <a:off x="117438" y="0"/>
+            <a:ext cx="4949414" cy="1097280"/>
+          </a:xfrm>
+        </p:spPr>
+        <p:txBody>
+          <a:bodyPr>
+            <a:normAutofit fontScale="90000"/>
+          </a:bodyPr>
+          <a:lstStyle/>
+          <a:p>
+            <a:r>
+              <a:rPr lang="en-IE" dirty="0"/>
+              <a:t>FPGA: Xilinx Spartan 6, SLICEM: </a:t>
+            </a:r>
+          </a:p>
+        </p:txBody>
+      </p:sp>
+      <p:sp>
+        <p:nvSpPr>
+          <p:cNvPr id="4" name="TextBox 3">
+            <a:extLst>
+              <a:ext uri="{FF2B5EF4-FFF2-40B4-BE49-F238E27FC236}">
+                <a16:creationId xmlns:a16="http://schemas.microsoft.com/office/drawing/2014/main" id="{BC51F177-36DB-4509-9D21-9ADB67BC2573}"/>
+              </a:ext>
+            </a:extLst>
+          </p:cNvPr>
+          <p:cNvSpPr txBox="1"/>
+          <p:nvPr/>
+        </p:nvSpPr>
+        <p:spPr>
+          <a:xfrm>
+            <a:off x="0" y="5769685"/>
+            <a:ext cx="4367605" cy="1200329"/>
+          </a:xfrm>
+          <a:prstGeom prst="rect">
+            <a:avLst/>
+          </a:prstGeom>
+          <a:noFill/>
+        </p:spPr>
+        <p:txBody>
+          <a:bodyPr wrap="square" rtlCol="0">
+            <a:spAutoFit/>
+          </a:bodyPr>
+          <a:lstStyle/>
+          <a:p>
+            <a:r>
+              <a:rPr lang="en-IE" dirty="0"/>
+              <a:t>© Xilinx, Source: </a:t>
+            </a:r>
+            <a:r>
+              <a:rPr lang="en-IE" dirty="0">
+                <a:hlinkClick r:id="rId3"/>
+              </a:rPr>
+              <a:t>https://www.xilinx.com/support/documentation/user_guides/ug384.pdf</a:t>
+            </a:r>
+            <a:r>
+              <a:rPr lang="en-IE" dirty="0"/>
+              <a:t> </a:t>
+            </a:r>
+          </a:p>
+          <a:p>
+            <a:endParaRPr lang="en-IE" dirty="0"/>
+          </a:p>
+        </p:txBody>
+      </p:sp>
+    </p:spTree>
+    <p:extLst>
+      <p:ext uri="{BB962C8B-B14F-4D97-AF65-F5344CB8AC3E}">
+        <p14:creationId xmlns:p14="http://schemas.microsoft.com/office/powerpoint/2010/main" val="1778258312"/>
+      </p:ext>
+    </p:extLst>
+  </p:cSld>
+  <p:clrMapOvr>
+    <a:masterClrMapping/>
+  </p:clrMapOvr>
+</p:sld>
+</file>
+
+<file path=ppt/slides/slide61.xml><?xml version="1.0" encoding="utf-8"?>
+<p:sld xmlns:a="http://schemas.openxmlformats.org/drawingml/2006/main" xmlns:r="http://schemas.openxmlformats.org/officeDocument/2006/relationships" xmlns:p="http://schemas.openxmlformats.org/presentationml/2006/main">
+  <p:cSld>
+    <p:spTree>
+      <p:nvGrpSpPr>
+        <p:cNvPr id="1" name=""/>
+        <p:cNvGrpSpPr/>
+        <p:nvPr/>
+      </p:nvGrpSpPr>
+      <p:grpSpPr>
+        <a:xfrm>
+          <a:off x="0" y="0"/>
+          <a:ext cx="0" cy="0"/>
+          <a:chOff x="0" y="0"/>
+          <a:chExt cx="0" cy="0"/>
+        </a:xfrm>
+      </p:grpSpPr>
+      <p:sp>
+        <p:nvSpPr>
+          <p:cNvPr id="2" name="Title 1">
+            <a:extLst>
+              <a:ext uri="{FF2B5EF4-FFF2-40B4-BE49-F238E27FC236}">
+                <a16:creationId xmlns:a16="http://schemas.microsoft.com/office/drawing/2014/main" id="{0F5E4F47-9DA8-4CCF-805C-3F7A13EEE530}"/>
+              </a:ext>
+            </a:extLst>
+          </p:cNvPr>
+          <p:cNvSpPr>
+            <a:spLocks noGrp="1"/>
+          </p:cNvSpPr>
+          <p:nvPr>
+            <p:ph type="title"/>
+          </p:nvPr>
+        </p:nvSpPr>
+        <p:spPr>
+          <a:xfrm>
+            <a:off x="377070" y="1"/>
+            <a:ext cx="10515600" cy="548640"/>
+          </a:xfrm>
+        </p:spPr>
+        <p:txBody>
+          <a:bodyPr>
+            <a:normAutofit fontScale="90000"/>
+          </a:bodyPr>
+          <a:lstStyle/>
+          <a:p>
+            <a:r>
+              <a:rPr lang="en-IE" dirty="0"/>
+              <a:t>Xilinx Spartan 6 family</a:t>
+            </a:r>
+          </a:p>
+        </p:txBody>
+      </p:sp>
+      <p:pic>
+        <p:nvPicPr>
+          <p:cNvPr id="4" name="Picture 3">
+            <a:extLst>
+              <a:ext uri="{FF2B5EF4-FFF2-40B4-BE49-F238E27FC236}">
+                <a16:creationId xmlns:a16="http://schemas.microsoft.com/office/drawing/2014/main" id="{1DEA422D-F1AD-4F8C-90E4-E9172F170641}"/>
+              </a:ext>
+            </a:extLst>
+          </p:cNvPr>
+          <p:cNvPicPr>
+            <a:picLocks noChangeAspect="1"/>
+          </p:cNvPicPr>
+          <p:nvPr/>
+        </p:nvPicPr>
+        <p:blipFill>
+          <a:blip r:embed="rId2"/>
+          <a:stretch>
+            <a:fillRect/>
+          </a:stretch>
+        </p:blipFill>
+        <p:spPr>
+          <a:xfrm>
+            <a:off x="838200" y="548641"/>
+            <a:ext cx="10054470" cy="5990755"/>
+          </a:xfrm>
+          <a:prstGeom prst="rect">
+            <a:avLst/>
+          </a:prstGeom>
+        </p:spPr>
+      </p:pic>
+      <p:sp>
+        <p:nvSpPr>
+          <p:cNvPr id="5" name="TextBox 4">
+            <a:extLst>
+              <a:ext uri="{FF2B5EF4-FFF2-40B4-BE49-F238E27FC236}">
+                <a16:creationId xmlns:a16="http://schemas.microsoft.com/office/drawing/2014/main" id="{C4935C57-9BCF-4CDC-A3AA-07CC3FB0EABB}"/>
+              </a:ext>
+            </a:extLst>
+          </p:cNvPr>
+          <p:cNvSpPr txBox="1"/>
+          <p:nvPr/>
+        </p:nvSpPr>
+        <p:spPr>
+          <a:xfrm>
+            <a:off x="188535" y="6441705"/>
+            <a:ext cx="11353800" cy="646331"/>
+          </a:xfrm>
+          <a:prstGeom prst="rect">
+            <a:avLst/>
+          </a:prstGeom>
+          <a:noFill/>
+        </p:spPr>
+        <p:txBody>
+          <a:bodyPr wrap="square" rtlCol="0">
+            <a:spAutoFit/>
+          </a:bodyPr>
+          <a:lstStyle/>
+          <a:p>
+            <a:r>
+              <a:rPr lang="en-IE" dirty="0"/>
+              <a:t>© Xilinx, Source: </a:t>
+            </a:r>
+            <a:r>
+              <a:rPr lang="en-IE" dirty="0">
+                <a:hlinkClick r:id="rId3"/>
+              </a:rPr>
+              <a:t>https://www.xilinx.com/support/documentation/user_guides/ug384.pdf</a:t>
+            </a:r>
+            <a:r>
+              <a:rPr lang="en-IE" dirty="0"/>
+              <a:t> </a:t>
+            </a:r>
+          </a:p>
+          <a:p>
+            <a:endParaRPr lang="en-IE" dirty="0"/>
+          </a:p>
+        </p:txBody>
+      </p:sp>
+      <p:sp>
+        <p:nvSpPr>
+          <p:cNvPr id="6" name="Oval 5">
+            <a:extLst>
+              <a:ext uri="{FF2B5EF4-FFF2-40B4-BE49-F238E27FC236}">
+                <a16:creationId xmlns:a16="http://schemas.microsoft.com/office/drawing/2014/main" id="{FE80234E-1EF0-4E41-9784-676EBD57FED6}"/>
+              </a:ext>
+            </a:extLst>
+          </p:cNvPr>
+          <p:cNvSpPr/>
+          <p:nvPr/>
+        </p:nvSpPr>
+        <p:spPr>
+          <a:xfrm>
+            <a:off x="3625327" y="839096"/>
+            <a:ext cx="2721685" cy="819375"/>
+          </a:xfrm>
+          <a:prstGeom prst="ellipse">
+            <a:avLst/>
+          </a:prstGeom>
+          <a:noFill/>
+          <a:ln w="57150">
+            <a:solidFill>
+              <a:srgbClr val="FF0000"/>
+            </a:solidFill>
+          </a:ln>
+        </p:spPr>
+        <p:style>
+          <a:lnRef idx="2">
+            <a:schemeClr val="accent1">
+              <a:shade val="50000"/>
+            </a:schemeClr>
+          </a:lnRef>
+          <a:fillRef idx="1">
+            <a:schemeClr val="accent1"/>
+          </a:fillRef>
+          <a:effectRef idx="0">
+            <a:schemeClr val="accent1"/>
+          </a:effectRef>
+          <a:fontRef idx="minor">
+            <a:schemeClr val="lt1"/>
+          </a:fontRef>
+        </p:style>
+        <p:txBody>
+          <a:bodyPr rtlCol="0" anchor="ctr"/>
+          <a:lstStyle/>
+          <a:p>
+            <a:pPr algn="ctr"/>
+            <a:endParaRPr lang="en-IE"/>
+          </a:p>
+        </p:txBody>
+      </p:sp>
+    </p:spTree>
+    <p:extLst>
+      <p:ext uri="{BB962C8B-B14F-4D97-AF65-F5344CB8AC3E}">
+        <p14:creationId xmlns:p14="http://schemas.microsoft.com/office/powerpoint/2010/main" val="236119335"/>
+      </p:ext>
+    </p:extLst>
+  </p:cSld>
+  <p:clrMapOvr>
+    <a:masterClrMapping/>
+  </p:clrMapOvr>
+</p:sld>
+</file>
+
+<file path=ppt/slides/slide62.xml><?xml version="1.0" encoding="utf-8"?>
+<p:sld xmlns:a="http://schemas.openxmlformats.org/drawingml/2006/main" xmlns:r="http://schemas.openxmlformats.org/officeDocument/2006/relationships" xmlns:p="http://schemas.openxmlformats.org/presentationml/2006/main">
+  <p:cSld>
+    <p:spTree>
+      <p:nvGrpSpPr>
+        <p:cNvPr id="1" name=""/>
+        <p:cNvGrpSpPr/>
+        <p:nvPr/>
+      </p:nvGrpSpPr>
+      <p:grpSpPr>
+        <a:xfrm>
+          <a:off x="0" y="0"/>
+          <a:ext cx="0" cy="0"/>
+          <a:chOff x="0" y="0"/>
+          <a:chExt cx="0" cy="0"/>
+        </a:xfrm>
+      </p:grpSpPr>
+      <p:sp>
+        <p:nvSpPr>
+          <p:cNvPr id="2" name="Title 1">
+            <a:extLst>
+              <a:ext uri="{FF2B5EF4-FFF2-40B4-BE49-F238E27FC236}">
+                <a16:creationId xmlns:a16="http://schemas.microsoft.com/office/drawing/2014/main" id="{0F5E4F47-9DA8-4CCF-805C-3F7A13EEE530}"/>
+              </a:ext>
+            </a:extLst>
+          </p:cNvPr>
+          <p:cNvSpPr>
+            <a:spLocks noGrp="1"/>
+          </p:cNvSpPr>
+          <p:nvPr>
+            <p:ph type="title"/>
+          </p:nvPr>
+        </p:nvSpPr>
+        <p:spPr>
+          <a:xfrm>
+            <a:off x="377070" y="1"/>
+            <a:ext cx="10515600" cy="369212"/>
+          </a:xfrm>
+        </p:spPr>
+        <p:txBody>
+          <a:bodyPr>
+            <a:noAutofit/>
+          </a:bodyPr>
+          <a:lstStyle/>
+          <a:p>
+            <a:r>
+              <a:rPr lang="en-IE" sz="3200" dirty="0"/>
+              <a:t>Xilinx Spartan 6 vs </a:t>
+            </a:r>
+            <a:r>
+              <a:rPr lang="en-IE" sz="3200" dirty="0" err="1"/>
+              <a:t>Virtex</a:t>
+            </a:r>
+            <a:r>
+              <a:rPr lang="en-IE" sz="3200" dirty="0"/>
+              <a:t> </a:t>
+            </a:r>
+            <a:r>
+              <a:rPr lang="en-IE" sz="3200" dirty="0" err="1"/>
+              <a:t>Ultrascale</a:t>
+            </a:r>
+            <a:r>
+              <a:rPr lang="en-IE" sz="3200" dirty="0"/>
+              <a:t> family  - just for scale</a:t>
+            </a:r>
+          </a:p>
+        </p:txBody>
+      </p:sp>
+      <p:sp>
+        <p:nvSpPr>
+          <p:cNvPr id="5" name="TextBox 4">
+            <a:extLst>
+              <a:ext uri="{FF2B5EF4-FFF2-40B4-BE49-F238E27FC236}">
+                <a16:creationId xmlns:a16="http://schemas.microsoft.com/office/drawing/2014/main" id="{C4935C57-9BCF-4CDC-A3AA-07CC3FB0EABB}"/>
+              </a:ext>
+            </a:extLst>
+          </p:cNvPr>
+          <p:cNvSpPr txBox="1"/>
+          <p:nvPr/>
+        </p:nvSpPr>
+        <p:spPr>
+          <a:xfrm>
+            <a:off x="188535" y="6441705"/>
+            <a:ext cx="11353800" cy="369332"/>
+          </a:xfrm>
+          <a:prstGeom prst="rect">
+            <a:avLst/>
+          </a:prstGeom>
+          <a:noFill/>
+        </p:spPr>
+        <p:txBody>
+          <a:bodyPr wrap="square" rtlCol="0">
+            <a:spAutoFit/>
+          </a:bodyPr>
+          <a:lstStyle/>
+          <a:p>
+            <a:r>
+              <a:rPr lang="en-IE" dirty="0"/>
+              <a:t>© Xilinx, Source: </a:t>
+            </a:r>
+            <a:r>
+              <a:rPr lang="en-IE" dirty="0">
+                <a:hlinkClick r:id="rId2"/>
+              </a:rPr>
+              <a:t>https://www.xilinx.com/support/documentation/data_sheets/ds890-ultrascale-overview.pdf</a:t>
+            </a:r>
+            <a:r>
+              <a:rPr lang="en-IE" dirty="0"/>
+              <a:t> </a:t>
+            </a:r>
+          </a:p>
+        </p:txBody>
+      </p:sp>
+      <p:pic>
+        <p:nvPicPr>
+          <p:cNvPr id="7" name="Picture 6">
+            <a:extLst>
+              <a:ext uri="{FF2B5EF4-FFF2-40B4-BE49-F238E27FC236}">
+                <a16:creationId xmlns:a16="http://schemas.microsoft.com/office/drawing/2014/main" id="{0CFA27EC-7063-44C6-A71D-E7E9D38FADD1}"/>
+              </a:ext>
+            </a:extLst>
+          </p:cNvPr>
+          <p:cNvPicPr>
+            <a:picLocks noChangeAspect="1"/>
+          </p:cNvPicPr>
+          <p:nvPr/>
+        </p:nvPicPr>
+        <p:blipFill>
+          <a:blip r:embed="rId3"/>
+          <a:stretch>
+            <a:fillRect/>
+          </a:stretch>
+        </p:blipFill>
+        <p:spPr>
+          <a:xfrm>
+            <a:off x="0" y="369213"/>
+            <a:ext cx="12192000" cy="6119573"/>
+          </a:xfrm>
+          <a:prstGeom prst="rect">
+            <a:avLst/>
+          </a:prstGeom>
+        </p:spPr>
+      </p:pic>
+    </p:spTree>
+    <p:extLst>
+      <p:ext uri="{BB962C8B-B14F-4D97-AF65-F5344CB8AC3E}">
+        <p14:creationId xmlns:p14="http://schemas.microsoft.com/office/powerpoint/2010/main" val="1326398291"/>
+      </p:ext>
+    </p:extLst>
+  </p:cSld>
+  <p:clrMapOvr>
+    <a:masterClrMapping/>
+  </p:clrMapOvr>
+</p:sld>
+</file>
+
+<file path=ppt/slides/slide63.xml><?xml version="1.0" encoding="utf-8"?>
+<p:sld xmlns:a="http://schemas.openxmlformats.org/drawingml/2006/main" xmlns:r="http://schemas.openxmlformats.org/officeDocument/2006/relationships" xmlns:p="http://schemas.openxmlformats.org/presentationml/2006/main">
+  <p:cSld>
+    <p:spTree>
+      <p:nvGrpSpPr>
+        <p:cNvPr id="1" name=""/>
+        <p:cNvGrpSpPr/>
+        <p:nvPr/>
+      </p:nvGrpSpPr>
+      <p:grpSpPr>
+        <a:xfrm>
+          <a:off x="0" y="0"/>
+          <a:ext cx="0" cy="0"/>
+          <a:chOff x="0" y="0"/>
+          <a:chExt cx="0" cy="0"/>
+        </a:xfrm>
+      </p:grpSpPr>
+      <p:sp>
+        <p:nvSpPr>
+          <p:cNvPr id="2" name="Title 1">
+            <a:extLst>
+              <a:ext uri="{FF2B5EF4-FFF2-40B4-BE49-F238E27FC236}">
+                <a16:creationId xmlns:a16="http://schemas.microsoft.com/office/drawing/2014/main" id="{444FC6A2-5A40-4204-A08E-B7176AFEB2AF}"/>
+              </a:ext>
+            </a:extLst>
+          </p:cNvPr>
+          <p:cNvSpPr>
+            <a:spLocks noGrp="1"/>
+          </p:cNvSpPr>
+          <p:nvPr>
+            <p:ph type="title"/>
+          </p:nvPr>
+        </p:nvSpPr>
+        <p:spPr/>
+        <p:txBody>
+          <a:bodyPr/>
+          <a:lstStyle/>
+          <a:p>
+            <a:r>
+              <a:rPr lang="en-IE" dirty="0"/>
+              <a:t>FPGA: interconnects </a:t>
+            </a:r>
+          </a:p>
+        </p:txBody>
+      </p:sp>
+      <p:sp>
+        <p:nvSpPr>
+          <p:cNvPr id="3" name="Content Placeholder 2">
+            <a:extLst>
+              <a:ext uri="{FF2B5EF4-FFF2-40B4-BE49-F238E27FC236}">
+                <a16:creationId xmlns:a16="http://schemas.microsoft.com/office/drawing/2014/main" id="{367CDD2E-9971-47D0-AC75-0D5C982FF969}"/>
+              </a:ext>
+            </a:extLst>
+          </p:cNvPr>
+          <p:cNvSpPr>
+            <a:spLocks noGrp="1"/>
+          </p:cNvSpPr>
+          <p:nvPr>
+            <p:ph idx="1"/>
+          </p:nvPr>
+        </p:nvSpPr>
+        <p:spPr/>
+        <p:txBody>
+          <a:bodyPr/>
+          <a:lstStyle/>
+          <a:p>
+            <a:endParaRPr lang="en-IE" dirty="0"/>
+          </a:p>
+        </p:txBody>
+      </p:sp>
+    </p:spTree>
+    <p:extLst>
+      <p:ext uri="{BB962C8B-B14F-4D97-AF65-F5344CB8AC3E}">
+        <p14:creationId xmlns:p14="http://schemas.microsoft.com/office/powerpoint/2010/main" val="102770265"/>
+      </p:ext>
+    </p:extLst>
+  </p:cSld>
+  <p:clrMapOvr>
+    <a:masterClrMapping/>
+  </p:clrMapOvr>
 </p:sld>
 </file>
 

--- a/part2.pptx
+++ b/part2.pptx
@@ -62,32 +62,33 @@
     <p:sldId id="310" r:id="rId56"/>
     <p:sldId id="311" r:id="rId57"/>
     <p:sldId id="312" r:id="rId58"/>
-    <p:sldId id="313" r:id="rId59"/>
-    <p:sldId id="314" r:id="rId60"/>
-    <p:sldId id="315" r:id="rId61"/>
-    <p:sldId id="316" r:id="rId62"/>
-    <p:sldId id="320" r:id="rId63"/>
-    <p:sldId id="321" r:id="rId64"/>
-    <p:sldId id="322" r:id="rId65"/>
-    <p:sldId id="323" r:id="rId66"/>
-    <p:sldId id="325" r:id="rId67"/>
-    <p:sldId id="326" r:id="rId68"/>
-    <p:sldId id="327" r:id="rId69"/>
-    <p:sldId id="319" r:id="rId70"/>
-    <p:sldId id="332" r:id="rId71"/>
-    <p:sldId id="333" r:id="rId72"/>
-    <p:sldId id="334" r:id="rId73"/>
-    <p:sldId id="335" r:id="rId74"/>
-    <p:sldId id="336" r:id="rId75"/>
-    <p:sldId id="337" r:id="rId76"/>
-    <p:sldId id="338" r:id="rId77"/>
-    <p:sldId id="339" r:id="rId78"/>
-    <p:sldId id="340" r:id="rId79"/>
-    <p:sldId id="329" r:id="rId80"/>
-    <p:sldId id="330" r:id="rId81"/>
-    <p:sldId id="331" r:id="rId82"/>
-    <p:sldId id="317" r:id="rId83"/>
-    <p:sldId id="318" r:id="rId84"/>
+    <p:sldId id="341" r:id="rId59"/>
+    <p:sldId id="313" r:id="rId60"/>
+    <p:sldId id="314" r:id="rId61"/>
+    <p:sldId id="315" r:id="rId62"/>
+    <p:sldId id="316" r:id="rId63"/>
+    <p:sldId id="320" r:id="rId64"/>
+    <p:sldId id="321" r:id="rId65"/>
+    <p:sldId id="322" r:id="rId66"/>
+    <p:sldId id="323" r:id="rId67"/>
+    <p:sldId id="325" r:id="rId68"/>
+    <p:sldId id="326" r:id="rId69"/>
+    <p:sldId id="327" r:id="rId70"/>
+    <p:sldId id="319" r:id="rId71"/>
+    <p:sldId id="332" r:id="rId72"/>
+    <p:sldId id="333" r:id="rId73"/>
+    <p:sldId id="334" r:id="rId74"/>
+    <p:sldId id="335" r:id="rId75"/>
+    <p:sldId id="336" r:id="rId76"/>
+    <p:sldId id="337" r:id="rId77"/>
+    <p:sldId id="338" r:id="rId78"/>
+    <p:sldId id="339" r:id="rId79"/>
+    <p:sldId id="340" r:id="rId80"/>
+    <p:sldId id="329" r:id="rId81"/>
+    <p:sldId id="330" r:id="rId82"/>
+    <p:sldId id="331" r:id="rId83"/>
+    <p:sldId id="317" r:id="rId84"/>
+    <p:sldId id="318" r:id="rId85"/>
   </p:sldIdLst>
   <p:sldSz cx="12192000" cy="6858000"/>
   <p:notesSz cx="6858000" cy="9144000"/>
@@ -199,10 +200,202 @@
   <pc:docChgLst>
     <pc:chgData name="Sergey Parshin" userId="33371af5f60a0596" providerId="LiveId" clId="{35DFA75A-96B0-4D17-91BA-928D53D9C754}"/>
     <pc:docChg chg="undo custSel addSld modSld sldOrd">
-      <pc:chgData name="Sergey Parshin" userId="33371af5f60a0596" providerId="LiveId" clId="{35DFA75A-96B0-4D17-91BA-928D53D9C754}" dt="2019-10-05T01:55:49.686" v="1887" actId="20577"/>
+      <pc:chgData name="Sergey Parshin" userId="33371af5f60a0596" providerId="LiveId" clId="{35DFA75A-96B0-4D17-91BA-928D53D9C754}" dt="2019-10-05T02:03:43.339" v="2016" actId="1076"/>
       <pc:docMkLst>
         <pc:docMk/>
       </pc:docMkLst>
+      <pc:sldChg chg="modSp">
+        <pc:chgData name="Sergey Parshin" userId="33371af5f60a0596" providerId="LiveId" clId="{35DFA75A-96B0-4D17-91BA-928D53D9C754}" dt="2019-10-05T01:57:57.840" v="1890" actId="403"/>
+        <pc:sldMkLst>
+          <pc:docMk/>
+          <pc:sldMk cId="4154992821" sldId="303"/>
+        </pc:sldMkLst>
+        <pc:spChg chg="mod">
+          <ac:chgData name="Sergey Parshin" userId="33371af5f60a0596" providerId="LiveId" clId="{35DFA75A-96B0-4D17-91BA-928D53D9C754}" dt="2019-10-05T01:57:57.840" v="1890" actId="403"/>
+          <ac:spMkLst>
+            <pc:docMk/>
+            <pc:sldMk cId="4154992821" sldId="303"/>
+            <ac:spMk id="2" creationId="{1F5C86A5-5ABD-46C4-A17C-0BAF134B1699}"/>
+          </ac:spMkLst>
+        </pc:spChg>
+      </pc:sldChg>
+      <pc:sldChg chg="addSp delSp modSp">
+        <pc:chgData name="Sergey Parshin" userId="33371af5f60a0596" providerId="LiveId" clId="{35DFA75A-96B0-4D17-91BA-928D53D9C754}" dt="2019-10-05T01:58:20.524" v="1898" actId="478"/>
+        <pc:sldMkLst>
+          <pc:docMk/>
+          <pc:sldMk cId="1842760542" sldId="304"/>
+        </pc:sldMkLst>
+        <pc:spChg chg="mod">
+          <ac:chgData name="Sergey Parshin" userId="33371af5f60a0596" providerId="LiveId" clId="{35DFA75A-96B0-4D17-91BA-928D53D9C754}" dt="2019-10-05T01:58:13.655" v="1896" actId="20577"/>
+          <ac:spMkLst>
+            <pc:docMk/>
+            <pc:sldMk cId="1842760542" sldId="304"/>
+            <ac:spMk id="2" creationId="{1F5C86A5-5ABD-46C4-A17C-0BAF134B1699}"/>
+          </ac:spMkLst>
+        </pc:spChg>
+        <pc:spChg chg="del">
+          <ac:chgData name="Sergey Parshin" userId="33371af5f60a0596" providerId="LiveId" clId="{35DFA75A-96B0-4D17-91BA-928D53D9C754}" dt="2019-10-05T01:58:17.685" v="1897" actId="478"/>
+          <ac:spMkLst>
+            <pc:docMk/>
+            <pc:sldMk cId="1842760542" sldId="304"/>
+            <ac:spMk id="3" creationId="{C87347FD-D55D-438C-9C55-E34BC125B8F2}"/>
+          </ac:spMkLst>
+        </pc:spChg>
+        <pc:spChg chg="add del mod">
+          <ac:chgData name="Sergey Parshin" userId="33371af5f60a0596" providerId="LiveId" clId="{35DFA75A-96B0-4D17-91BA-928D53D9C754}" dt="2019-10-05T01:58:20.524" v="1898" actId="478"/>
+          <ac:spMkLst>
+            <pc:docMk/>
+            <pc:sldMk cId="1842760542" sldId="304"/>
+            <ac:spMk id="6" creationId="{C2927478-DD69-4775-B1AB-8AD3B9E65EF3}"/>
+          </ac:spMkLst>
+        </pc:spChg>
+      </pc:sldChg>
+      <pc:sldChg chg="addSp delSp modSp">
+        <pc:chgData name="Sergey Parshin" userId="33371af5f60a0596" providerId="LiveId" clId="{35DFA75A-96B0-4D17-91BA-928D53D9C754}" dt="2019-10-05T01:58:35.733" v="1922" actId="478"/>
+        <pc:sldMkLst>
+          <pc:docMk/>
+          <pc:sldMk cId="2819733360" sldId="305"/>
+        </pc:sldMkLst>
+        <pc:spChg chg="mod">
+          <ac:chgData name="Sergey Parshin" userId="33371af5f60a0596" providerId="LiveId" clId="{35DFA75A-96B0-4D17-91BA-928D53D9C754}" dt="2019-10-05T01:58:29.693" v="1920" actId="20577"/>
+          <ac:spMkLst>
+            <pc:docMk/>
+            <pc:sldMk cId="2819733360" sldId="305"/>
+            <ac:spMk id="2" creationId="{1F5C86A5-5ABD-46C4-A17C-0BAF134B1699}"/>
+          </ac:spMkLst>
+        </pc:spChg>
+        <pc:spChg chg="del">
+          <ac:chgData name="Sergey Parshin" userId="33371af5f60a0596" providerId="LiveId" clId="{35DFA75A-96B0-4D17-91BA-928D53D9C754}" dt="2019-10-05T01:58:33.055" v="1921" actId="478"/>
+          <ac:spMkLst>
+            <pc:docMk/>
+            <pc:sldMk cId="2819733360" sldId="305"/>
+            <ac:spMk id="3" creationId="{C87347FD-D55D-438C-9C55-E34BC125B8F2}"/>
+          </ac:spMkLst>
+        </pc:spChg>
+        <pc:spChg chg="add del mod">
+          <ac:chgData name="Sergey Parshin" userId="33371af5f60a0596" providerId="LiveId" clId="{35DFA75A-96B0-4D17-91BA-928D53D9C754}" dt="2019-10-05T01:58:35.733" v="1922" actId="478"/>
+          <ac:spMkLst>
+            <pc:docMk/>
+            <pc:sldMk cId="2819733360" sldId="305"/>
+            <ac:spMk id="6" creationId="{44BEBBE3-DB3A-4024-B870-5FE612978D03}"/>
+          </ac:spMkLst>
+        </pc:spChg>
+      </pc:sldChg>
+      <pc:sldChg chg="delSp modSp">
+        <pc:chgData name="Sergey Parshin" userId="33371af5f60a0596" providerId="LiveId" clId="{35DFA75A-96B0-4D17-91BA-928D53D9C754}" dt="2019-10-05T01:58:46.914" v="1930" actId="478"/>
+        <pc:sldMkLst>
+          <pc:docMk/>
+          <pc:sldMk cId="1688929206" sldId="306"/>
+        </pc:sldMkLst>
+        <pc:spChg chg="mod">
+          <ac:chgData name="Sergey Parshin" userId="33371af5f60a0596" providerId="LiveId" clId="{35DFA75A-96B0-4D17-91BA-928D53D9C754}" dt="2019-10-05T01:58:44.136" v="1929" actId="20577"/>
+          <ac:spMkLst>
+            <pc:docMk/>
+            <pc:sldMk cId="1688929206" sldId="306"/>
+            <ac:spMk id="2" creationId="{1F5C86A5-5ABD-46C4-A17C-0BAF134B1699}"/>
+          </ac:spMkLst>
+        </pc:spChg>
+        <pc:spChg chg="del mod">
+          <ac:chgData name="Sergey Parshin" userId="33371af5f60a0596" providerId="LiveId" clId="{35DFA75A-96B0-4D17-91BA-928D53D9C754}" dt="2019-10-05T01:58:46.914" v="1930" actId="478"/>
+          <ac:spMkLst>
+            <pc:docMk/>
+            <pc:sldMk cId="1688929206" sldId="306"/>
+            <ac:spMk id="3" creationId="{C87347FD-D55D-438C-9C55-E34BC125B8F2}"/>
+          </ac:spMkLst>
+        </pc:spChg>
+      </pc:sldChg>
+      <pc:sldChg chg="modSp">
+        <pc:chgData name="Sergey Parshin" userId="33371af5f60a0596" providerId="LiveId" clId="{35DFA75A-96B0-4D17-91BA-928D53D9C754}" dt="2019-10-05T01:58:56.848" v="1933" actId="20577"/>
+        <pc:sldMkLst>
+          <pc:docMk/>
+          <pc:sldMk cId="3169803207" sldId="307"/>
+        </pc:sldMkLst>
+        <pc:spChg chg="mod">
+          <ac:chgData name="Sergey Parshin" userId="33371af5f60a0596" providerId="LiveId" clId="{35DFA75A-96B0-4D17-91BA-928D53D9C754}" dt="2019-10-05T01:58:56.848" v="1933" actId="20577"/>
+          <ac:spMkLst>
+            <pc:docMk/>
+            <pc:sldMk cId="3169803207" sldId="307"/>
+            <ac:spMk id="2" creationId="{AC8776BD-316E-4360-B6AB-29DE0C6FDBCA}"/>
+          </ac:spMkLst>
+        </pc:spChg>
+      </pc:sldChg>
+      <pc:sldChg chg="addSp delSp modSp">
+        <pc:chgData name="Sergey Parshin" userId="33371af5f60a0596" providerId="LiveId" clId="{35DFA75A-96B0-4D17-91BA-928D53D9C754}" dt="2019-10-05T01:59:22.806" v="1955" actId="478"/>
+        <pc:sldMkLst>
+          <pc:docMk/>
+          <pc:sldMk cId="1684441545" sldId="308"/>
+        </pc:sldMkLst>
+        <pc:spChg chg="mod">
+          <ac:chgData name="Sergey Parshin" userId="33371af5f60a0596" providerId="LiveId" clId="{35DFA75A-96B0-4D17-91BA-928D53D9C754}" dt="2019-10-05T01:59:16.225" v="1953" actId="20577"/>
+          <ac:spMkLst>
+            <pc:docMk/>
+            <pc:sldMk cId="1684441545" sldId="308"/>
+            <ac:spMk id="2" creationId="{1F5C86A5-5ABD-46C4-A17C-0BAF134B1699}"/>
+          </ac:spMkLst>
+        </pc:spChg>
+        <pc:spChg chg="del mod">
+          <ac:chgData name="Sergey Parshin" userId="33371af5f60a0596" providerId="LiveId" clId="{35DFA75A-96B0-4D17-91BA-928D53D9C754}" dt="2019-10-05T01:59:20.372" v="1954" actId="478"/>
+          <ac:spMkLst>
+            <pc:docMk/>
+            <pc:sldMk cId="1684441545" sldId="308"/>
+            <ac:spMk id="3" creationId="{C87347FD-D55D-438C-9C55-E34BC125B8F2}"/>
+          </ac:spMkLst>
+        </pc:spChg>
+        <pc:spChg chg="add del mod">
+          <ac:chgData name="Sergey Parshin" userId="33371af5f60a0596" providerId="LiveId" clId="{35DFA75A-96B0-4D17-91BA-928D53D9C754}" dt="2019-10-05T01:59:22.806" v="1955" actId="478"/>
+          <ac:spMkLst>
+            <pc:docMk/>
+            <pc:sldMk cId="1684441545" sldId="308"/>
+            <ac:spMk id="5" creationId="{8245967B-9126-44FE-BD54-3A6DAD9C7207}"/>
+          </ac:spMkLst>
+        </pc:spChg>
+      </pc:sldChg>
+      <pc:sldChg chg="delSp modSp">
+        <pc:chgData name="Sergey Parshin" userId="33371af5f60a0596" providerId="LiveId" clId="{35DFA75A-96B0-4D17-91BA-928D53D9C754}" dt="2019-10-05T01:59:37.174" v="1965" actId="1076"/>
+        <pc:sldMkLst>
+          <pc:docMk/>
+          <pc:sldMk cId="2400846880" sldId="309"/>
+        </pc:sldMkLst>
+        <pc:spChg chg="mod">
+          <ac:chgData name="Sergey Parshin" userId="33371af5f60a0596" providerId="LiveId" clId="{35DFA75A-96B0-4D17-91BA-928D53D9C754}" dt="2019-10-05T01:59:37.174" v="1965" actId="1076"/>
+          <ac:spMkLst>
+            <pc:docMk/>
+            <pc:sldMk cId="2400846880" sldId="309"/>
+            <ac:spMk id="2" creationId="{1F5C86A5-5ABD-46C4-A17C-0BAF134B1699}"/>
+          </ac:spMkLst>
+        </pc:spChg>
+        <pc:spChg chg="del mod">
+          <ac:chgData name="Sergey Parshin" userId="33371af5f60a0596" providerId="LiveId" clId="{35DFA75A-96B0-4D17-91BA-928D53D9C754}" dt="2019-10-05T01:59:33.848" v="1964" actId="478"/>
+          <ac:spMkLst>
+            <pc:docMk/>
+            <pc:sldMk cId="2400846880" sldId="309"/>
+            <ac:spMk id="3" creationId="{C87347FD-D55D-438C-9C55-E34BC125B8F2}"/>
+          </ac:spMkLst>
+        </pc:spChg>
+      </pc:sldChg>
+      <pc:sldChg chg="delSp modSp">
+        <pc:chgData name="Sergey Parshin" userId="33371af5f60a0596" providerId="LiveId" clId="{35DFA75A-96B0-4D17-91BA-928D53D9C754}" dt="2019-10-05T01:59:50.160" v="1969" actId="478"/>
+        <pc:sldMkLst>
+          <pc:docMk/>
+          <pc:sldMk cId="3710469057" sldId="310"/>
+        </pc:sldMkLst>
+        <pc:spChg chg="mod">
+          <ac:chgData name="Sergey Parshin" userId="33371af5f60a0596" providerId="LiveId" clId="{35DFA75A-96B0-4D17-91BA-928D53D9C754}" dt="2019-10-05T01:59:41.488" v="1968"/>
+          <ac:spMkLst>
+            <pc:docMk/>
+            <pc:sldMk cId="3710469057" sldId="310"/>
+            <ac:spMk id="2" creationId="{1F5C86A5-5ABD-46C4-A17C-0BAF134B1699}"/>
+          </ac:spMkLst>
+        </pc:spChg>
+        <pc:spChg chg="del mod">
+          <ac:chgData name="Sergey Parshin" userId="33371af5f60a0596" providerId="LiveId" clId="{35DFA75A-96B0-4D17-91BA-928D53D9C754}" dt="2019-10-05T01:59:50.160" v="1969" actId="478"/>
+          <ac:spMkLst>
+            <pc:docMk/>
+            <pc:sldMk cId="3710469057" sldId="310"/>
+            <ac:spMk id="3" creationId="{C87347FD-D55D-438C-9C55-E34BC125B8F2}"/>
+          </ac:spMkLst>
+        </pc:spChg>
+      </pc:sldChg>
       <pc:sldChg chg="modSp">
         <pc:chgData name="Sergey Parshin" userId="33371af5f60a0596" providerId="LiveId" clId="{35DFA75A-96B0-4D17-91BA-928D53D9C754}" dt="2019-10-04T22:27:20.912" v="20" actId="20577"/>
         <pc:sldMkLst>
@@ -996,6 +1189,37 @@
           </ac:cxnSpMkLst>
         </pc:cxnChg>
       </pc:sldChg>
+      <pc:sldChg chg="addSp delSp modSp add">
+        <pc:chgData name="Sergey Parshin" userId="33371af5f60a0596" providerId="LiveId" clId="{35DFA75A-96B0-4D17-91BA-928D53D9C754}" dt="2019-10-05T02:03:43.339" v="2016" actId="1076"/>
+        <pc:sldMkLst>
+          <pc:docMk/>
+          <pc:sldMk cId="288419952" sldId="341"/>
+        </pc:sldMkLst>
+        <pc:spChg chg="mod">
+          <ac:chgData name="Sergey Parshin" userId="33371af5f60a0596" providerId="LiveId" clId="{35DFA75A-96B0-4D17-91BA-928D53D9C754}" dt="2019-10-05T02:03:43.339" v="2016" actId="1076"/>
+          <ac:spMkLst>
+            <pc:docMk/>
+            <pc:sldMk cId="288419952" sldId="341"/>
+            <ac:spMk id="2" creationId="{1C303DAF-3C9E-4945-BFEE-2F78078E97B0}"/>
+          </ac:spMkLst>
+        </pc:spChg>
+        <pc:spChg chg="del">
+          <ac:chgData name="Sergey Parshin" userId="33371af5f60a0596" providerId="LiveId" clId="{35DFA75A-96B0-4D17-91BA-928D53D9C754}" dt="2019-10-05T02:03:31.404" v="2011" actId="478"/>
+          <ac:spMkLst>
+            <pc:docMk/>
+            <pc:sldMk cId="288419952" sldId="341"/>
+            <ac:spMk id="3" creationId="{87B42395-D938-4AA2-828E-524120D776EC}"/>
+          </ac:spMkLst>
+        </pc:spChg>
+        <pc:picChg chg="add mod">
+          <ac:chgData name="Sergey Parshin" userId="33371af5f60a0596" providerId="LiveId" clId="{35DFA75A-96B0-4D17-91BA-928D53D9C754}" dt="2019-10-05T02:03:38.460" v="2015" actId="1076"/>
+          <ac:picMkLst>
+            <pc:docMk/>
+            <pc:sldMk cId="288419952" sldId="341"/>
+            <ac:picMk id="4" creationId="{5E8F8B93-843C-40B0-8267-D48EA51BC37D}"/>
+          </ac:picMkLst>
+        </pc:picChg>
+      </pc:sldChg>
     </pc:docChg>
   </pc:docChgLst>
   <pc:docChgLst>
@@ -15833,9 +16057,10 @@
           <a:lstStyle/>
           <a:p>
             <a:r>
-              <a:rPr lang="en-IE" dirty="0"/>
+              <a:rPr lang="en-IE" sz="6000" dirty="0"/>
               <a:t>FPGAs</a:t>
             </a:r>
+            <a:endParaRPr lang="en-IE" dirty="0"/>
           </a:p>
         </p:txBody>
       </p:sp>
@@ -15925,40 +16150,7 @@
           <a:p>
             <a:r>
               <a:rPr lang="en-IE" dirty="0"/>
-              <a:t>FPGAs</a:t>
-            </a:r>
-          </a:p>
-        </p:txBody>
-      </p:sp>
-      <p:sp>
-        <p:nvSpPr>
-          <p:cNvPr id="3" name="Content Placeholder 2">
-            <a:extLst>
-              <a:ext uri="{FF2B5EF4-FFF2-40B4-BE49-F238E27FC236}">
-                <a16:creationId xmlns:a16="http://schemas.microsoft.com/office/drawing/2014/main" id="{C87347FD-D55D-438C-9C55-E34BC125B8F2}"/>
-              </a:ext>
-            </a:extLst>
-          </p:cNvPr>
-          <p:cNvSpPr>
-            <a:spLocks noGrp="1"/>
-          </p:cNvSpPr>
-          <p:nvPr>
-            <p:ph idx="1"/>
-          </p:nvPr>
-        </p:nvSpPr>
-        <p:spPr>
-          <a:xfrm>
-            <a:off x="838200" y="1414808"/>
-            <a:ext cx="10515600" cy="4351338"/>
-          </a:xfrm>
-        </p:spPr>
-        <p:txBody>
-          <a:bodyPr/>
-          <a:lstStyle/>
-          <a:p>
-            <a:r>
-              <a:rPr lang="en-IE" dirty="0"/>
-              <a:t>Sequence 111 detection:</a:t>
+              <a:t>Sequence 111 detection FSM</a:t>
             </a:r>
           </a:p>
         </p:txBody>
@@ -16470,40 +16662,7 @@
           <a:p>
             <a:r>
               <a:rPr lang="en-IE" dirty="0"/>
-              <a:t>FPGAs</a:t>
-            </a:r>
-          </a:p>
-        </p:txBody>
-      </p:sp>
-      <p:sp>
-        <p:nvSpPr>
-          <p:cNvPr id="3" name="Content Placeholder 2">
-            <a:extLst>
-              <a:ext uri="{FF2B5EF4-FFF2-40B4-BE49-F238E27FC236}">
-                <a16:creationId xmlns:a16="http://schemas.microsoft.com/office/drawing/2014/main" id="{C87347FD-D55D-438C-9C55-E34BC125B8F2}"/>
-              </a:ext>
-            </a:extLst>
-          </p:cNvPr>
-          <p:cNvSpPr>
-            <a:spLocks noGrp="1"/>
-          </p:cNvSpPr>
-          <p:nvPr>
-            <p:ph idx="1"/>
-          </p:nvPr>
-        </p:nvSpPr>
-        <p:spPr>
-          <a:xfrm>
-            <a:off x="838200" y="1414808"/>
-            <a:ext cx="10515600" cy="4351338"/>
-          </a:xfrm>
-        </p:spPr>
-        <p:txBody>
-          <a:bodyPr/>
-          <a:lstStyle/>
-          <a:p>
-            <a:r>
-              <a:rPr lang="en-IE" dirty="0"/>
-              <a:t>Sync counter: </a:t>
+              <a:t>Sync counter FSM</a:t>
             </a:r>
           </a:p>
         </p:txBody>
@@ -16702,40 +16861,7 @@
           <a:p>
             <a:r>
               <a:rPr lang="en-IE" dirty="0"/>
-              <a:t>FPGAs</a:t>
-            </a:r>
-          </a:p>
-        </p:txBody>
-      </p:sp>
-      <p:sp>
-        <p:nvSpPr>
-          <p:cNvPr id="3" name="Content Placeholder 2">
-            <a:extLst>
-              <a:ext uri="{FF2B5EF4-FFF2-40B4-BE49-F238E27FC236}">
-                <a16:creationId xmlns:a16="http://schemas.microsoft.com/office/drawing/2014/main" id="{C87347FD-D55D-438C-9C55-E34BC125B8F2}"/>
-              </a:ext>
-            </a:extLst>
-          </p:cNvPr>
-          <p:cNvSpPr>
-            <a:spLocks noGrp="1"/>
-          </p:cNvSpPr>
-          <p:nvPr>
-            <p:ph idx="1"/>
-          </p:nvPr>
-        </p:nvSpPr>
-        <p:spPr>
-          <a:xfrm>
-            <a:off x="838200" y="1414808"/>
-            <a:ext cx="10515600" cy="4351338"/>
-          </a:xfrm>
-        </p:spPr>
-        <p:txBody>
-          <a:bodyPr/>
-          <a:lstStyle/>
-          <a:p>
-            <a:r>
-              <a:rPr lang="en-IE" dirty="0"/>
-              <a:t>Ethernet preamble detection</a:t>
+              <a:t>Ethernet preamble detection FSM</a:t>
             </a:r>
           </a:p>
         </p:txBody>
@@ -16793,7 +16919,7 @@
           <a:p>
             <a:r>
               <a:rPr lang="en-IE" dirty="0"/>
-              <a:t>FPGA</a:t>
+              <a:t>FPGAs..</a:t>
             </a:r>
           </a:p>
         </p:txBody>
@@ -16897,40 +17023,7 @@
           <a:p>
             <a:r>
               <a:rPr lang="en-IE" dirty="0"/>
-              <a:t>FPGAs</a:t>
-            </a:r>
-          </a:p>
-        </p:txBody>
-      </p:sp>
-      <p:sp>
-        <p:nvSpPr>
-          <p:cNvPr id="3" name="Content Placeholder 2">
-            <a:extLst>
-              <a:ext uri="{FF2B5EF4-FFF2-40B4-BE49-F238E27FC236}">
-                <a16:creationId xmlns:a16="http://schemas.microsoft.com/office/drawing/2014/main" id="{C87347FD-D55D-438C-9C55-E34BC125B8F2}"/>
-              </a:ext>
-            </a:extLst>
-          </p:cNvPr>
-          <p:cNvSpPr>
-            <a:spLocks noGrp="1"/>
-          </p:cNvSpPr>
-          <p:nvPr>
-            <p:ph idx="1"/>
-          </p:nvPr>
-        </p:nvSpPr>
-        <p:spPr>
-          <a:xfrm>
-            <a:off x="838200" y="1414808"/>
-            <a:ext cx="10515600" cy="4351338"/>
-          </a:xfrm>
-        </p:spPr>
-        <p:txBody>
-          <a:bodyPr/>
-          <a:lstStyle/>
-          <a:p>
-            <a:r>
-              <a:rPr lang="en-IE" dirty="0"/>
-              <a:t>Sequence 111 detection:</a:t>
+              <a:t>Sequence 111 detection, generalized</a:t>
             </a:r>
           </a:p>
         </p:txBody>
@@ -17011,38 +17104,10 @@
             <p:ph type="title"/>
           </p:nvPr>
         </p:nvSpPr>
-        <p:spPr/>
-        <p:txBody>
-          <a:bodyPr/>
-          <a:lstStyle/>
-          <a:p>
-            <a:r>
-              <a:rPr lang="en-IE" dirty="0"/>
-              <a:t>FPGAs</a:t>
-            </a:r>
-          </a:p>
-        </p:txBody>
-      </p:sp>
-      <p:sp>
-        <p:nvSpPr>
-          <p:cNvPr id="3" name="Content Placeholder 2">
-            <a:extLst>
-              <a:ext uri="{FF2B5EF4-FFF2-40B4-BE49-F238E27FC236}">
-                <a16:creationId xmlns:a16="http://schemas.microsoft.com/office/drawing/2014/main" id="{C87347FD-D55D-438C-9C55-E34BC125B8F2}"/>
-              </a:ext>
-            </a:extLst>
-          </p:cNvPr>
-          <p:cNvSpPr>
-            <a:spLocks noGrp="1"/>
-          </p:cNvSpPr>
-          <p:nvPr>
-            <p:ph idx="1"/>
-          </p:nvPr>
-        </p:nvSpPr>
         <p:spPr>
           <a:xfrm>
-            <a:off x="838200" y="1414808"/>
-            <a:ext cx="10515600" cy="4351338"/>
+            <a:off x="281609" y="365125"/>
+            <a:ext cx="10515600" cy="1325563"/>
           </a:xfrm>
         </p:spPr>
         <p:txBody>
@@ -17051,7 +17116,7 @@
           <a:p>
             <a:r>
               <a:rPr lang="en-IE" dirty="0"/>
-              <a:t>Sync counter: </a:t>
+              <a:t>Sync counter:</a:t>
             </a:r>
           </a:p>
         </p:txBody>
@@ -17169,39 +17234,6 @@
           <a:p>
             <a:r>
               <a:rPr lang="en-IE" dirty="0"/>
-              <a:t>FPGAs</a:t>
-            </a:r>
-          </a:p>
-        </p:txBody>
-      </p:sp>
-      <p:sp>
-        <p:nvSpPr>
-          <p:cNvPr id="3" name="Content Placeholder 2">
-            <a:extLst>
-              <a:ext uri="{FF2B5EF4-FFF2-40B4-BE49-F238E27FC236}">
-                <a16:creationId xmlns:a16="http://schemas.microsoft.com/office/drawing/2014/main" id="{C87347FD-D55D-438C-9C55-E34BC125B8F2}"/>
-              </a:ext>
-            </a:extLst>
-          </p:cNvPr>
-          <p:cNvSpPr>
-            <a:spLocks noGrp="1"/>
-          </p:cNvSpPr>
-          <p:nvPr>
-            <p:ph idx="1"/>
-          </p:nvPr>
-        </p:nvSpPr>
-        <p:spPr>
-          <a:xfrm>
-            <a:off x="838200" y="1414808"/>
-            <a:ext cx="10515600" cy="4351338"/>
-          </a:xfrm>
-        </p:spPr>
-        <p:txBody>
-          <a:bodyPr/>
-          <a:lstStyle/>
-          <a:p>
-            <a:r>
-              <a:rPr lang="en-IE" dirty="0"/>
               <a:t>Ethernet preamble detection</a:t>
             </a:r>
           </a:p>
@@ -17499,12 +17531,45 @@
           <a:chExt cx="0" cy="0"/>
         </a:xfrm>
       </p:grpSpPr>
+      <p:sp>
+        <p:nvSpPr>
+          <p:cNvPr id="2" name="Title 1">
+            <a:extLst>
+              <a:ext uri="{FF2B5EF4-FFF2-40B4-BE49-F238E27FC236}">
+                <a16:creationId xmlns:a16="http://schemas.microsoft.com/office/drawing/2014/main" id="{1C303DAF-3C9E-4945-BFEE-2F78078E97B0}"/>
+              </a:ext>
+            </a:extLst>
+          </p:cNvPr>
+          <p:cNvSpPr>
+            <a:spLocks noGrp="1"/>
+          </p:cNvSpPr>
+          <p:nvPr>
+            <p:ph type="title"/>
+          </p:nvPr>
+        </p:nvSpPr>
+        <p:spPr>
+          <a:xfrm>
+            <a:off x="202095" y="1133751"/>
+            <a:ext cx="10515600" cy="1325563"/>
+          </a:xfrm>
+        </p:spPr>
+        <p:txBody>
+          <a:bodyPr/>
+          <a:lstStyle/>
+          <a:p>
+            <a:r>
+              <a:rPr lang="en-IE" dirty="0"/>
+              <a:t>LUT structure</a:t>
+            </a:r>
+          </a:p>
+        </p:txBody>
+      </p:sp>
       <p:pic>
         <p:nvPicPr>
-          <p:cNvPr id="5" name="Picture 4">
-            <a:extLst>
-              <a:ext uri="{FF2B5EF4-FFF2-40B4-BE49-F238E27FC236}">
-                <a16:creationId xmlns:a16="http://schemas.microsoft.com/office/drawing/2014/main" id="{7016AF2E-63E1-4BAE-9C31-30CBDAF7BC37}"/>
+          <p:cNvPr id="4" name="Picture 3">
+            <a:extLst>
+              <a:ext uri="{FF2B5EF4-FFF2-40B4-BE49-F238E27FC236}">
+                <a16:creationId xmlns:a16="http://schemas.microsoft.com/office/drawing/2014/main" id="{5E8F8B93-843C-40B0-8267-D48EA51BC37D}"/>
               </a:ext>
             </a:extLst>
           </p:cNvPr>
@@ -17521,164 +17586,18 @@
         </p:blipFill>
         <p:spPr>
           <a:xfrm>
-            <a:off x="7481720" y="2209800"/>
-            <a:ext cx="4533900" cy="3448050"/>
+            <a:off x="4968737" y="46738"/>
+            <a:ext cx="5589932" cy="6811262"/>
           </a:xfrm>
           <a:prstGeom prst="rect">
             <a:avLst/>
           </a:prstGeom>
         </p:spPr>
       </p:pic>
-      <p:sp>
-        <p:nvSpPr>
-          <p:cNvPr id="2" name="Title 1">
-            <a:extLst>
-              <a:ext uri="{FF2B5EF4-FFF2-40B4-BE49-F238E27FC236}">
-                <a16:creationId xmlns:a16="http://schemas.microsoft.com/office/drawing/2014/main" id="{3340CABF-5241-4665-950E-902AC1D2FAEE}"/>
-              </a:ext>
-            </a:extLst>
-          </p:cNvPr>
-          <p:cNvSpPr>
-            <a:spLocks noGrp="1"/>
-          </p:cNvSpPr>
-          <p:nvPr>
-            <p:ph type="title"/>
-          </p:nvPr>
-        </p:nvSpPr>
-        <p:spPr>
-          <a:xfrm>
-            <a:off x="838200" y="365125"/>
-            <a:ext cx="10515600" cy="1325563"/>
-          </a:xfrm>
-        </p:spPr>
-        <p:txBody>
-          <a:bodyPr/>
-          <a:lstStyle/>
-          <a:p>
-            <a:r>
-              <a:rPr lang="en-IE" dirty="0"/>
-              <a:t>FPGA: CLBs in a real world, Spartan 6 example</a:t>
-            </a:r>
-          </a:p>
-        </p:txBody>
-      </p:sp>
-      <p:sp>
-        <p:nvSpPr>
-          <p:cNvPr id="3" name="Content Placeholder 2">
-            <a:extLst>
-              <a:ext uri="{FF2B5EF4-FFF2-40B4-BE49-F238E27FC236}">
-                <a16:creationId xmlns:a16="http://schemas.microsoft.com/office/drawing/2014/main" id="{36FA157A-D60C-4AC6-9E30-F3EB5F40D6D3}"/>
-              </a:ext>
-            </a:extLst>
-          </p:cNvPr>
-          <p:cNvSpPr>
-            <a:spLocks noGrp="1"/>
-          </p:cNvSpPr>
-          <p:nvPr>
-            <p:ph idx="1"/>
-          </p:nvPr>
-        </p:nvSpPr>
-        <p:spPr>
-          <a:xfrm>
-            <a:off x="838200" y="1431235"/>
-            <a:ext cx="7305339" cy="4745728"/>
-          </a:xfrm>
-        </p:spPr>
-        <p:txBody>
-          <a:bodyPr>
-            <a:normAutofit lnSpcReduction="10000"/>
-          </a:bodyPr>
-          <a:lstStyle/>
-          <a:p>
-            <a:r>
-              <a:rPr lang="en-IE" dirty="0"/>
-              <a:t>Xilinx Spartan 6, each CLB contains two “slices”</a:t>
-            </a:r>
-          </a:p>
-          <a:p>
-            <a:r>
-              <a:rPr lang="en-IE" dirty="0"/>
-              <a:t>Each slice is approximately identical and includes actual programmable logic  </a:t>
-            </a:r>
-          </a:p>
-          <a:p>
-            <a:r>
-              <a:rPr lang="en-IE" dirty="0"/>
-              <a:t>There are three slice types on Spartan 6: SLICEM, SLICEL, SLICEX</a:t>
-            </a:r>
-          </a:p>
-          <a:p>
-            <a:r>
-              <a:rPr lang="en-IE" dirty="0"/>
-              <a:t>Each type of slice contains a set of 6-input LUTs and 8 Flip-Flops</a:t>
-            </a:r>
-          </a:p>
-          <a:p>
-            <a:r>
-              <a:rPr lang="en-IE" dirty="0"/>
-              <a:t>SLICEL and SLICEM also contain carry logic and wide multiplexers </a:t>
-            </a:r>
-          </a:p>
-          <a:p>
-            <a:r>
-              <a:rPr lang="en-IE" dirty="0"/>
-              <a:t>SLCIEM also has Distributed RAM and Shift Registers on board.</a:t>
-            </a:r>
-          </a:p>
-        </p:txBody>
-      </p:sp>
-      <p:sp>
-        <p:nvSpPr>
-          <p:cNvPr id="6" name="TextBox 5">
-            <a:extLst>
-              <a:ext uri="{FF2B5EF4-FFF2-40B4-BE49-F238E27FC236}">
-                <a16:creationId xmlns:a16="http://schemas.microsoft.com/office/drawing/2014/main" id="{AC4F6529-251C-4262-901D-9FC7E0019B8A}"/>
-              </a:ext>
-            </a:extLst>
-          </p:cNvPr>
-          <p:cNvSpPr txBox="1"/>
-          <p:nvPr/>
-        </p:nvSpPr>
-        <p:spPr>
-          <a:xfrm>
-            <a:off x="247426" y="6492875"/>
-            <a:ext cx="9057939" cy="646331"/>
-          </a:xfrm>
-          <a:prstGeom prst="rect">
-            <a:avLst/>
-          </a:prstGeom>
-          <a:noFill/>
-        </p:spPr>
-        <p:txBody>
-          <a:bodyPr wrap="square" rtlCol="0">
-            <a:spAutoFit/>
-          </a:bodyPr>
-          <a:lstStyle/>
-          <a:p>
-            <a:r>
-              <a:rPr lang="en-IE" dirty="0"/>
-              <a:t>Image, Source: </a:t>
-            </a:r>
-            <a:r>
-              <a:rPr lang="en-IE" dirty="0">
-                <a:hlinkClick r:id="rId3"/>
-              </a:rPr>
-              <a:t>https://www.xilinx.com/support/documentation/user_guides/ug384.pdf</a:t>
-            </a:r>
-            <a:r>
-              <a:rPr lang="en-IE" dirty="0"/>
-              <a:t> </a:t>
-            </a:r>
-          </a:p>
-          <a:p>
-            <a:endParaRPr lang="en-IE" dirty="0"/>
-          </a:p>
-        </p:txBody>
-      </p:sp>
     </p:spTree>
     <p:extLst>
       <p:ext uri="{BB962C8B-B14F-4D97-AF65-F5344CB8AC3E}">
-        <p14:creationId xmlns:p14="http://schemas.microsoft.com/office/powerpoint/2010/main" val="4075998874"/>
+        <p14:creationId xmlns:p14="http://schemas.microsoft.com/office/powerpoint/2010/main" val="288419952"/>
       </p:ext>
     </p:extLst>
   </p:cSld>
@@ -17707,10 +17626,10 @@
       </p:grpSpPr>
       <p:pic>
         <p:nvPicPr>
-          <p:cNvPr id="8" name="Picture 7">
-            <a:extLst>
-              <a:ext uri="{FF2B5EF4-FFF2-40B4-BE49-F238E27FC236}">
-                <a16:creationId xmlns:a16="http://schemas.microsoft.com/office/drawing/2014/main" id="{88757E61-16B7-4676-9C0E-CEEA22402B1B}"/>
+          <p:cNvPr id="5" name="Picture 4">
+            <a:extLst>
+              <a:ext uri="{FF2B5EF4-FFF2-40B4-BE49-F238E27FC236}">
+                <a16:creationId xmlns:a16="http://schemas.microsoft.com/office/drawing/2014/main" id="{7016AF2E-63E1-4BAE-9C31-30CBDAF7BC37}"/>
               </a:ext>
             </a:extLst>
           </p:cNvPr>
@@ -17727,8 +17646,8 @@
         </p:blipFill>
         <p:spPr>
           <a:xfrm>
-            <a:off x="5595726" y="0"/>
-            <a:ext cx="5239062" cy="6858000"/>
+            <a:off x="7481720" y="2209800"/>
+            <a:ext cx="4533900" cy="3448050"/>
           </a:xfrm>
           <a:prstGeom prst="rect">
             <a:avLst/>
@@ -17753,29 +17672,92 @@
         </p:nvSpPr>
         <p:spPr>
           <a:xfrm>
-            <a:off x="117438" y="0"/>
-            <a:ext cx="4949414" cy="1097280"/>
+            <a:off x="838200" y="365125"/>
+            <a:ext cx="10515600" cy="1325563"/>
+          </a:xfrm>
+        </p:spPr>
+        <p:txBody>
+          <a:bodyPr/>
+          <a:lstStyle/>
+          <a:p>
+            <a:r>
+              <a:rPr lang="en-IE" dirty="0"/>
+              <a:t>FPGA: CLBs in a real world, Spartan 6 example</a:t>
+            </a:r>
+          </a:p>
+        </p:txBody>
+      </p:sp>
+      <p:sp>
+        <p:nvSpPr>
+          <p:cNvPr id="3" name="Content Placeholder 2">
+            <a:extLst>
+              <a:ext uri="{FF2B5EF4-FFF2-40B4-BE49-F238E27FC236}">
+                <a16:creationId xmlns:a16="http://schemas.microsoft.com/office/drawing/2014/main" id="{36FA157A-D60C-4AC6-9E30-F3EB5F40D6D3}"/>
+              </a:ext>
+            </a:extLst>
+          </p:cNvPr>
+          <p:cNvSpPr>
+            <a:spLocks noGrp="1"/>
+          </p:cNvSpPr>
+          <p:nvPr>
+            <p:ph idx="1"/>
+          </p:nvPr>
+        </p:nvSpPr>
+        <p:spPr>
+          <a:xfrm>
+            <a:off x="838200" y="1431235"/>
+            <a:ext cx="7305339" cy="4745728"/>
           </a:xfrm>
         </p:spPr>
         <p:txBody>
           <a:bodyPr>
-            <a:normAutofit fontScale="90000"/>
+            <a:normAutofit lnSpcReduction="10000"/>
           </a:bodyPr>
           <a:lstStyle/>
           <a:p>
             <a:r>
               <a:rPr lang="en-IE" dirty="0"/>
-              <a:t>FPGA: Xilinx Spartan 6, SLICEX: </a:t>
+              <a:t>Xilinx Spartan 6, each CLB contains two “slices”</a:t>
+            </a:r>
+          </a:p>
+          <a:p>
+            <a:r>
+              <a:rPr lang="en-IE" dirty="0"/>
+              <a:t>Each slice is approximately identical and includes actual programmable logic  </a:t>
+            </a:r>
+          </a:p>
+          <a:p>
+            <a:r>
+              <a:rPr lang="en-IE" dirty="0"/>
+              <a:t>There are three slice types on Spartan 6: SLICEM, SLICEL, SLICEX</a:t>
+            </a:r>
+          </a:p>
+          <a:p>
+            <a:r>
+              <a:rPr lang="en-IE" dirty="0"/>
+              <a:t>Each type of slice contains a set of 6-input LUTs and 8 Flip-Flops</a:t>
+            </a:r>
+          </a:p>
+          <a:p>
+            <a:r>
+              <a:rPr lang="en-IE" dirty="0"/>
+              <a:t>SLICEL and SLICEM also contain carry logic and wide multiplexers </a:t>
+            </a:r>
+          </a:p>
+          <a:p>
+            <a:r>
+              <a:rPr lang="en-IE" dirty="0"/>
+              <a:t>SLCIEM also has Distributed RAM and Shift Registers on board.</a:t>
             </a:r>
           </a:p>
         </p:txBody>
       </p:sp>
       <p:sp>
         <p:nvSpPr>
-          <p:cNvPr id="4" name="TextBox 3">
-            <a:extLst>
-              <a:ext uri="{FF2B5EF4-FFF2-40B4-BE49-F238E27FC236}">
-                <a16:creationId xmlns:a16="http://schemas.microsoft.com/office/drawing/2014/main" id="{BC51F177-36DB-4509-9D21-9ADB67BC2573}"/>
+          <p:cNvPr id="6" name="TextBox 5">
+            <a:extLst>
+              <a:ext uri="{FF2B5EF4-FFF2-40B4-BE49-F238E27FC236}">
+                <a16:creationId xmlns:a16="http://schemas.microsoft.com/office/drawing/2014/main" id="{AC4F6529-251C-4262-901D-9FC7E0019B8A}"/>
               </a:ext>
             </a:extLst>
           </p:cNvPr>
@@ -17784,8 +17766,8 @@
         </p:nvSpPr>
         <p:spPr>
           <a:xfrm>
-            <a:off x="0" y="5769685"/>
-            <a:ext cx="4367605" cy="1200329"/>
+            <a:off x="247426" y="6492875"/>
+            <a:ext cx="9057939" cy="646331"/>
           </a:xfrm>
           <a:prstGeom prst="rect">
             <a:avLst/>
@@ -17800,7 +17782,7 @@
           <a:p>
             <a:r>
               <a:rPr lang="en-IE" dirty="0"/>
-              <a:t>© Xilinx, Source: </a:t>
+              <a:t>Image, Source: </a:t>
             </a:r>
             <a:r>
               <a:rPr lang="en-IE" dirty="0">
@@ -17821,7 +17803,7 @@
     </p:spTree>
     <p:extLst>
       <p:ext uri="{BB962C8B-B14F-4D97-AF65-F5344CB8AC3E}">
-        <p14:creationId xmlns:p14="http://schemas.microsoft.com/office/powerpoint/2010/main" val="3376517106"/>
+        <p14:creationId xmlns:p14="http://schemas.microsoft.com/office/powerpoint/2010/main" val="4075998874"/>
       </p:ext>
     </p:extLst>
   </p:cSld>
@@ -18862,10 +18844,10 @@
       </p:grpSpPr>
       <p:pic>
         <p:nvPicPr>
-          <p:cNvPr id="7" name="Picture 6">
-            <a:extLst>
-              <a:ext uri="{FF2B5EF4-FFF2-40B4-BE49-F238E27FC236}">
-                <a16:creationId xmlns:a16="http://schemas.microsoft.com/office/drawing/2014/main" id="{1675D2FA-770D-43A4-9EC7-C54235098BDF}"/>
+          <p:cNvPr id="8" name="Picture 7">
+            <a:extLst>
+              <a:ext uri="{FF2B5EF4-FFF2-40B4-BE49-F238E27FC236}">
+                <a16:creationId xmlns:a16="http://schemas.microsoft.com/office/drawing/2014/main" id="{88757E61-16B7-4676-9C0E-CEEA22402B1B}"/>
               </a:ext>
             </a:extLst>
           </p:cNvPr>
@@ -18882,8 +18864,8 @@
         </p:blipFill>
         <p:spPr>
           <a:xfrm>
-            <a:off x="5378322" y="0"/>
-            <a:ext cx="6229466" cy="6858000"/>
+            <a:off x="5595726" y="0"/>
+            <a:ext cx="5239062" cy="6858000"/>
           </a:xfrm>
           <a:prstGeom prst="rect">
             <a:avLst/>
@@ -18920,7 +18902,7 @@
           <a:p>
             <a:r>
               <a:rPr lang="en-IE" dirty="0"/>
-              <a:t>FPGA: Xilinx Spartan 6, SLICEL: </a:t>
+              <a:t>FPGA: Xilinx Spartan 6, SLICEX: </a:t>
             </a:r>
           </a:p>
         </p:txBody>
@@ -18976,7 +18958,7 @@
     </p:spTree>
     <p:extLst>
       <p:ext uri="{BB962C8B-B14F-4D97-AF65-F5344CB8AC3E}">
-        <p14:creationId xmlns:p14="http://schemas.microsoft.com/office/powerpoint/2010/main" val="4233348570"/>
+        <p14:creationId xmlns:p14="http://schemas.microsoft.com/office/powerpoint/2010/main" val="3376517106"/>
       </p:ext>
     </p:extLst>
   </p:cSld>
@@ -19005,10 +18987,10 @@
       </p:grpSpPr>
       <p:pic>
         <p:nvPicPr>
-          <p:cNvPr id="3" name="Picture 2">
-            <a:extLst>
-              <a:ext uri="{FF2B5EF4-FFF2-40B4-BE49-F238E27FC236}">
-                <a16:creationId xmlns:a16="http://schemas.microsoft.com/office/drawing/2014/main" id="{293B1A1E-3D30-423C-8E70-3EA68DA5D868}"/>
+          <p:cNvPr id="7" name="Picture 6">
+            <a:extLst>
+              <a:ext uri="{FF2B5EF4-FFF2-40B4-BE49-F238E27FC236}">
+                <a16:creationId xmlns:a16="http://schemas.microsoft.com/office/drawing/2014/main" id="{1675D2FA-770D-43A4-9EC7-C54235098BDF}"/>
               </a:ext>
             </a:extLst>
           </p:cNvPr>
@@ -19025,8 +19007,8 @@
         </p:blipFill>
         <p:spPr>
           <a:xfrm>
-            <a:off x="4978198" y="0"/>
-            <a:ext cx="6603214" cy="6858000"/>
+            <a:off x="5378322" y="0"/>
+            <a:ext cx="6229466" cy="6858000"/>
           </a:xfrm>
           <a:prstGeom prst="rect">
             <a:avLst/>
@@ -19063,7 +19045,7 @@
           <a:p>
             <a:r>
               <a:rPr lang="en-IE" dirty="0"/>
-              <a:t>FPGA: Xilinx Spartan 6, SLICEM: </a:t>
+              <a:t>FPGA: Xilinx Spartan 6, SLICEL: </a:t>
             </a:r>
           </a:p>
         </p:txBody>
@@ -19119,7 +19101,7 @@
     </p:spTree>
     <p:extLst>
       <p:ext uri="{BB962C8B-B14F-4D97-AF65-F5344CB8AC3E}">
-        <p14:creationId xmlns:p14="http://schemas.microsoft.com/office/powerpoint/2010/main" val="1778258312"/>
+        <p14:creationId xmlns:p14="http://schemas.microsoft.com/office/powerpoint/2010/main" val="4233348570"/>
       </p:ext>
     </p:extLst>
   </p:cSld>
@@ -19146,6 +19128,149 @@
           <a:chExt cx="0" cy="0"/>
         </a:xfrm>
       </p:grpSpPr>
+      <p:pic>
+        <p:nvPicPr>
+          <p:cNvPr id="3" name="Picture 2">
+            <a:extLst>
+              <a:ext uri="{FF2B5EF4-FFF2-40B4-BE49-F238E27FC236}">
+                <a16:creationId xmlns:a16="http://schemas.microsoft.com/office/drawing/2014/main" id="{293B1A1E-3D30-423C-8E70-3EA68DA5D868}"/>
+              </a:ext>
+            </a:extLst>
+          </p:cNvPr>
+          <p:cNvPicPr>
+            <a:picLocks noChangeAspect="1"/>
+          </p:cNvPicPr>
+          <p:nvPr/>
+        </p:nvPicPr>
+        <p:blipFill>
+          <a:blip r:embed="rId2"/>
+          <a:stretch>
+            <a:fillRect/>
+          </a:stretch>
+        </p:blipFill>
+        <p:spPr>
+          <a:xfrm>
+            <a:off x="4978198" y="0"/>
+            <a:ext cx="6603214" cy="6858000"/>
+          </a:xfrm>
+          <a:prstGeom prst="rect">
+            <a:avLst/>
+          </a:prstGeom>
+        </p:spPr>
+      </p:pic>
+      <p:sp>
+        <p:nvSpPr>
+          <p:cNvPr id="2" name="Title 1">
+            <a:extLst>
+              <a:ext uri="{FF2B5EF4-FFF2-40B4-BE49-F238E27FC236}">
+                <a16:creationId xmlns:a16="http://schemas.microsoft.com/office/drawing/2014/main" id="{3340CABF-5241-4665-950E-902AC1D2FAEE}"/>
+              </a:ext>
+            </a:extLst>
+          </p:cNvPr>
+          <p:cNvSpPr>
+            <a:spLocks noGrp="1"/>
+          </p:cNvSpPr>
+          <p:nvPr>
+            <p:ph type="title"/>
+          </p:nvPr>
+        </p:nvSpPr>
+        <p:spPr>
+          <a:xfrm>
+            <a:off x="117438" y="0"/>
+            <a:ext cx="4949414" cy="1097280"/>
+          </a:xfrm>
+        </p:spPr>
+        <p:txBody>
+          <a:bodyPr>
+            <a:normAutofit fontScale="90000"/>
+          </a:bodyPr>
+          <a:lstStyle/>
+          <a:p>
+            <a:r>
+              <a:rPr lang="en-IE" dirty="0"/>
+              <a:t>FPGA: Xilinx Spartan 6, SLICEM: </a:t>
+            </a:r>
+          </a:p>
+        </p:txBody>
+      </p:sp>
+      <p:sp>
+        <p:nvSpPr>
+          <p:cNvPr id="4" name="TextBox 3">
+            <a:extLst>
+              <a:ext uri="{FF2B5EF4-FFF2-40B4-BE49-F238E27FC236}">
+                <a16:creationId xmlns:a16="http://schemas.microsoft.com/office/drawing/2014/main" id="{BC51F177-36DB-4509-9D21-9ADB67BC2573}"/>
+              </a:ext>
+            </a:extLst>
+          </p:cNvPr>
+          <p:cNvSpPr txBox="1"/>
+          <p:nvPr/>
+        </p:nvSpPr>
+        <p:spPr>
+          <a:xfrm>
+            <a:off x="0" y="5769685"/>
+            <a:ext cx="4367605" cy="1200329"/>
+          </a:xfrm>
+          <a:prstGeom prst="rect">
+            <a:avLst/>
+          </a:prstGeom>
+          <a:noFill/>
+        </p:spPr>
+        <p:txBody>
+          <a:bodyPr wrap="square" rtlCol="0">
+            <a:spAutoFit/>
+          </a:bodyPr>
+          <a:lstStyle/>
+          <a:p>
+            <a:r>
+              <a:rPr lang="en-IE" dirty="0"/>
+              <a:t>© Xilinx, Source: </a:t>
+            </a:r>
+            <a:r>
+              <a:rPr lang="en-IE" dirty="0">
+                <a:hlinkClick r:id="rId3"/>
+              </a:rPr>
+              <a:t>https://www.xilinx.com/support/documentation/user_guides/ug384.pdf</a:t>
+            </a:r>
+            <a:r>
+              <a:rPr lang="en-IE" dirty="0"/>
+              <a:t> </a:t>
+            </a:r>
+          </a:p>
+          <a:p>
+            <a:endParaRPr lang="en-IE" dirty="0"/>
+          </a:p>
+        </p:txBody>
+      </p:sp>
+    </p:spTree>
+    <p:extLst>
+      <p:ext uri="{BB962C8B-B14F-4D97-AF65-F5344CB8AC3E}">
+        <p14:creationId xmlns:p14="http://schemas.microsoft.com/office/powerpoint/2010/main" val="1778258312"/>
+      </p:ext>
+    </p:extLst>
+  </p:cSld>
+  <p:clrMapOvr>
+    <a:masterClrMapping/>
+  </p:clrMapOvr>
+</p:sld>
+</file>
+
+<file path=ppt/slides/slide63.xml><?xml version="1.0" encoding="utf-8"?>
+<p:sld xmlns:a="http://schemas.openxmlformats.org/drawingml/2006/main" xmlns:r="http://schemas.openxmlformats.org/officeDocument/2006/relationships" xmlns:p="http://schemas.openxmlformats.org/presentationml/2006/main">
+  <p:cSld>
+    <p:spTree>
+      <p:nvGrpSpPr>
+        <p:cNvPr id="1" name=""/>
+        <p:cNvGrpSpPr/>
+        <p:nvPr/>
+      </p:nvGrpSpPr>
+      <p:grpSpPr>
+        <a:xfrm>
+          <a:off x="0" y="0"/>
+          <a:ext cx="0" cy="0"/>
+          <a:chOff x="0" y="0"/>
+          <a:chExt cx="0" cy="0"/>
+        </a:xfrm>
+      </p:grpSpPr>
       <p:sp>
         <p:nvSpPr>
           <p:cNvPr id="2" name="Title 1">
@@ -19279,7 +19404,7 @@
 </p:sld>
 </file>
 
-<file path=ppt/slides/slide63.xml><?xml version="1.0" encoding="utf-8"?>
+<file path=ppt/slides/slide64.xml><?xml version="1.0" encoding="utf-8"?>
 <p:sld xmlns:a="http://schemas.openxmlformats.org/drawingml/2006/main" xmlns:r="http://schemas.openxmlformats.org/officeDocument/2006/relationships" xmlns:p="http://schemas.openxmlformats.org/presentationml/2006/main">
   <p:cSld>
     <p:spTree>
@@ -19736,7 +19861,7 @@
 </p:sld>
 </file>
 
-<file path=ppt/slides/slide64.xml><?xml version="1.0" encoding="utf-8"?>
+<file path=ppt/slides/slide65.xml><?xml version="1.0" encoding="utf-8"?>
 <p:sld xmlns:a="http://schemas.openxmlformats.org/drawingml/2006/main" xmlns:r="http://schemas.openxmlformats.org/officeDocument/2006/relationships" xmlns:p="http://schemas.openxmlformats.org/presentationml/2006/main">
   <p:cSld>
     <p:spTree>
@@ -20207,7 +20332,7 @@
 </p:sld>
 </file>
 
-<file path=ppt/slides/slide65.xml><?xml version="1.0" encoding="utf-8"?>
+<file path=ppt/slides/slide66.xml><?xml version="1.0" encoding="utf-8"?>
 <p:sld xmlns:a="http://schemas.openxmlformats.org/drawingml/2006/main" xmlns:r="http://schemas.openxmlformats.org/officeDocument/2006/relationships" xmlns:p="http://schemas.openxmlformats.org/presentationml/2006/main">
   <p:cSld>
     <p:spTree>
@@ -20633,7 +20758,7 @@
 </p:sld>
 </file>
 
-<file path=ppt/slides/slide66.xml><?xml version="1.0" encoding="utf-8"?>
+<file path=ppt/slides/slide67.xml><?xml version="1.0" encoding="utf-8"?>
 <p:sld xmlns:a="http://schemas.openxmlformats.org/drawingml/2006/main" xmlns:r="http://schemas.openxmlformats.org/officeDocument/2006/relationships" xmlns:p="http://schemas.openxmlformats.org/presentationml/2006/main">
   <p:cSld>
     <p:spTree>
@@ -21147,7 +21272,7 @@
 </p:sld>
 </file>
 
-<file path=ppt/slides/slide67.xml><?xml version="1.0" encoding="utf-8"?>
+<file path=ppt/slides/slide68.xml><?xml version="1.0" encoding="utf-8"?>
 <p:sld xmlns:a="http://schemas.openxmlformats.org/drawingml/2006/main" xmlns:r="http://schemas.openxmlformats.org/officeDocument/2006/relationships" xmlns:p="http://schemas.openxmlformats.org/presentationml/2006/main">
   <p:cSld>
     <p:spTree>
@@ -21665,7 +21790,7 @@
 </p:sld>
 </file>
 
-<file path=ppt/slides/slide68.xml><?xml version="1.0" encoding="utf-8"?>
+<file path=ppt/slides/slide69.xml><?xml version="1.0" encoding="utf-8"?>
 <p:sld xmlns:a="http://schemas.openxmlformats.org/drawingml/2006/main" xmlns:r="http://schemas.openxmlformats.org/officeDocument/2006/relationships" xmlns:p="http://schemas.openxmlformats.org/presentationml/2006/main">
   <p:cSld>
     <p:spTree>
@@ -22183,7 +22308,381 @@
 </p:sld>
 </file>
 
-<file path=ppt/slides/slide69.xml><?xml version="1.0" encoding="utf-8"?>
+<file path=ppt/slides/slide7.xml><?xml version="1.0" encoding="utf-8"?>
+<p:sld xmlns:a="http://schemas.openxmlformats.org/drawingml/2006/main" xmlns:r="http://schemas.openxmlformats.org/officeDocument/2006/relationships" xmlns:p="http://schemas.openxmlformats.org/presentationml/2006/main">
+  <p:cSld>
+    <p:spTree>
+      <p:nvGrpSpPr>
+        <p:cNvPr id="1" name=""/>
+        <p:cNvGrpSpPr/>
+        <p:nvPr/>
+      </p:nvGrpSpPr>
+      <p:grpSpPr>
+        <a:xfrm>
+          <a:off x="0" y="0"/>
+          <a:ext cx="0" cy="0"/>
+          <a:chOff x="0" y="0"/>
+          <a:chExt cx="0" cy="0"/>
+        </a:xfrm>
+      </p:grpSpPr>
+      <p:sp>
+        <p:nvSpPr>
+          <p:cNvPr id="2" name="Title 1">
+            <a:extLst>
+              <a:ext uri="{FF2B5EF4-FFF2-40B4-BE49-F238E27FC236}">
+                <a16:creationId xmlns:a16="http://schemas.microsoft.com/office/drawing/2014/main" id="{B6A8B093-162A-41A7-9869-68195AE10399}"/>
+              </a:ext>
+            </a:extLst>
+          </p:cNvPr>
+          <p:cNvSpPr>
+            <a:spLocks noGrp="1"/>
+          </p:cNvSpPr>
+          <p:nvPr>
+            <p:ph type="title"/>
+          </p:nvPr>
+        </p:nvSpPr>
+        <p:spPr/>
+        <p:txBody>
+          <a:bodyPr/>
+          <a:lstStyle/>
+          <a:p>
+            <a:r>
+              <a:rPr lang="en-IE" dirty="0"/>
+              <a:t>VHDL – a bit more formal: physical types</a:t>
+            </a:r>
+          </a:p>
+        </p:txBody>
+      </p:sp>
+      <p:sp>
+        <p:nvSpPr>
+          <p:cNvPr id="3" name="Content Placeholder 2">
+            <a:extLst>
+              <a:ext uri="{FF2B5EF4-FFF2-40B4-BE49-F238E27FC236}">
+                <a16:creationId xmlns:a16="http://schemas.microsoft.com/office/drawing/2014/main" id="{EF951D95-A79C-414E-A004-8007A751CE3B}"/>
+              </a:ext>
+            </a:extLst>
+          </p:cNvPr>
+          <p:cNvSpPr>
+            <a:spLocks noGrp="1"/>
+          </p:cNvSpPr>
+          <p:nvPr>
+            <p:ph idx="1"/>
+          </p:nvPr>
+        </p:nvSpPr>
+        <p:spPr>
+          <a:xfrm>
+            <a:off x="838200" y="1414807"/>
+            <a:ext cx="10515600" cy="5078067"/>
+          </a:xfrm>
+        </p:spPr>
+        <p:txBody>
+          <a:bodyPr>
+            <a:normAutofit fontScale="85000" lnSpcReduction="20000"/>
+          </a:bodyPr>
+          <a:lstStyle/>
+          <a:p>
+            <a:pPr marL="0" indent="0">
+              <a:buNone/>
+            </a:pPr>
+            <a:r>
+              <a:rPr lang="en-IE" sz="3800" dirty="0"/>
+              <a:t>By example, system </a:t>
+            </a:r>
+            <a:r>
+              <a:rPr lang="en-IE" sz="3800" b="1" dirty="0"/>
+              <a:t>time</a:t>
+            </a:r>
+            <a:r>
+              <a:rPr lang="en-IE" sz="3800" dirty="0"/>
+              <a:t> type:</a:t>
+            </a:r>
+          </a:p>
+          <a:p>
+            <a:pPr marL="0" indent="0">
+              <a:buNone/>
+            </a:pPr>
+            <a:endParaRPr lang="en-IE" dirty="0"/>
+          </a:p>
+          <a:p>
+            <a:pPr marL="0" indent="0">
+              <a:buNone/>
+            </a:pPr>
+            <a:r>
+              <a:rPr lang="en-IE" b="1" dirty="0">
+                <a:latin typeface="Courier New" panose="02070309020205020404" pitchFamily="49" charset="0"/>
+                <a:cs typeface="Courier New" panose="02070309020205020404" pitchFamily="49" charset="0"/>
+              </a:rPr>
+              <a:t>type</a:t>
+            </a:r>
+            <a:r>
+              <a:rPr lang="en-IE" dirty="0">
+                <a:latin typeface="Courier New" panose="02070309020205020404" pitchFamily="49" charset="0"/>
+                <a:cs typeface="Courier New" panose="02070309020205020404" pitchFamily="49" charset="0"/>
+              </a:rPr>
+              <a:t> time </a:t>
+            </a:r>
+            <a:r>
+              <a:rPr lang="en-IE" b="1" dirty="0">
+                <a:latin typeface="Courier New" panose="02070309020205020404" pitchFamily="49" charset="0"/>
+                <a:cs typeface="Courier New" panose="02070309020205020404" pitchFamily="49" charset="0"/>
+              </a:rPr>
+              <a:t>is</a:t>
+            </a:r>
+            <a:r>
+              <a:rPr lang="en-IE" dirty="0">
+                <a:latin typeface="Courier New" panose="02070309020205020404" pitchFamily="49" charset="0"/>
+                <a:cs typeface="Courier New" panose="02070309020205020404" pitchFamily="49" charset="0"/>
+              </a:rPr>
+              <a:t> </a:t>
+            </a:r>
+            <a:r>
+              <a:rPr lang="en-IE" b="1" dirty="0">
+                <a:latin typeface="Courier New" panose="02070309020205020404" pitchFamily="49" charset="0"/>
+                <a:cs typeface="Courier New" panose="02070309020205020404" pitchFamily="49" charset="0"/>
+              </a:rPr>
+              <a:t>range</a:t>
+            </a:r>
+            <a:r>
+              <a:rPr lang="en-IE" dirty="0">
+                <a:latin typeface="Courier New" panose="02070309020205020404" pitchFamily="49" charset="0"/>
+                <a:cs typeface="Courier New" panose="02070309020205020404" pitchFamily="49" charset="0"/>
+              </a:rPr>
+              <a:t> 0 </a:t>
+            </a:r>
+            <a:r>
+              <a:rPr lang="en-IE" b="1" dirty="0">
+                <a:latin typeface="Courier New" panose="02070309020205020404" pitchFamily="49" charset="0"/>
+                <a:cs typeface="Courier New" panose="02070309020205020404" pitchFamily="49" charset="0"/>
+              </a:rPr>
+              <a:t>to</a:t>
+            </a:r>
+            <a:r>
+              <a:rPr lang="en-IE" dirty="0">
+                <a:latin typeface="Courier New" panose="02070309020205020404" pitchFamily="49" charset="0"/>
+                <a:cs typeface="Courier New" panose="02070309020205020404" pitchFamily="49" charset="0"/>
+              </a:rPr>
+              <a:t> 1e20</a:t>
+            </a:r>
+          </a:p>
+          <a:p>
+            <a:pPr marL="0" indent="0">
+              <a:buNone/>
+            </a:pPr>
+            <a:r>
+              <a:rPr lang="en-IE" dirty="0">
+                <a:latin typeface="Courier New" panose="02070309020205020404" pitchFamily="49" charset="0"/>
+                <a:cs typeface="Courier New" panose="02070309020205020404" pitchFamily="49" charset="0"/>
+              </a:rPr>
+              <a:t>   </a:t>
+            </a:r>
+            <a:r>
+              <a:rPr lang="en-IE" b="1" dirty="0">
+                <a:latin typeface="Courier New" panose="02070309020205020404" pitchFamily="49" charset="0"/>
+                <a:cs typeface="Courier New" panose="02070309020205020404" pitchFamily="49" charset="0"/>
+              </a:rPr>
+              <a:t>units</a:t>
+            </a:r>
+          </a:p>
+          <a:p>
+            <a:pPr marL="0" indent="0">
+              <a:buNone/>
+            </a:pPr>
+            <a:r>
+              <a:rPr lang="en-IE" dirty="0">
+                <a:latin typeface="Courier New" panose="02070309020205020404" pitchFamily="49" charset="0"/>
+                <a:cs typeface="Courier New" panose="02070309020205020404" pitchFamily="49" charset="0"/>
+              </a:rPr>
+              <a:t>	fs;</a:t>
+            </a:r>
+          </a:p>
+          <a:p>
+            <a:pPr marL="0" indent="0">
+              <a:buNone/>
+            </a:pPr>
+            <a:r>
+              <a:rPr lang="en-IE" dirty="0">
+                <a:latin typeface="Courier New" panose="02070309020205020404" pitchFamily="49" charset="0"/>
+                <a:cs typeface="Courier New" panose="02070309020205020404" pitchFamily="49" charset="0"/>
+              </a:rPr>
+              <a:t>	</a:t>
+            </a:r>
+            <a:r>
+              <a:rPr lang="en-IE" dirty="0" err="1">
+                <a:latin typeface="Courier New" panose="02070309020205020404" pitchFamily="49" charset="0"/>
+                <a:cs typeface="Courier New" panose="02070309020205020404" pitchFamily="49" charset="0"/>
+              </a:rPr>
+              <a:t>ps</a:t>
+            </a:r>
+            <a:r>
+              <a:rPr lang="en-IE" dirty="0">
+                <a:latin typeface="Courier New" panose="02070309020205020404" pitchFamily="49" charset="0"/>
+                <a:cs typeface="Courier New" panose="02070309020205020404" pitchFamily="49" charset="0"/>
+              </a:rPr>
+              <a:t> = 1000 fs;</a:t>
+            </a:r>
+          </a:p>
+          <a:p>
+            <a:pPr marL="0" indent="0">
+              <a:buNone/>
+            </a:pPr>
+            <a:r>
+              <a:rPr lang="en-IE" dirty="0">
+                <a:latin typeface="Courier New" panose="02070309020205020404" pitchFamily="49" charset="0"/>
+                <a:cs typeface="Courier New" panose="02070309020205020404" pitchFamily="49" charset="0"/>
+              </a:rPr>
+              <a:t>	ns = 1000 </a:t>
+            </a:r>
+            <a:r>
+              <a:rPr lang="en-IE" dirty="0" err="1">
+                <a:latin typeface="Courier New" panose="02070309020205020404" pitchFamily="49" charset="0"/>
+                <a:cs typeface="Courier New" panose="02070309020205020404" pitchFamily="49" charset="0"/>
+              </a:rPr>
+              <a:t>ps</a:t>
+            </a:r>
+            <a:r>
+              <a:rPr lang="en-IE" dirty="0">
+                <a:latin typeface="Courier New" panose="02070309020205020404" pitchFamily="49" charset="0"/>
+                <a:cs typeface="Courier New" panose="02070309020205020404" pitchFamily="49" charset="0"/>
+              </a:rPr>
+              <a:t>;</a:t>
+            </a:r>
+          </a:p>
+          <a:p>
+            <a:pPr marL="0" indent="0">
+              <a:buNone/>
+            </a:pPr>
+            <a:r>
+              <a:rPr lang="en-IE" dirty="0">
+                <a:latin typeface="Courier New" panose="02070309020205020404" pitchFamily="49" charset="0"/>
+                <a:cs typeface="Courier New" panose="02070309020205020404" pitchFamily="49" charset="0"/>
+              </a:rPr>
+              <a:t>	us = 1000 ns;</a:t>
+            </a:r>
+          </a:p>
+          <a:p>
+            <a:pPr marL="0" indent="0">
+              <a:buNone/>
+            </a:pPr>
+            <a:r>
+              <a:rPr lang="en-IE" dirty="0">
+                <a:latin typeface="Courier New" panose="02070309020205020404" pitchFamily="49" charset="0"/>
+                <a:cs typeface="Courier New" panose="02070309020205020404" pitchFamily="49" charset="0"/>
+              </a:rPr>
+              <a:t>	</a:t>
+            </a:r>
+            <a:r>
+              <a:rPr lang="en-IE" dirty="0" err="1">
+                <a:latin typeface="Courier New" panose="02070309020205020404" pitchFamily="49" charset="0"/>
+                <a:cs typeface="Courier New" panose="02070309020205020404" pitchFamily="49" charset="0"/>
+              </a:rPr>
+              <a:t>ms</a:t>
+            </a:r>
+            <a:r>
+              <a:rPr lang="en-IE" dirty="0">
+                <a:latin typeface="Courier New" panose="02070309020205020404" pitchFamily="49" charset="0"/>
+                <a:cs typeface="Courier New" panose="02070309020205020404" pitchFamily="49" charset="0"/>
+              </a:rPr>
+              <a:t> = 1000 us;</a:t>
+            </a:r>
+          </a:p>
+          <a:p>
+            <a:pPr marL="0" indent="0">
+              <a:buNone/>
+            </a:pPr>
+            <a:r>
+              <a:rPr lang="en-IE" dirty="0">
+                <a:latin typeface="Courier New" panose="02070309020205020404" pitchFamily="49" charset="0"/>
+                <a:cs typeface="Courier New" panose="02070309020205020404" pitchFamily="49" charset="0"/>
+              </a:rPr>
+              <a:t>	sec = 1000 </a:t>
+            </a:r>
+            <a:r>
+              <a:rPr lang="en-IE" dirty="0" err="1">
+                <a:latin typeface="Courier New" panose="02070309020205020404" pitchFamily="49" charset="0"/>
+                <a:cs typeface="Courier New" panose="02070309020205020404" pitchFamily="49" charset="0"/>
+              </a:rPr>
+              <a:t>ms</a:t>
+            </a:r>
+            <a:r>
+              <a:rPr lang="en-IE" dirty="0">
+                <a:latin typeface="Courier New" panose="02070309020205020404" pitchFamily="49" charset="0"/>
+                <a:cs typeface="Courier New" panose="02070309020205020404" pitchFamily="49" charset="0"/>
+              </a:rPr>
+              <a:t>;</a:t>
+            </a:r>
+          </a:p>
+          <a:p>
+            <a:pPr marL="0" indent="0">
+              <a:buNone/>
+            </a:pPr>
+            <a:r>
+              <a:rPr lang="en-IE" dirty="0">
+                <a:latin typeface="Courier New" panose="02070309020205020404" pitchFamily="49" charset="0"/>
+                <a:cs typeface="Courier New" panose="02070309020205020404" pitchFamily="49" charset="0"/>
+              </a:rPr>
+              <a:t>	min = 60 sec;</a:t>
+            </a:r>
+          </a:p>
+          <a:p>
+            <a:pPr marL="0" indent="0">
+              <a:buNone/>
+            </a:pPr>
+            <a:r>
+              <a:rPr lang="en-IE" dirty="0">
+                <a:latin typeface="Courier New" panose="02070309020205020404" pitchFamily="49" charset="0"/>
+                <a:cs typeface="Courier New" panose="02070309020205020404" pitchFamily="49" charset="0"/>
+              </a:rPr>
+              <a:t>	hr = 60 min;</a:t>
+            </a:r>
+          </a:p>
+          <a:p>
+            <a:pPr marL="0" indent="0">
+              <a:buNone/>
+            </a:pPr>
+            <a:r>
+              <a:rPr lang="en-IE" dirty="0">
+                <a:latin typeface="Courier New" panose="02070309020205020404" pitchFamily="49" charset="0"/>
+                <a:cs typeface="Courier New" panose="02070309020205020404" pitchFamily="49" charset="0"/>
+              </a:rPr>
+              <a:t>   </a:t>
+            </a:r>
+            <a:r>
+              <a:rPr lang="en-IE" b="1" dirty="0">
+                <a:latin typeface="Courier New" panose="02070309020205020404" pitchFamily="49" charset="0"/>
+                <a:cs typeface="Courier New" panose="02070309020205020404" pitchFamily="49" charset="0"/>
+              </a:rPr>
+              <a:t>end units</a:t>
+            </a:r>
+            <a:r>
+              <a:rPr lang="en-IE" dirty="0">
+                <a:latin typeface="Courier New" panose="02070309020205020404" pitchFamily="49" charset="0"/>
+                <a:cs typeface="Courier New" panose="02070309020205020404" pitchFamily="49" charset="0"/>
+              </a:rPr>
+              <a:t> time;</a:t>
+            </a:r>
+          </a:p>
+          <a:p>
+            <a:pPr marL="0" indent="0">
+              <a:buNone/>
+            </a:pPr>
+            <a:endParaRPr lang="en-IE" dirty="0"/>
+          </a:p>
+        </p:txBody>
+      </p:sp>
+    </p:spTree>
+    <p:extLst>
+      <p:ext uri="{BB962C8B-B14F-4D97-AF65-F5344CB8AC3E}">
+        <p14:creationId xmlns:p14="http://schemas.microsoft.com/office/powerpoint/2010/main" val="1767987717"/>
+      </p:ext>
+    </p:extLst>
+  </p:cSld>
+  <p:clrMapOvr>
+    <a:masterClrMapping/>
+  </p:clrMapOvr>
+</p:sld>
+</file>
+
+<file path=ppt/slides/slide70.xml><?xml version="1.0" encoding="utf-8"?>
 <p:sld xmlns:a="http://schemas.openxmlformats.org/drawingml/2006/main" xmlns:r="http://schemas.openxmlformats.org/officeDocument/2006/relationships" xmlns:p="http://schemas.openxmlformats.org/presentationml/2006/main">
   <p:cSld>
     <p:spTree>
@@ -22365,381 +22864,7 @@
 </p:sld>
 </file>
 
-<file path=ppt/slides/slide7.xml><?xml version="1.0" encoding="utf-8"?>
-<p:sld xmlns:a="http://schemas.openxmlformats.org/drawingml/2006/main" xmlns:r="http://schemas.openxmlformats.org/officeDocument/2006/relationships" xmlns:p="http://schemas.openxmlformats.org/presentationml/2006/main">
-  <p:cSld>
-    <p:spTree>
-      <p:nvGrpSpPr>
-        <p:cNvPr id="1" name=""/>
-        <p:cNvGrpSpPr/>
-        <p:nvPr/>
-      </p:nvGrpSpPr>
-      <p:grpSpPr>
-        <a:xfrm>
-          <a:off x="0" y="0"/>
-          <a:ext cx="0" cy="0"/>
-          <a:chOff x="0" y="0"/>
-          <a:chExt cx="0" cy="0"/>
-        </a:xfrm>
-      </p:grpSpPr>
-      <p:sp>
-        <p:nvSpPr>
-          <p:cNvPr id="2" name="Title 1">
-            <a:extLst>
-              <a:ext uri="{FF2B5EF4-FFF2-40B4-BE49-F238E27FC236}">
-                <a16:creationId xmlns:a16="http://schemas.microsoft.com/office/drawing/2014/main" id="{B6A8B093-162A-41A7-9869-68195AE10399}"/>
-              </a:ext>
-            </a:extLst>
-          </p:cNvPr>
-          <p:cNvSpPr>
-            <a:spLocks noGrp="1"/>
-          </p:cNvSpPr>
-          <p:nvPr>
-            <p:ph type="title"/>
-          </p:nvPr>
-        </p:nvSpPr>
-        <p:spPr/>
-        <p:txBody>
-          <a:bodyPr/>
-          <a:lstStyle/>
-          <a:p>
-            <a:r>
-              <a:rPr lang="en-IE" dirty="0"/>
-              <a:t>VHDL – a bit more formal: physical types</a:t>
-            </a:r>
-          </a:p>
-        </p:txBody>
-      </p:sp>
-      <p:sp>
-        <p:nvSpPr>
-          <p:cNvPr id="3" name="Content Placeholder 2">
-            <a:extLst>
-              <a:ext uri="{FF2B5EF4-FFF2-40B4-BE49-F238E27FC236}">
-                <a16:creationId xmlns:a16="http://schemas.microsoft.com/office/drawing/2014/main" id="{EF951D95-A79C-414E-A004-8007A751CE3B}"/>
-              </a:ext>
-            </a:extLst>
-          </p:cNvPr>
-          <p:cNvSpPr>
-            <a:spLocks noGrp="1"/>
-          </p:cNvSpPr>
-          <p:nvPr>
-            <p:ph idx="1"/>
-          </p:nvPr>
-        </p:nvSpPr>
-        <p:spPr>
-          <a:xfrm>
-            <a:off x="838200" y="1414807"/>
-            <a:ext cx="10515600" cy="5078067"/>
-          </a:xfrm>
-        </p:spPr>
-        <p:txBody>
-          <a:bodyPr>
-            <a:normAutofit fontScale="85000" lnSpcReduction="20000"/>
-          </a:bodyPr>
-          <a:lstStyle/>
-          <a:p>
-            <a:pPr marL="0" indent="0">
-              <a:buNone/>
-            </a:pPr>
-            <a:r>
-              <a:rPr lang="en-IE" sz="3800" dirty="0"/>
-              <a:t>By example, system </a:t>
-            </a:r>
-            <a:r>
-              <a:rPr lang="en-IE" sz="3800" b="1" dirty="0"/>
-              <a:t>time</a:t>
-            </a:r>
-            <a:r>
-              <a:rPr lang="en-IE" sz="3800" dirty="0"/>
-              <a:t> type:</a:t>
-            </a:r>
-          </a:p>
-          <a:p>
-            <a:pPr marL="0" indent="0">
-              <a:buNone/>
-            </a:pPr>
-            <a:endParaRPr lang="en-IE" dirty="0"/>
-          </a:p>
-          <a:p>
-            <a:pPr marL="0" indent="0">
-              <a:buNone/>
-            </a:pPr>
-            <a:r>
-              <a:rPr lang="en-IE" b="1" dirty="0">
-                <a:latin typeface="Courier New" panose="02070309020205020404" pitchFamily="49" charset="0"/>
-                <a:cs typeface="Courier New" panose="02070309020205020404" pitchFamily="49" charset="0"/>
-              </a:rPr>
-              <a:t>type</a:t>
-            </a:r>
-            <a:r>
-              <a:rPr lang="en-IE" dirty="0">
-                <a:latin typeface="Courier New" panose="02070309020205020404" pitchFamily="49" charset="0"/>
-                <a:cs typeface="Courier New" panose="02070309020205020404" pitchFamily="49" charset="0"/>
-              </a:rPr>
-              <a:t> time </a:t>
-            </a:r>
-            <a:r>
-              <a:rPr lang="en-IE" b="1" dirty="0">
-                <a:latin typeface="Courier New" panose="02070309020205020404" pitchFamily="49" charset="0"/>
-                <a:cs typeface="Courier New" panose="02070309020205020404" pitchFamily="49" charset="0"/>
-              </a:rPr>
-              <a:t>is</a:t>
-            </a:r>
-            <a:r>
-              <a:rPr lang="en-IE" dirty="0">
-                <a:latin typeface="Courier New" panose="02070309020205020404" pitchFamily="49" charset="0"/>
-                <a:cs typeface="Courier New" panose="02070309020205020404" pitchFamily="49" charset="0"/>
-              </a:rPr>
-              <a:t> </a:t>
-            </a:r>
-            <a:r>
-              <a:rPr lang="en-IE" b="1" dirty="0">
-                <a:latin typeface="Courier New" panose="02070309020205020404" pitchFamily="49" charset="0"/>
-                <a:cs typeface="Courier New" panose="02070309020205020404" pitchFamily="49" charset="0"/>
-              </a:rPr>
-              <a:t>range</a:t>
-            </a:r>
-            <a:r>
-              <a:rPr lang="en-IE" dirty="0">
-                <a:latin typeface="Courier New" panose="02070309020205020404" pitchFamily="49" charset="0"/>
-                <a:cs typeface="Courier New" panose="02070309020205020404" pitchFamily="49" charset="0"/>
-              </a:rPr>
-              <a:t> 0 </a:t>
-            </a:r>
-            <a:r>
-              <a:rPr lang="en-IE" b="1" dirty="0">
-                <a:latin typeface="Courier New" panose="02070309020205020404" pitchFamily="49" charset="0"/>
-                <a:cs typeface="Courier New" panose="02070309020205020404" pitchFamily="49" charset="0"/>
-              </a:rPr>
-              <a:t>to</a:t>
-            </a:r>
-            <a:r>
-              <a:rPr lang="en-IE" dirty="0">
-                <a:latin typeface="Courier New" panose="02070309020205020404" pitchFamily="49" charset="0"/>
-                <a:cs typeface="Courier New" panose="02070309020205020404" pitchFamily="49" charset="0"/>
-              </a:rPr>
-              <a:t> 1e20</a:t>
-            </a:r>
-          </a:p>
-          <a:p>
-            <a:pPr marL="0" indent="0">
-              <a:buNone/>
-            </a:pPr>
-            <a:r>
-              <a:rPr lang="en-IE" dirty="0">
-                <a:latin typeface="Courier New" panose="02070309020205020404" pitchFamily="49" charset="0"/>
-                <a:cs typeface="Courier New" panose="02070309020205020404" pitchFamily="49" charset="0"/>
-              </a:rPr>
-              <a:t>   </a:t>
-            </a:r>
-            <a:r>
-              <a:rPr lang="en-IE" b="1" dirty="0">
-                <a:latin typeface="Courier New" panose="02070309020205020404" pitchFamily="49" charset="0"/>
-                <a:cs typeface="Courier New" panose="02070309020205020404" pitchFamily="49" charset="0"/>
-              </a:rPr>
-              <a:t>units</a:t>
-            </a:r>
-          </a:p>
-          <a:p>
-            <a:pPr marL="0" indent="0">
-              <a:buNone/>
-            </a:pPr>
-            <a:r>
-              <a:rPr lang="en-IE" dirty="0">
-                <a:latin typeface="Courier New" panose="02070309020205020404" pitchFamily="49" charset="0"/>
-                <a:cs typeface="Courier New" panose="02070309020205020404" pitchFamily="49" charset="0"/>
-              </a:rPr>
-              <a:t>	fs;</a:t>
-            </a:r>
-          </a:p>
-          <a:p>
-            <a:pPr marL="0" indent="0">
-              <a:buNone/>
-            </a:pPr>
-            <a:r>
-              <a:rPr lang="en-IE" dirty="0">
-                <a:latin typeface="Courier New" panose="02070309020205020404" pitchFamily="49" charset="0"/>
-                <a:cs typeface="Courier New" panose="02070309020205020404" pitchFamily="49" charset="0"/>
-              </a:rPr>
-              <a:t>	</a:t>
-            </a:r>
-            <a:r>
-              <a:rPr lang="en-IE" dirty="0" err="1">
-                <a:latin typeface="Courier New" panose="02070309020205020404" pitchFamily="49" charset="0"/>
-                <a:cs typeface="Courier New" panose="02070309020205020404" pitchFamily="49" charset="0"/>
-              </a:rPr>
-              <a:t>ps</a:t>
-            </a:r>
-            <a:r>
-              <a:rPr lang="en-IE" dirty="0">
-                <a:latin typeface="Courier New" panose="02070309020205020404" pitchFamily="49" charset="0"/>
-                <a:cs typeface="Courier New" panose="02070309020205020404" pitchFamily="49" charset="0"/>
-              </a:rPr>
-              <a:t> = 1000 fs;</a:t>
-            </a:r>
-          </a:p>
-          <a:p>
-            <a:pPr marL="0" indent="0">
-              <a:buNone/>
-            </a:pPr>
-            <a:r>
-              <a:rPr lang="en-IE" dirty="0">
-                <a:latin typeface="Courier New" panose="02070309020205020404" pitchFamily="49" charset="0"/>
-                <a:cs typeface="Courier New" panose="02070309020205020404" pitchFamily="49" charset="0"/>
-              </a:rPr>
-              <a:t>	ns = 1000 </a:t>
-            </a:r>
-            <a:r>
-              <a:rPr lang="en-IE" dirty="0" err="1">
-                <a:latin typeface="Courier New" panose="02070309020205020404" pitchFamily="49" charset="0"/>
-                <a:cs typeface="Courier New" panose="02070309020205020404" pitchFamily="49" charset="0"/>
-              </a:rPr>
-              <a:t>ps</a:t>
-            </a:r>
-            <a:r>
-              <a:rPr lang="en-IE" dirty="0">
-                <a:latin typeface="Courier New" panose="02070309020205020404" pitchFamily="49" charset="0"/>
-                <a:cs typeface="Courier New" panose="02070309020205020404" pitchFamily="49" charset="0"/>
-              </a:rPr>
-              <a:t>;</a:t>
-            </a:r>
-          </a:p>
-          <a:p>
-            <a:pPr marL="0" indent="0">
-              <a:buNone/>
-            </a:pPr>
-            <a:r>
-              <a:rPr lang="en-IE" dirty="0">
-                <a:latin typeface="Courier New" panose="02070309020205020404" pitchFamily="49" charset="0"/>
-                <a:cs typeface="Courier New" panose="02070309020205020404" pitchFamily="49" charset="0"/>
-              </a:rPr>
-              <a:t>	us = 1000 ns;</a:t>
-            </a:r>
-          </a:p>
-          <a:p>
-            <a:pPr marL="0" indent="0">
-              <a:buNone/>
-            </a:pPr>
-            <a:r>
-              <a:rPr lang="en-IE" dirty="0">
-                <a:latin typeface="Courier New" panose="02070309020205020404" pitchFamily="49" charset="0"/>
-                <a:cs typeface="Courier New" panose="02070309020205020404" pitchFamily="49" charset="0"/>
-              </a:rPr>
-              <a:t>	</a:t>
-            </a:r>
-            <a:r>
-              <a:rPr lang="en-IE" dirty="0" err="1">
-                <a:latin typeface="Courier New" panose="02070309020205020404" pitchFamily="49" charset="0"/>
-                <a:cs typeface="Courier New" panose="02070309020205020404" pitchFamily="49" charset="0"/>
-              </a:rPr>
-              <a:t>ms</a:t>
-            </a:r>
-            <a:r>
-              <a:rPr lang="en-IE" dirty="0">
-                <a:latin typeface="Courier New" panose="02070309020205020404" pitchFamily="49" charset="0"/>
-                <a:cs typeface="Courier New" panose="02070309020205020404" pitchFamily="49" charset="0"/>
-              </a:rPr>
-              <a:t> = 1000 us;</a:t>
-            </a:r>
-          </a:p>
-          <a:p>
-            <a:pPr marL="0" indent="0">
-              <a:buNone/>
-            </a:pPr>
-            <a:r>
-              <a:rPr lang="en-IE" dirty="0">
-                <a:latin typeface="Courier New" panose="02070309020205020404" pitchFamily="49" charset="0"/>
-                <a:cs typeface="Courier New" panose="02070309020205020404" pitchFamily="49" charset="0"/>
-              </a:rPr>
-              <a:t>	sec = 1000 </a:t>
-            </a:r>
-            <a:r>
-              <a:rPr lang="en-IE" dirty="0" err="1">
-                <a:latin typeface="Courier New" panose="02070309020205020404" pitchFamily="49" charset="0"/>
-                <a:cs typeface="Courier New" panose="02070309020205020404" pitchFamily="49" charset="0"/>
-              </a:rPr>
-              <a:t>ms</a:t>
-            </a:r>
-            <a:r>
-              <a:rPr lang="en-IE" dirty="0">
-                <a:latin typeface="Courier New" panose="02070309020205020404" pitchFamily="49" charset="0"/>
-                <a:cs typeface="Courier New" panose="02070309020205020404" pitchFamily="49" charset="0"/>
-              </a:rPr>
-              <a:t>;</a:t>
-            </a:r>
-          </a:p>
-          <a:p>
-            <a:pPr marL="0" indent="0">
-              <a:buNone/>
-            </a:pPr>
-            <a:r>
-              <a:rPr lang="en-IE" dirty="0">
-                <a:latin typeface="Courier New" panose="02070309020205020404" pitchFamily="49" charset="0"/>
-                <a:cs typeface="Courier New" panose="02070309020205020404" pitchFamily="49" charset="0"/>
-              </a:rPr>
-              <a:t>	min = 60 sec;</a:t>
-            </a:r>
-          </a:p>
-          <a:p>
-            <a:pPr marL="0" indent="0">
-              <a:buNone/>
-            </a:pPr>
-            <a:r>
-              <a:rPr lang="en-IE" dirty="0">
-                <a:latin typeface="Courier New" panose="02070309020205020404" pitchFamily="49" charset="0"/>
-                <a:cs typeface="Courier New" panose="02070309020205020404" pitchFamily="49" charset="0"/>
-              </a:rPr>
-              <a:t>	hr = 60 min;</a:t>
-            </a:r>
-          </a:p>
-          <a:p>
-            <a:pPr marL="0" indent="0">
-              <a:buNone/>
-            </a:pPr>
-            <a:r>
-              <a:rPr lang="en-IE" dirty="0">
-                <a:latin typeface="Courier New" panose="02070309020205020404" pitchFamily="49" charset="0"/>
-                <a:cs typeface="Courier New" panose="02070309020205020404" pitchFamily="49" charset="0"/>
-              </a:rPr>
-              <a:t>   </a:t>
-            </a:r>
-            <a:r>
-              <a:rPr lang="en-IE" b="1" dirty="0">
-                <a:latin typeface="Courier New" panose="02070309020205020404" pitchFamily="49" charset="0"/>
-                <a:cs typeface="Courier New" panose="02070309020205020404" pitchFamily="49" charset="0"/>
-              </a:rPr>
-              <a:t>end units</a:t>
-            </a:r>
-            <a:r>
-              <a:rPr lang="en-IE" dirty="0">
-                <a:latin typeface="Courier New" panose="02070309020205020404" pitchFamily="49" charset="0"/>
-                <a:cs typeface="Courier New" panose="02070309020205020404" pitchFamily="49" charset="0"/>
-              </a:rPr>
-              <a:t> time;</a:t>
-            </a:r>
-          </a:p>
-          <a:p>
-            <a:pPr marL="0" indent="0">
-              <a:buNone/>
-            </a:pPr>
-            <a:endParaRPr lang="en-IE" dirty="0"/>
-          </a:p>
-        </p:txBody>
-      </p:sp>
-    </p:spTree>
-    <p:extLst>
-      <p:ext uri="{BB962C8B-B14F-4D97-AF65-F5344CB8AC3E}">
-        <p14:creationId xmlns:p14="http://schemas.microsoft.com/office/powerpoint/2010/main" val="1767987717"/>
-      </p:ext>
-    </p:extLst>
-  </p:cSld>
-  <p:clrMapOvr>
-    <a:masterClrMapping/>
-  </p:clrMapOvr>
-</p:sld>
-</file>
-
-<file path=ppt/slides/slide70.xml><?xml version="1.0" encoding="utf-8"?>
+<file path=ppt/slides/slide71.xml><?xml version="1.0" encoding="utf-8"?>
 <p:sld xmlns:a="http://schemas.openxmlformats.org/drawingml/2006/main" xmlns:r="http://schemas.openxmlformats.org/officeDocument/2006/relationships" xmlns:p="http://schemas.openxmlformats.org/presentationml/2006/main">
   <p:cSld>
     <p:spTree>
@@ -22981,7 +23106,7 @@
 </p:sld>
 </file>
 
-<file path=ppt/slides/slide71.xml><?xml version="1.0" encoding="utf-8"?>
+<file path=ppt/slides/slide72.xml><?xml version="1.0" encoding="utf-8"?>
 <p:sld xmlns:a="http://schemas.openxmlformats.org/drawingml/2006/main" xmlns:r="http://schemas.openxmlformats.org/officeDocument/2006/relationships" xmlns:p="http://schemas.openxmlformats.org/presentationml/2006/main">
   <p:cSld>
     <p:spTree>
@@ -23224,7 +23349,7 @@
 </p:sld>
 </file>
 
-<file path=ppt/slides/slide72.xml><?xml version="1.0" encoding="utf-8"?>
+<file path=ppt/slides/slide73.xml><?xml version="1.0" encoding="utf-8"?>
 <p:sld xmlns:a="http://schemas.openxmlformats.org/drawingml/2006/main" xmlns:r="http://schemas.openxmlformats.org/officeDocument/2006/relationships" xmlns:p="http://schemas.openxmlformats.org/presentationml/2006/main">
   <p:cSld>
     <p:spTree>
@@ -23368,7 +23493,7 @@
 </p:sld>
 </file>
 
-<file path=ppt/slides/slide73.xml><?xml version="1.0" encoding="utf-8"?>
+<file path=ppt/slides/slide74.xml><?xml version="1.0" encoding="utf-8"?>
 <p:sld xmlns:a="http://schemas.openxmlformats.org/drawingml/2006/main" xmlns:r="http://schemas.openxmlformats.org/officeDocument/2006/relationships" xmlns:p="http://schemas.openxmlformats.org/presentationml/2006/main">
   <p:cSld>
     <p:spTree>
@@ -24344,7 +24469,7 @@
 </p:sld>
 </file>
 
-<file path=ppt/slides/slide74.xml><?xml version="1.0" encoding="utf-8"?>
+<file path=ppt/slides/slide75.xml><?xml version="1.0" encoding="utf-8"?>
 <p:sld xmlns:a="http://schemas.openxmlformats.org/drawingml/2006/main" xmlns:r="http://schemas.openxmlformats.org/officeDocument/2006/relationships" xmlns:p="http://schemas.openxmlformats.org/presentationml/2006/main">
   <p:cSld>
     <p:spTree>
@@ -25079,7 +25204,7 @@
 </p:sld>
 </file>
 
-<file path=ppt/slides/slide75.xml><?xml version="1.0" encoding="utf-8"?>
+<file path=ppt/slides/slide76.xml><?xml version="1.0" encoding="utf-8"?>
 <p:sld xmlns:a="http://schemas.openxmlformats.org/drawingml/2006/main" xmlns:r="http://schemas.openxmlformats.org/officeDocument/2006/relationships" xmlns:p="http://schemas.openxmlformats.org/presentationml/2006/main">
   <p:cSld>
     <p:spTree>
@@ -25182,7 +25307,7 @@
 </p:sld>
 </file>
 
-<file path=ppt/slides/slide76.xml><?xml version="1.0" encoding="utf-8"?>
+<file path=ppt/slides/slide77.xml><?xml version="1.0" encoding="utf-8"?>
 <p:sld xmlns:a="http://schemas.openxmlformats.org/drawingml/2006/main" xmlns:r="http://schemas.openxmlformats.org/officeDocument/2006/relationships" xmlns:p="http://schemas.openxmlformats.org/presentationml/2006/main">
   <p:cSld>
     <p:spTree>
@@ -25285,7 +25410,7 @@
 </p:sld>
 </file>
 
-<file path=ppt/slides/slide77.xml><?xml version="1.0" encoding="utf-8"?>
+<file path=ppt/slides/slide78.xml><?xml version="1.0" encoding="utf-8"?>
 <p:sld xmlns:a="http://schemas.openxmlformats.org/drawingml/2006/main" xmlns:r="http://schemas.openxmlformats.org/officeDocument/2006/relationships" xmlns:p="http://schemas.openxmlformats.org/presentationml/2006/main">
   <p:cSld>
     <p:spTree>
@@ -25388,7 +25513,7 @@
 </p:sld>
 </file>
 
-<file path=ppt/slides/slide78.xml><?xml version="1.0" encoding="utf-8"?>
+<file path=ppt/slides/slide79.xml><?xml version="1.0" encoding="utf-8"?>
 <p:sld xmlns:a="http://schemas.openxmlformats.org/drawingml/2006/main" xmlns:r="http://schemas.openxmlformats.org/officeDocument/2006/relationships" xmlns:p="http://schemas.openxmlformats.org/presentationml/2006/main">
   <p:cSld>
     <p:spTree>
@@ -25812,573 +25937,6 @@
     <p:extLst>
       <p:ext uri="{BB962C8B-B14F-4D97-AF65-F5344CB8AC3E}">
         <p14:creationId xmlns:p14="http://schemas.microsoft.com/office/powerpoint/2010/main" val="4192701620"/>
-      </p:ext>
-    </p:extLst>
-  </p:cSld>
-  <p:clrMapOvr>
-    <a:masterClrMapping/>
-  </p:clrMapOvr>
-</p:sld>
-</file>
-
-<file path=ppt/slides/slide79.xml><?xml version="1.0" encoding="utf-8"?>
-<p:sld xmlns:a="http://schemas.openxmlformats.org/drawingml/2006/main" xmlns:r="http://schemas.openxmlformats.org/officeDocument/2006/relationships" xmlns:p="http://schemas.openxmlformats.org/presentationml/2006/main">
-  <p:cSld>
-    <p:spTree>
-      <p:nvGrpSpPr>
-        <p:cNvPr id="1" name=""/>
-        <p:cNvGrpSpPr/>
-        <p:nvPr/>
-      </p:nvGrpSpPr>
-      <p:grpSpPr>
-        <a:xfrm>
-          <a:off x="0" y="0"/>
-          <a:ext cx="0" cy="0"/>
-          <a:chOff x="0" y="0"/>
-          <a:chExt cx="0" cy="0"/>
-        </a:xfrm>
-      </p:grpSpPr>
-      <p:pic>
-        <p:nvPicPr>
-          <p:cNvPr id="5" name="Picture 4">
-            <a:extLst>
-              <a:ext uri="{FF2B5EF4-FFF2-40B4-BE49-F238E27FC236}">
-                <a16:creationId xmlns:a16="http://schemas.microsoft.com/office/drawing/2014/main" id="{934980F4-CC28-4A32-9B82-AECE2B093EE0}"/>
-              </a:ext>
-            </a:extLst>
-          </p:cNvPr>
-          <p:cNvPicPr>
-            <a:picLocks noChangeAspect="1"/>
-          </p:cNvPicPr>
-          <p:nvPr/>
-        </p:nvPicPr>
-        <p:blipFill>
-          <a:blip r:embed="rId2"/>
-          <a:stretch>
-            <a:fillRect/>
-          </a:stretch>
-        </p:blipFill>
-        <p:spPr>
-          <a:xfrm>
-            <a:off x="162877" y="200369"/>
-            <a:ext cx="3704049" cy="6266692"/>
-          </a:xfrm>
-          <a:prstGeom prst="rect">
-            <a:avLst/>
-          </a:prstGeom>
-        </p:spPr>
-      </p:pic>
-      <p:pic>
-        <p:nvPicPr>
-          <p:cNvPr id="7" name="Picture 6">
-            <a:extLst>
-              <a:ext uri="{FF2B5EF4-FFF2-40B4-BE49-F238E27FC236}">
-                <a16:creationId xmlns:a16="http://schemas.microsoft.com/office/drawing/2014/main" id="{B797458F-5BDA-42E6-AC6E-890254A739A3}"/>
-              </a:ext>
-            </a:extLst>
-          </p:cNvPr>
-          <p:cNvPicPr>
-            <a:picLocks noChangeAspect="1"/>
-          </p:cNvPicPr>
-          <p:nvPr/>
-        </p:nvPicPr>
-        <p:blipFill>
-          <a:blip r:embed="rId3"/>
-          <a:stretch>
-            <a:fillRect/>
-          </a:stretch>
-        </p:blipFill>
-        <p:spPr>
-          <a:xfrm>
-            <a:off x="4014552" y="200369"/>
-            <a:ext cx="3871350" cy="6457261"/>
-          </a:xfrm>
-          <a:prstGeom prst="rect">
-            <a:avLst/>
-          </a:prstGeom>
-        </p:spPr>
-      </p:pic>
-      <p:pic>
-        <p:nvPicPr>
-          <p:cNvPr id="9" name="Picture 8">
-            <a:extLst>
-              <a:ext uri="{FF2B5EF4-FFF2-40B4-BE49-F238E27FC236}">
-                <a16:creationId xmlns:a16="http://schemas.microsoft.com/office/drawing/2014/main" id="{E6B851C2-8FEE-4BD7-8F2D-787C4FB91B9F}"/>
-              </a:ext>
-            </a:extLst>
-          </p:cNvPr>
-          <p:cNvPicPr>
-            <a:picLocks noChangeAspect="1"/>
-          </p:cNvPicPr>
-          <p:nvPr/>
-        </p:nvPicPr>
-        <p:blipFill>
-          <a:blip r:embed="rId4"/>
-          <a:stretch>
-            <a:fillRect/>
-          </a:stretch>
-        </p:blipFill>
-        <p:spPr>
-          <a:xfrm>
-            <a:off x="8017374" y="200369"/>
-            <a:ext cx="4011750" cy="3300308"/>
-          </a:xfrm>
-          <a:prstGeom prst="rect">
-            <a:avLst/>
-          </a:prstGeom>
-        </p:spPr>
-      </p:pic>
-      <p:pic>
-        <p:nvPicPr>
-          <p:cNvPr id="13" name="Picture 12">
-            <a:extLst>
-              <a:ext uri="{FF2B5EF4-FFF2-40B4-BE49-F238E27FC236}">
-                <a16:creationId xmlns:a16="http://schemas.microsoft.com/office/drawing/2014/main" id="{51424962-E153-4AA8-8FC2-FDE78C94C8FA}"/>
-              </a:ext>
-            </a:extLst>
-          </p:cNvPr>
-          <p:cNvPicPr>
-            <a:picLocks noChangeAspect="1"/>
-          </p:cNvPicPr>
-          <p:nvPr/>
-        </p:nvPicPr>
-        <p:blipFill>
-          <a:blip r:embed="rId5"/>
-          <a:stretch>
-            <a:fillRect/>
-          </a:stretch>
-        </p:blipFill>
-        <p:spPr>
-          <a:xfrm>
-            <a:off x="8410378" y="3521617"/>
-            <a:ext cx="3225741" cy="3136013"/>
-          </a:xfrm>
-          <a:prstGeom prst="rect">
-            <a:avLst/>
-          </a:prstGeom>
-        </p:spPr>
-      </p:pic>
-      <p:sp>
-        <p:nvSpPr>
-          <p:cNvPr id="15" name="Rectangle 14">
-            <a:extLst>
-              <a:ext uri="{FF2B5EF4-FFF2-40B4-BE49-F238E27FC236}">
-                <a16:creationId xmlns:a16="http://schemas.microsoft.com/office/drawing/2014/main" id="{814B4622-1AD6-4980-BAE2-D0CA48057E84}"/>
-              </a:ext>
-            </a:extLst>
-          </p:cNvPr>
-          <p:cNvSpPr/>
-          <p:nvPr/>
-        </p:nvSpPr>
-        <p:spPr>
-          <a:xfrm>
-            <a:off x="1790700" y="2781300"/>
-            <a:ext cx="609600" cy="1181100"/>
-          </a:xfrm>
-          <a:prstGeom prst="rect">
-            <a:avLst/>
-          </a:prstGeom>
-          <a:noFill/>
-          <a:ln w="57150">
-            <a:solidFill>
-              <a:srgbClr val="FFFF00"/>
-            </a:solidFill>
-            <a:prstDash val="sysDash"/>
-          </a:ln>
-        </p:spPr>
-        <p:style>
-          <a:lnRef idx="2">
-            <a:schemeClr val="accent1">
-              <a:shade val="50000"/>
-            </a:schemeClr>
-          </a:lnRef>
-          <a:fillRef idx="1">
-            <a:schemeClr val="accent1"/>
-          </a:fillRef>
-          <a:effectRef idx="0">
-            <a:schemeClr val="accent1"/>
-          </a:effectRef>
-          <a:fontRef idx="minor">
-            <a:schemeClr val="lt1"/>
-          </a:fontRef>
-        </p:style>
-        <p:txBody>
-          <a:bodyPr rtlCol="0" anchor="ctr"/>
-          <a:lstStyle/>
-          <a:p>
-            <a:pPr algn="ctr"/>
-            <a:endParaRPr lang="en-IE"/>
-          </a:p>
-        </p:txBody>
-      </p:sp>
-      <p:cxnSp>
-        <p:nvCxnSpPr>
-          <p:cNvPr id="17" name="Straight Connector 16">
-            <a:extLst>
-              <a:ext uri="{FF2B5EF4-FFF2-40B4-BE49-F238E27FC236}">
-                <a16:creationId xmlns:a16="http://schemas.microsoft.com/office/drawing/2014/main" id="{2E68487F-224A-4EDF-80BE-229CED59CC7B}"/>
-              </a:ext>
-            </a:extLst>
-          </p:cNvPr>
-          <p:cNvCxnSpPr>
-            <a:cxnSpLocks/>
-          </p:cNvCxnSpPr>
-          <p:nvPr/>
-        </p:nvCxnSpPr>
-        <p:spPr>
-          <a:xfrm flipV="1">
-            <a:off x="1790700" y="200370"/>
-            <a:ext cx="2223852" cy="2580930"/>
-          </a:xfrm>
-          <a:prstGeom prst="line">
-            <a:avLst/>
-          </a:prstGeom>
-          <a:ln w="57150">
-            <a:solidFill>
-              <a:srgbClr val="FFFF00"/>
-            </a:solidFill>
-          </a:ln>
-        </p:spPr>
-        <p:style>
-          <a:lnRef idx="1">
-            <a:schemeClr val="accent1"/>
-          </a:lnRef>
-          <a:fillRef idx="0">
-            <a:schemeClr val="accent1"/>
-          </a:fillRef>
-          <a:effectRef idx="0">
-            <a:schemeClr val="accent1"/>
-          </a:effectRef>
-          <a:fontRef idx="minor">
-            <a:schemeClr val="tx1"/>
-          </a:fontRef>
-        </p:style>
-      </p:cxnSp>
-      <p:cxnSp>
-        <p:nvCxnSpPr>
-          <p:cNvPr id="19" name="Straight Connector 18">
-            <a:extLst>
-              <a:ext uri="{FF2B5EF4-FFF2-40B4-BE49-F238E27FC236}">
-                <a16:creationId xmlns:a16="http://schemas.microsoft.com/office/drawing/2014/main" id="{29BF5576-6D92-4EA5-B1F0-5AF6C715BE87}"/>
-              </a:ext>
-            </a:extLst>
-          </p:cNvPr>
-          <p:cNvCxnSpPr>
-            <a:cxnSpLocks/>
-          </p:cNvCxnSpPr>
-          <p:nvPr/>
-        </p:nvCxnSpPr>
-        <p:spPr>
-          <a:xfrm>
-            <a:off x="1790700" y="3962400"/>
-            <a:ext cx="2223852" cy="2657061"/>
-          </a:xfrm>
-          <a:prstGeom prst="line">
-            <a:avLst/>
-          </a:prstGeom>
-          <a:ln w="57150">
-            <a:solidFill>
-              <a:srgbClr val="FFFF00"/>
-            </a:solidFill>
-          </a:ln>
-        </p:spPr>
-        <p:style>
-          <a:lnRef idx="1">
-            <a:schemeClr val="accent1"/>
-          </a:lnRef>
-          <a:fillRef idx="0">
-            <a:schemeClr val="accent1"/>
-          </a:fillRef>
-          <a:effectRef idx="0">
-            <a:schemeClr val="accent1"/>
-          </a:effectRef>
-          <a:fontRef idx="minor">
-            <a:schemeClr val="tx1"/>
-          </a:fontRef>
-        </p:style>
-      </p:cxnSp>
-      <p:sp>
-        <p:nvSpPr>
-          <p:cNvPr id="22" name="Rectangle 21">
-            <a:extLst>
-              <a:ext uri="{FF2B5EF4-FFF2-40B4-BE49-F238E27FC236}">
-                <a16:creationId xmlns:a16="http://schemas.microsoft.com/office/drawing/2014/main" id="{DABBAD0C-8F41-4EA3-8593-3A694E51461E}"/>
-              </a:ext>
-            </a:extLst>
-          </p:cNvPr>
-          <p:cNvSpPr/>
-          <p:nvPr/>
-        </p:nvSpPr>
-        <p:spPr>
-          <a:xfrm>
-            <a:off x="5998014" y="2085560"/>
-            <a:ext cx="609600" cy="631134"/>
-          </a:xfrm>
-          <a:prstGeom prst="rect">
-            <a:avLst/>
-          </a:prstGeom>
-          <a:noFill/>
-          <a:ln w="57150">
-            <a:solidFill>
-              <a:srgbClr val="FFFF00"/>
-            </a:solidFill>
-            <a:prstDash val="sysDash"/>
-          </a:ln>
-        </p:spPr>
-        <p:style>
-          <a:lnRef idx="2">
-            <a:schemeClr val="accent1">
-              <a:shade val="50000"/>
-            </a:schemeClr>
-          </a:lnRef>
-          <a:fillRef idx="1">
-            <a:schemeClr val="accent1"/>
-          </a:fillRef>
-          <a:effectRef idx="0">
-            <a:schemeClr val="accent1"/>
-          </a:effectRef>
-          <a:fontRef idx="minor">
-            <a:schemeClr val="lt1"/>
-          </a:fontRef>
-        </p:style>
-        <p:txBody>
-          <a:bodyPr rtlCol="0" anchor="ctr"/>
-          <a:lstStyle/>
-          <a:p>
-            <a:pPr algn="ctr"/>
-            <a:endParaRPr lang="en-IE"/>
-          </a:p>
-        </p:txBody>
-      </p:sp>
-      <p:cxnSp>
-        <p:nvCxnSpPr>
-          <p:cNvPr id="23" name="Straight Connector 22">
-            <a:extLst>
-              <a:ext uri="{FF2B5EF4-FFF2-40B4-BE49-F238E27FC236}">
-                <a16:creationId xmlns:a16="http://schemas.microsoft.com/office/drawing/2014/main" id="{671005CF-F0BE-4751-812C-F409C48C88DA}"/>
-              </a:ext>
-            </a:extLst>
-          </p:cNvPr>
-          <p:cNvCxnSpPr>
-            <a:cxnSpLocks/>
-          </p:cNvCxnSpPr>
-          <p:nvPr/>
-        </p:nvCxnSpPr>
-        <p:spPr>
-          <a:xfrm flipV="1">
-            <a:off x="5998014" y="200368"/>
-            <a:ext cx="2035514" cy="1881018"/>
-          </a:xfrm>
-          <a:prstGeom prst="line">
-            <a:avLst/>
-          </a:prstGeom>
-          <a:ln w="57150">
-            <a:solidFill>
-              <a:srgbClr val="FFFF00"/>
-            </a:solidFill>
-          </a:ln>
-        </p:spPr>
-        <p:style>
-          <a:lnRef idx="1">
-            <a:schemeClr val="accent1"/>
-          </a:lnRef>
-          <a:fillRef idx="0">
-            <a:schemeClr val="accent1"/>
-          </a:fillRef>
-          <a:effectRef idx="0">
-            <a:schemeClr val="accent1"/>
-          </a:effectRef>
-          <a:fontRef idx="minor">
-            <a:schemeClr val="tx1"/>
-          </a:fontRef>
-        </p:style>
-      </p:cxnSp>
-      <p:cxnSp>
-        <p:nvCxnSpPr>
-          <p:cNvPr id="26" name="Straight Connector 25">
-            <a:extLst>
-              <a:ext uri="{FF2B5EF4-FFF2-40B4-BE49-F238E27FC236}">
-                <a16:creationId xmlns:a16="http://schemas.microsoft.com/office/drawing/2014/main" id="{93B61DF2-4C2B-45F8-991A-A315FABF1121}"/>
-              </a:ext>
-            </a:extLst>
-          </p:cNvPr>
-          <p:cNvCxnSpPr>
-            <a:cxnSpLocks/>
-          </p:cNvCxnSpPr>
-          <p:nvPr/>
-        </p:nvCxnSpPr>
-        <p:spPr>
-          <a:xfrm>
-            <a:off x="6090778" y="2716694"/>
-            <a:ext cx="2086672" cy="804923"/>
-          </a:xfrm>
-          <a:prstGeom prst="line">
-            <a:avLst/>
-          </a:prstGeom>
-          <a:ln w="57150">
-            <a:solidFill>
-              <a:srgbClr val="FFFF00"/>
-            </a:solidFill>
-          </a:ln>
-        </p:spPr>
-        <p:style>
-          <a:lnRef idx="1">
-            <a:schemeClr val="accent1"/>
-          </a:lnRef>
-          <a:fillRef idx="0">
-            <a:schemeClr val="accent1"/>
-          </a:fillRef>
-          <a:effectRef idx="0">
-            <a:schemeClr val="accent1"/>
-          </a:effectRef>
-          <a:fontRef idx="minor">
-            <a:schemeClr val="tx1"/>
-          </a:fontRef>
-        </p:style>
-      </p:cxnSp>
-      <p:sp>
-        <p:nvSpPr>
-          <p:cNvPr id="30" name="Rectangle 29">
-            <a:extLst>
-              <a:ext uri="{FF2B5EF4-FFF2-40B4-BE49-F238E27FC236}">
-                <a16:creationId xmlns:a16="http://schemas.microsoft.com/office/drawing/2014/main" id="{91E34702-EE0F-44BE-B3B2-BEAC1D12E2B6}"/>
-              </a:ext>
-            </a:extLst>
-          </p:cNvPr>
-          <p:cNvSpPr/>
-          <p:nvPr/>
-        </p:nvSpPr>
-        <p:spPr>
-          <a:xfrm>
-            <a:off x="10016990" y="1492491"/>
-            <a:ext cx="810036" cy="853143"/>
-          </a:xfrm>
-          <a:prstGeom prst="rect">
-            <a:avLst/>
-          </a:prstGeom>
-          <a:noFill/>
-          <a:ln w="57150">
-            <a:solidFill>
-              <a:srgbClr val="FFFF00"/>
-            </a:solidFill>
-            <a:prstDash val="sysDash"/>
-          </a:ln>
-        </p:spPr>
-        <p:style>
-          <a:lnRef idx="2">
-            <a:schemeClr val="accent1">
-              <a:shade val="50000"/>
-            </a:schemeClr>
-          </a:lnRef>
-          <a:fillRef idx="1">
-            <a:schemeClr val="accent1"/>
-          </a:fillRef>
-          <a:effectRef idx="0">
-            <a:schemeClr val="accent1"/>
-          </a:effectRef>
-          <a:fontRef idx="minor">
-            <a:schemeClr val="lt1"/>
-          </a:fontRef>
-        </p:style>
-        <p:txBody>
-          <a:bodyPr rtlCol="0" anchor="ctr"/>
-          <a:lstStyle/>
-          <a:p>
-            <a:pPr algn="ctr"/>
-            <a:endParaRPr lang="en-IE"/>
-          </a:p>
-        </p:txBody>
-      </p:sp>
-      <p:cxnSp>
-        <p:nvCxnSpPr>
-          <p:cNvPr id="31" name="Straight Connector 30">
-            <a:extLst>
-              <a:ext uri="{FF2B5EF4-FFF2-40B4-BE49-F238E27FC236}">
-                <a16:creationId xmlns:a16="http://schemas.microsoft.com/office/drawing/2014/main" id="{0AF62B7E-E471-4EEB-A797-06B67B512D70}"/>
-              </a:ext>
-            </a:extLst>
-          </p:cNvPr>
-          <p:cNvCxnSpPr>
-            <a:cxnSpLocks/>
-          </p:cNvCxnSpPr>
-          <p:nvPr/>
-        </p:nvCxnSpPr>
-        <p:spPr>
-          <a:xfrm flipV="1">
-            <a:off x="8591076" y="1590261"/>
-            <a:ext cx="1425914" cy="1952297"/>
-          </a:xfrm>
-          <a:prstGeom prst="line">
-            <a:avLst/>
-          </a:prstGeom>
-          <a:ln w="57150">
-            <a:solidFill>
-              <a:srgbClr val="FFFF00"/>
-            </a:solidFill>
-          </a:ln>
-        </p:spPr>
-        <p:style>
-          <a:lnRef idx="1">
-            <a:schemeClr val="accent1"/>
-          </a:lnRef>
-          <a:fillRef idx="0">
-            <a:schemeClr val="accent1"/>
-          </a:fillRef>
-          <a:effectRef idx="0">
-            <a:schemeClr val="accent1"/>
-          </a:effectRef>
-          <a:fontRef idx="minor">
-            <a:schemeClr val="tx1"/>
-          </a:fontRef>
-        </p:style>
-      </p:cxnSp>
-      <p:cxnSp>
-        <p:nvCxnSpPr>
-          <p:cNvPr id="34" name="Straight Connector 33">
-            <a:extLst>
-              <a:ext uri="{FF2B5EF4-FFF2-40B4-BE49-F238E27FC236}">
-                <a16:creationId xmlns:a16="http://schemas.microsoft.com/office/drawing/2014/main" id="{FE420D1B-8EF7-4024-8C3A-CBA5ED2356E9}"/>
-              </a:ext>
-            </a:extLst>
-          </p:cNvPr>
-          <p:cNvCxnSpPr>
-            <a:cxnSpLocks/>
-          </p:cNvCxnSpPr>
-          <p:nvPr/>
-        </p:nvCxnSpPr>
-        <p:spPr>
-          <a:xfrm flipH="1" flipV="1">
-            <a:off x="10826083" y="1492491"/>
-            <a:ext cx="810037" cy="2071006"/>
-          </a:xfrm>
-          <a:prstGeom prst="line">
-            <a:avLst/>
-          </a:prstGeom>
-          <a:ln w="57150">
-            <a:solidFill>
-              <a:srgbClr val="FFFF00"/>
-            </a:solidFill>
-          </a:ln>
-        </p:spPr>
-        <p:style>
-          <a:lnRef idx="1">
-            <a:schemeClr val="accent1"/>
-          </a:lnRef>
-          <a:fillRef idx="0">
-            <a:schemeClr val="accent1"/>
-          </a:fillRef>
-          <a:effectRef idx="0">
-            <a:schemeClr val="accent1"/>
-          </a:effectRef>
-          <a:fontRef idx="minor">
-            <a:schemeClr val="tx1"/>
-          </a:fontRef>
-        </p:style>
-      </p:cxnSp>
-    </p:spTree>
-    <p:extLst>
-      <p:ext uri="{BB962C8B-B14F-4D97-AF65-F5344CB8AC3E}">
-        <p14:creationId xmlns:p14="http://schemas.microsoft.com/office/powerpoint/2010/main" val="1064069654"/>
       </p:ext>
     </p:extLst>
   </p:cSld>
@@ -26743,60 +26301,547 @@
           <a:chExt cx="0" cy="0"/>
         </a:xfrm>
       </p:grpSpPr>
+      <p:pic>
+        <p:nvPicPr>
+          <p:cNvPr id="5" name="Picture 4">
+            <a:extLst>
+              <a:ext uri="{FF2B5EF4-FFF2-40B4-BE49-F238E27FC236}">
+                <a16:creationId xmlns:a16="http://schemas.microsoft.com/office/drawing/2014/main" id="{934980F4-CC28-4A32-9B82-AECE2B093EE0}"/>
+              </a:ext>
+            </a:extLst>
+          </p:cNvPr>
+          <p:cNvPicPr>
+            <a:picLocks noChangeAspect="1"/>
+          </p:cNvPicPr>
+          <p:nvPr/>
+        </p:nvPicPr>
+        <p:blipFill>
+          <a:blip r:embed="rId2"/>
+          <a:stretch>
+            <a:fillRect/>
+          </a:stretch>
+        </p:blipFill>
+        <p:spPr>
+          <a:xfrm>
+            <a:off x="162877" y="200369"/>
+            <a:ext cx="3704049" cy="6266692"/>
+          </a:xfrm>
+          <a:prstGeom prst="rect">
+            <a:avLst/>
+          </a:prstGeom>
+        </p:spPr>
+      </p:pic>
+      <p:pic>
+        <p:nvPicPr>
+          <p:cNvPr id="7" name="Picture 6">
+            <a:extLst>
+              <a:ext uri="{FF2B5EF4-FFF2-40B4-BE49-F238E27FC236}">
+                <a16:creationId xmlns:a16="http://schemas.microsoft.com/office/drawing/2014/main" id="{B797458F-5BDA-42E6-AC6E-890254A739A3}"/>
+              </a:ext>
+            </a:extLst>
+          </p:cNvPr>
+          <p:cNvPicPr>
+            <a:picLocks noChangeAspect="1"/>
+          </p:cNvPicPr>
+          <p:nvPr/>
+        </p:nvPicPr>
+        <p:blipFill>
+          <a:blip r:embed="rId3"/>
+          <a:stretch>
+            <a:fillRect/>
+          </a:stretch>
+        </p:blipFill>
+        <p:spPr>
+          <a:xfrm>
+            <a:off x="4014552" y="200369"/>
+            <a:ext cx="3871350" cy="6457261"/>
+          </a:xfrm>
+          <a:prstGeom prst="rect">
+            <a:avLst/>
+          </a:prstGeom>
+        </p:spPr>
+      </p:pic>
+      <p:pic>
+        <p:nvPicPr>
+          <p:cNvPr id="9" name="Picture 8">
+            <a:extLst>
+              <a:ext uri="{FF2B5EF4-FFF2-40B4-BE49-F238E27FC236}">
+                <a16:creationId xmlns:a16="http://schemas.microsoft.com/office/drawing/2014/main" id="{E6B851C2-8FEE-4BD7-8F2D-787C4FB91B9F}"/>
+              </a:ext>
+            </a:extLst>
+          </p:cNvPr>
+          <p:cNvPicPr>
+            <a:picLocks noChangeAspect="1"/>
+          </p:cNvPicPr>
+          <p:nvPr/>
+        </p:nvPicPr>
+        <p:blipFill>
+          <a:blip r:embed="rId4"/>
+          <a:stretch>
+            <a:fillRect/>
+          </a:stretch>
+        </p:blipFill>
+        <p:spPr>
+          <a:xfrm>
+            <a:off x="8017374" y="200369"/>
+            <a:ext cx="4011750" cy="3300308"/>
+          </a:xfrm>
+          <a:prstGeom prst="rect">
+            <a:avLst/>
+          </a:prstGeom>
+        </p:spPr>
+      </p:pic>
+      <p:pic>
+        <p:nvPicPr>
+          <p:cNvPr id="13" name="Picture 12">
+            <a:extLst>
+              <a:ext uri="{FF2B5EF4-FFF2-40B4-BE49-F238E27FC236}">
+                <a16:creationId xmlns:a16="http://schemas.microsoft.com/office/drawing/2014/main" id="{51424962-E153-4AA8-8FC2-FDE78C94C8FA}"/>
+              </a:ext>
+            </a:extLst>
+          </p:cNvPr>
+          <p:cNvPicPr>
+            <a:picLocks noChangeAspect="1"/>
+          </p:cNvPicPr>
+          <p:nvPr/>
+        </p:nvPicPr>
+        <p:blipFill>
+          <a:blip r:embed="rId5"/>
+          <a:stretch>
+            <a:fillRect/>
+          </a:stretch>
+        </p:blipFill>
+        <p:spPr>
+          <a:xfrm>
+            <a:off x="8410378" y="3521617"/>
+            <a:ext cx="3225741" cy="3136013"/>
+          </a:xfrm>
+          <a:prstGeom prst="rect">
+            <a:avLst/>
+          </a:prstGeom>
+        </p:spPr>
+      </p:pic>
       <p:sp>
         <p:nvSpPr>
-          <p:cNvPr id="2" name="Title 1">
-            <a:extLst>
-              <a:ext uri="{FF2B5EF4-FFF2-40B4-BE49-F238E27FC236}">
-                <a16:creationId xmlns:a16="http://schemas.microsoft.com/office/drawing/2014/main" id="{8DADB110-BE21-4354-A06F-4FE635EE657E}"/>
-              </a:ext>
-            </a:extLst>
-          </p:cNvPr>
-          <p:cNvSpPr>
-            <a:spLocks noGrp="1"/>
-          </p:cNvSpPr>
-          <p:nvPr>
-            <p:ph type="title"/>
-          </p:nvPr>
+          <p:cNvPr id="15" name="Rectangle 14">
+            <a:extLst>
+              <a:ext uri="{FF2B5EF4-FFF2-40B4-BE49-F238E27FC236}">
+                <a16:creationId xmlns:a16="http://schemas.microsoft.com/office/drawing/2014/main" id="{814B4622-1AD6-4980-BAE2-D0CA48057E84}"/>
+              </a:ext>
+            </a:extLst>
+          </p:cNvPr>
+          <p:cNvSpPr/>
+          <p:nvPr/>
         </p:nvSpPr>
-        <p:spPr/>
+        <p:spPr>
+          <a:xfrm>
+            <a:off x="1790700" y="2781300"/>
+            <a:ext cx="609600" cy="1181100"/>
+          </a:xfrm>
+          <a:prstGeom prst="rect">
+            <a:avLst/>
+          </a:prstGeom>
+          <a:noFill/>
+          <a:ln w="57150">
+            <a:solidFill>
+              <a:srgbClr val="FFFF00"/>
+            </a:solidFill>
+            <a:prstDash val="sysDash"/>
+          </a:ln>
+        </p:spPr>
+        <p:style>
+          <a:lnRef idx="2">
+            <a:schemeClr val="accent1">
+              <a:shade val="50000"/>
+            </a:schemeClr>
+          </a:lnRef>
+          <a:fillRef idx="1">
+            <a:schemeClr val="accent1"/>
+          </a:fillRef>
+          <a:effectRef idx="0">
+            <a:schemeClr val="accent1"/>
+          </a:effectRef>
+          <a:fontRef idx="minor">
+            <a:schemeClr val="lt1"/>
+          </a:fontRef>
+        </p:style>
         <p:txBody>
-          <a:bodyPr/>
+          <a:bodyPr rtlCol="0" anchor="ctr"/>
           <a:lstStyle/>
           <a:p>
-            <a:endParaRPr lang="en-IE" dirty="0"/>
+            <a:pPr algn="ctr"/>
+            <a:endParaRPr lang="en-IE"/>
           </a:p>
         </p:txBody>
       </p:sp>
+      <p:cxnSp>
+        <p:nvCxnSpPr>
+          <p:cNvPr id="17" name="Straight Connector 16">
+            <a:extLst>
+              <a:ext uri="{FF2B5EF4-FFF2-40B4-BE49-F238E27FC236}">
+                <a16:creationId xmlns:a16="http://schemas.microsoft.com/office/drawing/2014/main" id="{2E68487F-224A-4EDF-80BE-229CED59CC7B}"/>
+              </a:ext>
+            </a:extLst>
+          </p:cNvPr>
+          <p:cNvCxnSpPr>
+            <a:cxnSpLocks/>
+          </p:cNvCxnSpPr>
+          <p:nvPr/>
+        </p:nvCxnSpPr>
+        <p:spPr>
+          <a:xfrm flipV="1">
+            <a:off x="1790700" y="200370"/>
+            <a:ext cx="2223852" cy="2580930"/>
+          </a:xfrm>
+          <a:prstGeom prst="line">
+            <a:avLst/>
+          </a:prstGeom>
+          <a:ln w="57150">
+            <a:solidFill>
+              <a:srgbClr val="FFFF00"/>
+            </a:solidFill>
+          </a:ln>
+        </p:spPr>
+        <p:style>
+          <a:lnRef idx="1">
+            <a:schemeClr val="accent1"/>
+          </a:lnRef>
+          <a:fillRef idx="0">
+            <a:schemeClr val="accent1"/>
+          </a:fillRef>
+          <a:effectRef idx="0">
+            <a:schemeClr val="accent1"/>
+          </a:effectRef>
+          <a:fontRef idx="minor">
+            <a:schemeClr val="tx1"/>
+          </a:fontRef>
+        </p:style>
+      </p:cxnSp>
+      <p:cxnSp>
+        <p:nvCxnSpPr>
+          <p:cNvPr id="19" name="Straight Connector 18">
+            <a:extLst>
+              <a:ext uri="{FF2B5EF4-FFF2-40B4-BE49-F238E27FC236}">
+                <a16:creationId xmlns:a16="http://schemas.microsoft.com/office/drawing/2014/main" id="{29BF5576-6D92-4EA5-B1F0-5AF6C715BE87}"/>
+              </a:ext>
+            </a:extLst>
+          </p:cNvPr>
+          <p:cNvCxnSpPr>
+            <a:cxnSpLocks/>
+          </p:cNvCxnSpPr>
+          <p:nvPr/>
+        </p:nvCxnSpPr>
+        <p:spPr>
+          <a:xfrm>
+            <a:off x="1790700" y="3962400"/>
+            <a:ext cx="2223852" cy="2657061"/>
+          </a:xfrm>
+          <a:prstGeom prst="line">
+            <a:avLst/>
+          </a:prstGeom>
+          <a:ln w="57150">
+            <a:solidFill>
+              <a:srgbClr val="FFFF00"/>
+            </a:solidFill>
+          </a:ln>
+        </p:spPr>
+        <p:style>
+          <a:lnRef idx="1">
+            <a:schemeClr val="accent1"/>
+          </a:lnRef>
+          <a:fillRef idx="0">
+            <a:schemeClr val="accent1"/>
+          </a:fillRef>
+          <a:effectRef idx="0">
+            <a:schemeClr val="accent1"/>
+          </a:effectRef>
+          <a:fontRef idx="minor">
+            <a:schemeClr val="tx1"/>
+          </a:fontRef>
+        </p:style>
+      </p:cxnSp>
       <p:sp>
         <p:nvSpPr>
-          <p:cNvPr id="3" name="Content Placeholder 2">
-            <a:extLst>
-              <a:ext uri="{FF2B5EF4-FFF2-40B4-BE49-F238E27FC236}">
-                <a16:creationId xmlns:a16="http://schemas.microsoft.com/office/drawing/2014/main" id="{A21B914A-350F-40F1-A1EC-CD906C864E96}"/>
-              </a:ext>
-            </a:extLst>
-          </p:cNvPr>
-          <p:cNvSpPr>
-            <a:spLocks noGrp="1"/>
-          </p:cNvSpPr>
-          <p:nvPr>
-            <p:ph idx="1"/>
-          </p:nvPr>
+          <p:cNvPr id="22" name="Rectangle 21">
+            <a:extLst>
+              <a:ext uri="{FF2B5EF4-FFF2-40B4-BE49-F238E27FC236}">
+                <a16:creationId xmlns:a16="http://schemas.microsoft.com/office/drawing/2014/main" id="{DABBAD0C-8F41-4EA3-8593-3A694E51461E}"/>
+              </a:ext>
+            </a:extLst>
+          </p:cNvPr>
+          <p:cNvSpPr/>
+          <p:nvPr/>
         </p:nvSpPr>
-        <p:spPr/>
+        <p:spPr>
+          <a:xfrm>
+            <a:off x="5998014" y="2085560"/>
+            <a:ext cx="609600" cy="631134"/>
+          </a:xfrm>
+          <a:prstGeom prst="rect">
+            <a:avLst/>
+          </a:prstGeom>
+          <a:noFill/>
+          <a:ln w="57150">
+            <a:solidFill>
+              <a:srgbClr val="FFFF00"/>
+            </a:solidFill>
+            <a:prstDash val="sysDash"/>
+          </a:ln>
+        </p:spPr>
+        <p:style>
+          <a:lnRef idx="2">
+            <a:schemeClr val="accent1">
+              <a:shade val="50000"/>
+            </a:schemeClr>
+          </a:lnRef>
+          <a:fillRef idx="1">
+            <a:schemeClr val="accent1"/>
+          </a:fillRef>
+          <a:effectRef idx="0">
+            <a:schemeClr val="accent1"/>
+          </a:effectRef>
+          <a:fontRef idx="minor">
+            <a:schemeClr val="lt1"/>
+          </a:fontRef>
+        </p:style>
         <p:txBody>
-          <a:bodyPr/>
+          <a:bodyPr rtlCol="0" anchor="ctr"/>
           <a:lstStyle/>
           <a:p>
-            <a:endParaRPr lang="en-IE" dirty="0"/>
+            <a:pPr algn="ctr"/>
+            <a:endParaRPr lang="en-IE"/>
           </a:p>
         </p:txBody>
       </p:sp>
+      <p:cxnSp>
+        <p:nvCxnSpPr>
+          <p:cNvPr id="23" name="Straight Connector 22">
+            <a:extLst>
+              <a:ext uri="{FF2B5EF4-FFF2-40B4-BE49-F238E27FC236}">
+                <a16:creationId xmlns:a16="http://schemas.microsoft.com/office/drawing/2014/main" id="{671005CF-F0BE-4751-812C-F409C48C88DA}"/>
+              </a:ext>
+            </a:extLst>
+          </p:cNvPr>
+          <p:cNvCxnSpPr>
+            <a:cxnSpLocks/>
+          </p:cNvCxnSpPr>
+          <p:nvPr/>
+        </p:nvCxnSpPr>
+        <p:spPr>
+          <a:xfrm flipV="1">
+            <a:off x="5998014" y="200368"/>
+            <a:ext cx="2035514" cy="1881018"/>
+          </a:xfrm>
+          <a:prstGeom prst="line">
+            <a:avLst/>
+          </a:prstGeom>
+          <a:ln w="57150">
+            <a:solidFill>
+              <a:srgbClr val="FFFF00"/>
+            </a:solidFill>
+          </a:ln>
+        </p:spPr>
+        <p:style>
+          <a:lnRef idx="1">
+            <a:schemeClr val="accent1"/>
+          </a:lnRef>
+          <a:fillRef idx="0">
+            <a:schemeClr val="accent1"/>
+          </a:fillRef>
+          <a:effectRef idx="0">
+            <a:schemeClr val="accent1"/>
+          </a:effectRef>
+          <a:fontRef idx="minor">
+            <a:schemeClr val="tx1"/>
+          </a:fontRef>
+        </p:style>
+      </p:cxnSp>
+      <p:cxnSp>
+        <p:nvCxnSpPr>
+          <p:cNvPr id="26" name="Straight Connector 25">
+            <a:extLst>
+              <a:ext uri="{FF2B5EF4-FFF2-40B4-BE49-F238E27FC236}">
+                <a16:creationId xmlns:a16="http://schemas.microsoft.com/office/drawing/2014/main" id="{93B61DF2-4C2B-45F8-991A-A315FABF1121}"/>
+              </a:ext>
+            </a:extLst>
+          </p:cNvPr>
+          <p:cNvCxnSpPr>
+            <a:cxnSpLocks/>
+          </p:cNvCxnSpPr>
+          <p:nvPr/>
+        </p:nvCxnSpPr>
+        <p:spPr>
+          <a:xfrm>
+            <a:off x="6090778" y="2716694"/>
+            <a:ext cx="2086672" cy="804923"/>
+          </a:xfrm>
+          <a:prstGeom prst="line">
+            <a:avLst/>
+          </a:prstGeom>
+          <a:ln w="57150">
+            <a:solidFill>
+              <a:srgbClr val="FFFF00"/>
+            </a:solidFill>
+          </a:ln>
+        </p:spPr>
+        <p:style>
+          <a:lnRef idx="1">
+            <a:schemeClr val="accent1"/>
+          </a:lnRef>
+          <a:fillRef idx="0">
+            <a:schemeClr val="accent1"/>
+          </a:fillRef>
+          <a:effectRef idx="0">
+            <a:schemeClr val="accent1"/>
+          </a:effectRef>
+          <a:fontRef idx="minor">
+            <a:schemeClr val="tx1"/>
+          </a:fontRef>
+        </p:style>
+      </p:cxnSp>
+      <p:sp>
+        <p:nvSpPr>
+          <p:cNvPr id="30" name="Rectangle 29">
+            <a:extLst>
+              <a:ext uri="{FF2B5EF4-FFF2-40B4-BE49-F238E27FC236}">
+                <a16:creationId xmlns:a16="http://schemas.microsoft.com/office/drawing/2014/main" id="{91E34702-EE0F-44BE-B3B2-BEAC1D12E2B6}"/>
+              </a:ext>
+            </a:extLst>
+          </p:cNvPr>
+          <p:cNvSpPr/>
+          <p:nvPr/>
+        </p:nvSpPr>
+        <p:spPr>
+          <a:xfrm>
+            <a:off x="10016990" y="1492491"/>
+            <a:ext cx="810036" cy="853143"/>
+          </a:xfrm>
+          <a:prstGeom prst="rect">
+            <a:avLst/>
+          </a:prstGeom>
+          <a:noFill/>
+          <a:ln w="57150">
+            <a:solidFill>
+              <a:srgbClr val="FFFF00"/>
+            </a:solidFill>
+            <a:prstDash val="sysDash"/>
+          </a:ln>
+        </p:spPr>
+        <p:style>
+          <a:lnRef idx="2">
+            <a:schemeClr val="accent1">
+              <a:shade val="50000"/>
+            </a:schemeClr>
+          </a:lnRef>
+          <a:fillRef idx="1">
+            <a:schemeClr val="accent1"/>
+          </a:fillRef>
+          <a:effectRef idx="0">
+            <a:schemeClr val="accent1"/>
+          </a:effectRef>
+          <a:fontRef idx="minor">
+            <a:schemeClr val="lt1"/>
+          </a:fontRef>
+        </p:style>
+        <p:txBody>
+          <a:bodyPr rtlCol="0" anchor="ctr"/>
+          <a:lstStyle/>
+          <a:p>
+            <a:pPr algn="ctr"/>
+            <a:endParaRPr lang="en-IE"/>
+          </a:p>
+        </p:txBody>
+      </p:sp>
+      <p:cxnSp>
+        <p:nvCxnSpPr>
+          <p:cNvPr id="31" name="Straight Connector 30">
+            <a:extLst>
+              <a:ext uri="{FF2B5EF4-FFF2-40B4-BE49-F238E27FC236}">
+                <a16:creationId xmlns:a16="http://schemas.microsoft.com/office/drawing/2014/main" id="{0AF62B7E-E471-4EEB-A797-06B67B512D70}"/>
+              </a:ext>
+            </a:extLst>
+          </p:cNvPr>
+          <p:cNvCxnSpPr>
+            <a:cxnSpLocks/>
+          </p:cNvCxnSpPr>
+          <p:nvPr/>
+        </p:nvCxnSpPr>
+        <p:spPr>
+          <a:xfrm flipV="1">
+            <a:off x="8591076" y="1590261"/>
+            <a:ext cx="1425914" cy="1952297"/>
+          </a:xfrm>
+          <a:prstGeom prst="line">
+            <a:avLst/>
+          </a:prstGeom>
+          <a:ln w="57150">
+            <a:solidFill>
+              <a:srgbClr val="FFFF00"/>
+            </a:solidFill>
+          </a:ln>
+        </p:spPr>
+        <p:style>
+          <a:lnRef idx="1">
+            <a:schemeClr val="accent1"/>
+          </a:lnRef>
+          <a:fillRef idx="0">
+            <a:schemeClr val="accent1"/>
+          </a:fillRef>
+          <a:effectRef idx="0">
+            <a:schemeClr val="accent1"/>
+          </a:effectRef>
+          <a:fontRef idx="minor">
+            <a:schemeClr val="tx1"/>
+          </a:fontRef>
+        </p:style>
+      </p:cxnSp>
+      <p:cxnSp>
+        <p:nvCxnSpPr>
+          <p:cNvPr id="34" name="Straight Connector 33">
+            <a:extLst>
+              <a:ext uri="{FF2B5EF4-FFF2-40B4-BE49-F238E27FC236}">
+                <a16:creationId xmlns:a16="http://schemas.microsoft.com/office/drawing/2014/main" id="{FE420D1B-8EF7-4024-8C3A-CBA5ED2356E9}"/>
+              </a:ext>
+            </a:extLst>
+          </p:cNvPr>
+          <p:cNvCxnSpPr>
+            <a:cxnSpLocks/>
+          </p:cNvCxnSpPr>
+          <p:nvPr/>
+        </p:nvCxnSpPr>
+        <p:spPr>
+          <a:xfrm flipH="1" flipV="1">
+            <a:off x="10826083" y="1492491"/>
+            <a:ext cx="810037" cy="2071006"/>
+          </a:xfrm>
+          <a:prstGeom prst="line">
+            <a:avLst/>
+          </a:prstGeom>
+          <a:ln w="57150">
+            <a:solidFill>
+              <a:srgbClr val="FFFF00"/>
+            </a:solidFill>
+          </a:ln>
+        </p:spPr>
+        <p:style>
+          <a:lnRef idx="1">
+            <a:schemeClr val="accent1"/>
+          </a:lnRef>
+          <a:fillRef idx="0">
+            <a:schemeClr val="accent1"/>
+          </a:fillRef>
+          <a:effectRef idx="0">
+            <a:schemeClr val="accent1"/>
+          </a:effectRef>
+          <a:fontRef idx="minor">
+            <a:schemeClr val="tx1"/>
+          </a:fontRef>
+        </p:style>
+      </p:cxnSp>
     </p:spTree>
     <p:extLst>
       <p:ext uri="{BB962C8B-B14F-4D97-AF65-F5344CB8AC3E}">
-        <p14:creationId xmlns:p14="http://schemas.microsoft.com/office/powerpoint/2010/main" val="2748444816"/>
+        <p14:creationId xmlns:p14="http://schemas.microsoft.com/office/powerpoint/2010/main" val="1064069654"/>
       </p:ext>
     </p:extLst>
   </p:cSld>
@@ -26828,6 +26873,86 @@
           <p:cNvPr id="2" name="Title 1">
             <a:extLst>
               <a:ext uri="{FF2B5EF4-FFF2-40B4-BE49-F238E27FC236}">
+                <a16:creationId xmlns:a16="http://schemas.microsoft.com/office/drawing/2014/main" id="{8DADB110-BE21-4354-A06F-4FE635EE657E}"/>
+              </a:ext>
+            </a:extLst>
+          </p:cNvPr>
+          <p:cNvSpPr>
+            <a:spLocks noGrp="1"/>
+          </p:cNvSpPr>
+          <p:nvPr>
+            <p:ph type="title"/>
+          </p:nvPr>
+        </p:nvSpPr>
+        <p:spPr/>
+        <p:txBody>
+          <a:bodyPr/>
+          <a:lstStyle/>
+          <a:p>
+            <a:endParaRPr lang="en-IE" dirty="0"/>
+          </a:p>
+        </p:txBody>
+      </p:sp>
+      <p:sp>
+        <p:nvSpPr>
+          <p:cNvPr id="3" name="Content Placeholder 2">
+            <a:extLst>
+              <a:ext uri="{FF2B5EF4-FFF2-40B4-BE49-F238E27FC236}">
+                <a16:creationId xmlns:a16="http://schemas.microsoft.com/office/drawing/2014/main" id="{A21B914A-350F-40F1-A1EC-CD906C864E96}"/>
+              </a:ext>
+            </a:extLst>
+          </p:cNvPr>
+          <p:cNvSpPr>
+            <a:spLocks noGrp="1"/>
+          </p:cNvSpPr>
+          <p:nvPr>
+            <p:ph idx="1"/>
+          </p:nvPr>
+        </p:nvSpPr>
+        <p:spPr/>
+        <p:txBody>
+          <a:bodyPr/>
+          <a:lstStyle/>
+          <a:p>
+            <a:endParaRPr lang="en-IE" dirty="0"/>
+          </a:p>
+        </p:txBody>
+      </p:sp>
+    </p:spTree>
+    <p:extLst>
+      <p:ext uri="{BB962C8B-B14F-4D97-AF65-F5344CB8AC3E}">
+        <p14:creationId xmlns:p14="http://schemas.microsoft.com/office/powerpoint/2010/main" val="2748444816"/>
+      </p:ext>
+    </p:extLst>
+  </p:cSld>
+  <p:clrMapOvr>
+    <a:masterClrMapping/>
+  </p:clrMapOvr>
+</p:sld>
+</file>
+
+<file path=ppt/slides/slide82.xml><?xml version="1.0" encoding="utf-8"?>
+<p:sld xmlns:a="http://schemas.openxmlformats.org/drawingml/2006/main" xmlns:r="http://schemas.openxmlformats.org/officeDocument/2006/relationships" xmlns:p="http://schemas.openxmlformats.org/presentationml/2006/main">
+  <p:cSld>
+    <p:spTree>
+      <p:nvGrpSpPr>
+        <p:cNvPr id="1" name=""/>
+        <p:cNvGrpSpPr/>
+        <p:nvPr/>
+      </p:nvGrpSpPr>
+      <p:grpSpPr>
+        <a:xfrm>
+          <a:off x="0" y="0"/>
+          <a:ext cx="0" cy="0"/>
+          <a:chOff x="0" y="0"/>
+          <a:chExt cx="0" cy="0"/>
+        </a:xfrm>
+      </p:grpSpPr>
+      <p:sp>
+        <p:nvSpPr>
+          <p:cNvPr id="2" name="Title 1">
+            <a:extLst>
+              <a:ext uri="{FF2B5EF4-FFF2-40B4-BE49-F238E27FC236}">
                 <a16:creationId xmlns:a16="http://schemas.microsoft.com/office/drawing/2014/main" id="{2500A37E-007C-49A6-905B-3E39F783125F}"/>
               </a:ext>
             </a:extLst>
@@ -26886,7 +27011,7 @@
 </p:sld>
 </file>
 
-<file path=ppt/slides/slide82.xml><?xml version="1.0" encoding="utf-8"?>
+<file path=ppt/slides/slide83.xml><?xml version="1.0" encoding="utf-8"?>
 <p:sld xmlns:a="http://schemas.openxmlformats.org/drawingml/2006/main" xmlns:r="http://schemas.openxmlformats.org/officeDocument/2006/relationships" xmlns:p="http://schemas.openxmlformats.org/presentationml/2006/main">
   <p:cSld>
     <p:spTree>
@@ -27081,7 +27206,7 @@
 </p:sld>
 </file>
 
-<file path=ppt/slides/slide83.xml><?xml version="1.0" encoding="utf-8"?>
+<file path=ppt/slides/slide84.xml><?xml version="1.0" encoding="utf-8"?>
 <p:sld xmlns:a="http://schemas.openxmlformats.org/drawingml/2006/main" xmlns:r="http://schemas.openxmlformats.org/officeDocument/2006/relationships" xmlns:p="http://schemas.openxmlformats.org/presentationml/2006/main">
   <p:cSld>
     <p:spTree>

--- a/part2.pptx
+++ b/part2.pptx
@@ -52,43 +52,44 @@
     <p:sldId id="301" r:id="rId46"/>
     <p:sldId id="302" r:id="rId47"/>
     <p:sldId id="328" r:id="rId48"/>
-    <p:sldId id="303" r:id="rId49"/>
-    <p:sldId id="304" r:id="rId50"/>
-    <p:sldId id="305" r:id="rId51"/>
-    <p:sldId id="306" r:id="rId52"/>
-    <p:sldId id="307" r:id="rId53"/>
-    <p:sldId id="308" r:id="rId54"/>
-    <p:sldId id="309" r:id="rId55"/>
-    <p:sldId id="310" r:id="rId56"/>
-    <p:sldId id="311" r:id="rId57"/>
-    <p:sldId id="312" r:id="rId58"/>
-    <p:sldId id="341" r:id="rId59"/>
-    <p:sldId id="313" r:id="rId60"/>
-    <p:sldId id="314" r:id="rId61"/>
-    <p:sldId id="315" r:id="rId62"/>
-    <p:sldId id="316" r:id="rId63"/>
-    <p:sldId id="320" r:id="rId64"/>
-    <p:sldId id="321" r:id="rId65"/>
-    <p:sldId id="322" r:id="rId66"/>
-    <p:sldId id="323" r:id="rId67"/>
-    <p:sldId id="325" r:id="rId68"/>
-    <p:sldId id="326" r:id="rId69"/>
-    <p:sldId id="327" r:id="rId70"/>
-    <p:sldId id="319" r:id="rId71"/>
-    <p:sldId id="332" r:id="rId72"/>
-    <p:sldId id="333" r:id="rId73"/>
-    <p:sldId id="334" r:id="rId74"/>
-    <p:sldId id="335" r:id="rId75"/>
-    <p:sldId id="336" r:id="rId76"/>
-    <p:sldId id="337" r:id="rId77"/>
-    <p:sldId id="338" r:id="rId78"/>
-    <p:sldId id="339" r:id="rId79"/>
-    <p:sldId id="340" r:id="rId80"/>
-    <p:sldId id="329" r:id="rId81"/>
-    <p:sldId id="330" r:id="rId82"/>
-    <p:sldId id="331" r:id="rId83"/>
-    <p:sldId id="317" r:id="rId84"/>
-    <p:sldId id="318" r:id="rId85"/>
+    <p:sldId id="342" r:id="rId49"/>
+    <p:sldId id="303" r:id="rId50"/>
+    <p:sldId id="304" r:id="rId51"/>
+    <p:sldId id="305" r:id="rId52"/>
+    <p:sldId id="306" r:id="rId53"/>
+    <p:sldId id="307" r:id="rId54"/>
+    <p:sldId id="308" r:id="rId55"/>
+    <p:sldId id="309" r:id="rId56"/>
+    <p:sldId id="310" r:id="rId57"/>
+    <p:sldId id="311" r:id="rId58"/>
+    <p:sldId id="312" r:id="rId59"/>
+    <p:sldId id="341" r:id="rId60"/>
+    <p:sldId id="313" r:id="rId61"/>
+    <p:sldId id="314" r:id="rId62"/>
+    <p:sldId id="315" r:id="rId63"/>
+    <p:sldId id="316" r:id="rId64"/>
+    <p:sldId id="320" r:id="rId65"/>
+    <p:sldId id="321" r:id="rId66"/>
+    <p:sldId id="322" r:id="rId67"/>
+    <p:sldId id="323" r:id="rId68"/>
+    <p:sldId id="325" r:id="rId69"/>
+    <p:sldId id="326" r:id="rId70"/>
+    <p:sldId id="327" r:id="rId71"/>
+    <p:sldId id="319" r:id="rId72"/>
+    <p:sldId id="332" r:id="rId73"/>
+    <p:sldId id="333" r:id="rId74"/>
+    <p:sldId id="334" r:id="rId75"/>
+    <p:sldId id="335" r:id="rId76"/>
+    <p:sldId id="336" r:id="rId77"/>
+    <p:sldId id="337" r:id="rId78"/>
+    <p:sldId id="338" r:id="rId79"/>
+    <p:sldId id="339" r:id="rId80"/>
+    <p:sldId id="340" r:id="rId81"/>
+    <p:sldId id="329" r:id="rId82"/>
+    <p:sldId id="330" r:id="rId83"/>
+    <p:sldId id="331" r:id="rId84"/>
+    <p:sldId id="317" r:id="rId85"/>
+    <p:sldId id="318" r:id="rId86"/>
   </p:sldIdLst>
   <p:sldSz cx="12192000" cy="6858000"/>
   <p:notesSz cx="6858000" cy="9144000"/>
@@ -200,7 +201,7 @@
   <pc:docChgLst>
     <pc:chgData name="Sergey Parshin" userId="33371af5f60a0596" providerId="LiveId" clId="{35DFA75A-96B0-4D17-91BA-928D53D9C754}"/>
     <pc:docChg chg="undo custSel addSld modSld sldOrd">
-      <pc:chgData name="Sergey Parshin" userId="33371af5f60a0596" providerId="LiveId" clId="{35DFA75A-96B0-4D17-91BA-928D53D9C754}" dt="2019-10-05T02:03:43.339" v="2016" actId="1076"/>
+      <pc:chgData name="Sergey Parshin" userId="33371af5f60a0596" providerId="LiveId" clId="{35DFA75A-96B0-4D17-91BA-928D53D9C754}" dt="2019-10-06T01:22:03.909" v="2180" actId="207"/>
       <pc:docMkLst>
         <pc:docMk/>
       </pc:docMkLst>
@@ -438,6 +439,29 @@
             <pc:docMk/>
             <pc:sldMk cId="102770265" sldId="319"/>
             <ac:spMk id="5" creationId="{93675976-9EE9-4A00-8999-27AD7E0D25FF}"/>
+          </ac:spMkLst>
+        </pc:spChg>
+      </pc:sldChg>
+      <pc:sldChg chg="modSp">
+        <pc:chgData name="Sergey Parshin" userId="33371af5f60a0596" providerId="LiveId" clId="{35DFA75A-96B0-4D17-91BA-928D53D9C754}" dt="2019-10-06T01:21:29.180" v="2165" actId="20577"/>
+        <pc:sldMkLst>
+          <pc:docMk/>
+          <pc:sldMk cId="3972542501" sldId="328"/>
+        </pc:sldMkLst>
+        <pc:spChg chg="mod">
+          <ac:chgData name="Sergey Parshin" userId="33371af5f60a0596" providerId="LiveId" clId="{35DFA75A-96B0-4D17-91BA-928D53D9C754}" dt="2019-10-06T01:18:48.469" v="2038" actId="20577"/>
+          <ac:spMkLst>
+            <pc:docMk/>
+            <pc:sldMk cId="3972542501" sldId="328"/>
+            <ac:spMk id="2" creationId="{F8B321D7-C404-4856-9E66-6CB7B12D6E75}"/>
+          </ac:spMkLst>
+        </pc:spChg>
+        <pc:spChg chg="mod">
+          <ac:chgData name="Sergey Parshin" userId="33371af5f60a0596" providerId="LiveId" clId="{35DFA75A-96B0-4D17-91BA-928D53D9C754}" dt="2019-10-06T01:21:29.180" v="2165" actId="20577"/>
+          <ac:spMkLst>
+            <pc:docMk/>
+            <pc:sldMk cId="3972542501" sldId="328"/>
+            <ac:spMk id="3" creationId="{544723AD-F869-4BAE-A672-2A9BC1C48CDD}"/>
           </ac:spMkLst>
         </pc:spChg>
       </pc:sldChg>
@@ -1220,15 +1244,37 @@
           </ac:picMkLst>
         </pc:picChg>
       </pc:sldChg>
+      <pc:sldChg chg="modSp add">
+        <pc:chgData name="Sergey Parshin" userId="33371af5f60a0596" providerId="LiveId" clId="{35DFA75A-96B0-4D17-91BA-928D53D9C754}" dt="2019-10-06T01:22:03.909" v="2180" actId="207"/>
+        <pc:sldMkLst>
+          <pc:docMk/>
+          <pc:sldMk cId="3058007019" sldId="342"/>
+        </pc:sldMkLst>
+        <pc:spChg chg="mod">
+          <ac:chgData name="Sergey Parshin" userId="33371af5f60a0596" providerId="LiveId" clId="{35DFA75A-96B0-4D17-91BA-928D53D9C754}" dt="2019-10-06T01:22:03.909" v="2180" actId="207"/>
+          <ac:spMkLst>
+            <pc:docMk/>
+            <pc:sldMk cId="3058007019" sldId="342"/>
+            <ac:spMk id="3" creationId="{544723AD-F869-4BAE-A672-2A9BC1C48CDD}"/>
+          </ac:spMkLst>
+        </pc:spChg>
+      </pc:sldChg>
     </pc:docChg>
   </pc:docChgLst>
   <pc:docChgLst>
     <pc:chgData name="Sergey Parshin" userId="33371af5f60a0596" providerId="LiveId" clId="{CD4EFC38-E4C9-4F8B-9A88-2D53C40DDBF0}"/>
     <pc:docChg chg="undo custSel addSld delSld modSld">
-      <pc:chgData name="Sergey Parshin" userId="33371af5f60a0596" providerId="LiveId" clId="{CD4EFC38-E4C9-4F8B-9A88-2D53C40DDBF0}" dt="2019-10-04T18:23:25.778" v="1580" actId="14100"/>
+      <pc:chgData name="Sergey Parshin" userId="33371af5f60a0596" providerId="LiveId" clId="{CD4EFC38-E4C9-4F8B-9A88-2D53C40DDBF0}" dt="2019-10-05T06:20:33.843" v="1581"/>
       <pc:docMkLst>
         <pc:docMk/>
       </pc:docMkLst>
+      <pc:sldChg chg="modAnim">
+        <pc:chgData name="Sergey Parshin" userId="33371af5f60a0596" providerId="LiveId" clId="{CD4EFC38-E4C9-4F8B-9A88-2D53C40DDBF0}" dt="2019-10-05T06:20:33.843" v="1581"/>
+        <pc:sldMkLst>
+          <pc:docMk/>
+          <pc:sldMk cId="2819733360" sldId="305"/>
+        </pc:sldMkLst>
+      </pc:sldChg>
       <pc:sldChg chg="modSp">
         <pc:chgData name="Sergey Parshin" userId="33371af5f60a0596" providerId="LiveId" clId="{CD4EFC38-E4C9-4F8B-9A88-2D53C40DDBF0}" dt="2019-10-03T22:26:36.882" v="665" actId="20577"/>
         <pc:sldMkLst>
@@ -15953,7 +15999,7 @@
           <a:p>
             <a:r>
               <a:rPr lang="en-IE" dirty="0"/>
-              <a:t>VHDL: arrays</a:t>
+              <a:t>VHDL: arrays, example</a:t>
             </a:r>
           </a:p>
         </p:txBody>
@@ -15976,8 +16022,8 @@
         </p:nvSpPr>
         <p:spPr>
           <a:xfrm>
-            <a:off x="838200" y="1825625"/>
-            <a:ext cx="10515600" cy="4787210"/>
+            <a:off x="340659" y="1825625"/>
+            <a:ext cx="11528612" cy="4787210"/>
           </a:xfrm>
         </p:spPr>
         <p:txBody>
@@ -15990,13 +16036,196 @@
               <a:buNone/>
             </a:pPr>
             <a:r>
-              <a:rPr lang="en-IE" sz="8000" dirty="0">
-                <a:solidFill>
-                  <a:srgbClr val="FF0000"/>
-                </a:solidFill>
-              </a:rPr>
-              <a:t>TODO</a:t>
-            </a:r>
+              <a:rPr lang="en-IE" sz="3200" b="1" dirty="0">
+                <a:latin typeface="Courier New" panose="02070309020205020404" pitchFamily="49" charset="0"/>
+                <a:cs typeface="Courier New" panose="02070309020205020404" pitchFamily="49" charset="0"/>
+              </a:rPr>
+              <a:t>type</a:t>
+            </a:r>
+            <a:r>
+              <a:rPr lang="en-IE" sz="3200" dirty="0">
+                <a:latin typeface="Courier New" panose="02070309020205020404" pitchFamily="49" charset="0"/>
+                <a:cs typeface="Courier New" panose="02070309020205020404" pitchFamily="49" charset="0"/>
+              </a:rPr>
+              <a:t> </a:t>
+            </a:r>
+            <a:r>
+              <a:rPr lang="en-IE" sz="3200" dirty="0" err="1">
+                <a:latin typeface="Courier New" panose="02070309020205020404" pitchFamily="49" charset="0"/>
+                <a:cs typeface="Courier New" panose="02070309020205020404" pitchFamily="49" charset="0"/>
+              </a:rPr>
+              <a:t>ram_t</a:t>
+            </a:r>
+            <a:r>
+              <a:rPr lang="en-IE" sz="3200" dirty="0">
+                <a:latin typeface="Courier New" panose="02070309020205020404" pitchFamily="49" charset="0"/>
+                <a:cs typeface="Courier New" panose="02070309020205020404" pitchFamily="49" charset="0"/>
+              </a:rPr>
+              <a:t> </a:t>
+            </a:r>
+            <a:r>
+              <a:rPr lang="en-IE" sz="3200" b="1" dirty="0">
+                <a:latin typeface="Courier New" panose="02070309020205020404" pitchFamily="49" charset="0"/>
+                <a:cs typeface="Courier New" panose="02070309020205020404" pitchFamily="49" charset="0"/>
+              </a:rPr>
+              <a:t>is</a:t>
+            </a:r>
+            <a:r>
+              <a:rPr lang="en-IE" sz="3200" dirty="0">
+                <a:latin typeface="Courier New" panose="02070309020205020404" pitchFamily="49" charset="0"/>
+                <a:cs typeface="Courier New" panose="02070309020205020404" pitchFamily="49" charset="0"/>
+              </a:rPr>
+              <a:t> </a:t>
+            </a:r>
+            <a:r>
+              <a:rPr lang="en-IE" sz="3200" b="1" dirty="0">
+                <a:latin typeface="Courier New" panose="02070309020205020404" pitchFamily="49" charset="0"/>
+                <a:cs typeface="Courier New" panose="02070309020205020404" pitchFamily="49" charset="0"/>
+              </a:rPr>
+              <a:t>array</a:t>
+            </a:r>
+            <a:r>
+              <a:rPr lang="en-IE" sz="3200" dirty="0">
+                <a:latin typeface="Courier New" panose="02070309020205020404" pitchFamily="49" charset="0"/>
+                <a:cs typeface="Courier New" panose="02070309020205020404" pitchFamily="49" charset="0"/>
+              </a:rPr>
+              <a:t> (0 to 255) </a:t>
+            </a:r>
+            <a:r>
+              <a:rPr lang="en-IE" sz="3200" b="1" dirty="0">
+                <a:latin typeface="Courier New" panose="02070309020205020404" pitchFamily="49" charset="0"/>
+                <a:cs typeface="Courier New" panose="02070309020205020404" pitchFamily="49" charset="0"/>
+              </a:rPr>
+              <a:t>of</a:t>
+            </a:r>
+            <a:r>
+              <a:rPr lang="en-IE" sz="3200" dirty="0">
+                <a:latin typeface="Courier New" panose="02070309020205020404" pitchFamily="49" charset="0"/>
+                <a:cs typeface="Courier New" panose="02070309020205020404" pitchFamily="49" charset="0"/>
+              </a:rPr>
+              <a:t> </a:t>
+            </a:r>
+            <a:r>
+              <a:rPr lang="en-IE" sz="3200" dirty="0" err="1">
+                <a:latin typeface="Courier New" panose="02070309020205020404" pitchFamily="49" charset="0"/>
+                <a:cs typeface="Courier New" panose="02070309020205020404" pitchFamily="49" charset="0"/>
+              </a:rPr>
+              <a:t>std_logic_vector</a:t>
+            </a:r>
+            <a:r>
+              <a:rPr lang="en-IE" sz="3200" dirty="0">
+                <a:latin typeface="Courier New" panose="02070309020205020404" pitchFamily="49" charset="0"/>
+                <a:cs typeface="Courier New" panose="02070309020205020404" pitchFamily="49" charset="0"/>
+              </a:rPr>
+              <a:t>(7 </a:t>
+            </a:r>
+            <a:r>
+              <a:rPr lang="en-IE" sz="3200" b="1" dirty="0" err="1">
+                <a:latin typeface="Courier New" panose="02070309020205020404" pitchFamily="49" charset="0"/>
+                <a:cs typeface="Courier New" panose="02070309020205020404" pitchFamily="49" charset="0"/>
+              </a:rPr>
+              <a:t>downto</a:t>
+            </a:r>
+            <a:r>
+              <a:rPr lang="en-IE" sz="3200" dirty="0">
+                <a:latin typeface="Courier New" panose="02070309020205020404" pitchFamily="49" charset="0"/>
+                <a:cs typeface="Courier New" panose="02070309020205020404" pitchFamily="49" charset="0"/>
+              </a:rPr>
+              <a:t> 0);</a:t>
+            </a:r>
+            <a:br>
+              <a:rPr lang="en-IE" sz="3200" dirty="0">
+                <a:latin typeface="Courier New" panose="02070309020205020404" pitchFamily="49" charset="0"/>
+                <a:cs typeface="Courier New" panose="02070309020205020404" pitchFamily="49" charset="0"/>
+              </a:rPr>
+            </a:br>
+            <a:endParaRPr lang="en-IE" sz="3200" dirty="0">
+              <a:latin typeface="Courier New" panose="02070309020205020404" pitchFamily="49" charset="0"/>
+              <a:cs typeface="Courier New" panose="02070309020205020404" pitchFamily="49" charset="0"/>
+            </a:endParaRPr>
+          </a:p>
+          <a:p>
+            <a:pPr marL="0" indent="0">
+              <a:buNone/>
+            </a:pPr>
+            <a:r>
+              <a:rPr lang="en-IE" sz="3200" b="1" dirty="0">
+                <a:latin typeface="Courier New" panose="02070309020205020404" pitchFamily="49" charset="0"/>
+                <a:cs typeface="Courier New" panose="02070309020205020404" pitchFamily="49" charset="0"/>
+              </a:rPr>
+              <a:t>signal</a:t>
+            </a:r>
+            <a:r>
+              <a:rPr lang="en-IE" sz="3200" dirty="0">
+                <a:latin typeface="Courier New" panose="02070309020205020404" pitchFamily="49" charset="0"/>
+                <a:cs typeface="Courier New" panose="02070309020205020404" pitchFamily="49" charset="0"/>
+              </a:rPr>
+              <a:t> ram : </a:t>
+            </a:r>
+            <a:r>
+              <a:rPr lang="en-IE" sz="3200" dirty="0" err="1">
+                <a:latin typeface="Courier New" panose="02070309020205020404" pitchFamily="49" charset="0"/>
+                <a:cs typeface="Courier New" panose="02070309020205020404" pitchFamily="49" charset="0"/>
+              </a:rPr>
+              <a:t>ram_t</a:t>
+            </a:r>
+            <a:r>
+              <a:rPr lang="en-IE" sz="3200" dirty="0">
+                <a:latin typeface="Courier New" panose="02070309020205020404" pitchFamily="49" charset="0"/>
+                <a:cs typeface="Courier New" panose="02070309020205020404" pitchFamily="49" charset="0"/>
+              </a:rPr>
+              <a:t> := </a:t>
+            </a:r>
+          </a:p>
+          <a:p>
+            <a:pPr marL="0" indent="0">
+              <a:buNone/>
+            </a:pPr>
+            <a:r>
+              <a:rPr lang="en-IE" sz="3200" dirty="0">
+                <a:latin typeface="Courier New" panose="02070309020205020404" pitchFamily="49" charset="0"/>
+                <a:cs typeface="Courier New" panose="02070309020205020404" pitchFamily="49" charset="0"/>
+              </a:rPr>
+              <a:t>	(</a:t>
+            </a:r>
+            <a:r>
+              <a:rPr lang="en-IE" sz="3200" b="1" dirty="0">
+                <a:latin typeface="Courier New" panose="02070309020205020404" pitchFamily="49" charset="0"/>
+                <a:cs typeface="Courier New" panose="02070309020205020404" pitchFamily="49" charset="0"/>
+              </a:rPr>
+              <a:t>others</a:t>
+            </a:r>
+            <a:r>
+              <a:rPr lang="en-IE" sz="3200" dirty="0">
+                <a:latin typeface="Courier New" panose="02070309020205020404" pitchFamily="49" charset="0"/>
+                <a:cs typeface="Courier New" panose="02070309020205020404" pitchFamily="49" charset="0"/>
+              </a:rPr>
+              <a:t> =&gt; (</a:t>
+            </a:r>
+            <a:r>
+              <a:rPr lang="en-IE" sz="3200" b="1" dirty="0">
+                <a:latin typeface="Courier New" panose="02070309020205020404" pitchFamily="49" charset="0"/>
+                <a:cs typeface="Courier New" panose="02070309020205020404" pitchFamily="49" charset="0"/>
+              </a:rPr>
+              <a:t>others</a:t>
+            </a:r>
+            <a:r>
+              <a:rPr lang="en-IE" sz="3200" dirty="0">
+                <a:latin typeface="Courier New" panose="02070309020205020404" pitchFamily="49" charset="0"/>
+                <a:cs typeface="Courier New" panose="02070309020205020404" pitchFamily="49" charset="0"/>
+              </a:rPr>
+              <a:t> =&gt; '0'));</a:t>
+            </a:r>
+            <a:br>
+              <a:rPr lang="en-IE" sz="3200" dirty="0">
+                <a:latin typeface="Courier New" panose="02070309020205020404" pitchFamily="49" charset="0"/>
+                <a:cs typeface="Courier New" panose="02070309020205020404" pitchFamily="49" charset="0"/>
+              </a:rPr>
+            </a:br>
+            <a:endParaRPr lang="en-IE" sz="3200" dirty="0">
+              <a:latin typeface="Courier New" panose="02070309020205020404" pitchFamily="49" charset="0"/>
+              <a:cs typeface="Courier New" panose="02070309020205020404" pitchFamily="49" charset="0"/>
+            </a:endParaRPr>
           </a:p>
         </p:txBody>
       </p:sp>
@@ -16035,7 +16264,7 @@
           <p:cNvPr id="2" name="Title 1">
             <a:extLst>
               <a:ext uri="{FF2B5EF4-FFF2-40B4-BE49-F238E27FC236}">
-                <a16:creationId xmlns:a16="http://schemas.microsoft.com/office/drawing/2014/main" id="{1F5C86A5-5ABD-46C4-A17C-0BAF134B1699}"/>
+                <a16:creationId xmlns:a16="http://schemas.microsoft.com/office/drawing/2014/main" id="{F8B321D7-C404-4856-9E66-6CB7B12D6E75}"/>
               </a:ext>
             </a:extLst>
           </p:cNvPr>
@@ -16046,21 +16275,15 @@
             <p:ph type="title"/>
           </p:nvPr>
         </p:nvSpPr>
-        <p:spPr>
-          <a:xfrm>
-            <a:off x="838200" y="1716846"/>
-            <a:ext cx="10515600" cy="1325563"/>
-          </a:xfrm>
-        </p:spPr>
+        <p:spPr/>
         <p:txBody>
           <a:bodyPr/>
           <a:lstStyle/>
           <a:p>
             <a:r>
-              <a:rPr lang="en-IE" sz="6000" dirty="0"/>
-              <a:t>FPGAs</a:t>
-            </a:r>
-            <a:endParaRPr lang="en-IE" dirty="0"/>
+              <a:rPr lang="en-IE" dirty="0"/>
+              <a:t>VHDL: arrays, example</a:t>
+            </a:r>
           </a:p>
         </p:txBody>
       </p:sp>
@@ -16069,7 +16292,7 @@
           <p:cNvPr id="3" name="Content Placeholder 2">
             <a:extLst>
               <a:ext uri="{FF2B5EF4-FFF2-40B4-BE49-F238E27FC236}">
-                <a16:creationId xmlns:a16="http://schemas.microsoft.com/office/drawing/2014/main" id="{C87347FD-D55D-438C-9C55-E34BC125B8F2}"/>
+                <a16:creationId xmlns:a16="http://schemas.microsoft.com/office/drawing/2014/main" id="{544723AD-F869-4BAE-A672-2A9BC1C48CDD}"/>
               </a:ext>
             </a:extLst>
           </p:cNvPr>
@@ -16082,25 +16305,509 @@
         </p:nvSpPr>
         <p:spPr>
           <a:xfrm>
-            <a:off x="838200" y="3243608"/>
-            <a:ext cx="10515600" cy="4351338"/>
+            <a:off x="340659" y="1825625"/>
+            <a:ext cx="11528612" cy="4787210"/>
           </a:xfrm>
         </p:spPr>
         <p:txBody>
-          <a:bodyPr/>
+          <a:bodyPr>
+            <a:normAutofit fontScale="92500" lnSpcReduction="20000"/>
+          </a:bodyPr>
           <a:lstStyle/>
           <a:p>
-            <a:r>
-              <a:rPr lang="en-IE" dirty="0"/>
-              <a:t>First, let’s recall our state machines that we did already in the part 1</a:t>
-            </a:r>
+            <a:pPr marL="0" indent="0">
+              <a:buNone/>
+            </a:pPr>
+            <a:r>
+              <a:rPr lang="en-IE" b="1" dirty="0">
+                <a:latin typeface="Courier New" panose="02070309020205020404" pitchFamily="49" charset="0"/>
+                <a:cs typeface="Courier New" panose="02070309020205020404" pitchFamily="49" charset="0"/>
+              </a:rPr>
+              <a:t>type</a:t>
+            </a:r>
+            <a:r>
+              <a:rPr lang="en-IE" dirty="0">
+                <a:latin typeface="Courier New" panose="02070309020205020404" pitchFamily="49" charset="0"/>
+                <a:cs typeface="Courier New" panose="02070309020205020404" pitchFamily="49" charset="0"/>
+              </a:rPr>
+              <a:t> </a:t>
+            </a:r>
+            <a:r>
+              <a:rPr lang="en-IE" dirty="0" err="1">
+                <a:latin typeface="Courier New" panose="02070309020205020404" pitchFamily="49" charset="0"/>
+                <a:cs typeface="Courier New" panose="02070309020205020404" pitchFamily="49" charset="0"/>
+              </a:rPr>
+              <a:t>ram_t</a:t>
+            </a:r>
+            <a:r>
+              <a:rPr lang="en-IE" dirty="0">
+                <a:latin typeface="Courier New" panose="02070309020205020404" pitchFamily="49" charset="0"/>
+                <a:cs typeface="Courier New" panose="02070309020205020404" pitchFamily="49" charset="0"/>
+              </a:rPr>
+              <a:t> </a:t>
+            </a:r>
+            <a:r>
+              <a:rPr lang="en-IE" b="1" dirty="0">
+                <a:latin typeface="Courier New" panose="02070309020205020404" pitchFamily="49" charset="0"/>
+                <a:cs typeface="Courier New" panose="02070309020205020404" pitchFamily="49" charset="0"/>
+              </a:rPr>
+              <a:t>is</a:t>
+            </a:r>
+            <a:r>
+              <a:rPr lang="en-IE" dirty="0">
+                <a:latin typeface="Courier New" panose="02070309020205020404" pitchFamily="49" charset="0"/>
+                <a:cs typeface="Courier New" panose="02070309020205020404" pitchFamily="49" charset="0"/>
+              </a:rPr>
+              <a:t> </a:t>
+            </a:r>
+            <a:r>
+              <a:rPr lang="en-IE" b="1" dirty="0">
+                <a:latin typeface="Courier New" panose="02070309020205020404" pitchFamily="49" charset="0"/>
+                <a:cs typeface="Courier New" panose="02070309020205020404" pitchFamily="49" charset="0"/>
+              </a:rPr>
+              <a:t>array</a:t>
+            </a:r>
+            <a:r>
+              <a:rPr lang="en-IE" dirty="0">
+                <a:latin typeface="Courier New" panose="02070309020205020404" pitchFamily="49" charset="0"/>
+                <a:cs typeface="Courier New" panose="02070309020205020404" pitchFamily="49" charset="0"/>
+              </a:rPr>
+              <a:t> (0 to 255) </a:t>
+            </a:r>
+            <a:r>
+              <a:rPr lang="en-IE" b="1" dirty="0">
+                <a:latin typeface="Courier New" panose="02070309020205020404" pitchFamily="49" charset="0"/>
+                <a:cs typeface="Courier New" panose="02070309020205020404" pitchFamily="49" charset="0"/>
+              </a:rPr>
+              <a:t>of</a:t>
+            </a:r>
+            <a:r>
+              <a:rPr lang="en-IE" dirty="0">
+                <a:latin typeface="Courier New" panose="02070309020205020404" pitchFamily="49" charset="0"/>
+                <a:cs typeface="Courier New" panose="02070309020205020404" pitchFamily="49" charset="0"/>
+              </a:rPr>
+              <a:t> </a:t>
+            </a:r>
+            <a:r>
+              <a:rPr lang="en-IE" dirty="0" err="1">
+                <a:latin typeface="Courier New" panose="02070309020205020404" pitchFamily="49" charset="0"/>
+                <a:cs typeface="Courier New" panose="02070309020205020404" pitchFamily="49" charset="0"/>
+              </a:rPr>
+              <a:t>std_logic_vector</a:t>
+            </a:r>
+            <a:r>
+              <a:rPr lang="en-IE" dirty="0">
+                <a:latin typeface="Courier New" panose="02070309020205020404" pitchFamily="49" charset="0"/>
+                <a:cs typeface="Courier New" panose="02070309020205020404" pitchFamily="49" charset="0"/>
+              </a:rPr>
+              <a:t>(7 </a:t>
+            </a:r>
+            <a:r>
+              <a:rPr lang="en-IE" b="1" dirty="0" err="1">
+                <a:latin typeface="Courier New" panose="02070309020205020404" pitchFamily="49" charset="0"/>
+                <a:cs typeface="Courier New" panose="02070309020205020404" pitchFamily="49" charset="0"/>
+              </a:rPr>
+              <a:t>downto</a:t>
+            </a:r>
+            <a:r>
+              <a:rPr lang="en-IE" dirty="0">
+                <a:latin typeface="Courier New" panose="02070309020205020404" pitchFamily="49" charset="0"/>
+                <a:cs typeface="Courier New" panose="02070309020205020404" pitchFamily="49" charset="0"/>
+              </a:rPr>
+              <a:t> 0);</a:t>
+            </a:r>
+            <a:br>
+              <a:rPr lang="en-IE" dirty="0">
+                <a:latin typeface="Courier New" panose="02070309020205020404" pitchFamily="49" charset="0"/>
+                <a:cs typeface="Courier New" panose="02070309020205020404" pitchFamily="49" charset="0"/>
+              </a:rPr>
+            </a:br>
+            <a:endParaRPr lang="en-IE" dirty="0">
+              <a:latin typeface="Courier New" panose="02070309020205020404" pitchFamily="49" charset="0"/>
+              <a:cs typeface="Courier New" panose="02070309020205020404" pitchFamily="49" charset="0"/>
+            </a:endParaRPr>
+          </a:p>
+          <a:p>
+            <a:pPr marL="0" indent="0">
+              <a:buNone/>
+            </a:pPr>
+            <a:r>
+              <a:rPr lang="en-IE" b="1" dirty="0">
+                <a:latin typeface="Courier New" panose="02070309020205020404" pitchFamily="49" charset="0"/>
+                <a:cs typeface="Courier New" panose="02070309020205020404" pitchFamily="49" charset="0"/>
+              </a:rPr>
+              <a:t>signal</a:t>
+            </a:r>
+            <a:r>
+              <a:rPr lang="en-IE" dirty="0">
+                <a:latin typeface="Courier New" panose="02070309020205020404" pitchFamily="49" charset="0"/>
+                <a:cs typeface="Courier New" panose="02070309020205020404" pitchFamily="49" charset="0"/>
+              </a:rPr>
+              <a:t> ram : </a:t>
+            </a:r>
+            <a:r>
+              <a:rPr lang="en-IE" dirty="0" err="1">
+                <a:latin typeface="Courier New" panose="02070309020205020404" pitchFamily="49" charset="0"/>
+                <a:cs typeface="Courier New" panose="02070309020205020404" pitchFamily="49" charset="0"/>
+              </a:rPr>
+              <a:t>ram_t</a:t>
+            </a:r>
+            <a:r>
+              <a:rPr lang="en-IE" dirty="0">
+                <a:latin typeface="Courier New" panose="02070309020205020404" pitchFamily="49" charset="0"/>
+                <a:cs typeface="Courier New" panose="02070309020205020404" pitchFamily="49" charset="0"/>
+              </a:rPr>
+              <a:t> := (</a:t>
+            </a:r>
+            <a:r>
+              <a:rPr lang="en-IE" b="1" dirty="0">
+                <a:latin typeface="Courier New" panose="02070309020205020404" pitchFamily="49" charset="0"/>
+                <a:cs typeface="Courier New" panose="02070309020205020404" pitchFamily="49" charset="0"/>
+              </a:rPr>
+              <a:t>others</a:t>
+            </a:r>
+            <a:r>
+              <a:rPr lang="en-IE" dirty="0">
+                <a:latin typeface="Courier New" panose="02070309020205020404" pitchFamily="49" charset="0"/>
+                <a:cs typeface="Courier New" panose="02070309020205020404" pitchFamily="49" charset="0"/>
+              </a:rPr>
+              <a:t> =&gt; (</a:t>
+            </a:r>
+            <a:r>
+              <a:rPr lang="en-IE" b="1" dirty="0">
+                <a:latin typeface="Courier New" panose="02070309020205020404" pitchFamily="49" charset="0"/>
+                <a:cs typeface="Courier New" panose="02070309020205020404" pitchFamily="49" charset="0"/>
+              </a:rPr>
+              <a:t>others</a:t>
+            </a:r>
+            <a:r>
+              <a:rPr lang="en-IE" dirty="0">
+                <a:latin typeface="Courier New" panose="02070309020205020404" pitchFamily="49" charset="0"/>
+                <a:cs typeface="Courier New" panose="02070309020205020404" pitchFamily="49" charset="0"/>
+              </a:rPr>
+              <a:t> =&gt; '0'));</a:t>
+            </a:r>
+            <a:br>
+              <a:rPr lang="en-IE" dirty="0">
+                <a:latin typeface="Courier New" panose="02070309020205020404" pitchFamily="49" charset="0"/>
+                <a:cs typeface="Courier New" panose="02070309020205020404" pitchFamily="49" charset="0"/>
+              </a:rPr>
+            </a:br>
+            <a:endParaRPr lang="en-IE" dirty="0">
+              <a:latin typeface="Courier New" panose="02070309020205020404" pitchFamily="49" charset="0"/>
+              <a:cs typeface="Courier New" panose="02070309020205020404" pitchFamily="49" charset="0"/>
+            </a:endParaRPr>
+          </a:p>
+          <a:p>
+            <a:pPr marL="0" indent="0">
+              <a:buNone/>
+            </a:pPr>
+            <a:r>
+              <a:rPr lang="en-IE" dirty="0">
+                <a:solidFill>
+                  <a:srgbClr val="00B050"/>
+                </a:solidFill>
+                <a:latin typeface="Courier New" panose="02070309020205020404" pitchFamily="49" charset="0"/>
+                <a:cs typeface="Courier New" panose="02070309020205020404" pitchFamily="49" charset="0"/>
+              </a:rPr>
+              <a:t>-- </a:t>
+            </a:r>
+            <a:r>
+              <a:rPr lang="en-IE" b="1" dirty="0">
+                <a:solidFill>
+                  <a:srgbClr val="00B050"/>
+                </a:solidFill>
+                <a:latin typeface="Courier New" panose="02070309020205020404" pitchFamily="49" charset="0"/>
+                <a:cs typeface="Courier New" panose="02070309020205020404" pitchFamily="49" charset="0"/>
+              </a:rPr>
+              <a:t>Xilinx-specific:</a:t>
+            </a:r>
+            <a:r>
+              <a:rPr lang="en-IE" dirty="0">
+                <a:solidFill>
+                  <a:srgbClr val="00B050"/>
+                </a:solidFill>
+                <a:latin typeface="Courier New" panose="02070309020205020404" pitchFamily="49" charset="0"/>
+                <a:cs typeface="Courier New" panose="02070309020205020404" pitchFamily="49" charset="0"/>
+              </a:rPr>
+              <a:t> can be also peppered with: </a:t>
+            </a:r>
+          </a:p>
+          <a:p>
+            <a:pPr marL="0" indent="0">
+              <a:buNone/>
+            </a:pPr>
+            <a:r>
+              <a:rPr lang="en-IE" b="1" dirty="0">
+                <a:latin typeface="Courier New" panose="02070309020205020404" pitchFamily="49" charset="0"/>
+                <a:cs typeface="Courier New" panose="02070309020205020404" pitchFamily="49" charset="0"/>
+              </a:rPr>
+              <a:t>attribute</a:t>
+            </a:r>
+            <a:r>
+              <a:rPr lang="en-IE" dirty="0">
+                <a:latin typeface="Courier New" panose="02070309020205020404" pitchFamily="49" charset="0"/>
+                <a:cs typeface="Courier New" panose="02070309020205020404" pitchFamily="49" charset="0"/>
+              </a:rPr>
+              <a:t> </a:t>
+            </a:r>
+            <a:r>
+              <a:rPr lang="en-IE" dirty="0" err="1">
+                <a:latin typeface="Courier New" panose="02070309020205020404" pitchFamily="49" charset="0"/>
+                <a:cs typeface="Courier New" panose="02070309020205020404" pitchFamily="49" charset="0"/>
+              </a:rPr>
+              <a:t>ram_style</a:t>
+            </a:r>
+            <a:r>
+              <a:rPr lang="en-IE" dirty="0">
+                <a:latin typeface="Courier New" panose="02070309020205020404" pitchFamily="49" charset="0"/>
+                <a:cs typeface="Courier New" panose="02070309020205020404" pitchFamily="49" charset="0"/>
+              </a:rPr>
+              <a:t>: </a:t>
+            </a:r>
+            <a:r>
+              <a:rPr lang="en-IE" b="1" dirty="0">
+                <a:latin typeface="Courier New" panose="02070309020205020404" pitchFamily="49" charset="0"/>
+                <a:cs typeface="Courier New" panose="02070309020205020404" pitchFamily="49" charset="0"/>
+              </a:rPr>
+              <a:t>string</a:t>
+            </a:r>
+            <a:r>
+              <a:rPr lang="en-IE" dirty="0">
+                <a:latin typeface="Courier New" panose="02070309020205020404" pitchFamily="49" charset="0"/>
+                <a:cs typeface="Courier New" panose="02070309020205020404" pitchFamily="49" charset="0"/>
+              </a:rPr>
+              <a:t>;</a:t>
+            </a:r>
+          </a:p>
+          <a:p>
+            <a:pPr marL="0" indent="0">
+              <a:buNone/>
+            </a:pPr>
+            <a:r>
+              <a:rPr lang="en-IE" b="1" dirty="0">
+                <a:latin typeface="Courier New" panose="02070309020205020404" pitchFamily="49" charset="0"/>
+                <a:cs typeface="Courier New" panose="02070309020205020404" pitchFamily="49" charset="0"/>
+              </a:rPr>
+              <a:t>attribute</a:t>
+            </a:r>
+            <a:r>
+              <a:rPr lang="en-IE" dirty="0">
+                <a:latin typeface="Courier New" panose="02070309020205020404" pitchFamily="49" charset="0"/>
+                <a:cs typeface="Courier New" panose="02070309020205020404" pitchFamily="49" charset="0"/>
+              </a:rPr>
+              <a:t> </a:t>
+            </a:r>
+            <a:r>
+              <a:rPr lang="en-IE" dirty="0" err="1">
+                <a:latin typeface="Courier New" panose="02070309020205020404" pitchFamily="49" charset="0"/>
+                <a:cs typeface="Courier New" panose="02070309020205020404" pitchFamily="49" charset="0"/>
+              </a:rPr>
+              <a:t>ram_style</a:t>
+            </a:r>
+            <a:r>
+              <a:rPr lang="en-IE" dirty="0">
+                <a:latin typeface="Courier New" panose="02070309020205020404" pitchFamily="49" charset="0"/>
+                <a:cs typeface="Courier New" panose="02070309020205020404" pitchFamily="49" charset="0"/>
+              </a:rPr>
+              <a:t> of ram : </a:t>
+            </a:r>
+            <a:r>
+              <a:rPr lang="en-IE" b="1" dirty="0">
+                <a:latin typeface="Courier New" panose="02070309020205020404" pitchFamily="49" charset="0"/>
+                <a:cs typeface="Courier New" panose="02070309020205020404" pitchFamily="49" charset="0"/>
+              </a:rPr>
+              <a:t>signal</a:t>
+            </a:r>
+            <a:r>
+              <a:rPr lang="en-IE" dirty="0">
+                <a:latin typeface="Courier New" panose="02070309020205020404" pitchFamily="49" charset="0"/>
+                <a:cs typeface="Courier New" panose="02070309020205020404" pitchFamily="49" charset="0"/>
+              </a:rPr>
+              <a:t> </a:t>
+            </a:r>
+            <a:r>
+              <a:rPr lang="en-IE" b="1" dirty="0">
+                <a:latin typeface="Courier New" panose="02070309020205020404" pitchFamily="49" charset="0"/>
+                <a:cs typeface="Courier New" panose="02070309020205020404" pitchFamily="49" charset="0"/>
+              </a:rPr>
+              <a:t>is</a:t>
+            </a:r>
+            <a:r>
+              <a:rPr lang="en-IE" dirty="0">
+                <a:latin typeface="Courier New" panose="02070309020205020404" pitchFamily="49" charset="0"/>
+                <a:cs typeface="Courier New" panose="02070309020205020404" pitchFamily="49" charset="0"/>
+              </a:rPr>
+              <a:t> "distributed";</a:t>
+            </a:r>
+          </a:p>
+          <a:p>
+            <a:pPr marL="0" indent="0">
+              <a:buNone/>
+            </a:pPr>
+            <a:r>
+              <a:rPr lang="en-IE" dirty="0">
+                <a:solidFill>
+                  <a:srgbClr val="00B050"/>
+                </a:solidFill>
+                <a:latin typeface="Courier New" panose="02070309020205020404" pitchFamily="49" charset="0"/>
+                <a:cs typeface="Courier New" panose="02070309020205020404" pitchFamily="49" charset="0"/>
+              </a:rPr>
+              <a:t>-- or</a:t>
+            </a:r>
+          </a:p>
+          <a:p>
+            <a:pPr marL="0" indent="0">
+              <a:buNone/>
+            </a:pPr>
+            <a:r>
+              <a:rPr lang="en-IE" b="1" dirty="0">
+                <a:latin typeface="Courier New" panose="02070309020205020404" pitchFamily="49" charset="0"/>
+                <a:cs typeface="Courier New" panose="02070309020205020404" pitchFamily="49" charset="0"/>
+              </a:rPr>
+              <a:t>attribute</a:t>
+            </a:r>
+            <a:r>
+              <a:rPr lang="en-IE" dirty="0">
+                <a:latin typeface="Courier New" panose="02070309020205020404" pitchFamily="49" charset="0"/>
+                <a:cs typeface="Courier New" panose="02070309020205020404" pitchFamily="49" charset="0"/>
+              </a:rPr>
+              <a:t> </a:t>
+            </a:r>
+            <a:r>
+              <a:rPr lang="en-IE" dirty="0" err="1">
+                <a:latin typeface="Courier New" panose="02070309020205020404" pitchFamily="49" charset="0"/>
+                <a:cs typeface="Courier New" panose="02070309020205020404" pitchFamily="49" charset="0"/>
+              </a:rPr>
+              <a:t>ram_style</a:t>
+            </a:r>
+            <a:r>
+              <a:rPr lang="en-IE" dirty="0">
+                <a:latin typeface="Courier New" panose="02070309020205020404" pitchFamily="49" charset="0"/>
+                <a:cs typeface="Courier New" panose="02070309020205020404" pitchFamily="49" charset="0"/>
+              </a:rPr>
+              <a:t> of ram : </a:t>
+            </a:r>
+            <a:r>
+              <a:rPr lang="en-IE" b="1" dirty="0">
+                <a:latin typeface="Courier New" panose="02070309020205020404" pitchFamily="49" charset="0"/>
+                <a:cs typeface="Courier New" panose="02070309020205020404" pitchFamily="49" charset="0"/>
+              </a:rPr>
+              <a:t>signal</a:t>
+            </a:r>
+            <a:r>
+              <a:rPr lang="en-IE" dirty="0">
+                <a:latin typeface="Courier New" panose="02070309020205020404" pitchFamily="49" charset="0"/>
+                <a:cs typeface="Courier New" panose="02070309020205020404" pitchFamily="49" charset="0"/>
+              </a:rPr>
+              <a:t> </a:t>
+            </a:r>
+            <a:r>
+              <a:rPr lang="en-IE" b="1" dirty="0">
+                <a:latin typeface="Courier New" panose="02070309020205020404" pitchFamily="49" charset="0"/>
+                <a:cs typeface="Courier New" panose="02070309020205020404" pitchFamily="49" charset="0"/>
+              </a:rPr>
+              <a:t>is</a:t>
+            </a:r>
+            <a:r>
+              <a:rPr lang="en-IE" dirty="0">
+                <a:latin typeface="Courier New" panose="02070309020205020404" pitchFamily="49" charset="0"/>
+                <a:cs typeface="Courier New" panose="02070309020205020404" pitchFamily="49" charset="0"/>
+              </a:rPr>
+              <a:t> “block";</a:t>
+            </a:r>
+          </a:p>
+          <a:p>
+            <a:pPr marL="0" indent="0">
+              <a:buNone/>
+            </a:pPr>
+            <a:r>
+              <a:rPr lang="en-IE" dirty="0">
+                <a:solidFill>
+                  <a:srgbClr val="00B050"/>
+                </a:solidFill>
+                <a:latin typeface="Courier New" panose="02070309020205020404" pitchFamily="49" charset="0"/>
+                <a:cs typeface="Courier New" panose="02070309020205020404" pitchFamily="49" charset="0"/>
+              </a:rPr>
+              <a:t>-- or </a:t>
+            </a:r>
+          </a:p>
+          <a:p>
+            <a:pPr marL="0" indent="0">
+              <a:buNone/>
+            </a:pPr>
+            <a:r>
+              <a:rPr lang="en-IE" b="1" dirty="0">
+                <a:latin typeface="Courier New" panose="02070309020205020404" pitchFamily="49" charset="0"/>
+                <a:cs typeface="Courier New" panose="02070309020205020404" pitchFamily="49" charset="0"/>
+              </a:rPr>
+              <a:t>attribute</a:t>
+            </a:r>
+            <a:r>
+              <a:rPr lang="en-IE" dirty="0">
+                <a:latin typeface="Courier New" panose="02070309020205020404" pitchFamily="49" charset="0"/>
+                <a:cs typeface="Courier New" panose="02070309020205020404" pitchFamily="49" charset="0"/>
+              </a:rPr>
+              <a:t> </a:t>
+            </a:r>
+            <a:r>
+              <a:rPr lang="en-IE" dirty="0" err="1">
+                <a:latin typeface="Courier New" panose="02070309020205020404" pitchFamily="49" charset="0"/>
+                <a:cs typeface="Courier New" panose="02070309020205020404" pitchFamily="49" charset="0"/>
+              </a:rPr>
+              <a:t>ram_style</a:t>
+            </a:r>
+            <a:r>
+              <a:rPr lang="en-IE" dirty="0">
+                <a:latin typeface="Courier New" panose="02070309020205020404" pitchFamily="49" charset="0"/>
+                <a:cs typeface="Courier New" panose="02070309020205020404" pitchFamily="49" charset="0"/>
+              </a:rPr>
+              <a:t> of ram : </a:t>
+            </a:r>
+            <a:r>
+              <a:rPr lang="en-IE" b="1" dirty="0">
+                <a:latin typeface="Courier New" panose="02070309020205020404" pitchFamily="49" charset="0"/>
+                <a:cs typeface="Courier New" panose="02070309020205020404" pitchFamily="49" charset="0"/>
+              </a:rPr>
+              <a:t>signal</a:t>
+            </a:r>
+            <a:r>
+              <a:rPr lang="en-IE" dirty="0">
+                <a:latin typeface="Courier New" panose="02070309020205020404" pitchFamily="49" charset="0"/>
+                <a:cs typeface="Courier New" panose="02070309020205020404" pitchFamily="49" charset="0"/>
+              </a:rPr>
+              <a:t> </a:t>
+            </a:r>
+            <a:r>
+              <a:rPr lang="en-IE" b="1" dirty="0">
+                <a:latin typeface="Courier New" panose="02070309020205020404" pitchFamily="49" charset="0"/>
+                <a:cs typeface="Courier New" panose="02070309020205020404" pitchFamily="49" charset="0"/>
+              </a:rPr>
+              <a:t>is</a:t>
+            </a:r>
+            <a:r>
+              <a:rPr lang="en-IE" dirty="0">
+                <a:latin typeface="Courier New" panose="02070309020205020404" pitchFamily="49" charset="0"/>
+                <a:cs typeface="Courier New" panose="02070309020205020404" pitchFamily="49" charset="0"/>
+              </a:rPr>
+              <a:t> “auto";</a:t>
+            </a:r>
+          </a:p>
+          <a:p>
+            <a:pPr marL="0" indent="0">
+              <a:buNone/>
+            </a:pPr>
+            <a:endParaRPr lang="en-IE" dirty="0">
+              <a:latin typeface="Courier New" panose="02070309020205020404" pitchFamily="49" charset="0"/>
+              <a:cs typeface="Courier New" panose="02070309020205020404" pitchFamily="49" charset="0"/>
+            </a:endParaRPr>
           </a:p>
         </p:txBody>
       </p:sp>
     </p:spTree>
     <p:extLst>
       <p:ext uri="{BB962C8B-B14F-4D97-AF65-F5344CB8AC3E}">
-        <p14:creationId xmlns:p14="http://schemas.microsoft.com/office/powerpoint/2010/main" val="4154992821"/>
+        <p14:creationId xmlns:p14="http://schemas.microsoft.com/office/powerpoint/2010/main" val="3058007019"/>
       </p:ext>
     </p:extLst>
   </p:cSld>
@@ -16143,52 +16850,61 @@
             <p:ph type="title"/>
           </p:nvPr>
         </p:nvSpPr>
-        <p:spPr/>
+        <p:spPr>
+          <a:xfrm>
+            <a:off x="838200" y="1716846"/>
+            <a:ext cx="10515600" cy="1325563"/>
+          </a:xfrm>
+        </p:spPr>
         <p:txBody>
           <a:bodyPr/>
           <a:lstStyle/>
           <a:p>
             <a:r>
-              <a:rPr lang="en-IE" dirty="0"/>
-              <a:t>Sequence 111 detection FSM</a:t>
-            </a:r>
+              <a:rPr lang="en-IE" sz="6000" dirty="0"/>
+              <a:t>FPGAs</a:t>
+            </a:r>
+            <a:endParaRPr lang="en-IE" dirty="0"/>
           </a:p>
         </p:txBody>
       </p:sp>
-      <p:pic>
-        <p:nvPicPr>
-          <p:cNvPr id="4" name="Picture 3">
-            <a:extLst>
-              <a:ext uri="{FF2B5EF4-FFF2-40B4-BE49-F238E27FC236}">
-                <a16:creationId xmlns:a16="http://schemas.microsoft.com/office/drawing/2014/main" id="{C6877AC9-2929-4986-AA65-55BD500523A0}"/>
-              </a:ext>
-            </a:extLst>
-          </p:cNvPr>
-          <p:cNvPicPr>
-            <a:picLocks noChangeAspect="1"/>
-          </p:cNvPicPr>
-          <p:nvPr/>
-        </p:nvPicPr>
-        <p:blipFill>
-          <a:blip r:embed="rId2"/>
-          <a:stretch>
-            <a:fillRect/>
-          </a:stretch>
-        </p:blipFill>
+      <p:sp>
+        <p:nvSpPr>
+          <p:cNvPr id="3" name="Content Placeholder 2">
+            <a:extLst>
+              <a:ext uri="{FF2B5EF4-FFF2-40B4-BE49-F238E27FC236}">
+                <a16:creationId xmlns:a16="http://schemas.microsoft.com/office/drawing/2014/main" id="{C87347FD-D55D-438C-9C55-E34BC125B8F2}"/>
+              </a:ext>
+            </a:extLst>
+          </p:cNvPr>
+          <p:cNvSpPr>
+            <a:spLocks noGrp="1"/>
+          </p:cNvSpPr>
+          <p:nvPr>
+            <p:ph idx="1"/>
+          </p:nvPr>
+        </p:nvSpPr>
         <p:spPr>
           <a:xfrm>
-            <a:off x="2384869" y="2066895"/>
-            <a:ext cx="8871373" cy="4425980"/>
+            <a:off x="838200" y="3243608"/>
+            <a:ext cx="10515600" cy="4351338"/>
           </a:xfrm>
-          <a:prstGeom prst="rect">
-            <a:avLst/>
-          </a:prstGeom>
         </p:spPr>
-      </p:pic>
+        <p:txBody>
+          <a:bodyPr/>
+          <a:lstStyle/>
+          <a:p>
+            <a:r>
+              <a:rPr lang="en-IE" dirty="0"/>
+              <a:t>First, let’s recall our state machines that we did already in the part 1</a:t>
+            </a:r>
+          </a:p>
+        </p:txBody>
+      </p:sp>
     </p:spTree>
     <p:extLst>
       <p:ext uri="{BB962C8B-B14F-4D97-AF65-F5344CB8AC3E}">
-        <p14:creationId xmlns:p14="http://schemas.microsoft.com/office/powerpoint/2010/main" val="1842760542"/>
+        <p14:creationId xmlns:p14="http://schemas.microsoft.com/office/powerpoint/2010/main" val="4154992821"/>
       </p:ext>
     </p:extLst>
   </p:cSld>
@@ -16662,17 +17378,17 @@
           <a:p>
             <a:r>
               <a:rPr lang="en-IE" dirty="0"/>
-              <a:t>Sync counter FSM</a:t>
+              <a:t>Sequence 111 detection FSM</a:t>
             </a:r>
           </a:p>
         </p:txBody>
       </p:sp>
       <p:pic>
         <p:nvPicPr>
-          <p:cNvPr id="5" name="Picture 4">
-            <a:extLst>
-              <a:ext uri="{FF2B5EF4-FFF2-40B4-BE49-F238E27FC236}">
-                <a16:creationId xmlns:a16="http://schemas.microsoft.com/office/drawing/2014/main" id="{94184DFC-1638-4330-A5AF-445625038A26}"/>
+          <p:cNvPr id="4" name="Picture 3">
+            <a:extLst>
+              <a:ext uri="{FF2B5EF4-FFF2-40B4-BE49-F238E27FC236}">
+                <a16:creationId xmlns:a16="http://schemas.microsoft.com/office/drawing/2014/main" id="{C6877AC9-2929-4986-AA65-55BD500523A0}"/>
               </a:ext>
             </a:extLst>
           </p:cNvPr>
@@ -16682,21 +17398,15 @@
           <p:nvPr/>
         </p:nvPicPr>
         <p:blipFill>
-          <a:blip r:embed="rId2">
-            <a:extLst>
-              <a:ext uri="{28A0092B-C50C-407E-A947-70E740481C1C}">
-                <a14:useLocalDpi xmlns:a14="http://schemas.microsoft.com/office/drawing/2010/main" val="0"/>
-              </a:ext>
-            </a:extLst>
-          </a:blip>
+          <a:blip r:embed="rId2"/>
           <a:stretch>
             <a:fillRect/>
           </a:stretch>
         </p:blipFill>
         <p:spPr>
           <a:xfrm>
-            <a:off x="622673" y="2649100"/>
-            <a:ext cx="10670105" cy="3578164"/>
+            <a:off x="2384869" y="2066895"/>
+            <a:ext cx="8871373" cy="4425980"/>
           </a:xfrm>
           <a:prstGeom prst="rect">
             <a:avLst/>
@@ -16706,88 +17416,13 @@
     </p:spTree>
     <p:extLst>
       <p:ext uri="{BB962C8B-B14F-4D97-AF65-F5344CB8AC3E}">
-        <p14:creationId xmlns:p14="http://schemas.microsoft.com/office/powerpoint/2010/main" val="2819733360"/>
+        <p14:creationId xmlns:p14="http://schemas.microsoft.com/office/powerpoint/2010/main" val="1842760542"/>
       </p:ext>
     </p:extLst>
   </p:cSld>
   <p:clrMapOvr>
     <a:masterClrMapping/>
   </p:clrMapOvr>
-  <p:timing>
-    <p:tnLst>
-      <p:par>
-        <p:cTn id="1" dur="indefinite" restart="never" nodeType="tmRoot">
-          <p:childTnLst>
-            <p:seq concurrent="1" nextAc="seek">
-              <p:cTn id="2" dur="indefinite" nodeType="mainSeq">
-                <p:childTnLst>
-                  <p:par>
-                    <p:cTn id="3" fill="hold">
-                      <p:stCondLst>
-                        <p:cond delay="indefinite"/>
-                      </p:stCondLst>
-                      <p:childTnLst>
-                        <p:par>
-                          <p:cTn id="4" fill="hold">
-                            <p:stCondLst>
-                              <p:cond delay="0"/>
-                            </p:stCondLst>
-                            <p:childTnLst>
-                              <p:par>
-                                <p:cTn id="5" presetID="1" presetClass="entr" presetSubtype="0" fill="hold" nodeType="clickEffect">
-                                  <p:stCondLst>
-                                    <p:cond delay="0"/>
-                                  </p:stCondLst>
-                                  <p:childTnLst>
-                                    <p:set>
-                                      <p:cBhvr>
-                                        <p:cTn id="6" dur="1" fill="hold">
-                                          <p:stCondLst>
-                                            <p:cond delay="0"/>
-                                          </p:stCondLst>
-                                        </p:cTn>
-                                        <p:tgtEl>
-                                          <p:spTgt spid="5"/>
-                                        </p:tgtEl>
-                                        <p:attrNameLst>
-                                          <p:attrName>style.visibility</p:attrName>
-                                        </p:attrNameLst>
-                                      </p:cBhvr>
-                                      <p:to>
-                                        <p:strVal val="visible"/>
-                                      </p:to>
-                                    </p:set>
-                                  </p:childTnLst>
-                                </p:cTn>
-                              </p:par>
-                            </p:childTnLst>
-                          </p:cTn>
-                        </p:par>
-                      </p:childTnLst>
-                    </p:cTn>
-                  </p:par>
-                </p:childTnLst>
-              </p:cTn>
-              <p:prevCondLst>
-                <p:cond evt="onPrev" delay="0">
-                  <p:tgtEl>
-                    <p:sldTgt/>
-                  </p:tgtEl>
-                </p:cond>
-              </p:prevCondLst>
-              <p:nextCondLst>
-                <p:cond evt="onNext" delay="0">
-                  <p:tgtEl>
-                    <p:sldTgt/>
-                  </p:tgtEl>
-                </p:cond>
-              </p:nextCondLst>
-            </p:seq>
-          </p:childTnLst>
-        </p:cTn>
-      </p:par>
-    </p:tnLst>
-  </p:timing>
 </p:sld>
 </file>
 
@@ -16808,36 +17443,6 @@
           <a:chExt cx="0" cy="0"/>
         </a:xfrm>
       </p:grpSpPr>
-      <p:pic>
-        <p:nvPicPr>
-          <p:cNvPr id="6" name="Picture 5">
-            <a:extLst>
-              <a:ext uri="{FF2B5EF4-FFF2-40B4-BE49-F238E27FC236}">
-                <a16:creationId xmlns:a16="http://schemas.microsoft.com/office/drawing/2014/main" id="{6A1DC37D-0CC2-4D86-9E2A-7450F7371EE8}"/>
-              </a:ext>
-            </a:extLst>
-          </p:cNvPr>
-          <p:cNvPicPr>
-            <a:picLocks noChangeAspect="1"/>
-          </p:cNvPicPr>
-          <p:nvPr/>
-        </p:nvPicPr>
-        <p:blipFill>
-          <a:blip r:embed="rId2"/>
-          <a:stretch>
-            <a:fillRect/>
-          </a:stretch>
-        </p:blipFill>
-        <p:spPr>
-          <a:xfrm>
-            <a:off x="1897654" y="1716970"/>
-            <a:ext cx="8396692" cy="5141030"/>
-          </a:xfrm>
-          <a:prstGeom prst="rect">
-            <a:avLst/>
-          </a:prstGeom>
-        </p:spPr>
-      </p:pic>
       <p:sp>
         <p:nvSpPr>
           <p:cNvPr id="2" name="Title 1">
@@ -16861,15 +17466,51 @@
           <a:p>
             <a:r>
               <a:rPr lang="en-IE" dirty="0"/>
-              <a:t>Ethernet preamble detection FSM</a:t>
+              <a:t>Sync counter FSM</a:t>
             </a:r>
           </a:p>
         </p:txBody>
       </p:sp>
+      <p:pic>
+        <p:nvPicPr>
+          <p:cNvPr id="5" name="Picture 4">
+            <a:extLst>
+              <a:ext uri="{FF2B5EF4-FFF2-40B4-BE49-F238E27FC236}">
+                <a16:creationId xmlns:a16="http://schemas.microsoft.com/office/drawing/2014/main" id="{94184DFC-1638-4330-A5AF-445625038A26}"/>
+              </a:ext>
+            </a:extLst>
+          </p:cNvPr>
+          <p:cNvPicPr>
+            <a:picLocks noChangeAspect="1"/>
+          </p:cNvPicPr>
+          <p:nvPr/>
+        </p:nvPicPr>
+        <p:blipFill>
+          <a:blip r:embed="rId2">
+            <a:extLst>
+              <a:ext uri="{28A0092B-C50C-407E-A947-70E740481C1C}">
+                <a14:useLocalDpi xmlns:a14="http://schemas.microsoft.com/office/drawing/2010/main" val="0"/>
+              </a:ext>
+            </a:extLst>
+          </a:blip>
+          <a:stretch>
+            <a:fillRect/>
+          </a:stretch>
+        </p:blipFill>
+        <p:spPr>
+          <a:xfrm>
+            <a:off x="622673" y="2649100"/>
+            <a:ext cx="10670105" cy="3578164"/>
+          </a:xfrm>
+          <a:prstGeom prst="rect">
+            <a:avLst/>
+          </a:prstGeom>
+        </p:spPr>
+      </p:pic>
     </p:spTree>
     <p:extLst>
       <p:ext uri="{BB962C8B-B14F-4D97-AF65-F5344CB8AC3E}">
-        <p14:creationId xmlns:p14="http://schemas.microsoft.com/office/powerpoint/2010/main" val="1688929206"/>
+        <p14:creationId xmlns:p14="http://schemas.microsoft.com/office/powerpoint/2010/main" val="2819733360"/>
       </p:ext>
     </p:extLst>
   </p:cSld>
@@ -16896,6 +17537,94 @@
           <a:chExt cx="0" cy="0"/>
         </a:xfrm>
       </p:grpSpPr>
+      <p:pic>
+        <p:nvPicPr>
+          <p:cNvPr id="6" name="Picture 5">
+            <a:extLst>
+              <a:ext uri="{FF2B5EF4-FFF2-40B4-BE49-F238E27FC236}">
+                <a16:creationId xmlns:a16="http://schemas.microsoft.com/office/drawing/2014/main" id="{6A1DC37D-0CC2-4D86-9E2A-7450F7371EE8}"/>
+              </a:ext>
+            </a:extLst>
+          </p:cNvPr>
+          <p:cNvPicPr>
+            <a:picLocks noChangeAspect="1"/>
+          </p:cNvPicPr>
+          <p:nvPr/>
+        </p:nvPicPr>
+        <p:blipFill>
+          <a:blip r:embed="rId2"/>
+          <a:stretch>
+            <a:fillRect/>
+          </a:stretch>
+        </p:blipFill>
+        <p:spPr>
+          <a:xfrm>
+            <a:off x="1897654" y="1716970"/>
+            <a:ext cx="8396692" cy="5141030"/>
+          </a:xfrm>
+          <a:prstGeom prst="rect">
+            <a:avLst/>
+          </a:prstGeom>
+        </p:spPr>
+      </p:pic>
+      <p:sp>
+        <p:nvSpPr>
+          <p:cNvPr id="2" name="Title 1">
+            <a:extLst>
+              <a:ext uri="{FF2B5EF4-FFF2-40B4-BE49-F238E27FC236}">
+                <a16:creationId xmlns:a16="http://schemas.microsoft.com/office/drawing/2014/main" id="{1F5C86A5-5ABD-46C4-A17C-0BAF134B1699}"/>
+              </a:ext>
+            </a:extLst>
+          </p:cNvPr>
+          <p:cNvSpPr>
+            <a:spLocks noGrp="1"/>
+          </p:cNvSpPr>
+          <p:nvPr>
+            <p:ph type="title"/>
+          </p:nvPr>
+        </p:nvSpPr>
+        <p:spPr/>
+        <p:txBody>
+          <a:bodyPr/>
+          <a:lstStyle/>
+          <a:p>
+            <a:r>
+              <a:rPr lang="en-IE" dirty="0"/>
+              <a:t>Ethernet preamble detection FSM</a:t>
+            </a:r>
+          </a:p>
+        </p:txBody>
+      </p:sp>
+    </p:spTree>
+    <p:extLst>
+      <p:ext uri="{BB962C8B-B14F-4D97-AF65-F5344CB8AC3E}">
+        <p14:creationId xmlns:p14="http://schemas.microsoft.com/office/powerpoint/2010/main" val="1688929206"/>
+      </p:ext>
+    </p:extLst>
+  </p:cSld>
+  <p:clrMapOvr>
+    <a:masterClrMapping/>
+  </p:clrMapOvr>
+</p:sld>
+</file>
+
+<file path=ppt/slides/slide53.xml><?xml version="1.0" encoding="utf-8"?>
+<p:sld xmlns:a="http://schemas.openxmlformats.org/drawingml/2006/main" xmlns:r="http://schemas.openxmlformats.org/officeDocument/2006/relationships" xmlns:p="http://schemas.openxmlformats.org/presentationml/2006/main">
+  <p:cSld>
+    <p:spTree>
+      <p:nvGrpSpPr>
+        <p:cNvPr id="1" name=""/>
+        <p:cNvGrpSpPr/>
+        <p:nvPr/>
+      </p:nvGrpSpPr>
+      <p:grpSpPr>
+        <a:xfrm>
+          <a:off x="0" y="0"/>
+          <a:ext cx="0" cy="0"/>
+          <a:chOff x="0" y="0"/>
+          <a:chExt cx="0" cy="0"/>
+        </a:xfrm>
+      </p:grpSpPr>
       <p:sp>
         <p:nvSpPr>
           <p:cNvPr id="2" name="Title 1">
@@ -16983,7 +17712,7 @@
 </p:sld>
 </file>
 
-<file path=ppt/slides/slide53.xml><?xml version="1.0" encoding="utf-8"?>
+<file path=ppt/slides/slide54.xml><?xml version="1.0" encoding="utf-8"?>
 <p:sld xmlns:a="http://schemas.openxmlformats.org/drawingml/2006/main" xmlns:r="http://schemas.openxmlformats.org/officeDocument/2006/relationships" xmlns:p="http://schemas.openxmlformats.org/presentationml/2006/main">
   <p:cSld>
     <p:spTree>
@@ -17071,7 +17800,7 @@
 </p:sld>
 </file>
 
-<file path=ppt/slides/slide54.xml><?xml version="1.0" encoding="utf-8"?>
+<file path=ppt/slides/slide55.xml><?xml version="1.0" encoding="utf-8"?>
 <p:sld xmlns:a="http://schemas.openxmlformats.org/drawingml/2006/main" xmlns:r="http://schemas.openxmlformats.org/officeDocument/2006/relationships" xmlns:p="http://schemas.openxmlformats.org/presentationml/2006/main">
   <p:cSld>
     <p:spTree>
@@ -17164,7 +17893,7 @@
 </p:sld>
 </file>
 
-<file path=ppt/slides/slide55.xml><?xml version="1.0" encoding="utf-8"?>
+<file path=ppt/slides/slide56.xml><?xml version="1.0" encoding="utf-8"?>
 <p:sld xmlns:a="http://schemas.openxmlformats.org/drawingml/2006/main" xmlns:r="http://schemas.openxmlformats.org/officeDocument/2006/relationships" xmlns:p="http://schemas.openxmlformats.org/presentationml/2006/main">
   <p:cSld>
     <p:spTree>
@@ -17243,174 +17972,6 @@
     <p:extLst>
       <p:ext uri="{BB962C8B-B14F-4D97-AF65-F5344CB8AC3E}">
         <p14:creationId xmlns:p14="http://schemas.microsoft.com/office/powerpoint/2010/main" val="3710469057"/>
-      </p:ext>
-    </p:extLst>
-  </p:cSld>
-  <p:clrMapOvr>
-    <a:masterClrMapping/>
-  </p:clrMapOvr>
-</p:sld>
-</file>
-
-<file path=ppt/slides/slide56.xml><?xml version="1.0" encoding="utf-8"?>
-<p:sld xmlns:a="http://schemas.openxmlformats.org/drawingml/2006/main" xmlns:r="http://schemas.openxmlformats.org/officeDocument/2006/relationships" xmlns:p="http://schemas.openxmlformats.org/presentationml/2006/main">
-  <p:cSld>
-    <p:spTree>
-      <p:nvGrpSpPr>
-        <p:cNvPr id="1" name=""/>
-        <p:cNvGrpSpPr/>
-        <p:nvPr/>
-      </p:nvGrpSpPr>
-      <p:grpSpPr>
-        <a:xfrm>
-          <a:off x="0" y="0"/>
-          <a:ext cx="0" cy="0"/>
-          <a:chOff x="0" y="0"/>
-          <a:chExt cx="0" cy="0"/>
-        </a:xfrm>
-      </p:grpSpPr>
-      <p:sp>
-        <p:nvSpPr>
-          <p:cNvPr id="2" name="Title 1">
-            <a:extLst>
-              <a:ext uri="{FF2B5EF4-FFF2-40B4-BE49-F238E27FC236}">
-                <a16:creationId xmlns:a16="http://schemas.microsoft.com/office/drawing/2014/main" id="{3340CABF-5241-4665-950E-902AC1D2FAEE}"/>
-              </a:ext>
-            </a:extLst>
-          </p:cNvPr>
-          <p:cNvSpPr>
-            <a:spLocks noGrp="1"/>
-          </p:cNvSpPr>
-          <p:nvPr>
-            <p:ph type="title"/>
-          </p:nvPr>
-        </p:nvSpPr>
-        <p:spPr/>
-        <p:txBody>
-          <a:bodyPr/>
-          <a:lstStyle/>
-          <a:p>
-            <a:r>
-              <a:rPr lang="en-IE" dirty="0"/>
-              <a:t>FPGA</a:t>
-            </a:r>
-          </a:p>
-        </p:txBody>
-      </p:sp>
-      <p:sp>
-        <p:nvSpPr>
-          <p:cNvPr id="3" name="Content Placeholder 2">
-            <a:extLst>
-              <a:ext uri="{FF2B5EF4-FFF2-40B4-BE49-F238E27FC236}">
-                <a16:creationId xmlns:a16="http://schemas.microsoft.com/office/drawing/2014/main" id="{36FA157A-D60C-4AC6-9E30-F3EB5F40D6D3}"/>
-              </a:ext>
-            </a:extLst>
-          </p:cNvPr>
-          <p:cNvSpPr>
-            <a:spLocks noGrp="1"/>
-          </p:cNvSpPr>
-          <p:nvPr>
-            <p:ph idx="1"/>
-          </p:nvPr>
-        </p:nvSpPr>
-        <p:spPr>
-          <a:xfrm>
-            <a:off x="838200" y="1431235"/>
-            <a:ext cx="10515600" cy="4745728"/>
-          </a:xfrm>
-        </p:spPr>
-        <p:txBody>
-          <a:bodyPr>
-            <a:normAutofit lnSpcReduction="10000"/>
-          </a:bodyPr>
-          <a:lstStyle/>
-          <a:p>
-            <a:r>
-              <a:rPr lang="en-IE" dirty="0"/>
-              <a:t>The pair of configurable logical function coupled with the flip-flop is basically an elementary construction of any FPGA, called </a:t>
-            </a:r>
-            <a:r>
-              <a:rPr lang="en-IE" b="1" dirty="0"/>
-              <a:t>“System Logic Cell” </a:t>
-            </a:r>
-            <a:r>
-              <a:rPr lang="en-IE" dirty="0"/>
-              <a:t>or </a:t>
-            </a:r>
-            <a:r>
-              <a:rPr lang="en-IE" b="1" dirty="0"/>
-              <a:t>“Configurable Logic Block” – CLB</a:t>
-            </a:r>
-            <a:r>
-              <a:rPr lang="en-IE" dirty="0"/>
-              <a:t> for short.</a:t>
-            </a:r>
-          </a:p>
-          <a:p>
-            <a:r>
-              <a:rPr lang="en-IE" dirty="0"/>
-              <a:t>Configurable logical function is called LUT, implemented as a simple lookup table, can have between 3 and 6 inputs and 1 or several bits of output. </a:t>
-            </a:r>
-          </a:p>
-          <a:p>
-            <a:r>
-              <a:rPr lang="en-IE" dirty="0"/>
-              <a:t>FPGA cell can be configured to bypass either LUT or flip-flop, acting as just a LUT on its own or as a D flip-flop</a:t>
-            </a:r>
-          </a:p>
-          <a:p>
-            <a:r>
-              <a:rPr lang="en-IE" dirty="0"/>
-              <a:t>CLB might contain additional logic to accelerate addition operation, etc.</a:t>
-            </a:r>
-          </a:p>
-          <a:p>
-            <a:r>
-              <a:rPr lang="en-IE" dirty="0"/>
-              <a:t>These CLBs are arranged into a huge arrays with configurable interconnects </a:t>
-            </a:r>
-          </a:p>
-        </p:txBody>
-      </p:sp>
-      <p:sp>
-        <p:nvSpPr>
-          <p:cNvPr id="4" name="TextBox 3">
-            <a:extLst>
-              <a:ext uri="{FF2B5EF4-FFF2-40B4-BE49-F238E27FC236}">
-                <a16:creationId xmlns:a16="http://schemas.microsoft.com/office/drawing/2014/main" id="{E1C5166D-9DB6-499C-B663-917E6A7E518E}"/>
-              </a:ext>
-            </a:extLst>
-          </p:cNvPr>
-          <p:cNvSpPr txBox="1"/>
-          <p:nvPr/>
-        </p:nvSpPr>
-        <p:spPr>
-          <a:xfrm>
-            <a:off x="940904" y="6308209"/>
-            <a:ext cx="9671237" cy="369332"/>
-          </a:xfrm>
-          <a:prstGeom prst="rect">
-            <a:avLst/>
-          </a:prstGeom>
-          <a:noFill/>
-        </p:spPr>
-        <p:txBody>
-          <a:bodyPr wrap="none" rtlCol="0">
-            <a:spAutoFit/>
-          </a:bodyPr>
-          <a:lstStyle/>
-          <a:p>
-            <a:r>
-              <a:rPr lang="en-IE" b="1" dirty="0"/>
-              <a:t>NOTE: FPGAs are not the only programmable logic devices that do exist, but the most capable ones </a:t>
-            </a:r>
-          </a:p>
-        </p:txBody>
-      </p:sp>
-    </p:spTree>
-    <p:extLst>
-      <p:ext uri="{BB962C8B-B14F-4D97-AF65-F5344CB8AC3E}">
-        <p14:creationId xmlns:p14="http://schemas.microsoft.com/office/powerpoint/2010/main" val="1397394201"/>
       </p:ext>
     </p:extLst>
   </p:cSld>
@@ -17460,51 +18021,125 @@
           <a:p>
             <a:r>
               <a:rPr lang="en-IE" dirty="0"/>
-              <a:t>FPGA, simplified configurable logic block</a:t>
+              <a:t>FPGA</a:t>
             </a:r>
           </a:p>
         </p:txBody>
       </p:sp>
-      <p:pic>
-        <p:nvPicPr>
-          <p:cNvPr id="5" name="Picture 4">
-            <a:extLst>
-              <a:ext uri="{FF2B5EF4-FFF2-40B4-BE49-F238E27FC236}">
-                <a16:creationId xmlns:a16="http://schemas.microsoft.com/office/drawing/2014/main" id="{92331335-08D8-46CA-896D-D83EB4889401}"/>
-              </a:ext>
-            </a:extLst>
-          </p:cNvPr>
-          <p:cNvPicPr>
-            <a:picLocks noChangeAspect="1"/>
-          </p:cNvPicPr>
-          <p:nvPr/>
-        </p:nvPicPr>
-        <p:blipFill>
-          <a:blip r:embed="rId2">
-            <a:extLst>
-              <a:ext uri="{28A0092B-C50C-407E-A947-70E740481C1C}">
-                <a14:useLocalDpi xmlns:a14="http://schemas.microsoft.com/office/drawing/2010/main" val="0"/>
-              </a:ext>
-            </a:extLst>
-          </a:blip>
-          <a:stretch>
-            <a:fillRect/>
-          </a:stretch>
-        </p:blipFill>
+      <p:sp>
+        <p:nvSpPr>
+          <p:cNvPr id="3" name="Content Placeholder 2">
+            <a:extLst>
+              <a:ext uri="{FF2B5EF4-FFF2-40B4-BE49-F238E27FC236}">
+                <a16:creationId xmlns:a16="http://schemas.microsoft.com/office/drawing/2014/main" id="{36FA157A-D60C-4AC6-9E30-F3EB5F40D6D3}"/>
+              </a:ext>
+            </a:extLst>
+          </p:cNvPr>
+          <p:cNvSpPr>
+            <a:spLocks noGrp="1"/>
+          </p:cNvSpPr>
+          <p:nvPr>
+            <p:ph idx="1"/>
+          </p:nvPr>
+        </p:nvSpPr>
         <p:spPr>
           <a:xfrm>
-            <a:off x="1284996" y="1594972"/>
-            <a:ext cx="9881935" cy="4440068"/>
+            <a:off x="838200" y="1431235"/>
+            <a:ext cx="10515600" cy="4745728"/>
+          </a:xfrm>
+        </p:spPr>
+        <p:txBody>
+          <a:bodyPr>
+            <a:normAutofit lnSpcReduction="10000"/>
+          </a:bodyPr>
+          <a:lstStyle/>
+          <a:p>
+            <a:r>
+              <a:rPr lang="en-IE" dirty="0"/>
+              <a:t>The pair of configurable logical function coupled with the flip-flop is basically an elementary construction of any FPGA, called </a:t>
+            </a:r>
+            <a:r>
+              <a:rPr lang="en-IE" b="1" dirty="0"/>
+              <a:t>“System Logic Cell” </a:t>
+            </a:r>
+            <a:r>
+              <a:rPr lang="en-IE" dirty="0"/>
+              <a:t>or </a:t>
+            </a:r>
+            <a:r>
+              <a:rPr lang="en-IE" b="1" dirty="0"/>
+              <a:t>“Configurable Logic Block” – CLB</a:t>
+            </a:r>
+            <a:r>
+              <a:rPr lang="en-IE" dirty="0"/>
+              <a:t> for short.</a:t>
+            </a:r>
+          </a:p>
+          <a:p>
+            <a:r>
+              <a:rPr lang="en-IE" dirty="0"/>
+              <a:t>Configurable logical function is called LUT, implemented as a simple lookup table, can have between 3 and 6 inputs and 1 or several bits of output. </a:t>
+            </a:r>
+          </a:p>
+          <a:p>
+            <a:r>
+              <a:rPr lang="en-IE" dirty="0"/>
+              <a:t>FPGA cell can be configured to bypass either LUT or flip-flop, acting as just a LUT on its own or as a D flip-flop</a:t>
+            </a:r>
+          </a:p>
+          <a:p>
+            <a:r>
+              <a:rPr lang="en-IE" dirty="0"/>
+              <a:t>CLB might contain additional logic to accelerate addition operation, etc.</a:t>
+            </a:r>
+          </a:p>
+          <a:p>
+            <a:r>
+              <a:rPr lang="en-IE" dirty="0"/>
+              <a:t>These CLBs are arranged into a huge arrays with configurable interconnects </a:t>
+            </a:r>
+          </a:p>
+        </p:txBody>
+      </p:sp>
+      <p:sp>
+        <p:nvSpPr>
+          <p:cNvPr id="4" name="TextBox 3">
+            <a:extLst>
+              <a:ext uri="{FF2B5EF4-FFF2-40B4-BE49-F238E27FC236}">
+                <a16:creationId xmlns:a16="http://schemas.microsoft.com/office/drawing/2014/main" id="{E1C5166D-9DB6-499C-B663-917E6A7E518E}"/>
+              </a:ext>
+            </a:extLst>
+          </p:cNvPr>
+          <p:cNvSpPr txBox="1"/>
+          <p:nvPr/>
+        </p:nvSpPr>
+        <p:spPr>
+          <a:xfrm>
+            <a:off x="940904" y="6308209"/>
+            <a:ext cx="9671237" cy="369332"/>
           </a:xfrm>
           <a:prstGeom prst="rect">
             <a:avLst/>
           </a:prstGeom>
+          <a:noFill/>
         </p:spPr>
-      </p:pic>
+        <p:txBody>
+          <a:bodyPr wrap="none" rtlCol="0">
+            <a:spAutoFit/>
+          </a:bodyPr>
+          <a:lstStyle/>
+          <a:p>
+            <a:r>
+              <a:rPr lang="en-IE" b="1" dirty="0"/>
+              <a:t>NOTE: FPGAs are not the only programmable logic devices that do exist, but the most capable ones </a:t>
+            </a:r>
+          </a:p>
+        </p:txBody>
+      </p:sp>
     </p:spTree>
     <p:extLst>
       <p:ext uri="{BB962C8B-B14F-4D97-AF65-F5344CB8AC3E}">
-        <p14:creationId xmlns:p14="http://schemas.microsoft.com/office/powerpoint/2010/main" val="602141131"/>
+        <p14:creationId xmlns:p14="http://schemas.microsoft.com/office/powerpoint/2010/main" val="1397394201"/>
       </p:ext>
     </p:extLst>
   </p:cSld>
@@ -17536,7 +18171,7 @@
           <p:cNvPr id="2" name="Title 1">
             <a:extLst>
               <a:ext uri="{FF2B5EF4-FFF2-40B4-BE49-F238E27FC236}">
-                <a16:creationId xmlns:a16="http://schemas.microsoft.com/office/drawing/2014/main" id="{1C303DAF-3C9E-4945-BFEE-2F78078E97B0}"/>
+                <a16:creationId xmlns:a16="http://schemas.microsoft.com/office/drawing/2014/main" id="{3340CABF-5241-4665-950E-902AC1D2FAEE}"/>
               </a:ext>
             </a:extLst>
           </p:cNvPr>
@@ -17547,29 +18182,24 @@
             <p:ph type="title"/>
           </p:nvPr>
         </p:nvSpPr>
-        <p:spPr>
-          <a:xfrm>
-            <a:off x="202095" y="1133751"/>
-            <a:ext cx="10515600" cy="1325563"/>
-          </a:xfrm>
-        </p:spPr>
+        <p:spPr/>
         <p:txBody>
           <a:bodyPr/>
           <a:lstStyle/>
           <a:p>
             <a:r>
               <a:rPr lang="en-IE" dirty="0"/>
-              <a:t>LUT structure</a:t>
+              <a:t>FPGA, simplified configurable logic block</a:t>
             </a:r>
           </a:p>
         </p:txBody>
       </p:sp>
       <p:pic>
         <p:nvPicPr>
-          <p:cNvPr id="4" name="Picture 3">
-            <a:extLst>
-              <a:ext uri="{FF2B5EF4-FFF2-40B4-BE49-F238E27FC236}">
-                <a16:creationId xmlns:a16="http://schemas.microsoft.com/office/drawing/2014/main" id="{5E8F8B93-843C-40B0-8267-D48EA51BC37D}"/>
+          <p:cNvPr id="5" name="Picture 4">
+            <a:extLst>
+              <a:ext uri="{FF2B5EF4-FFF2-40B4-BE49-F238E27FC236}">
+                <a16:creationId xmlns:a16="http://schemas.microsoft.com/office/drawing/2014/main" id="{92331335-08D8-46CA-896D-D83EB4889401}"/>
               </a:ext>
             </a:extLst>
           </p:cNvPr>
@@ -17579,15 +18209,21 @@
           <p:nvPr/>
         </p:nvPicPr>
         <p:blipFill>
-          <a:blip r:embed="rId2"/>
+          <a:blip r:embed="rId2">
+            <a:extLst>
+              <a:ext uri="{28A0092B-C50C-407E-A947-70E740481C1C}">
+                <a14:useLocalDpi xmlns:a14="http://schemas.microsoft.com/office/drawing/2010/main" val="0"/>
+              </a:ext>
+            </a:extLst>
+          </a:blip>
           <a:stretch>
             <a:fillRect/>
           </a:stretch>
         </p:blipFill>
         <p:spPr>
           <a:xfrm>
-            <a:off x="4968737" y="46738"/>
-            <a:ext cx="5589932" cy="6811262"/>
+            <a:off x="1284996" y="1594972"/>
+            <a:ext cx="9881935" cy="4440068"/>
           </a:xfrm>
           <a:prstGeom prst="rect">
             <a:avLst/>
@@ -17597,7 +18233,7 @@
     </p:spTree>
     <p:extLst>
       <p:ext uri="{BB962C8B-B14F-4D97-AF65-F5344CB8AC3E}">
-        <p14:creationId xmlns:p14="http://schemas.microsoft.com/office/powerpoint/2010/main" val="288419952"/>
+        <p14:creationId xmlns:p14="http://schemas.microsoft.com/office/powerpoint/2010/main" val="602141131"/>
       </p:ext>
     </p:extLst>
   </p:cSld>
@@ -17624,12 +18260,45 @@
           <a:chExt cx="0" cy="0"/>
         </a:xfrm>
       </p:grpSpPr>
+      <p:sp>
+        <p:nvSpPr>
+          <p:cNvPr id="2" name="Title 1">
+            <a:extLst>
+              <a:ext uri="{FF2B5EF4-FFF2-40B4-BE49-F238E27FC236}">
+                <a16:creationId xmlns:a16="http://schemas.microsoft.com/office/drawing/2014/main" id="{1C303DAF-3C9E-4945-BFEE-2F78078E97B0}"/>
+              </a:ext>
+            </a:extLst>
+          </p:cNvPr>
+          <p:cNvSpPr>
+            <a:spLocks noGrp="1"/>
+          </p:cNvSpPr>
+          <p:nvPr>
+            <p:ph type="title"/>
+          </p:nvPr>
+        </p:nvSpPr>
+        <p:spPr>
+          <a:xfrm>
+            <a:off x="202095" y="1133751"/>
+            <a:ext cx="10515600" cy="1325563"/>
+          </a:xfrm>
+        </p:spPr>
+        <p:txBody>
+          <a:bodyPr/>
+          <a:lstStyle/>
+          <a:p>
+            <a:r>
+              <a:rPr lang="en-IE" dirty="0"/>
+              <a:t>LUT structure</a:t>
+            </a:r>
+          </a:p>
+        </p:txBody>
+      </p:sp>
       <p:pic>
         <p:nvPicPr>
-          <p:cNvPr id="5" name="Picture 4">
-            <a:extLst>
-              <a:ext uri="{FF2B5EF4-FFF2-40B4-BE49-F238E27FC236}">
-                <a16:creationId xmlns:a16="http://schemas.microsoft.com/office/drawing/2014/main" id="{7016AF2E-63E1-4BAE-9C31-30CBDAF7BC37}"/>
+          <p:cNvPr id="4" name="Picture 3">
+            <a:extLst>
+              <a:ext uri="{FF2B5EF4-FFF2-40B4-BE49-F238E27FC236}">
+                <a16:creationId xmlns:a16="http://schemas.microsoft.com/office/drawing/2014/main" id="{5E8F8B93-843C-40B0-8267-D48EA51BC37D}"/>
               </a:ext>
             </a:extLst>
           </p:cNvPr>
@@ -17646,164 +18315,18 @@
         </p:blipFill>
         <p:spPr>
           <a:xfrm>
-            <a:off x="7481720" y="2209800"/>
-            <a:ext cx="4533900" cy="3448050"/>
+            <a:off x="4968737" y="46738"/>
+            <a:ext cx="5589932" cy="6811262"/>
           </a:xfrm>
           <a:prstGeom prst="rect">
             <a:avLst/>
           </a:prstGeom>
         </p:spPr>
       </p:pic>
-      <p:sp>
-        <p:nvSpPr>
-          <p:cNvPr id="2" name="Title 1">
-            <a:extLst>
-              <a:ext uri="{FF2B5EF4-FFF2-40B4-BE49-F238E27FC236}">
-                <a16:creationId xmlns:a16="http://schemas.microsoft.com/office/drawing/2014/main" id="{3340CABF-5241-4665-950E-902AC1D2FAEE}"/>
-              </a:ext>
-            </a:extLst>
-          </p:cNvPr>
-          <p:cNvSpPr>
-            <a:spLocks noGrp="1"/>
-          </p:cNvSpPr>
-          <p:nvPr>
-            <p:ph type="title"/>
-          </p:nvPr>
-        </p:nvSpPr>
-        <p:spPr>
-          <a:xfrm>
-            <a:off x="838200" y="365125"/>
-            <a:ext cx="10515600" cy="1325563"/>
-          </a:xfrm>
-        </p:spPr>
-        <p:txBody>
-          <a:bodyPr/>
-          <a:lstStyle/>
-          <a:p>
-            <a:r>
-              <a:rPr lang="en-IE" dirty="0"/>
-              <a:t>FPGA: CLBs in a real world, Spartan 6 example</a:t>
-            </a:r>
-          </a:p>
-        </p:txBody>
-      </p:sp>
-      <p:sp>
-        <p:nvSpPr>
-          <p:cNvPr id="3" name="Content Placeholder 2">
-            <a:extLst>
-              <a:ext uri="{FF2B5EF4-FFF2-40B4-BE49-F238E27FC236}">
-                <a16:creationId xmlns:a16="http://schemas.microsoft.com/office/drawing/2014/main" id="{36FA157A-D60C-4AC6-9E30-F3EB5F40D6D3}"/>
-              </a:ext>
-            </a:extLst>
-          </p:cNvPr>
-          <p:cNvSpPr>
-            <a:spLocks noGrp="1"/>
-          </p:cNvSpPr>
-          <p:nvPr>
-            <p:ph idx="1"/>
-          </p:nvPr>
-        </p:nvSpPr>
-        <p:spPr>
-          <a:xfrm>
-            <a:off x="838200" y="1431235"/>
-            <a:ext cx="7305339" cy="4745728"/>
-          </a:xfrm>
-        </p:spPr>
-        <p:txBody>
-          <a:bodyPr>
-            <a:normAutofit lnSpcReduction="10000"/>
-          </a:bodyPr>
-          <a:lstStyle/>
-          <a:p>
-            <a:r>
-              <a:rPr lang="en-IE" dirty="0"/>
-              <a:t>Xilinx Spartan 6, each CLB contains two “slices”</a:t>
-            </a:r>
-          </a:p>
-          <a:p>
-            <a:r>
-              <a:rPr lang="en-IE" dirty="0"/>
-              <a:t>Each slice is approximately identical and includes actual programmable logic  </a:t>
-            </a:r>
-          </a:p>
-          <a:p>
-            <a:r>
-              <a:rPr lang="en-IE" dirty="0"/>
-              <a:t>There are three slice types on Spartan 6: SLICEM, SLICEL, SLICEX</a:t>
-            </a:r>
-          </a:p>
-          <a:p>
-            <a:r>
-              <a:rPr lang="en-IE" dirty="0"/>
-              <a:t>Each type of slice contains a set of 6-input LUTs and 8 Flip-Flops</a:t>
-            </a:r>
-          </a:p>
-          <a:p>
-            <a:r>
-              <a:rPr lang="en-IE" dirty="0"/>
-              <a:t>SLICEL and SLICEM also contain carry logic and wide multiplexers </a:t>
-            </a:r>
-          </a:p>
-          <a:p>
-            <a:r>
-              <a:rPr lang="en-IE" dirty="0"/>
-              <a:t>SLCIEM also has Distributed RAM and Shift Registers on board.</a:t>
-            </a:r>
-          </a:p>
-        </p:txBody>
-      </p:sp>
-      <p:sp>
-        <p:nvSpPr>
-          <p:cNvPr id="6" name="TextBox 5">
-            <a:extLst>
-              <a:ext uri="{FF2B5EF4-FFF2-40B4-BE49-F238E27FC236}">
-                <a16:creationId xmlns:a16="http://schemas.microsoft.com/office/drawing/2014/main" id="{AC4F6529-251C-4262-901D-9FC7E0019B8A}"/>
-              </a:ext>
-            </a:extLst>
-          </p:cNvPr>
-          <p:cNvSpPr txBox="1"/>
-          <p:nvPr/>
-        </p:nvSpPr>
-        <p:spPr>
-          <a:xfrm>
-            <a:off x="247426" y="6492875"/>
-            <a:ext cx="9057939" cy="646331"/>
-          </a:xfrm>
-          <a:prstGeom prst="rect">
-            <a:avLst/>
-          </a:prstGeom>
-          <a:noFill/>
-        </p:spPr>
-        <p:txBody>
-          <a:bodyPr wrap="square" rtlCol="0">
-            <a:spAutoFit/>
-          </a:bodyPr>
-          <a:lstStyle/>
-          <a:p>
-            <a:r>
-              <a:rPr lang="en-IE" dirty="0"/>
-              <a:t>Image, Source: </a:t>
-            </a:r>
-            <a:r>
-              <a:rPr lang="en-IE" dirty="0">
-                <a:hlinkClick r:id="rId3"/>
-              </a:rPr>
-              <a:t>https://www.xilinx.com/support/documentation/user_guides/ug384.pdf</a:t>
-            </a:r>
-            <a:r>
-              <a:rPr lang="en-IE" dirty="0"/>
-              <a:t> </a:t>
-            </a:r>
-          </a:p>
-          <a:p>
-            <a:endParaRPr lang="en-IE" dirty="0"/>
-          </a:p>
-        </p:txBody>
-      </p:sp>
     </p:spTree>
     <p:extLst>
       <p:ext uri="{BB962C8B-B14F-4D97-AF65-F5344CB8AC3E}">
-        <p14:creationId xmlns:p14="http://schemas.microsoft.com/office/powerpoint/2010/main" val="4075998874"/>
+        <p14:creationId xmlns:p14="http://schemas.microsoft.com/office/powerpoint/2010/main" val="288419952"/>
       </p:ext>
     </p:extLst>
   </p:cSld>
@@ -18844,10 +19367,10 @@
       </p:grpSpPr>
       <p:pic>
         <p:nvPicPr>
-          <p:cNvPr id="8" name="Picture 7">
-            <a:extLst>
-              <a:ext uri="{FF2B5EF4-FFF2-40B4-BE49-F238E27FC236}">
-                <a16:creationId xmlns:a16="http://schemas.microsoft.com/office/drawing/2014/main" id="{88757E61-16B7-4676-9C0E-CEEA22402B1B}"/>
+          <p:cNvPr id="5" name="Picture 4">
+            <a:extLst>
+              <a:ext uri="{FF2B5EF4-FFF2-40B4-BE49-F238E27FC236}">
+                <a16:creationId xmlns:a16="http://schemas.microsoft.com/office/drawing/2014/main" id="{7016AF2E-63E1-4BAE-9C31-30CBDAF7BC37}"/>
               </a:ext>
             </a:extLst>
           </p:cNvPr>
@@ -18864,8 +19387,8 @@
         </p:blipFill>
         <p:spPr>
           <a:xfrm>
-            <a:off x="5595726" y="0"/>
-            <a:ext cx="5239062" cy="6858000"/>
+            <a:off x="7481720" y="2209800"/>
+            <a:ext cx="4533900" cy="3448050"/>
           </a:xfrm>
           <a:prstGeom prst="rect">
             <a:avLst/>
@@ -18890,29 +19413,92 @@
         </p:nvSpPr>
         <p:spPr>
           <a:xfrm>
-            <a:off x="117438" y="0"/>
-            <a:ext cx="4949414" cy="1097280"/>
+            <a:off x="838200" y="365125"/>
+            <a:ext cx="10515600" cy="1325563"/>
+          </a:xfrm>
+        </p:spPr>
+        <p:txBody>
+          <a:bodyPr/>
+          <a:lstStyle/>
+          <a:p>
+            <a:r>
+              <a:rPr lang="en-IE" dirty="0"/>
+              <a:t>FPGA: CLBs in a real world, Spartan 6 example</a:t>
+            </a:r>
+          </a:p>
+        </p:txBody>
+      </p:sp>
+      <p:sp>
+        <p:nvSpPr>
+          <p:cNvPr id="3" name="Content Placeholder 2">
+            <a:extLst>
+              <a:ext uri="{FF2B5EF4-FFF2-40B4-BE49-F238E27FC236}">
+                <a16:creationId xmlns:a16="http://schemas.microsoft.com/office/drawing/2014/main" id="{36FA157A-D60C-4AC6-9E30-F3EB5F40D6D3}"/>
+              </a:ext>
+            </a:extLst>
+          </p:cNvPr>
+          <p:cNvSpPr>
+            <a:spLocks noGrp="1"/>
+          </p:cNvSpPr>
+          <p:nvPr>
+            <p:ph idx="1"/>
+          </p:nvPr>
+        </p:nvSpPr>
+        <p:spPr>
+          <a:xfrm>
+            <a:off x="838200" y="1431235"/>
+            <a:ext cx="7305339" cy="4745728"/>
           </a:xfrm>
         </p:spPr>
         <p:txBody>
           <a:bodyPr>
-            <a:normAutofit fontScale="90000"/>
+            <a:normAutofit lnSpcReduction="10000"/>
           </a:bodyPr>
           <a:lstStyle/>
           <a:p>
             <a:r>
               <a:rPr lang="en-IE" dirty="0"/>
-              <a:t>FPGA: Xilinx Spartan 6, SLICEX: </a:t>
+              <a:t>Xilinx Spartan 6, each CLB contains two “slices”</a:t>
+            </a:r>
+          </a:p>
+          <a:p>
+            <a:r>
+              <a:rPr lang="en-IE" dirty="0"/>
+              <a:t>Each slice is approximately identical and includes actual programmable logic  </a:t>
+            </a:r>
+          </a:p>
+          <a:p>
+            <a:r>
+              <a:rPr lang="en-IE" dirty="0"/>
+              <a:t>There are three slice types on Spartan 6: SLICEM, SLICEL, SLICEX</a:t>
+            </a:r>
+          </a:p>
+          <a:p>
+            <a:r>
+              <a:rPr lang="en-IE" dirty="0"/>
+              <a:t>Each type of slice contains a set of 6-input LUTs and 8 Flip-Flops</a:t>
+            </a:r>
+          </a:p>
+          <a:p>
+            <a:r>
+              <a:rPr lang="en-IE" dirty="0"/>
+              <a:t>SLICEL and SLICEM also contain carry logic and wide multiplexers </a:t>
+            </a:r>
+          </a:p>
+          <a:p>
+            <a:r>
+              <a:rPr lang="en-IE" dirty="0"/>
+              <a:t>SLCIEM also has Distributed RAM and Shift Registers on board.</a:t>
             </a:r>
           </a:p>
         </p:txBody>
       </p:sp>
       <p:sp>
         <p:nvSpPr>
-          <p:cNvPr id="4" name="TextBox 3">
-            <a:extLst>
-              <a:ext uri="{FF2B5EF4-FFF2-40B4-BE49-F238E27FC236}">
-                <a16:creationId xmlns:a16="http://schemas.microsoft.com/office/drawing/2014/main" id="{BC51F177-36DB-4509-9D21-9ADB67BC2573}"/>
+          <p:cNvPr id="6" name="TextBox 5">
+            <a:extLst>
+              <a:ext uri="{FF2B5EF4-FFF2-40B4-BE49-F238E27FC236}">
+                <a16:creationId xmlns:a16="http://schemas.microsoft.com/office/drawing/2014/main" id="{AC4F6529-251C-4262-901D-9FC7E0019B8A}"/>
               </a:ext>
             </a:extLst>
           </p:cNvPr>
@@ -18921,8 +19507,8 @@
         </p:nvSpPr>
         <p:spPr>
           <a:xfrm>
-            <a:off x="0" y="5769685"/>
-            <a:ext cx="4367605" cy="1200329"/>
+            <a:off x="247426" y="6492875"/>
+            <a:ext cx="9057939" cy="646331"/>
           </a:xfrm>
           <a:prstGeom prst="rect">
             <a:avLst/>
@@ -18937,7 +19523,7 @@
           <a:p>
             <a:r>
               <a:rPr lang="en-IE" dirty="0"/>
-              <a:t>© Xilinx, Source: </a:t>
+              <a:t>Image, Source: </a:t>
             </a:r>
             <a:r>
               <a:rPr lang="en-IE" dirty="0">
@@ -18958,7 +19544,7 @@
     </p:spTree>
     <p:extLst>
       <p:ext uri="{BB962C8B-B14F-4D97-AF65-F5344CB8AC3E}">
-        <p14:creationId xmlns:p14="http://schemas.microsoft.com/office/powerpoint/2010/main" val="3376517106"/>
+        <p14:creationId xmlns:p14="http://schemas.microsoft.com/office/powerpoint/2010/main" val="4075998874"/>
       </p:ext>
     </p:extLst>
   </p:cSld>
@@ -18987,10 +19573,10 @@
       </p:grpSpPr>
       <p:pic>
         <p:nvPicPr>
-          <p:cNvPr id="7" name="Picture 6">
-            <a:extLst>
-              <a:ext uri="{FF2B5EF4-FFF2-40B4-BE49-F238E27FC236}">
-                <a16:creationId xmlns:a16="http://schemas.microsoft.com/office/drawing/2014/main" id="{1675D2FA-770D-43A4-9EC7-C54235098BDF}"/>
+          <p:cNvPr id="8" name="Picture 7">
+            <a:extLst>
+              <a:ext uri="{FF2B5EF4-FFF2-40B4-BE49-F238E27FC236}">
+                <a16:creationId xmlns:a16="http://schemas.microsoft.com/office/drawing/2014/main" id="{88757E61-16B7-4676-9C0E-CEEA22402B1B}"/>
               </a:ext>
             </a:extLst>
           </p:cNvPr>
@@ -19007,8 +19593,8 @@
         </p:blipFill>
         <p:spPr>
           <a:xfrm>
-            <a:off x="5378322" y="0"/>
-            <a:ext cx="6229466" cy="6858000"/>
+            <a:off x="5595726" y="0"/>
+            <a:ext cx="5239062" cy="6858000"/>
           </a:xfrm>
           <a:prstGeom prst="rect">
             <a:avLst/>
@@ -19045,7 +19631,7 @@
           <a:p>
             <a:r>
               <a:rPr lang="en-IE" dirty="0"/>
-              <a:t>FPGA: Xilinx Spartan 6, SLICEL: </a:t>
+              <a:t>FPGA: Xilinx Spartan 6, SLICEX: </a:t>
             </a:r>
           </a:p>
         </p:txBody>
@@ -19101,7 +19687,7 @@
     </p:spTree>
     <p:extLst>
       <p:ext uri="{BB962C8B-B14F-4D97-AF65-F5344CB8AC3E}">
-        <p14:creationId xmlns:p14="http://schemas.microsoft.com/office/powerpoint/2010/main" val="4233348570"/>
+        <p14:creationId xmlns:p14="http://schemas.microsoft.com/office/powerpoint/2010/main" val="3376517106"/>
       </p:ext>
     </p:extLst>
   </p:cSld>
@@ -19130,10 +19716,10 @@
       </p:grpSpPr>
       <p:pic>
         <p:nvPicPr>
-          <p:cNvPr id="3" name="Picture 2">
-            <a:extLst>
-              <a:ext uri="{FF2B5EF4-FFF2-40B4-BE49-F238E27FC236}">
-                <a16:creationId xmlns:a16="http://schemas.microsoft.com/office/drawing/2014/main" id="{293B1A1E-3D30-423C-8E70-3EA68DA5D868}"/>
+          <p:cNvPr id="7" name="Picture 6">
+            <a:extLst>
+              <a:ext uri="{FF2B5EF4-FFF2-40B4-BE49-F238E27FC236}">
+                <a16:creationId xmlns:a16="http://schemas.microsoft.com/office/drawing/2014/main" id="{1675D2FA-770D-43A4-9EC7-C54235098BDF}"/>
               </a:ext>
             </a:extLst>
           </p:cNvPr>
@@ -19150,8 +19736,8 @@
         </p:blipFill>
         <p:spPr>
           <a:xfrm>
-            <a:off x="4978198" y="0"/>
-            <a:ext cx="6603214" cy="6858000"/>
+            <a:off x="5378322" y="0"/>
+            <a:ext cx="6229466" cy="6858000"/>
           </a:xfrm>
           <a:prstGeom prst="rect">
             <a:avLst/>
@@ -19188,7 +19774,7 @@
           <a:p>
             <a:r>
               <a:rPr lang="en-IE" dirty="0"/>
-              <a:t>FPGA: Xilinx Spartan 6, SLICEM: </a:t>
+              <a:t>FPGA: Xilinx Spartan 6, SLICEL: </a:t>
             </a:r>
           </a:p>
         </p:txBody>
@@ -19244,7 +19830,7 @@
     </p:spTree>
     <p:extLst>
       <p:ext uri="{BB962C8B-B14F-4D97-AF65-F5344CB8AC3E}">
-        <p14:creationId xmlns:p14="http://schemas.microsoft.com/office/powerpoint/2010/main" val="1778258312"/>
+        <p14:creationId xmlns:p14="http://schemas.microsoft.com/office/powerpoint/2010/main" val="4233348570"/>
       </p:ext>
     </p:extLst>
   </p:cSld>
@@ -19271,6 +19857,149 @@
           <a:chExt cx="0" cy="0"/>
         </a:xfrm>
       </p:grpSpPr>
+      <p:pic>
+        <p:nvPicPr>
+          <p:cNvPr id="3" name="Picture 2">
+            <a:extLst>
+              <a:ext uri="{FF2B5EF4-FFF2-40B4-BE49-F238E27FC236}">
+                <a16:creationId xmlns:a16="http://schemas.microsoft.com/office/drawing/2014/main" id="{293B1A1E-3D30-423C-8E70-3EA68DA5D868}"/>
+              </a:ext>
+            </a:extLst>
+          </p:cNvPr>
+          <p:cNvPicPr>
+            <a:picLocks noChangeAspect="1"/>
+          </p:cNvPicPr>
+          <p:nvPr/>
+        </p:nvPicPr>
+        <p:blipFill>
+          <a:blip r:embed="rId2"/>
+          <a:stretch>
+            <a:fillRect/>
+          </a:stretch>
+        </p:blipFill>
+        <p:spPr>
+          <a:xfrm>
+            <a:off x="4978198" y="0"/>
+            <a:ext cx="6603214" cy="6858000"/>
+          </a:xfrm>
+          <a:prstGeom prst="rect">
+            <a:avLst/>
+          </a:prstGeom>
+        </p:spPr>
+      </p:pic>
+      <p:sp>
+        <p:nvSpPr>
+          <p:cNvPr id="2" name="Title 1">
+            <a:extLst>
+              <a:ext uri="{FF2B5EF4-FFF2-40B4-BE49-F238E27FC236}">
+                <a16:creationId xmlns:a16="http://schemas.microsoft.com/office/drawing/2014/main" id="{3340CABF-5241-4665-950E-902AC1D2FAEE}"/>
+              </a:ext>
+            </a:extLst>
+          </p:cNvPr>
+          <p:cNvSpPr>
+            <a:spLocks noGrp="1"/>
+          </p:cNvSpPr>
+          <p:nvPr>
+            <p:ph type="title"/>
+          </p:nvPr>
+        </p:nvSpPr>
+        <p:spPr>
+          <a:xfrm>
+            <a:off x="117438" y="0"/>
+            <a:ext cx="4949414" cy="1097280"/>
+          </a:xfrm>
+        </p:spPr>
+        <p:txBody>
+          <a:bodyPr>
+            <a:normAutofit fontScale="90000"/>
+          </a:bodyPr>
+          <a:lstStyle/>
+          <a:p>
+            <a:r>
+              <a:rPr lang="en-IE" dirty="0"/>
+              <a:t>FPGA: Xilinx Spartan 6, SLICEM: </a:t>
+            </a:r>
+          </a:p>
+        </p:txBody>
+      </p:sp>
+      <p:sp>
+        <p:nvSpPr>
+          <p:cNvPr id="4" name="TextBox 3">
+            <a:extLst>
+              <a:ext uri="{FF2B5EF4-FFF2-40B4-BE49-F238E27FC236}">
+                <a16:creationId xmlns:a16="http://schemas.microsoft.com/office/drawing/2014/main" id="{BC51F177-36DB-4509-9D21-9ADB67BC2573}"/>
+              </a:ext>
+            </a:extLst>
+          </p:cNvPr>
+          <p:cNvSpPr txBox="1"/>
+          <p:nvPr/>
+        </p:nvSpPr>
+        <p:spPr>
+          <a:xfrm>
+            <a:off x="0" y="5769685"/>
+            <a:ext cx="4367605" cy="1200329"/>
+          </a:xfrm>
+          <a:prstGeom prst="rect">
+            <a:avLst/>
+          </a:prstGeom>
+          <a:noFill/>
+        </p:spPr>
+        <p:txBody>
+          <a:bodyPr wrap="square" rtlCol="0">
+            <a:spAutoFit/>
+          </a:bodyPr>
+          <a:lstStyle/>
+          <a:p>
+            <a:r>
+              <a:rPr lang="en-IE" dirty="0"/>
+              <a:t>© Xilinx, Source: </a:t>
+            </a:r>
+            <a:r>
+              <a:rPr lang="en-IE" dirty="0">
+                <a:hlinkClick r:id="rId3"/>
+              </a:rPr>
+              <a:t>https://www.xilinx.com/support/documentation/user_guides/ug384.pdf</a:t>
+            </a:r>
+            <a:r>
+              <a:rPr lang="en-IE" dirty="0"/>
+              <a:t> </a:t>
+            </a:r>
+          </a:p>
+          <a:p>
+            <a:endParaRPr lang="en-IE" dirty="0"/>
+          </a:p>
+        </p:txBody>
+      </p:sp>
+    </p:spTree>
+    <p:extLst>
+      <p:ext uri="{BB962C8B-B14F-4D97-AF65-F5344CB8AC3E}">
+        <p14:creationId xmlns:p14="http://schemas.microsoft.com/office/powerpoint/2010/main" val="1778258312"/>
+      </p:ext>
+    </p:extLst>
+  </p:cSld>
+  <p:clrMapOvr>
+    <a:masterClrMapping/>
+  </p:clrMapOvr>
+</p:sld>
+</file>
+
+<file path=ppt/slides/slide64.xml><?xml version="1.0" encoding="utf-8"?>
+<p:sld xmlns:a="http://schemas.openxmlformats.org/drawingml/2006/main" xmlns:r="http://schemas.openxmlformats.org/officeDocument/2006/relationships" xmlns:p="http://schemas.openxmlformats.org/presentationml/2006/main">
+  <p:cSld>
+    <p:spTree>
+      <p:nvGrpSpPr>
+        <p:cNvPr id="1" name=""/>
+        <p:cNvGrpSpPr/>
+        <p:nvPr/>
+      </p:nvGrpSpPr>
+      <p:grpSpPr>
+        <a:xfrm>
+          <a:off x="0" y="0"/>
+          <a:ext cx="0" cy="0"/>
+          <a:chOff x="0" y="0"/>
+          <a:chExt cx="0" cy="0"/>
+        </a:xfrm>
+      </p:grpSpPr>
       <p:sp>
         <p:nvSpPr>
           <p:cNvPr id="2" name="Title 1">
@@ -19404,7 +20133,7 @@
 </p:sld>
 </file>
 
-<file path=ppt/slides/slide64.xml><?xml version="1.0" encoding="utf-8"?>
+<file path=ppt/slides/slide65.xml><?xml version="1.0" encoding="utf-8"?>
 <p:sld xmlns:a="http://schemas.openxmlformats.org/drawingml/2006/main" xmlns:r="http://schemas.openxmlformats.org/officeDocument/2006/relationships" xmlns:p="http://schemas.openxmlformats.org/presentationml/2006/main">
   <p:cSld>
     <p:spTree>
@@ -19861,7 +20590,7 @@
 </p:sld>
 </file>
 
-<file path=ppt/slides/slide65.xml><?xml version="1.0" encoding="utf-8"?>
+<file path=ppt/slides/slide66.xml><?xml version="1.0" encoding="utf-8"?>
 <p:sld xmlns:a="http://schemas.openxmlformats.org/drawingml/2006/main" xmlns:r="http://schemas.openxmlformats.org/officeDocument/2006/relationships" xmlns:p="http://schemas.openxmlformats.org/presentationml/2006/main">
   <p:cSld>
     <p:spTree>
@@ -20332,7 +21061,7 @@
 </p:sld>
 </file>
 
-<file path=ppt/slides/slide66.xml><?xml version="1.0" encoding="utf-8"?>
+<file path=ppt/slides/slide67.xml><?xml version="1.0" encoding="utf-8"?>
 <p:sld xmlns:a="http://schemas.openxmlformats.org/drawingml/2006/main" xmlns:r="http://schemas.openxmlformats.org/officeDocument/2006/relationships" xmlns:p="http://schemas.openxmlformats.org/presentationml/2006/main">
   <p:cSld>
     <p:spTree>
@@ -20758,7 +21487,7 @@
 </p:sld>
 </file>
 
-<file path=ppt/slides/slide67.xml><?xml version="1.0" encoding="utf-8"?>
+<file path=ppt/slides/slide68.xml><?xml version="1.0" encoding="utf-8"?>
 <p:sld xmlns:a="http://schemas.openxmlformats.org/drawingml/2006/main" xmlns:r="http://schemas.openxmlformats.org/officeDocument/2006/relationships" xmlns:p="http://schemas.openxmlformats.org/presentationml/2006/main">
   <p:cSld>
     <p:spTree>
@@ -21272,7 +22001,7 @@
 </p:sld>
 </file>
 
-<file path=ppt/slides/slide68.xml><?xml version="1.0" encoding="utf-8"?>
+<file path=ppt/slides/slide69.xml><?xml version="1.0" encoding="utf-8"?>
 <p:sld xmlns:a="http://schemas.openxmlformats.org/drawingml/2006/main" xmlns:r="http://schemas.openxmlformats.org/officeDocument/2006/relationships" xmlns:p="http://schemas.openxmlformats.org/presentationml/2006/main">
   <p:cSld>
     <p:spTree>
@@ -21790,7 +22519,381 @@
 </p:sld>
 </file>
 
-<file path=ppt/slides/slide69.xml><?xml version="1.0" encoding="utf-8"?>
+<file path=ppt/slides/slide7.xml><?xml version="1.0" encoding="utf-8"?>
+<p:sld xmlns:a="http://schemas.openxmlformats.org/drawingml/2006/main" xmlns:r="http://schemas.openxmlformats.org/officeDocument/2006/relationships" xmlns:p="http://schemas.openxmlformats.org/presentationml/2006/main">
+  <p:cSld>
+    <p:spTree>
+      <p:nvGrpSpPr>
+        <p:cNvPr id="1" name=""/>
+        <p:cNvGrpSpPr/>
+        <p:nvPr/>
+      </p:nvGrpSpPr>
+      <p:grpSpPr>
+        <a:xfrm>
+          <a:off x="0" y="0"/>
+          <a:ext cx="0" cy="0"/>
+          <a:chOff x="0" y="0"/>
+          <a:chExt cx="0" cy="0"/>
+        </a:xfrm>
+      </p:grpSpPr>
+      <p:sp>
+        <p:nvSpPr>
+          <p:cNvPr id="2" name="Title 1">
+            <a:extLst>
+              <a:ext uri="{FF2B5EF4-FFF2-40B4-BE49-F238E27FC236}">
+                <a16:creationId xmlns:a16="http://schemas.microsoft.com/office/drawing/2014/main" id="{B6A8B093-162A-41A7-9869-68195AE10399}"/>
+              </a:ext>
+            </a:extLst>
+          </p:cNvPr>
+          <p:cNvSpPr>
+            <a:spLocks noGrp="1"/>
+          </p:cNvSpPr>
+          <p:nvPr>
+            <p:ph type="title"/>
+          </p:nvPr>
+        </p:nvSpPr>
+        <p:spPr/>
+        <p:txBody>
+          <a:bodyPr/>
+          <a:lstStyle/>
+          <a:p>
+            <a:r>
+              <a:rPr lang="en-IE" dirty="0"/>
+              <a:t>VHDL – a bit more formal: physical types</a:t>
+            </a:r>
+          </a:p>
+        </p:txBody>
+      </p:sp>
+      <p:sp>
+        <p:nvSpPr>
+          <p:cNvPr id="3" name="Content Placeholder 2">
+            <a:extLst>
+              <a:ext uri="{FF2B5EF4-FFF2-40B4-BE49-F238E27FC236}">
+                <a16:creationId xmlns:a16="http://schemas.microsoft.com/office/drawing/2014/main" id="{EF951D95-A79C-414E-A004-8007A751CE3B}"/>
+              </a:ext>
+            </a:extLst>
+          </p:cNvPr>
+          <p:cNvSpPr>
+            <a:spLocks noGrp="1"/>
+          </p:cNvSpPr>
+          <p:nvPr>
+            <p:ph idx="1"/>
+          </p:nvPr>
+        </p:nvSpPr>
+        <p:spPr>
+          <a:xfrm>
+            <a:off x="838200" y="1414807"/>
+            <a:ext cx="10515600" cy="5078067"/>
+          </a:xfrm>
+        </p:spPr>
+        <p:txBody>
+          <a:bodyPr>
+            <a:normAutofit fontScale="85000" lnSpcReduction="20000"/>
+          </a:bodyPr>
+          <a:lstStyle/>
+          <a:p>
+            <a:pPr marL="0" indent="0">
+              <a:buNone/>
+            </a:pPr>
+            <a:r>
+              <a:rPr lang="en-IE" sz="3800" dirty="0"/>
+              <a:t>By example, system </a:t>
+            </a:r>
+            <a:r>
+              <a:rPr lang="en-IE" sz="3800" b="1" dirty="0"/>
+              <a:t>time</a:t>
+            </a:r>
+            <a:r>
+              <a:rPr lang="en-IE" sz="3800" dirty="0"/>
+              <a:t> type:</a:t>
+            </a:r>
+          </a:p>
+          <a:p>
+            <a:pPr marL="0" indent="0">
+              <a:buNone/>
+            </a:pPr>
+            <a:endParaRPr lang="en-IE" dirty="0"/>
+          </a:p>
+          <a:p>
+            <a:pPr marL="0" indent="0">
+              <a:buNone/>
+            </a:pPr>
+            <a:r>
+              <a:rPr lang="en-IE" b="1" dirty="0">
+                <a:latin typeface="Courier New" panose="02070309020205020404" pitchFamily="49" charset="0"/>
+                <a:cs typeface="Courier New" panose="02070309020205020404" pitchFamily="49" charset="0"/>
+              </a:rPr>
+              <a:t>type</a:t>
+            </a:r>
+            <a:r>
+              <a:rPr lang="en-IE" dirty="0">
+                <a:latin typeface="Courier New" panose="02070309020205020404" pitchFamily="49" charset="0"/>
+                <a:cs typeface="Courier New" panose="02070309020205020404" pitchFamily="49" charset="0"/>
+              </a:rPr>
+              <a:t> time </a:t>
+            </a:r>
+            <a:r>
+              <a:rPr lang="en-IE" b="1" dirty="0">
+                <a:latin typeface="Courier New" panose="02070309020205020404" pitchFamily="49" charset="0"/>
+                <a:cs typeface="Courier New" panose="02070309020205020404" pitchFamily="49" charset="0"/>
+              </a:rPr>
+              <a:t>is</a:t>
+            </a:r>
+            <a:r>
+              <a:rPr lang="en-IE" dirty="0">
+                <a:latin typeface="Courier New" panose="02070309020205020404" pitchFamily="49" charset="0"/>
+                <a:cs typeface="Courier New" panose="02070309020205020404" pitchFamily="49" charset="0"/>
+              </a:rPr>
+              <a:t> </a:t>
+            </a:r>
+            <a:r>
+              <a:rPr lang="en-IE" b="1" dirty="0">
+                <a:latin typeface="Courier New" panose="02070309020205020404" pitchFamily="49" charset="0"/>
+                <a:cs typeface="Courier New" panose="02070309020205020404" pitchFamily="49" charset="0"/>
+              </a:rPr>
+              <a:t>range</a:t>
+            </a:r>
+            <a:r>
+              <a:rPr lang="en-IE" dirty="0">
+                <a:latin typeface="Courier New" panose="02070309020205020404" pitchFamily="49" charset="0"/>
+                <a:cs typeface="Courier New" panose="02070309020205020404" pitchFamily="49" charset="0"/>
+              </a:rPr>
+              <a:t> 0 </a:t>
+            </a:r>
+            <a:r>
+              <a:rPr lang="en-IE" b="1" dirty="0">
+                <a:latin typeface="Courier New" panose="02070309020205020404" pitchFamily="49" charset="0"/>
+                <a:cs typeface="Courier New" panose="02070309020205020404" pitchFamily="49" charset="0"/>
+              </a:rPr>
+              <a:t>to</a:t>
+            </a:r>
+            <a:r>
+              <a:rPr lang="en-IE" dirty="0">
+                <a:latin typeface="Courier New" panose="02070309020205020404" pitchFamily="49" charset="0"/>
+                <a:cs typeface="Courier New" panose="02070309020205020404" pitchFamily="49" charset="0"/>
+              </a:rPr>
+              <a:t> 1e20</a:t>
+            </a:r>
+          </a:p>
+          <a:p>
+            <a:pPr marL="0" indent="0">
+              <a:buNone/>
+            </a:pPr>
+            <a:r>
+              <a:rPr lang="en-IE" dirty="0">
+                <a:latin typeface="Courier New" panose="02070309020205020404" pitchFamily="49" charset="0"/>
+                <a:cs typeface="Courier New" panose="02070309020205020404" pitchFamily="49" charset="0"/>
+              </a:rPr>
+              <a:t>   </a:t>
+            </a:r>
+            <a:r>
+              <a:rPr lang="en-IE" b="1" dirty="0">
+                <a:latin typeface="Courier New" panose="02070309020205020404" pitchFamily="49" charset="0"/>
+                <a:cs typeface="Courier New" panose="02070309020205020404" pitchFamily="49" charset="0"/>
+              </a:rPr>
+              <a:t>units</a:t>
+            </a:r>
+          </a:p>
+          <a:p>
+            <a:pPr marL="0" indent="0">
+              <a:buNone/>
+            </a:pPr>
+            <a:r>
+              <a:rPr lang="en-IE" dirty="0">
+                <a:latin typeface="Courier New" panose="02070309020205020404" pitchFamily="49" charset="0"/>
+                <a:cs typeface="Courier New" panose="02070309020205020404" pitchFamily="49" charset="0"/>
+              </a:rPr>
+              <a:t>	fs;</a:t>
+            </a:r>
+          </a:p>
+          <a:p>
+            <a:pPr marL="0" indent="0">
+              <a:buNone/>
+            </a:pPr>
+            <a:r>
+              <a:rPr lang="en-IE" dirty="0">
+                <a:latin typeface="Courier New" panose="02070309020205020404" pitchFamily="49" charset="0"/>
+                <a:cs typeface="Courier New" panose="02070309020205020404" pitchFamily="49" charset="0"/>
+              </a:rPr>
+              <a:t>	</a:t>
+            </a:r>
+            <a:r>
+              <a:rPr lang="en-IE" dirty="0" err="1">
+                <a:latin typeface="Courier New" panose="02070309020205020404" pitchFamily="49" charset="0"/>
+                <a:cs typeface="Courier New" panose="02070309020205020404" pitchFamily="49" charset="0"/>
+              </a:rPr>
+              <a:t>ps</a:t>
+            </a:r>
+            <a:r>
+              <a:rPr lang="en-IE" dirty="0">
+                <a:latin typeface="Courier New" panose="02070309020205020404" pitchFamily="49" charset="0"/>
+                <a:cs typeface="Courier New" panose="02070309020205020404" pitchFamily="49" charset="0"/>
+              </a:rPr>
+              <a:t> = 1000 fs;</a:t>
+            </a:r>
+          </a:p>
+          <a:p>
+            <a:pPr marL="0" indent="0">
+              <a:buNone/>
+            </a:pPr>
+            <a:r>
+              <a:rPr lang="en-IE" dirty="0">
+                <a:latin typeface="Courier New" panose="02070309020205020404" pitchFamily="49" charset="0"/>
+                <a:cs typeface="Courier New" panose="02070309020205020404" pitchFamily="49" charset="0"/>
+              </a:rPr>
+              <a:t>	ns = 1000 </a:t>
+            </a:r>
+            <a:r>
+              <a:rPr lang="en-IE" dirty="0" err="1">
+                <a:latin typeface="Courier New" panose="02070309020205020404" pitchFamily="49" charset="0"/>
+                <a:cs typeface="Courier New" panose="02070309020205020404" pitchFamily="49" charset="0"/>
+              </a:rPr>
+              <a:t>ps</a:t>
+            </a:r>
+            <a:r>
+              <a:rPr lang="en-IE" dirty="0">
+                <a:latin typeface="Courier New" panose="02070309020205020404" pitchFamily="49" charset="0"/>
+                <a:cs typeface="Courier New" panose="02070309020205020404" pitchFamily="49" charset="0"/>
+              </a:rPr>
+              <a:t>;</a:t>
+            </a:r>
+          </a:p>
+          <a:p>
+            <a:pPr marL="0" indent="0">
+              <a:buNone/>
+            </a:pPr>
+            <a:r>
+              <a:rPr lang="en-IE" dirty="0">
+                <a:latin typeface="Courier New" panose="02070309020205020404" pitchFamily="49" charset="0"/>
+                <a:cs typeface="Courier New" panose="02070309020205020404" pitchFamily="49" charset="0"/>
+              </a:rPr>
+              <a:t>	us = 1000 ns;</a:t>
+            </a:r>
+          </a:p>
+          <a:p>
+            <a:pPr marL="0" indent="0">
+              <a:buNone/>
+            </a:pPr>
+            <a:r>
+              <a:rPr lang="en-IE" dirty="0">
+                <a:latin typeface="Courier New" panose="02070309020205020404" pitchFamily="49" charset="0"/>
+                <a:cs typeface="Courier New" panose="02070309020205020404" pitchFamily="49" charset="0"/>
+              </a:rPr>
+              <a:t>	</a:t>
+            </a:r>
+            <a:r>
+              <a:rPr lang="en-IE" dirty="0" err="1">
+                <a:latin typeface="Courier New" panose="02070309020205020404" pitchFamily="49" charset="0"/>
+                <a:cs typeface="Courier New" panose="02070309020205020404" pitchFamily="49" charset="0"/>
+              </a:rPr>
+              <a:t>ms</a:t>
+            </a:r>
+            <a:r>
+              <a:rPr lang="en-IE" dirty="0">
+                <a:latin typeface="Courier New" panose="02070309020205020404" pitchFamily="49" charset="0"/>
+                <a:cs typeface="Courier New" panose="02070309020205020404" pitchFamily="49" charset="0"/>
+              </a:rPr>
+              <a:t> = 1000 us;</a:t>
+            </a:r>
+          </a:p>
+          <a:p>
+            <a:pPr marL="0" indent="0">
+              <a:buNone/>
+            </a:pPr>
+            <a:r>
+              <a:rPr lang="en-IE" dirty="0">
+                <a:latin typeface="Courier New" panose="02070309020205020404" pitchFamily="49" charset="0"/>
+                <a:cs typeface="Courier New" panose="02070309020205020404" pitchFamily="49" charset="0"/>
+              </a:rPr>
+              <a:t>	sec = 1000 </a:t>
+            </a:r>
+            <a:r>
+              <a:rPr lang="en-IE" dirty="0" err="1">
+                <a:latin typeface="Courier New" panose="02070309020205020404" pitchFamily="49" charset="0"/>
+                <a:cs typeface="Courier New" panose="02070309020205020404" pitchFamily="49" charset="0"/>
+              </a:rPr>
+              <a:t>ms</a:t>
+            </a:r>
+            <a:r>
+              <a:rPr lang="en-IE" dirty="0">
+                <a:latin typeface="Courier New" panose="02070309020205020404" pitchFamily="49" charset="0"/>
+                <a:cs typeface="Courier New" panose="02070309020205020404" pitchFamily="49" charset="0"/>
+              </a:rPr>
+              <a:t>;</a:t>
+            </a:r>
+          </a:p>
+          <a:p>
+            <a:pPr marL="0" indent="0">
+              <a:buNone/>
+            </a:pPr>
+            <a:r>
+              <a:rPr lang="en-IE" dirty="0">
+                <a:latin typeface="Courier New" panose="02070309020205020404" pitchFamily="49" charset="0"/>
+                <a:cs typeface="Courier New" panose="02070309020205020404" pitchFamily="49" charset="0"/>
+              </a:rPr>
+              <a:t>	min = 60 sec;</a:t>
+            </a:r>
+          </a:p>
+          <a:p>
+            <a:pPr marL="0" indent="0">
+              <a:buNone/>
+            </a:pPr>
+            <a:r>
+              <a:rPr lang="en-IE" dirty="0">
+                <a:latin typeface="Courier New" panose="02070309020205020404" pitchFamily="49" charset="0"/>
+                <a:cs typeface="Courier New" panose="02070309020205020404" pitchFamily="49" charset="0"/>
+              </a:rPr>
+              <a:t>	hr = 60 min;</a:t>
+            </a:r>
+          </a:p>
+          <a:p>
+            <a:pPr marL="0" indent="0">
+              <a:buNone/>
+            </a:pPr>
+            <a:r>
+              <a:rPr lang="en-IE" dirty="0">
+                <a:latin typeface="Courier New" panose="02070309020205020404" pitchFamily="49" charset="0"/>
+                <a:cs typeface="Courier New" panose="02070309020205020404" pitchFamily="49" charset="0"/>
+              </a:rPr>
+              <a:t>   </a:t>
+            </a:r>
+            <a:r>
+              <a:rPr lang="en-IE" b="1" dirty="0">
+                <a:latin typeface="Courier New" panose="02070309020205020404" pitchFamily="49" charset="0"/>
+                <a:cs typeface="Courier New" panose="02070309020205020404" pitchFamily="49" charset="0"/>
+              </a:rPr>
+              <a:t>end units</a:t>
+            </a:r>
+            <a:r>
+              <a:rPr lang="en-IE" dirty="0">
+                <a:latin typeface="Courier New" panose="02070309020205020404" pitchFamily="49" charset="0"/>
+                <a:cs typeface="Courier New" panose="02070309020205020404" pitchFamily="49" charset="0"/>
+              </a:rPr>
+              <a:t> time;</a:t>
+            </a:r>
+          </a:p>
+          <a:p>
+            <a:pPr marL="0" indent="0">
+              <a:buNone/>
+            </a:pPr>
+            <a:endParaRPr lang="en-IE" dirty="0"/>
+          </a:p>
+        </p:txBody>
+      </p:sp>
+    </p:spTree>
+    <p:extLst>
+      <p:ext uri="{BB962C8B-B14F-4D97-AF65-F5344CB8AC3E}">
+        <p14:creationId xmlns:p14="http://schemas.microsoft.com/office/powerpoint/2010/main" val="1767987717"/>
+      </p:ext>
+    </p:extLst>
+  </p:cSld>
+  <p:clrMapOvr>
+    <a:masterClrMapping/>
+  </p:clrMapOvr>
+</p:sld>
+</file>
+
+<file path=ppt/slides/slide70.xml><?xml version="1.0" encoding="utf-8"?>
 <p:sld xmlns:a="http://schemas.openxmlformats.org/drawingml/2006/main" xmlns:r="http://schemas.openxmlformats.org/officeDocument/2006/relationships" xmlns:p="http://schemas.openxmlformats.org/presentationml/2006/main">
   <p:cSld>
     <p:spTree>
@@ -22308,381 +23411,7 @@
 </p:sld>
 </file>
 
-<file path=ppt/slides/slide7.xml><?xml version="1.0" encoding="utf-8"?>
-<p:sld xmlns:a="http://schemas.openxmlformats.org/drawingml/2006/main" xmlns:r="http://schemas.openxmlformats.org/officeDocument/2006/relationships" xmlns:p="http://schemas.openxmlformats.org/presentationml/2006/main">
-  <p:cSld>
-    <p:spTree>
-      <p:nvGrpSpPr>
-        <p:cNvPr id="1" name=""/>
-        <p:cNvGrpSpPr/>
-        <p:nvPr/>
-      </p:nvGrpSpPr>
-      <p:grpSpPr>
-        <a:xfrm>
-          <a:off x="0" y="0"/>
-          <a:ext cx="0" cy="0"/>
-          <a:chOff x="0" y="0"/>
-          <a:chExt cx="0" cy="0"/>
-        </a:xfrm>
-      </p:grpSpPr>
-      <p:sp>
-        <p:nvSpPr>
-          <p:cNvPr id="2" name="Title 1">
-            <a:extLst>
-              <a:ext uri="{FF2B5EF4-FFF2-40B4-BE49-F238E27FC236}">
-                <a16:creationId xmlns:a16="http://schemas.microsoft.com/office/drawing/2014/main" id="{B6A8B093-162A-41A7-9869-68195AE10399}"/>
-              </a:ext>
-            </a:extLst>
-          </p:cNvPr>
-          <p:cNvSpPr>
-            <a:spLocks noGrp="1"/>
-          </p:cNvSpPr>
-          <p:nvPr>
-            <p:ph type="title"/>
-          </p:nvPr>
-        </p:nvSpPr>
-        <p:spPr/>
-        <p:txBody>
-          <a:bodyPr/>
-          <a:lstStyle/>
-          <a:p>
-            <a:r>
-              <a:rPr lang="en-IE" dirty="0"/>
-              <a:t>VHDL – a bit more formal: physical types</a:t>
-            </a:r>
-          </a:p>
-        </p:txBody>
-      </p:sp>
-      <p:sp>
-        <p:nvSpPr>
-          <p:cNvPr id="3" name="Content Placeholder 2">
-            <a:extLst>
-              <a:ext uri="{FF2B5EF4-FFF2-40B4-BE49-F238E27FC236}">
-                <a16:creationId xmlns:a16="http://schemas.microsoft.com/office/drawing/2014/main" id="{EF951D95-A79C-414E-A004-8007A751CE3B}"/>
-              </a:ext>
-            </a:extLst>
-          </p:cNvPr>
-          <p:cNvSpPr>
-            <a:spLocks noGrp="1"/>
-          </p:cNvSpPr>
-          <p:nvPr>
-            <p:ph idx="1"/>
-          </p:nvPr>
-        </p:nvSpPr>
-        <p:spPr>
-          <a:xfrm>
-            <a:off x="838200" y="1414807"/>
-            <a:ext cx="10515600" cy="5078067"/>
-          </a:xfrm>
-        </p:spPr>
-        <p:txBody>
-          <a:bodyPr>
-            <a:normAutofit fontScale="85000" lnSpcReduction="20000"/>
-          </a:bodyPr>
-          <a:lstStyle/>
-          <a:p>
-            <a:pPr marL="0" indent="0">
-              <a:buNone/>
-            </a:pPr>
-            <a:r>
-              <a:rPr lang="en-IE" sz="3800" dirty="0"/>
-              <a:t>By example, system </a:t>
-            </a:r>
-            <a:r>
-              <a:rPr lang="en-IE" sz="3800" b="1" dirty="0"/>
-              <a:t>time</a:t>
-            </a:r>
-            <a:r>
-              <a:rPr lang="en-IE" sz="3800" dirty="0"/>
-              <a:t> type:</a:t>
-            </a:r>
-          </a:p>
-          <a:p>
-            <a:pPr marL="0" indent="0">
-              <a:buNone/>
-            </a:pPr>
-            <a:endParaRPr lang="en-IE" dirty="0"/>
-          </a:p>
-          <a:p>
-            <a:pPr marL="0" indent="0">
-              <a:buNone/>
-            </a:pPr>
-            <a:r>
-              <a:rPr lang="en-IE" b="1" dirty="0">
-                <a:latin typeface="Courier New" panose="02070309020205020404" pitchFamily="49" charset="0"/>
-                <a:cs typeface="Courier New" panose="02070309020205020404" pitchFamily="49" charset="0"/>
-              </a:rPr>
-              <a:t>type</a:t>
-            </a:r>
-            <a:r>
-              <a:rPr lang="en-IE" dirty="0">
-                <a:latin typeface="Courier New" panose="02070309020205020404" pitchFamily="49" charset="0"/>
-                <a:cs typeface="Courier New" panose="02070309020205020404" pitchFamily="49" charset="0"/>
-              </a:rPr>
-              <a:t> time </a:t>
-            </a:r>
-            <a:r>
-              <a:rPr lang="en-IE" b="1" dirty="0">
-                <a:latin typeface="Courier New" panose="02070309020205020404" pitchFamily="49" charset="0"/>
-                <a:cs typeface="Courier New" panose="02070309020205020404" pitchFamily="49" charset="0"/>
-              </a:rPr>
-              <a:t>is</a:t>
-            </a:r>
-            <a:r>
-              <a:rPr lang="en-IE" dirty="0">
-                <a:latin typeface="Courier New" panose="02070309020205020404" pitchFamily="49" charset="0"/>
-                <a:cs typeface="Courier New" panose="02070309020205020404" pitchFamily="49" charset="0"/>
-              </a:rPr>
-              <a:t> </a:t>
-            </a:r>
-            <a:r>
-              <a:rPr lang="en-IE" b="1" dirty="0">
-                <a:latin typeface="Courier New" panose="02070309020205020404" pitchFamily="49" charset="0"/>
-                <a:cs typeface="Courier New" panose="02070309020205020404" pitchFamily="49" charset="0"/>
-              </a:rPr>
-              <a:t>range</a:t>
-            </a:r>
-            <a:r>
-              <a:rPr lang="en-IE" dirty="0">
-                <a:latin typeface="Courier New" panose="02070309020205020404" pitchFamily="49" charset="0"/>
-                <a:cs typeface="Courier New" panose="02070309020205020404" pitchFamily="49" charset="0"/>
-              </a:rPr>
-              <a:t> 0 </a:t>
-            </a:r>
-            <a:r>
-              <a:rPr lang="en-IE" b="1" dirty="0">
-                <a:latin typeface="Courier New" panose="02070309020205020404" pitchFamily="49" charset="0"/>
-                <a:cs typeface="Courier New" panose="02070309020205020404" pitchFamily="49" charset="0"/>
-              </a:rPr>
-              <a:t>to</a:t>
-            </a:r>
-            <a:r>
-              <a:rPr lang="en-IE" dirty="0">
-                <a:latin typeface="Courier New" panose="02070309020205020404" pitchFamily="49" charset="0"/>
-                <a:cs typeface="Courier New" panose="02070309020205020404" pitchFamily="49" charset="0"/>
-              </a:rPr>
-              <a:t> 1e20</a:t>
-            </a:r>
-          </a:p>
-          <a:p>
-            <a:pPr marL="0" indent="0">
-              <a:buNone/>
-            </a:pPr>
-            <a:r>
-              <a:rPr lang="en-IE" dirty="0">
-                <a:latin typeface="Courier New" panose="02070309020205020404" pitchFamily="49" charset="0"/>
-                <a:cs typeface="Courier New" panose="02070309020205020404" pitchFamily="49" charset="0"/>
-              </a:rPr>
-              <a:t>   </a:t>
-            </a:r>
-            <a:r>
-              <a:rPr lang="en-IE" b="1" dirty="0">
-                <a:latin typeface="Courier New" panose="02070309020205020404" pitchFamily="49" charset="0"/>
-                <a:cs typeface="Courier New" panose="02070309020205020404" pitchFamily="49" charset="0"/>
-              </a:rPr>
-              <a:t>units</a:t>
-            </a:r>
-          </a:p>
-          <a:p>
-            <a:pPr marL="0" indent="0">
-              <a:buNone/>
-            </a:pPr>
-            <a:r>
-              <a:rPr lang="en-IE" dirty="0">
-                <a:latin typeface="Courier New" panose="02070309020205020404" pitchFamily="49" charset="0"/>
-                <a:cs typeface="Courier New" panose="02070309020205020404" pitchFamily="49" charset="0"/>
-              </a:rPr>
-              <a:t>	fs;</a:t>
-            </a:r>
-          </a:p>
-          <a:p>
-            <a:pPr marL="0" indent="0">
-              <a:buNone/>
-            </a:pPr>
-            <a:r>
-              <a:rPr lang="en-IE" dirty="0">
-                <a:latin typeface="Courier New" panose="02070309020205020404" pitchFamily="49" charset="0"/>
-                <a:cs typeface="Courier New" panose="02070309020205020404" pitchFamily="49" charset="0"/>
-              </a:rPr>
-              <a:t>	</a:t>
-            </a:r>
-            <a:r>
-              <a:rPr lang="en-IE" dirty="0" err="1">
-                <a:latin typeface="Courier New" panose="02070309020205020404" pitchFamily="49" charset="0"/>
-                <a:cs typeface="Courier New" panose="02070309020205020404" pitchFamily="49" charset="0"/>
-              </a:rPr>
-              <a:t>ps</a:t>
-            </a:r>
-            <a:r>
-              <a:rPr lang="en-IE" dirty="0">
-                <a:latin typeface="Courier New" panose="02070309020205020404" pitchFamily="49" charset="0"/>
-                <a:cs typeface="Courier New" panose="02070309020205020404" pitchFamily="49" charset="0"/>
-              </a:rPr>
-              <a:t> = 1000 fs;</a:t>
-            </a:r>
-          </a:p>
-          <a:p>
-            <a:pPr marL="0" indent="0">
-              <a:buNone/>
-            </a:pPr>
-            <a:r>
-              <a:rPr lang="en-IE" dirty="0">
-                <a:latin typeface="Courier New" panose="02070309020205020404" pitchFamily="49" charset="0"/>
-                <a:cs typeface="Courier New" panose="02070309020205020404" pitchFamily="49" charset="0"/>
-              </a:rPr>
-              <a:t>	ns = 1000 </a:t>
-            </a:r>
-            <a:r>
-              <a:rPr lang="en-IE" dirty="0" err="1">
-                <a:latin typeface="Courier New" panose="02070309020205020404" pitchFamily="49" charset="0"/>
-                <a:cs typeface="Courier New" panose="02070309020205020404" pitchFamily="49" charset="0"/>
-              </a:rPr>
-              <a:t>ps</a:t>
-            </a:r>
-            <a:r>
-              <a:rPr lang="en-IE" dirty="0">
-                <a:latin typeface="Courier New" panose="02070309020205020404" pitchFamily="49" charset="0"/>
-                <a:cs typeface="Courier New" panose="02070309020205020404" pitchFamily="49" charset="0"/>
-              </a:rPr>
-              <a:t>;</a:t>
-            </a:r>
-          </a:p>
-          <a:p>
-            <a:pPr marL="0" indent="0">
-              <a:buNone/>
-            </a:pPr>
-            <a:r>
-              <a:rPr lang="en-IE" dirty="0">
-                <a:latin typeface="Courier New" panose="02070309020205020404" pitchFamily="49" charset="0"/>
-                <a:cs typeface="Courier New" panose="02070309020205020404" pitchFamily="49" charset="0"/>
-              </a:rPr>
-              <a:t>	us = 1000 ns;</a:t>
-            </a:r>
-          </a:p>
-          <a:p>
-            <a:pPr marL="0" indent="0">
-              <a:buNone/>
-            </a:pPr>
-            <a:r>
-              <a:rPr lang="en-IE" dirty="0">
-                <a:latin typeface="Courier New" panose="02070309020205020404" pitchFamily="49" charset="0"/>
-                <a:cs typeface="Courier New" panose="02070309020205020404" pitchFamily="49" charset="0"/>
-              </a:rPr>
-              <a:t>	</a:t>
-            </a:r>
-            <a:r>
-              <a:rPr lang="en-IE" dirty="0" err="1">
-                <a:latin typeface="Courier New" panose="02070309020205020404" pitchFamily="49" charset="0"/>
-                <a:cs typeface="Courier New" panose="02070309020205020404" pitchFamily="49" charset="0"/>
-              </a:rPr>
-              <a:t>ms</a:t>
-            </a:r>
-            <a:r>
-              <a:rPr lang="en-IE" dirty="0">
-                <a:latin typeface="Courier New" panose="02070309020205020404" pitchFamily="49" charset="0"/>
-                <a:cs typeface="Courier New" panose="02070309020205020404" pitchFamily="49" charset="0"/>
-              </a:rPr>
-              <a:t> = 1000 us;</a:t>
-            </a:r>
-          </a:p>
-          <a:p>
-            <a:pPr marL="0" indent="0">
-              <a:buNone/>
-            </a:pPr>
-            <a:r>
-              <a:rPr lang="en-IE" dirty="0">
-                <a:latin typeface="Courier New" panose="02070309020205020404" pitchFamily="49" charset="0"/>
-                <a:cs typeface="Courier New" panose="02070309020205020404" pitchFamily="49" charset="0"/>
-              </a:rPr>
-              <a:t>	sec = 1000 </a:t>
-            </a:r>
-            <a:r>
-              <a:rPr lang="en-IE" dirty="0" err="1">
-                <a:latin typeface="Courier New" panose="02070309020205020404" pitchFamily="49" charset="0"/>
-                <a:cs typeface="Courier New" panose="02070309020205020404" pitchFamily="49" charset="0"/>
-              </a:rPr>
-              <a:t>ms</a:t>
-            </a:r>
-            <a:r>
-              <a:rPr lang="en-IE" dirty="0">
-                <a:latin typeface="Courier New" panose="02070309020205020404" pitchFamily="49" charset="0"/>
-                <a:cs typeface="Courier New" panose="02070309020205020404" pitchFamily="49" charset="0"/>
-              </a:rPr>
-              <a:t>;</a:t>
-            </a:r>
-          </a:p>
-          <a:p>
-            <a:pPr marL="0" indent="0">
-              <a:buNone/>
-            </a:pPr>
-            <a:r>
-              <a:rPr lang="en-IE" dirty="0">
-                <a:latin typeface="Courier New" panose="02070309020205020404" pitchFamily="49" charset="0"/>
-                <a:cs typeface="Courier New" panose="02070309020205020404" pitchFamily="49" charset="0"/>
-              </a:rPr>
-              <a:t>	min = 60 sec;</a:t>
-            </a:r>
-          </a:p>
-          <a:p>
-            <a:pPr marL="0" indent="0">
-              <a:buNone/>
-            </a:pPr>
-            <a:r>
-              <a:rPr lang="en-IE" dirty="0">
-                <a:latin typeface="Courier New" panose="02070309020205020404" pitchFamily="49" charset="0"/>
-                <a:cs typeface="Courier New" panose="02070309020205020404" pitchFamily="49" charset="0"/>
-              </a:rPr>
-              <a:t>	hr = 60 min;</a:t>
-            </a:r>
-          </a:p>
-          <a:p>
-            <a:pPr marL="0" indent="0">
-              <a:buNone/>
-            </a:pPr>
-            <a:r>
-              <a:rPr lang="en-IE" dirty="0">
-                <a:latin typeface="Courier New" panose="02070309020205020404" pitchFamily="49" charset="0"/>
-                <a:cs typeface="Courier New" panose="02070309020205020404" pitchFamily="49" charset="0"/>
-              </a:rPr>
-              <a:t>   </a:t>
-            </a:r>
-            <a:r>
-              <a:rPr lang="en-IE" b="1" dirty="0">
-                <a:latin typeface="Courier New" panose="02070309020205020404" pitchFamily="49" charset="0"/>
-                <a:cs typeface="Courier New" panose="02070309020205020404" pitchFamily="49" charset="0"/>
-              </a:rPr>
-              <a:t>end units</a:t>
-            </a:r>
-            <a:r>
-              <a:rPr lang="en-IE" dirty="0">
-                <a:latin typeface="Courier New" panose="02070309020205020404" pitchFamily="49" charset="0"/>
-                <a:cs typeface="Courier New" panose="02070309020205020404" pitchFamily="49" charset="0"/>
-              </a:rPr>
-              <a:t> time;</a:t>
-            </a:r>
-          </a:p>
-          <a:p>
-            <a:pPr marL="0" indent="0">
-              <a:buNone/>
-            </a:pPr>
-            <a:endParaRPr lang="en-IE" dirty="0"/>
-          </a:p>
-        </p:txBody>
-      </p:sp>
-    </p:spTree>
-    <p:extLst>
-      <p:ext uri="{BB962C8B-B14F-4D97-AF65-F5344CB8AC3E}">
-        <p14:creationId xmlns:p14="http://schemas.microsoft.com/office/powerpoint/2010/main" val="1767987717"/>
-      </p:ext>
-    </p:extLst>
-  </p:cSld>
-  <p:clrMapOvr>
-    <a:masterClrMapping/>
-  </p:clrMapOvr>
-</p:sld>
-</file>
-
-<file path=ppt/slides/slide70.xml><?xml version="1.0" encoding="utf-8"?>
+<file path=ppt/slides/slide71.xml><?xml version="1.0" encoding="utf-8"?>
 <p:sld xmlns:a="http://schemas.openxmlformats.org/drawingml/2006/main" xmlns:r="http://schemas.openxmlformats.org/officeDocument/2006/relationships" xmlns:p="http://schemas.openxmlformats.org/presentationml/2006/main">
   <p:cSld>
     <p:spTree>
@@ -22864,7 +23593,7 @@
 </p:sld>
 </file>
 
-<file path=ppt/slides/slide71.xml><?xml version="1.0" encoding="utf-8"?>
+<file path=ppt/slides/slide72.xml><?xml version="1.0" encoding="utf-8"?>
 <p:sld xmlns:a="http://schemas.openxmlformats.org/drawingml/2006/main" xmlns:r="http://schemas.openxmlformats.org/officeDocument/2006/relationships" xmlns:p="http://schemas.openxmlformats.org/presentationml/2006/main">
   <p:cSld>
     <p:spTree>
@@ -23106,7 +23835,7 @@
 </p:sld>
 </file>
 
-<file path=ppt/slides/slide72.xml><?xml version="1.0" encoding="utf-8"?>
+<file path=ppt/slides/slide73.xml><?xml version="1.0" encoding="utf-8"?>
 <p:sld xmlns:a="http://schemas.openxmlformats.org/drawingml/2006/main" xmlns:r="http://schemas.openxmlformats.org/officeDocument/2006/relationships" xmlns:p="http://schemas.openxmlformats.org/presentationml/2006/main">
   <p:cSld>
     <p:spTree>
@@ -23349,7 +24078,7 @@
 </p:sld>
 </file>
 
-<file path=ppt/slides/slide73.xml><?xml version="1.0" encoding="utf-8"?>
+<file path=ppt/slides/slide74.xml><?xml version="1.0" encoding="utf-8"?>
 <p:sld xmlns:a="http://schemas.openxmlformats.org/drawingml/2006/main" xmlns:r="http://schemas.openxmlformats.org/officeDocument/2006/relationships" xmlns:p="http://schemas.openxmlformats.org/presentationml/2006/main">
   <p:cSld>
     <p:spTree>
@@ -23493,7 +24222,7 @@
 </p:sld>
 </file>
 
-<file path=ppt/slides/slide74.xml><?xml version="1.0" encoding="utf-8"?>
+<file path=ppt/slides/slide75.xml><?xml version="1.0" encoding="utf-8"?>
 <p:sld xmlns:a="http://schemas.openxmlformats.org/drawingml/2006/main" xmlns:r="http://schemas.openxmlformats.org/officeDocument/2006/relationships" xmlns:p="http://schemas.openxmlformats.org/presentationml/2006/main">
   <p:cSld>
     <p:spTree>
@@ -24469,7 +25198,7 @@
 </p:sld>
 </file>
 
-<file path=ppt/slides/slide75.xml><?xml version="1.0" encoding="utf-8"?>
+<file path=ppt/slides/slide76.xml><?xml version="1.0" encoding="utf-8"?>
 <p:sld xmlns:a="http://schemas.openxmlformats.org/drawingml/2006/main" xmlns:r="http://schemas.openxmlformats.org/officeDocument/2006/relationships" xmlns:p="http://schemas.openxmlformats.org/presentationml/2006/main">
   <p:cSld>
     <p:spTree>
@@ -25204,7 +25933,7 @@
 </p:sld>
 </file>
 
-<file path=ppt/slides/slide76.xml><?xml version="1.0" encoding="utf-8"?>
+<file path=ppt/slides/slide77.xml><?xml version="1.0" encoding="utf-8"?>
 <p:sld xmlns:a="http://schemas.openxmlformats.org/drawingml/2006/main" xmlns:r="http://schemas.openxmlformats.org/officeDocument/2006/relationships" xmlns:p="http://schemas.openxmlformats.org/presentationml/2006/main">
   <p:cSld>
     <p:spTree>
@@ -25307,7 +26036,7 @@
 </p:sld>
 </file>
 
-<file path=ppt/slides/slide77.xml><?xml version="1.0" encoding="utf-8"?>
+<file path=ppt/slides/slide78.xml><?xml version="1.0" encoding="utf-8"?>
 <p:sld xmlns:a="http://schemas.openxmlformats.org/drawingml/2006/main" xmlns:r="http://schemas.openxmlformats.org/officeDocument/2006/relationships" xmlns:p="http://schemas.openxmlformats.org/presentationml/2006/main">
   <p:cSld>
     <p:spTree>
@@ -25410,7 +26139,7 @@
 </p:sld>
 </file>
 
-<file path=ppt/slides/slide78.xml><?xml version="1.0" encoding="utf-8"?>
+<file path=ppt/slides/slide79.xml><?xml version="1.0" encoding="utf-8"?>
 <p:sld xmlns:a="http://schemas.openxmlformats.org/drawingml/2006/main" xmlns:r="http://schemas.openxmlformats.org/officeDocument/2006/relationships" xmlns:p="http://schemas.openxmlformats.org/presentationml/2006/main">
   <p:cSld>
     <p:spTree>
@@ -25504,439 +26233,6 @@
     <p:extLst>
       <p:ext uri="{BB962C8B-B14F-4D97-AF65-F5344CB8AC3E}">
         <p14:creationId xmlns:p14="http://schemas.microsoft.com/office/powerpoint/2010/main" val="1301091423"/>
-      </p:ext>
-    </p:extLst>
-  </p:cSld>
-  <p:clrMapOvr>
-    <a:masterClrMapping/>
-  </p:clrMapOvr>
-</p:sld>
-</file>
-
-<file path=ppt/slides/slide79.xml><?xml version="1.0" encoding="utf-8"?>
-<p:sld xmlns:a="http://schemas.openxmlformats.org/drawingml/2006/main" xmlns:r="http://schemas.openxmlformats.org/officeDocument/2006/relationships" xmlns:p="http://schemas.openxmlformats.org/presentationml/2006/main">
-  <p:cSld>
-    <p:spTree>
-      <p:nvGrpSpPr>
-        <p:cNvPr id="1" name=""/>
-        <p:cNvGrpSpPr/>
-        <p:nvPr/>
-      </p:nvGrpSpPr>
-      <p:grpSpPr>
-        <a:xfrm>
-          <a:off x="0" y="0"/>
-          <a:ext cx="0" cy="0"/>
-          <a:chOff x="0" y="0"/>
-          <a:chExt cx="0" cy="0"/>
-        </a:xfrm>
-      </p:grpSpPr>
-      <p:sp>
-        <p:nvSpPr>
-          <p:cNvPr id="2" name="Title 1">
-            <a:extLst>
-              <a:ext uri="{FF2B5EF4-FFF2-40B4-BE49-F238E27FC236}">
-                <a16:creationId xmlns:a16="http://schemas.microsoft.com/office/drawing/2014/main" id="{444FC6A2-5A40-4204-A08E-B7176AFEB2AF}"/>
-              </a:ext>
-            </a:extLst>
-          </p:cNvPr>
-          <p:cNvSpPr>
-            <a:spLocks noGrp="1"/>
-          </p:cNvSpPr>
-          <p:nvPr>
-            <p:ph type="title"/>
-          </p:nvPr>
-        </p:nvSpPr>
-        <p:spPr>
-          <a:xfrm>
-            <a:off x="426483" y="179593"/>
-            <a:ext cx="11049900" cy="1066111"/>
-          </a:xfrm>
-        </p:spPr>
-        <p:txBody>
-          <a:bodyPr>
-            <a:normAutofit fontScale="90000"/>
-          </a:bodyPr>
-          <a:lstStyle/>
-          <a:p>
-            <a:r>
-              <a:rPr lang="en-IE" dirty="0"/>
-              <a:t>Spartan 6 XC6SLX9, at a max </a:t>
-            </a:r>
-            <a:r>
-              <a:rPr lang="en-IE" b="1" dirty="0"/>
-              <a:t>zoom</a:t>
-            </a:r>
-            <a:br>
-              <a:rPr lang="en-IE" dirty="0"/>
-            </a:br>
-            <a:endParaRPr lang="en-IE" dirty="0"/>
-          </a:p>
-        </p:txBody>
-      </p:sp>
-      <p:pic>
-        <p:nvPicPr>
-          <p:cNvPr id="3" name="Picture 2">
-            <a:extLst>
-              <a:ext uri="{FF2B5EF4-FFF2-40B4-BE49-F238E27FC236}">
-                <a16:creationId xmlns:a16="http://schemas.microsoft.com/office/drawing/2014/main" id="{9629B7CF-227B-4D96-8372-365AEDA4C01F}"/>
-              </a:ext>
-            </a:extLst>
-          </p:cNvPr>
-          <p:cNvPicPr>
-            <a:picLocks noChangeAspect="1"/>
-          </p:cNvPicPr>
-          <p:nvPr/>
-        </p:nvPicPr>
-        <p:blipFill>
-          <a:blip r:embed="rId2"/>
-          <a:stretch>
-            <a:fillRect/>
-          </a:stretch>
-        </p:blipFill>
-        <p:spPr>
-          <a:xfrm>
-            <a:off x="0" y="855678"/>
-            <a:ext cx="12192000" cy="6002322"/>
-          </a:xfrm>
-          <a:prstGeom prst="rect">
-            <a:avLst/>
-          </a:prstGeom>
-        </p:spPr>
-      </p:pic>
-      <p:sp>
-        <p:nvSpPr>
-          <p:cNvPr id="5" name="TextBox 4">
-            <a:extLst>
-              <a:ext uri="{FF2B5EF4-FFF2-40B4-BE49-F238E27FC236}">
-                <a16:creationId xmlns:a16="http://schemas.microsoft.com/office/drawing/2014/main" id="{E32D0904-BF6D-4255-AC17-06FE04A76285}"/>
-              </a:ext>
-            </a:extLst>
-          </p:cNvPr>
-          <p:cNvSpPr txBox="1"/>
-          <p:nvPr/>
-        </p:nvSpPr>
-        <p:spPr>
-          <a:xfrm>
-            <a:off x="6347791" y="6002322"/>
-            <a:ext cx="2201693" cy="461665"/>
-          </a:xfrm>
-          <a:prstGeom prst="rect">
-            <a:avLst/>
-          </a:prstGeom>
-          <a:noFill/>
-        </p:spPr>
-        <p:txBody>
-          <a:bodyPr wrap="none" rtlCol="0">
-            <a:spAutoFit/>
-          </a:bodyPr>
-          <a:lstStyle/>
-          <a:p>
-            <a:r>
-              <a:rPr lang="en-IE" sz="2400" b="1" dirty="0">
-                <a:solidFill>
-                  <a:srgbClr val="FF0000"/>
-                </a:solidFill>
-              </a:rPr>
-              <a:t>Switch matrixes</a:t>
-            </a:r>
-          </a:p>
-        </p:txBody>
-      </p:sp>
-      <p:cxnSp>
-        <p:nvCxnSpPr>
-          <p:cNvPr id="7" name="Straight Arrow Connector 6">
-            <a:extLst>
-              <a:ext uri="{FF2B5EF4-FFF2-40B4-BE49-F238E27FC236}">
-                <a16:creationId xmlns:a16="http://schemas.microsoft.com/office/drawing/2014/main" id="{9EAD1622-FE71-4956-87DD-2C5FCE67CAD9}"/>
-              </a:ext>
-            </a:extLst>
-          </p:cNvPr>
-          <p:cNvCxnSpPr>
-            <a:stCxn id="5" idx="1"/>
-          </p:cNvCxnSpPr>
-          <p:nvPr/>
-        </p:nvCxnSpPr>
-        <p:spPr>
-          <a:xfrm flipH="1" flipV="1">
-            <a:off x="4399722" y="5632174"/>
-            <a:ext cx="1948069" cy="600981"/>
-          </a:xfrm>
-          <a:prstGeom prst="straightConnector1">
-            <a:avLst/>
-          </a:prstGeom>
-          <a:ln w="38100">
-            <a:solidFill>
-              <a:srgbClr val="FF0000"/>
-            </a:solidFill>
-            <a:tailEnd type="triangle"/>
-          </a:ln>
-        </p:spPr>
-        <p:style>
-          <a:lnRef idx="1">
-            <a:schemeClr val="accent1"/>
-          </a:lnRef>
-          <a:fillRef idx="0">
-            <a:schemeClr val="accent1"/>
-          </a:fillRef>
-          <a:effectRef idx="0">
-            <a:schemeClr val="accent1"/>
-          </a:effectRef>
-          <a:fontRef idx="minor">
-            <a:schemeClr val="tx1"/>
-          </a:fontRef>
-        </p:style>
-      </p:cxnSp>
-      <p:cxnSp>
-        <p:nvCxnSpPr>
-          <p:cNvPr id="11" name="Straight Arrow Connector 10">
-            <a:extLst>
-              <a:ext uri="{FF2B5EF4-FFF2-40B4-BE49-F238E27FC236}">
-                <a16:creationId xmlns:a16="http://schemas.microsoft.com/office/drawing/2014/main" id="{9DA95C71-1F50-4F3B-83D7-37083A3F8EA1}"/>
-              </a:ext>
-            </a:extLst>
-          </p:cNvPr>
-          <p:cNvCxnSpPr/>
-          <p:nvPr/>
-        </p:nvCxnSpPr>
-        <p:spPr>
-          <a:xfrm flipV="1">
-            <a:off x="8189843" y="5608309"/>
-            <a:ext cx="781879" cy="624845"/>
-          </a:xfrm>
-          <a:prstGeom prst="straightConnector1">
-            <a:avLst/>
-          </a:prstGeom>
-          <a:ln w="38100">
-            <a:solidFill>
-              <a:srgbClr val="FF0000"/>
-            </a:solidFill>
-            <a:tailEnd type="triangle"/>
-          </a:ln>
-        </p:spPr>
-        <p:style>
-          <a:lnRef idx="1">
-            <a:schemeClr val="accent1"/>
-          </a:lnRef>
-          <a:fillRef idx="0">
-            <a:schemeClr val="accent1"/>
-          </a:fillRef>
-          <a:effectRef idx="0">
-            <a:schemeClr val="accent1"/>
-          </a:effectRef>
-          <a:fontRef idx="minor">
-            <a:schemeClr val="tx1"/>
-          </a:fontRef>
-        </p:style>
-      </p:cxnSp>
-      <p:sp>
-        <p:nvSpPr>
-          <p:cNvPr id="12" name="TextBox 11">
-            <a:extLst>
-              <a:ext uri="{FF2B5EF4-FFF2-40B4-BE49-F238E27FC236}">
-                <a16:creationId xmlns:a16="http://schemas.microsoft.com/office/drawing/2014/main" id="{39395538-F07E-4622-B5DC-E03BAE30056E}"/>
-              </a:ext>
-            </a:extLst>
-          </p:cNvPr>
-          <p:cNvSpPr txBox="1"/>
-          <p:nvPr/>
-        </p:nvSpPr>
-        <p:spPr>
-          <a:xfrm>
-            <a:off x="8766313" y="1014871"/>
-            <a:ext cx="1469890" cy="461665"/>
-          </a:xfrm>
-          <a:prstGeom prst="rect">
-            <a:avLst/>
-          </a:prstGeom>
-          <a:noFill/>
-        </p:spPr>
-        <p:txBody>
-          <a:bodyPr wrap="none" rtlCol="0">
-            <a:spAutoFit/>
-          </a:bodyPr>
-          <a:lstStyle/>
-          <a:p>
-            <a:r>
-              <a:rPr lang="en-IE" sz="2400" b="1" dirty="0">
-                <a:solidFill>
-                  <a:srgbClr val="FF0000"/>
-                </a:solidFill>
-              </a:rPr>
-              <a:t>Two slices</a:t>
-            </a:r>
-          </a:p>
-        </p:txBody>
-      </p:sp>
-      <p:cxnSp>
-        <p:nvCxnSpPr>
-          <p:cNvPr id="13" name="Straight Arrow Connector 12">
-            <a:extLst>
-              <a:ext uri="{FF2B5EF4-FFF2-40B4-BE49-F238E27FC236}">
-                <a16:creationId xmlns:a16="http://schemas.microsoft.com/office/drawing/2014/main" id="{089BB4A1-C942-46D1-994D-7652885899A9}"/>
-              </a:ext>
-            </a:extLst>
-          </p:cNvPr>
-          <p:cNvCxnSpPr>
-            <a:cxnSpLocks/>
-          </p:cNvCxnSpPr>
-          <p:nvPr/>
-        </p:nvCxnSpPr>
-        <p:spPr>
-          <a:xfrm>
-            <a:off x="10137913" y="1404897"/>
-            <a:ext cx="636104" cy="1431068"/>
-          </a:xfrm>
-          <a:prstGeom prst="straightConnector1">
-            <a:avLst/>
-          </a:prstGeom>
-          <a:ln w="38100">
-            <a:solidFill>
-              <a:srgbClr val="FF0000"/>
-            </a:solidFill>
-            <a:tailEnd type="triangle"/>
-          </a:ln>
-        </p:spPr>
-        <p:style>
-          <a:lnRef idx="1">
-            <a:schemeClr val="accent1"/>
-          </a:lnRef>
-          <a:fillRef idx="0">
-            <a:schemeClr val="accent1"/>
-          </a:fillRef>
-          <a:effectRef idx="0">
-            <a:schemeClr val="accent1"/>
-          </a:effectRef>
-          <a:fontRef idx="minor">
-            <a:schemeClr val="tx1"/>
-          </a:fontRef>
-        </p:style>
-      </p:cxnSp>
-      <p:cxnSp>
-        <p:nvCxnSpPr>
-          <p:cNvPr id="16" name="Straight Arrow Connector 15">
-            <a:extLst>
-              <a:ext uri="{FF2B5EF4-FFF2-40B4-BE49-F238E27FC236}">
-                <a16:creationId xmlns:a16="http://schemas.microsoft.com/office/drawing/2014/main" id="{6E23AB64-6D0F-4724-8BCF-5F13DB394759}"/>
-              </a:ext>
-            </a:extLst>
-          </p:cNvPr>
-          <p:cNvCxnSpPr>
-            <a:cxnSpLocks/>
-          </p:cNvCxnSpPr>
-          <p:nvPr/>
-        </p:nvCxnSpPr>
-        <p:spPr>
-          <a:xfrm>
-            <a:off x="9550954" y="1395820"/>
-            <a:ext cx="480942" cy="3335206"/>
-          </a:xfrm>
-          <a:prstGeom prst="straightConnector1">
-            <a:avLst/>
-          </a:prstGeom>
-          <a:ln w="38100">
-            <a:solidFill>
-              <a:srgbClr val="FF0000"/>
-            </a:solidFill>
-            <a:tailEnd type="triangle"/>
-          </a:ln>
-        </p:spPr>
-        <p:style>
-          <a:lnRef idx="1">
-            <a:schemeClr val="accent1"/>
-          </a:lnRef>
-          <a:fillRef idx="0">
-            <a:schemeClr val="accent1"/>
-          </a:fillRef>
-          <a:effectRef idx="0">
-            <a:schemeClr val="accent1"/>
-          </a:effectRef>
-          <a:fontRef idx="minor">
-            <a:schemeClr val="tx1"/>
-          </a:fontRef>
-        </p:style>
-      </p:cxnSp>
-      <p:sp>
-        <p:nvSpPr>
-          <p:cNvPr id="18" name="TextBox 17">
-            <a:extLst>
-              <a:ext uri="{FF2B5EF4-FFF2-40B4-BE49-F238E27FC236}">
-                <a16:creationId xmlns:a16="http://schemas.microsoft.com/office/drawing/2014/main" id="{FD9E9AB3-9B71-405D-9948-FB7FA871BCB2}"/>
-              </a:ext>
-            </a:extLst>
-          </p:cNvPr>
-          <p:cNvSpPr txBox="1"/>
-          <p:nvPr/>
-        </p:nvSpPr>
-        <p:spPr>
-          <a:xfrm>
-            <a:off x="10683254" y="6141861"/>
-            <a:ext cx="1508746" cy="461665"/>
-          </a:xfrm>
-          <a:prstGeom prst="rect">
-            <a:avLst/>
-          </a:prstGeom>
-          <a:noFill/>
-        </p:spPr>
-        <p:txBody>
-          <a:bodyPr wrap="none" rtlCol="0">
-            <a:spAutoFit/>
-          </a:bodyPr>
-          <a:lstStyle/>
-          <a:p>
-            <a:r>
-              <a:rPr lang="en-IE" sz="2400" b="1" dirty="0">
-                <a:solidFill>
-                  <a:srgbClr val="FF0000"/>
-                </a:solidFill>
-              </a:rPr>
-              <a:t>Long Lines</a:t>
-            </a:r>
-          </a:p>
-        </p:txBody>
-      </p:sp>
-      <p:sp>
-        <p:nvSpPr>
-          <p:cNvPr id="19" name="TextBox 18">
-            <a:extLst>
-              <a:ext uri="{FF2B5EF4-FFF2-40B4-BE49-F238E27FC236}">
-                <a16:creationId xmlns:a16="http://schemas.microsoft.com/office/drawing/2014/main" id="{B3CFF511-4E4F-4D14-A0F2-39A0318DFB4F}"/>
-              </a:ext>
-            </a:extLst>
-          </p:cNvPr>
-          <p:cNvSpPr txBox="1"/>
-          <p:nvPr/>
-        </p:nvSpPr>
-        <p:spPr>
-          <a:xfrm>
-            <a:off x="-77100" y="2822713"/>
-            <a:ext cx="1595309" cy="461665"/>
-          </a:xfrm>
-          <a:prstGeom prst="rect">
-            <a:avLst/>
-          </a:prstGeom>
-          <a:noFill/>
-        </p:spPr>
-        <p:txBody>
-          <a:bodyPr wrap="none" rtlCol="0">
-            <a:spAutoFit/>
-          </a:bodyPr>
-          <a:lstStyle/>
-          <a:p>
-            <a:r>
-              <a:rPr lang="en-IE" sz="2400" b="1" dirty="0">
-                <a:solidFill>
-                  <a:srgbClr val="FF0000"/>
-                </a:solidFill>
-              </a:rPr>
-              <a:t>Short Lines</a:t>
-            </a:r>
-          </a:p>
-        </p:txBody>
-      </p:sp>
-    </p:spTree>
-    <p:extLst>
-      <p:ext uri="{BB962C8B-B14F-4D97-AF65-F5344CB8AC3E}">
-        <p14:creationId xmlns:p14="http://schemas.microsoft.com/office/powerpoint/2010/main" val="4192701620"/>
       </p:ext>
     </p:extLst>
   </p:cSld>
@@ -26301,6 +26597,439 @@
           <a:chExt cx="0" cy="0"/>
         </a:xfrm>
       </p:grpSpPr>
+      <p:sp>
+        <p:nvSpPr>
+          <p:cNvPr id="2" name="Title 1">
+            <a:extLst>
+              <a:ext uri="{FF2B5EF4-FFF2-40B4-BE49-F238E27FC236}">
+                <a16:creationId xmlns:a16="http://schemas.microsoft.com/office/drawing/2014/main" id="{444FC6A2-5A40-4204-A08E-B7176AFEB2AF}"/>
+              </a:ext>
+            </a:extLst>
+          </p:cNvPr>
+          <p:cNvSpPr>
+            <a:spLocks noGrp="1"/>
+          </p:cNvSpPr>
+          <p:nvPr>
+            <p:ph type="title"/>
+          </p:nvPr>
+        </p:nvSpPr>
+        <p:spPr>
+          <a:xfrm>
+            <a:off x="426483" y="179593"/>
+            <a:ext cx="11049900" cy="1066111"/>
+          </a:xfrm>
+        </p:spPr>
+        <p:txBody>
+          <a:bodyPr>
+            <a:normAutofit fontScale="90000"/>
+          </a:bodyPr>
+          <a:lstStyle/>
+          <a:p>
+            <a:r>
+              <a:rPr lang="en-IE" dirty="0"/>
+              <a:t>Spartan 6 XC6SLX9, at a max </a:t>
+            </a:r>
+            <a:r>
+              <a:rPr lang="en-IE" b="1" dirty="0"/>
+              <a:t>zoom</a:t>
+            </a:r>
+            <a:br>
+              <a:rPr lang="en-IE" dirty="0"/>
+            </a:br>
+            <a:endParaRPr lang="en-IE" dirty="0"/>
+          </a:p>
+        </p:txBody>
+      </p:sp>
+      <p:pic>
+        <p:nvPicPr>
+          <p:cNvPr id="3" name="Picture 2">
+            <a:extLst>
+              <a:ext uri="{FF2B5EF4-FFF2-40B4-BE49-F238E27FC236}">
+                <a16:creationId xmlns:a16="http://schemas.microsoft.com/office/drawing/2014/main" id="{9629B7CF-227B-4D96-8372-365AEDA4C01F}"/>
+              </a:ext>
+            </a:extLst>
+          </p:cNvPr>
+          <p:cNvPicPr>
+            <a:picLocks noChangeAspect="1"/>
+          </p:cNvPicPr>
+          <p:nvPr/>
+        </p:nvPicPr>
+        <p:blipFill>
+          <a:blip r:embed="rId2"/>
+          <a:stretch>
+            <a:fillRect/>
+          </a:stretch>
+        </p:blipFill>
+        <p:spPr>
+          <a:xfrm>
+            <a:off x="0" y="855678"/>
+            <a:ext cx="12192000" cy="6002322"/>
+          </a:xfrm>
+          <a:prstGeom prst="rect">
+            <a:avLst/>
+          </a:prstGeom>
+        </p:spPr>
+      </p:pic>
+      <p:sp>
+        <p:nvSpPr>
+          <p:cNvPr id="5" name="TextBox 4">
+            <a:extLst>
+              <a:ext uri="{FF2B5EF4-FFF2-40B4-BE49-F238E27FC236}">
+                <a16:creationId xmlns:a16="http://schemas.microsoft.com/office/drawing/2014/main" id="{E32D0904-BF6D-4255-AC17-06FE04A76285}"/>
+              </a:ext>
+            </a:extLst>
+          </p:cNvPr>
+          <p:cNvSpPr txBox="1"/>
+          <p:nvPr/>
+        </p:nvSpPr>
+        <p:spPr>
+          <a:xfrm>
+            <a:off x="6347791" y="6002322"/>
+            <a:ext cx="2201693" cy="461665"/>
+          </a:xfrm>
+          <a:prstGeom prst="rect">
+            <a:avLst/>
+          </a:prstGeom>
+          <a:noFill/>
+        </p:spPr>
+        <p:txBody>
+          <a:bodyPr wrap="none" rtlCol="0">
+            <a:spAutoFit/>
+          </a:bodyPr>
+          <a:lstStyle/>
+          <a:p>
+            <a:r>
+              <a:rPr lang="en-IE" sz="2400" b="1" dirty="0">
+                <a:solidFill>
+                  <a:srgbClr val="FF0000"/>
+                </a:solidFill>
+              </a:rPr>
+              <a:t>Switch matrixes</a:t>
+            </a:r>
+          </a:p>
+        </p:txBody>
+      </p:sp>
+      <p:cxnSp>
+        <p:nvCxnSpPr>
+          <p:cNvPr id="7" name="Straight Arrow Connector 6">
+            <a:extLst>
+              <a:ext uri="{FF2B5EF4-FFF2-40B4-BE49-F238E27FC236}">
+                <a16:creationId xmlns:a16="http://schemas.microsoft.com/office/drawing/2014/main" id="{9EAD1622-FE71-4956-87DD-2C5FCE67CAD9}"/>
+              </a:ext>
+            </a:extLst>
+          </p:cNvPr>
+          <p:cNvCxnSpPr>
+            <a:stCxn id="5" idx="1"/>
+          </p:cNvCxnSpPr>
+          <p:nvPr/>
+        </p:nvCxnSpPr>
+        <p:spPr>
+          <a:xfrm flipH="1" flipV="1">
+            <a:off x="4399722" y="5632174"/>
+            <a:ext cx="1948069" cy="600981"/>
+          </a:xfrm>
+          <a:prstGeom prst="straightConnector1">
+            <a:avLst/>
+          </a:prstGeom>
+          <a:ln w="38100">
+            <a:solidFill>
+              <a:srgbClr val="FF0000"/>
+            </a:solidFill>
+            <a:tailEnd type="triangle"/>
+          </a:ln>
+        </p:spPr>
+        <p:style>
+          <a:lnRef idx="1">
+            <a:schemeClr val="accent1"/>
+          </a:lnRef>
+          <a:fillRef idx="0">
+            <a:schemeClr val="accent1"/>
+          </a:fillRef>
+          <a:effectRef idx="0">
+            <a:schemeClr val="accent1"/>
+          </a:effectRef>
+          <a:fontRef idx="minor">
+            <a:schemeClr val="tx1"/>
+          </a:fontRef>
+        </p:style>
+      </p:cxnSp>
+      <p:cxnSp>
+        <p:nvCxnSpPr>
+          <p:cNvPr id="11" name="Straight Arrow Connector 10">
+            <a:extLst>
+              <a:ext uri="{FF2B5EF4-FFF2-40B4-BE49-F238E27FC236}">
+                <a16:creationId xmlns:a16="http://schemas.microsoft.com/office/drawing/2014/main" id="{9DA95C71-1F50-4F3B-83D7-37083A3F8EA1}"/>
+              </a:ext>
+            </a:extLst>
+          </p:cNvPr>
+          <p:cNvCxnSpPr/>
+          <p:nvPr/>
+        </p:nvCxnSpPr>
+        <p:spPr>
+          <a:xfrm flipV="1">
+            <a:off x="8189843" y="5608309"/>
+            <a:ext cx="781879" cy="624845"/>
+          </a:xfrm>
+          <a:prstGeom prst="straightConnector1">
+            <a:avLst/>
+          </a:prstGeom>
+          <a:ln w="38100">
+            <a:solidFill>
+              <a:srgbClr val="FF0000"/>
+            </a:solidFill>
+            <a:tailEnd type="triangle"/>
+          </a:ln>
+        </p:spPr>
+        <p:style>
+          <a:lnRef idx="1">
+            <a:schemeClr val="accent1"/>
+          </a:lnRef>
+          <a:fillRef idx="0">
+            <a:schemeClr val="accent1"/>
+          </a:fillRef>
+          <a:effectRef idx="0">
+            <a:schemeClr val="accent1"/>
+          </a:effectRef>
+          <a:fontRef idx="minor">
+            <a:schemeClr val="tx1"/>
+          </a:fontRef>
+        </p:style>
+      </p:cxnSp>
+      <p:sp>
+        <p:nvSpPr>
+          <p:cNvPr id="12" name="TextBox 11">
+            <a:extLst>
+              <a:ext uri="{FF2B5EF4-FFF2-40B4-BE49-F238E27FC236}">
+                <a16:creationId xmlns:a16="http://schemas.microsoft.com/office/drawing/2014/main" id="{39395538-F07E-4622-B5DC-E03BAE30056E}"/>
+              </a:ext>
+            </a:extLst>
+          </p:cNvPr>
+          <p:cNvSpPr txBox="1"/>
+          <p:nvPr/>
+        </p:nvSpPr>
+        <p:spPr>
+          <a:xfrm>
+            <a:off x="8766313" y="1014871"/>
+            <a:ext cx="1469890" cy="461665"/>
+          </a:xfrm>
+          <a:prstGeom prst="rect">
+            <a:avLst/>
+          </a:prstGeom>
+          <a:noFill/>
+        </p:spPr>
+        <p:txBody>
+          <a:bodyPr wrap="none" rtlCol="0">
+            <a:spAutoFit/>
+          </a:bodyPr>
+          <a:lstStyle/>
+          <a:p>
+            <a:r>
+              <a:rPr lang="en-IE" sz="2400" b="1" dirty="0">
+                <a:solidFill>
+                  <a:srgbClr val="FF0000"/>
+                </a:solidFill>
+              </a:rPr>
+              <a:t>Two slices</a:t>
+            </a:r>
+          </a:p>
+        </p:txBody>
+      </p:sp>
+      <p:cxnSp>
+        <p:nvCxnSpPr>
+          <p:cNvPr id="13" name="Straight Arrow Connector 12">
+            <a:extLst>
+              <a:ext uri="{FF2B5EF4-FFF2-40B4-BE49-F238E27FC236}">
+                <a16:creationId xmlns:a16="http://schemas.microsoft.com/office/drawing/2014/main" id="{089BB4A1-C942-46D1-994D-7652885899A9}"/>
+              </a:ext>
+            </a:extLst>
+          </p:cNvPr>
+          <p:cNvCxnSpPr>
+            <a:cxnSpLocks/>
+          </p:cNvCxnSpPr>
+          <p:nvPr/>
+        </p:nvCxnSpPr>
+        <p:spPr>
+          <a:xfrm>
+            <a:off x="10137913" y="1404897"/>
+            <a:ext cx="636104" cy="1431068"/>
+          </a:xfrm>
+          <a:prstGeom prst="straightConnector1">
+            <a:avLst/>
+          </a:prstGeom>
+          <a:ln w="38100">
+            <a:solidFill>
+              <a:srgbClr val="FF0000"/>
+            </a:solidFill>
+            <a:tailEnd type="triangle"/>
+          </a:ln>
+        </p:spPr>
+        <p:style>
+          <a:lnRef idx="1">
+            <a:schemeClr val="accent1"/>
+          </a:lnRef>
+          <a:fillRef idx="0">
+            <a:schemeClr val="accent1"/>
+          </a:fillRef>
+          <a:effectRef idx="0">
+            <a:schemeClr val="accent1"/>
+          </a:effectRef>
+          <a:fontRef idx="minor">
+            <a:schemeClr val="tx1"/>
+          </a:fontRef>
+        </p:style>
+      </p:cxnSp>
+      <p:cxnSp>
+        <p:nvCxnSpPr>
+          <p:cNvPr id="16" name="Straight Arrow Connector 15">
+            <a:extLst>
+              <a:ext uri="{FF2B5EF4-FFF2-40B4-BE49-F238E27FC236}">
+                <a16:creationId xmlns:a16="http://schemas.microsoft.com/office/drawing/2014/main" id="{6E23AB64-6D0F-4724-8BCF-5F13DB394759}"/>
+              </a:ext>
+            </a:extLst>
+          </p:cNvPr>
+          <p:cNvCxnSpPr>
+            <a:cxnSpLocks/>
+          </p:cNvCxnSpPr>
+          <p:nvPr/>
+        </p:nvCxnSpPr>
+        <p:spPr>
+          <a:xfrm>
+            <a:off x="9550954" y="1395820"/>
+            <a:ext cx="480942" cy="3335206"/>
+          </a:xfrm>
+          <a:prstGeom prst="straightConnector1">
+            <a:avLst/>
+          </a:prstGeom>
+          <a:ln w="38100">
+            <a:solidFill>
+              <a:srgbClr val="FF0000"/>
+            </a:solidFill>
+            <a:tailEnd type="triangle"/>
+          </a:ln>
+        </p:spPr>
+        <p:style>
+          <a:lnRef idx="1">
+            <a:schemeClr val="accent1"/>
+          </a:lnRef>
+          <a:fillRef idx="0">
+            <a:schemeClr val="accent1"/>
+          </a:fillRef>
+          <a:effectRef idx="0">
+            <a:schemeClr val="accent1"/>
+          </a:effectRef>
+          <a:fontRef idx="minor">
+            <a:schemeClr val="tx1"/>
+          </a:fontRef>
+        </p:style>
+      </p:cxnSp>
+      <p:sp>
+        <p:nvSpPr>
+          <p:cNvPr id="18" name="TextBox 17">
+            <a:extLst>
+              <a:ext uri="{FF2B5EF4-FFF2-40B4-BE49-F238E27FC236}">
+                <a16:creationId xmlns:a16="http://schemas.microsoft.com/office/drawing/2014/main" id="{FD9E9AB3-9B71-405D-9948-FB7FA871BCB2}"/>
+              </a:ext>
+            </a:extLst>
+          </p:cNvPr>
+          <p:cNvSpPr txBox="1"/>
+          <p:nvPr/>
+        </p:nvSpPr>
+        <p:spPr>
+          <a:xfrm>
+            <a:off x="10683254" y="6141861"/>
+            <a:ext cx="1508746" cy="461665"/>
+          </a:xfrm>
+          <a:prstGeom prst="rect">
+            <a:avLst/>
+          </a:prstGeom>
+          <a:noFill/>
+        </p:spPr>
+        <p:txBody>
+          <a:bodyPr wrap="none" rtlCol="0">
+            <a:spAutoFit/>
+          </a:bodyPr>
+          <a:lstStyle/>
+          <a:p>
+            <a:r>
+              <a:rPr lang="en-IE" sz="2400" b="1" dirty="0">
+                <a:solidFill>
+                  <a:srgbClr val="FF0000"/>
+                </a:solidFill>
+              </a:rPr>
+              <a:t>Long Lines</a:t>
+            </a:r>
+          </a:p>
+        </p:txBody>
+      </p:sp>
+      <p:sp>
+        <p:nvSpPr>
+          <p:cNvPr id="19" name="TextBox 18">
+            <a:extLst>
+              <a:ext uri="{FF2B5EF4-FFF2-40B4-BE49-F238E27FC236}">
+                <a16:creationId xmlns:a16="http://schemas.microsoft.com/office/drawing/2014/main" id="{B3CFF511-4E4F-4D14-A0F2-39A0318DFB4F}"/>
+              </a:ext>
+            </a:extLst>
+          </p:cNvPr>
+          <p:cNvSpPr txBox="1"/>
+          <p:nvPr/>
+        </p:nvSpPr>
+        <p:spPr>
+          <a:xfrm>
+            <a:off x="-77100" y="2822713"/>
+            <a:ext cx="1595309" cy="461665"/>
+          </a:xfrm>
+          <a:prstGeom prst="rect">
+            <a:avLst/>
+          </a:prstGeom>
+          <a:noFill/>
+        </p:spPr>
+        <p:txBody>
+          <a:bodyPr wrap="none" rtlCol="0">
+            <a:spAutoFit/>
+          </a:bodyPr>
+          <a:lstStyle/>
+          <a:p>
+            <a:r>
+              <a:rPr lang="en-IE" sz="2400" b="1" dirty="0">
+                <a:solidFill>
+                  <a:srgbClr val="FF0000"/>
+                </a:solidFill>
+              </a:rPr>
+              <a:t>Short Lines</a:t>
+            </a:r>
+          </a:p>
+        </p:txBody>
+      </p:sp>
+    </p:spTree>
+    <p:extLst>
+      <p:ext uri="{BB962C8B-B14F-4D97-AF65-F5344CB8AC3E}">
+        <p14:creationId xmlns:p14="http://schemas.microsoft.com/office/powerpoint/2010/main" val="4192701620"/>
+      </p:ext>
+    </p:extLst>
+  </p:cSld>
+  <p:clrMapOvr>
+    <a:masterClrMapping/>
+  </p:clrMapOvr>
+</p:sld>
+</file>
+
+<file path=ppt/slides/slide81.xml><?xml version="1.0" encoding="utf-8"?>
+<p:sld xmlns:a="http://schemas.openxmlformats.org/drawingml/2006/main" xmlns:r="http://schemas.openxmlformats.org/officeDocument/2006/relationships" xmlns:p="http://schemas.openxmlformats.org/presentationml/2006/main">
+  <p:cSld>
+    <p:spTree>
+      <p:nvGrpSpPr>
+        <p:cNvPr id="1" name=""/>
+        <p:cNvGrpSpPr/>
+        <p:nvPr/>
+      </p:nvGrpSpPr>
+      <p:grpSpPr>
+        <a:xfrm>
+          <a:off x="0" y="0"/>
+          <a:ext cx="0" cy="0"/>
+          <a:chOff x="0" y="0"/>
+          <a:chExt cx="0" cy="0"/>
+        </a:xfrm>
+      </p:grpSpPr>
       <p:pic>
         <p:nvPicPr>
           <p:cNvPr id="5" name="Picture 4">
@@ -26851,86 +27580,6 @@
 </p:sld>
 </file>
 
-<file path=ppt/slides/slide81.xml><?xml version="1.0" encoding="utf-8"?>
-<p:sld xmlns:a="http://schemas.openxmlformats.org/drawingml/2006/main" xmlns:r="http://schemas.openxmlformats.org/officeDocument/2006/relationships" xmlns:p="http://schemas.openxmlformats.org/presentationml/2006/main">
-  <p:cSld>
-    <p:spTree>
-      <p:nvGrpSpPr>
-        <p:cNvPr id="1" name=""/>
-        <p:cNvGrpSpPr/>
-        <p:nvPr/>
-      </p:nvGrpSpPr>
-      <p:grpSpPr>
-        <a:xfrm>
-          <a:off x="0" y="0"/>
-          <a:ext cx="0" cy="0"/>
-          <a:chOff x="0" y="0"/>
-          <a:chExt cx="0" cy="0"/>
-        </a:xfrm>
-      </p:grpSpPr>
-      <p:sp>
-        <p:nvSpPr>
-          <p:cNvPr id="2" name="Title 1">
-            <a:extLst>
-              <a:ext uri="{FF2B5EF4-FFF2-40B4-BE49-F238E27FC236}">
-                <a16:creationId xmlns:a16="http://schemas.microsoft.com/office/drawing/2014/main" id="{8DADB110-BE21-4354-A06F-4FE635EE657E}"/>
-              </a:ext>
-            </a:extLst>
-          </p:cNvPr>
-          <p:cNvSpPr>
-            <a:spLocks noGrp="1"/>
-          </p:cNvSpPr>
-          <p:nvPr>
-            <p:ph type="title"/>
-          </p:nvPr>
-        </p:nvSpPr>
-        <p:spPr/>
-        <p:txBody>
-          <a:bodyPr/>
-          <a:lstStyle/>
-          <a:p>
-            <a:endParaRPr lang="en-IE" dirty="0"/>
-          </a:p>
-        </p:txBody>
-      </p:sp>
-      <p:sp>
-        <p:nvSpPr>
-          <p:cNvPr id="3" name="Content Placeholder 2">
-            <a:extLst>
-              <a:ext uri="{FF2B5EF4-FFF2-40B4-BE49-F238E27FC236}">
-                <a16:creationId xmlns:a16="http://schemas.microsoft.com/office/drawing/2014/main" id="{A21B914A-350F-40F1-A1EC-CD906C864E96}"/>
-              </a:ext>
-            </a:extLst>
-          </p:cNvPr>
-          <p:cNvSpPr>
-            <a:spLocks noGrp="1"/>
-          </p:cNvSpPr>
-          <p:nvPr>
-            <p:ph idx="1"/>
-          </p:nvPr>
-        </p:nvSpPr>
-        <p:spPr/>
-        <p:txBody>
-          <a:bodyPr/>
-          <a:lstStyle/>
-          <a:p>
-            <a:endParaRPr lang="en-IE" dirty="0"/>
-          </a:p>
-        </p:txBody>
-      </p:sp>
-    </p:spTree>
-    <p:extLst>
-      <p:ext uri="{BB962C8B-B14F-4D97-AF65-F5344CB8AC3E}">
-        <p14:creationId xmlns:p14="http://schemas.microsoft.com/office/powerpoint/2010/main" val="2748444816"/>
-      </p:ext>
-    </p:extLst>
-  </p:cSld>
-  <p:clrMapOvr>
-    <a:masterClrMapping/>
-  </p:clrMapOvr>
-</p:sld>
-</file>
-
 <file path=ppt/slides/slide82.xml><?xml version="1.0" encoding="utf-8"?>
 <p:sld xmlns:a="http://schemas.openxmlformats.org/drawingml/2006/main" xmlns:r="http://schemas.openxmlformats.org/officeDocument/2006/relationships" xmlns:p="http://schemas.openxmlformats.org/presentationml/2006/main">
   <p:cSld>
@@ -26953,6 +27602,86 @@
           <p:cNvPr id="2" name="Title 1">
             <a:extLst>
               <a:ext uri="{FF2B5EF4-FFF2-40B4-BE49-F238E27FC236}">
+                <a16:creationId xmlns:a16="http://schemas.microsoft.com/office/drawing/2014/main" id="{8DADB110-BE21-4354-A06F-4FE635EE657E}"/>
+              </a:ext>
+            </a:extLst>
+          </p:cNvPr>
+          <p:cNvSpPr>
+            <a:spLocks noGrp="1"/>
+          </p:cNvSpPr>
+          <p:nvPr>
+            <p:ph type="title"/>
+          </p:nvPr>
+        </p:nvSpPr>
+        <p:spPr/>
+        <p:txBody>
+          <a:bodyPr/>
+          <a:lstStyle/>
+          <a:p>
+            <a:endParaRPr lang="en-IE" dirty="0"/>
+          </a:p>
+        </p:txBody>
+      </p:sp>
+      <p:sp>
+        <p:nvSpPr>
+          <p:cNvPr id="3" name="Content Placeholder 2">
+            <a:extLst>
+              <a:ext uri="{FF2B5EF4-FFF2-40B4-BE49-F238E27FC236}">
+                <a16:creationId xmlns:a16="http://schemas.microsoft.com/office/drawing/2014/main" id="{A21B914A-350F-40F1-A1EC-CD906C864E96}"/>
+              </a:ext>
+            </a:extLst>
+          </p:cNvPr>
+          <p:cNvSpPr>
+            <a:spLocks noGrp="1"/>
+          </p:cNvSpPr>
+          <p:nvPr>
+            <p:ph idx="1"/>
+          </p:nvPr>
+        </p:nvSpPr>
+        <p:spPr/>
+        <p:txBody>
+          <a:bodyPr/>
+          <a:lstStyle/>
+          <a:p>
+            <a:endParaRPr lang="en-IE" dirty="0"/>
+          </a:p>
+        </p:txBody>
+      </p:sp>
+    </p:spTree>
+    <p:extLst>
+      <p:ext uri="{BB962C8B-B14F-4D97-AF65-F5344CB8AC3E}">
+        <p14:creationId xmlns:p14="http://schemas.microsoft.com/office/powerpoint/2010/main" val="2748444816"/>
+      </p:ext>
+    </p:extLst>
+  </p:cSld>
+  <p:clrMapOvr>
+    <a:masterClrMapping/>
+  </p:clrMapOvr>
+</p:sld>
+</file>
+
+<file path=ppt/slides/slide83.xml><?xml version="1.0" encoding="utf-8"?>
+<p:sld xmlns:a="http://schemas.openxmlformats.org/drawingml/2006/main" xmlns:r="http://schemas.openxmlformats.org/officeDocument/2006/relationships" xmlns:p="http://schemas.openxmlformats.org/presentationml/2006/main">
+  <p:cSld>
+    <p:spTree>
+      <p:nvGrpSpPr>
+        <p:cNvPr id="1" name=""/>
+        <p:cNvGrpSpPr/>
+        <p:nvPr/>
+      </p:nvGrpSpPr>
+      <p:grpSpPr>
+        <a:xfrm>
+          <a:off x="0" y="0"/>
+          <a:ext cx="0" cy="0"/>
+          <a:chOff x="0" y="0"/>
+          <a:chExt cx="0" cy="0"/>
+        </a:xfrm>
+      </p:grpSpPr>
+      <p:sp>
+        <p:nvSpPr>
+          <p:cNvPr id="2" name="Title 1">
+            <a:extLst>
+              <a:ext uri="{FF2B5EF4-FFF2-40B4-BE49-F238E27FC236}">
                 <a16:creationId xmlns:a16="http://schemas.microsoft.com/office/drawing/2014/main" id="{2500A37E-007C-49A6-905B-3E39F783125F}"/>
               </a:ext>
             </a:extLst>
@@ -27011,7 +27740,7 @@
 </p:sld>
 </file>
 
-<file path=ppt/slides/slide83.xml><?xml version="1.0" encoding="utf-8"?>
+<file path=ppt/slides/slide84.xml><?xml version="1.0" encoding="utf-8"?>
 <p:sld xmlns:a="http://schemas.openxmlformats.org/drawingml/2006/main" xmlns:r="http://schemas.openxmlformats.org/officeDocument/2006/relationships" xmlns:p="http://schemas.openxmlformats.org/presentationml/2006/main">
   <p:cSld>
     <p:spTree>
@@ -27206,7 +27935,7 @@
 </p:sld>
 </file>
 
-<file path=ppt/slides/slide84.xml><?xml version="1.0" encoding="utf-8"?>
+<file path=ppt/slides/slide85.xml><?xml version="1.0" encoding="utf-8"?>
 <p:sld xmlns:a="http://schemas.openxmlformats.org/drawingml/2006/main" xmlns:r="http://schemas.openxmlformats.org/officeDocument/2006/relationships" xmlns:p="http://schemas.openxmlformats.org/presentationml/2006/main">
   <p:cSld>
     <p:spTree>
